--- a/clean-code.pptx
+++ b/clean-code.pptx
@@ -32,7 +32,7 @@
     <p:sldId id="274" r:id="rId24"/>
     <p:sldId id="275" r:id="rId25"/>
     <p:sldId id="276" r:id="rId26"/>
-    <p:sldId id="277" r:id="rId27"/>
+    <p:sldId id="305" r:id="rId27"/>
     <p:sldId id="278" r:id="rId28"/>
     <p:sldId id="279" r:id="rId29"/>
     <p:sldId id="280" r:id="rId30"/>
@@ -192,7 +192,7 @@
             <p14:sldId id="274"/>
             <p14:sldId id="275"/>
             <p14:sldId id="276"/>
-            <p14:sldId id="277"/>
+            <p14:sldId id="305"/>
             <p14:sldId id="278"/>
           </p14:sldIdLst>
         </p14:section>
@@ -8042,7 +8042,7 @@
     </p:spTree>
     <p:extLst>
       <p:ext uri="{BB962C8B-B14F-4D97-AF65-F5344CB8AC3E}">
-        <p14:creationId xmlns:p14="http://schemas.microsoft.com/office/powerpoint/2010/main" val="1237596951"/>
+        <p14:creationId xmlns:p14="http://schemas.microsoft.com/office/powerpoint/2010/main" val="3807793143"/>
       </p:ext>
     </p:extLst>
   </p:cSld>
@@ -18400,16 +18400,15 @@
         </p:nvSpPr>
         <p:spPr/>
         <p:txBody>
-          <a:bodyPr anchor="ctr">
-            <a:normAutofit/>
-          </a:bodyPr>
+          <a:bodyPr/>
           <a:lstStyle/>
           <a:p>
-            <a:pPr marL="0" indent="0" algn="ctr">
-              <a:buNone/>
+            <a:pPr marL="514350" indent="-514350">
+              <a:buFont typeface="+mj-lt"/>
+              <a:buAutoNum type="arabicPeriod"/>
             </a:pPr>
             <a:r>
-              <a:rPr lang="ru-RU" sz="4000" dirty="0"/>
+              <a:rPr lang="ru-RU" dirty="0"/>
               <a:t>Не самоценно</a:t>
             </a:r>
           </a:p>
@@ -18425,12 +18424,7 @@
             <p:ph type="title"/>
           </p:nvPr>
         </p:nvSpPr>
-        <p:spPr>
-          <a:xfrm>
-            <a:off x="1295471" y="549278"/>
-            <a:ext cx="9601130" cy="792163"/>
-          </a:xfrm>
-        </p:spPr>
+        <p:spPr/>
         <p:txBody>
           <a:bodyPr>
             <a:noAutofit/>
@@ -18452,7 +18446,7 @@
     </p:spTree>
     <p:extLst>
       <p:ext uri="{BB962C8B-B14F-4D97-AF65-F5344CB8AC3E}">
-        <p14:creationId xmlns:p14="http://schemas.microsoft.com/office/powerpoint/2010/main" val="3310326969"/>
+        <p14:creationId xmlns:p14="http://schemas.microsoft.com/office/powerpoint/2010/main" val="831461716"/>
       </p:ext>
     </p:extLst>
   </p:cSld>
@@ -26528,18 +26522,30 @@
           <a:bodyPr/>
           <a:lstStyle/>
           <a:p>
+            <a:pPr marL="514350" indent="-514350">
+              <a:buFont typeface="+mj-lt"/>
+              <a:buAutoNum type="arabicPeriod"/>
+            </a:pPr>
             <a:r>
               <a:rPr lang="ru-RU" dirty="0"/>
               <a:t>Скрытый поток данных</a:t>
             </a:r>
           </a:p>
           <a:p>
+            <a:pPr marL="514350" indent="-514350">
+              <a:buFont typeface="+mj-lt"/>
+              <a:buAutoNum type="arabicPeriod"/>
+            </a:pPr>
             <a:r>
               <a:rPr lang="ru-RU" dirty="0"/>
               <a:t>Я так не объясняю</a:t>
             </a:r>
           </a:p>
           <a:p>
+            <a:pPr marL="514350" indent="-514350">
+              <a:buFont typeface="+mj-lt"/>
+              <a:buAutoNum type="arabicPeriod"/>
+            </a:pPr>
             <a:r>
               <a:rPr lang="ru-RU" dirty="0"/>
               <a:t>Ох, хочу кофе</a:t>
@@ -26547,6 +26553,10 @@
             <a:endParaRPr lang="en-US" dirty="0"/>
           </a:p>
           <a:p>
+            <a:pPr marL="514350" indent="-514350">
+              <a:buFont typeface="+mj-lt"/>
+              <a:buAutoNum type="arabicPeriod"/>
+            </a:pPr>
             <a:r>
               <a:rPr lang="ru-RU" dirty="0"/>
               <a:t>Чрезмерная навигация по коду</a:t>
@@ -29689,6 +29699,15 @@
 </file>
 
 <file path=customXml/item1.xml><?xml version="1.0" encoding="utf-8"?>
+<?mso-contentType ?>
+<FormTemplates xmlns="http://schemas.microsoft.com/sharepoint/v3/contenttype/forms">
+  <Display>DocumentLibraryForm</Display>
+  <Edit>DocumentLibraryForm</Edit>
+  <New>DocumentLibraryForm</New>
+</FormTemplates>
+</file>
+
+<file path=customXml/item2.xml><?xml version="1.0" encoding="utf-8"?>
 <ct:contentTypeSchema xmlns:ct="http://schemas.microsoft.com/office/2006/metadata/contentType" xmlns:ma="http://schemas.microsoft.com/office/2006/metadata/properties/metaAttributes" ct:_="" ma:_="" ma:contentTypeName="Документ" ma:contentTypeID="0x010100E346D4429ECB76409F7994AE89987FCA" ma:contentTypeVersion="0" ma:contentTypeDescription="Создание документа." ma:contentTypeScope="" ma:versionID="3cbcf180bdc4db4d624f0fe699415cfd">
   <xsd:schema xmlns:xsd="http://www.w3.org/2001/XMLSchema" xmlns:xs="http://www.w3.org/2001/XMLSchema" xmlns:p="http://schemas.microsoft.com/office/2006/metadata/properties" xmlns:ns2="0c9149cd-f996-4d9e-91c9-ce8e5945528f" targetNamespace="http://schemas.microsoft.com/office/2006/metadata/properties" ma:root="true" ma:fieldsID="8c6f0fecba2eaac0d733b3b653b3f5ff" ns2:_="">
     <xsd:import namespace="0c9149cd-f996-4d9e-91c9-ce8e5945528f"/>
@@ -29833,16 +29852,19 @@
 </ct:contentTypeSchema>
 </file>
 
-<file path=customXml/item2.xml><?xml version="1.0" encoding="utf-8"?>
-<?mso-contentType ?>
-<FormTemplates xmlns="http://schemas.microsoft.com/sharepoint/v3/contenttype/forms">
-  <Display>DocumentLibraryForm</Display>
-  <Edit>DocumentLibraryForm</Edit>
-  <New>DocumentLibraryForm</New>
-</FormTemplates>
+<file path=customXml/item3.xml><?xml version="1.0" encoding="utf-8"?>
+<p:properties xmlns:p="http://schemas.microsoft.com/office/2006/metadata/properties" xmlns:xsi="http://www.w3.org/2001/XMLSchema-instance" xmlns:pc="http://schemas.microsoft.com/office/infopath/2007/PartnerControls">
+  <documentManagement>
+    <_dlc_DocId xmlns="0c9149cd-f996-4d9e-91c9-ce8e5945528f">KQK76PRV35WE-1143-163</_dlc_DocId>
+    <_dlc_DocIdUrl xmlns="0c9149cd-f996-4d9e-91c9-ce8e5945528f">
+      <Url>https://sps.skbkontur.ru/Services/officespace/_layouts/DocIdRedir.aspx?ID=KQK76PRV35WE-1143-163</Url>
+      <Description>KQK76PRV35WE-1143-163</Description>
+    </_dlc_DocIdUrl>
+  </documentManagement>
+</p:properties>
 </file>
 
-<file path=customXml/item3.xml><?xml version="1.0" encoding="utf-8"?>
+<file path=customXml/item4.xml><?xml version="1.0" encoding="utf-8"?>
 <?mso-contentType ?>
 <spe:Receivers xmlns:spe="http://schemas.microsoft.com/sharepoint/events">
   <Receiver>
@@ -29888,19 +29910,15 @@
 </spe:Receivers>
 </file>
 
-<file path=customXml/item4.xml><?xml version="1.0" encoding="utf-8"?>
-<p:properties xmlns:p="http://schemas.microsoft.com/office/2006/metadata/properties" xmlns:xsi="http://www.w3.org/2001/XMLSchema-instance" xmlns:pc="http://schemas.microsoft.com/office/infopath/2007/PartnerControls">
-  <documentManagement>
-    <_dlc_DocId xmlns="0c9149cd-f996-4d9e-91c9-ce8e5945528f">KQK76PRV35WE-1143-163</_dlc_DocId>
-    <_dlc_DocIdUrl xmlns="0c9149cd-f996-4d9e-91c9-ce8e5945528f">
-      <Url>https://sps.skbkontur.ru/Services/officespace/_layouts/DocIdRedir.aspx?ID=KQK76PRV35WE-1143-163</Url>
-      <Description>KQK76PRV35WE-1143-163</Description>
-    </_dlc_DocIdUrl>
-  </documentManagement>
-</p:properties>
+<file path=customXml/itemProps1.xml><?xml version="1.0" encoding="utf-8"?>
+<ds:datastoreItem xmlns:ds="http://schemas.openxmlformats.org/officeDocument/2006/customXml" ds:itemID="{3C9FC0A9-D1C6-450E-992B-D3422A85EAB3}">
+  <ds:schemaRefs>
+    <ds:schemaRef ds:uri="http://schemas.microsoft.com/sharepoint/v3/contenttype/forms"/>
+  </ds:schemaRefs>
+</ds:datastoreItem>
 </file>
 
-<file path=customXml/itemProps1.xml><?xml version="1.0" encoding="utf-8"?>
+<file path=customXml/itemProps2.xml><?xml version="1.0" encoding="utf-8"?>
 <ds:datastoreItem xmlns:ds="http://schemas.openxmlformats.org/officeDocument/2006/customXml" ds:itemID="{392A0E88-C45E-4035-ACB1-85AF74E6A851}">
   <ds:schemaRefs>
     <ds:schemaRef ds:uri="http://schemas.microsoft.com/office/2006/metadata/contentType"/>
@@ -29918,23 +29936,7 @@
 </ds:datastoreItem>
 </file>
 
-<file path=customXml/itemProps2.xml><?xml version="1.0" encoding="utf-8"?>
-<ds:datastoreItem xmlns:ds="http://schemas.openxmlformats.org/officeDocument/2006/customXml" ds:itemID="{3C9FC0A9-D1C6-450E-992B-D3422A85EAB3}">
-  <ds:schemaRefs>
-    <ds:schemaRef ds:uri="http://schemas.microsoft.com/sharepoint/v3/contenttype/forms"/>
-  </ds:schemaRefs>
-</ds:datastoreItem>
-</file>
-
 <file path=customXml/itemProps3.xml><?xml version="1.0" encoding="utf-8"?>
-<ds:datastoreItem xmlns:ds="http://schemas.openxmlformats.org/officeDocument/2006/customXml" ds:itemID="{4D57F3B4-626C-48E6-A3BF-29668BFEB3E8}">
-  <ds:schemaRefs>
-    <ds:schemaRef ds:uri="http://schemas.microsoft.com/sharepoint/events"/>
-  </ds:schemaRefs>
-</ds:datastoreItem>
-</file>
-
-<file path=customXml/itemProps4.xml><?xml version="1.0" encoding="utf-8"?>
 <ds:datastoreItem xmlns:ds="http://schemas.openxmlformats.org/officeDocument/2006/customXml" ds:itemID="{45CE6859-96AE-4F55-91FD-B1143C1F920F}">
   <ds:schemaRefs>
     <ds:schemaRef ds:uri="http://schemas.microsoft.com/office/2006/documentManagement/types"/>
@@ -29948,4 +29950,12 @@
     <ds:schemaRef ds:uri="http://purl.org/dc/dcmitype/"/>
   </ds:schemaRefs>
 </ds:datastoreItem>
+</file>
+
+<file path=customXml/itemProps4.xml><?xml version="1.0" encoding="utf-8"?>
+<ds:datastoreItem xmlns:ds="http://schemas.openxmlformats.org/officeDocument/2006/customXml" ds:itemID="{4D57F3B4-626C-48E6-A3BF-29668BFEB3E8}">
+  <ds:schemaRefs>
+    <ds:schemaRef ds:uri="http://schemas.microsoft.com/sharepoint/events"/>
+  </ds:schemaRefs>
+</ds:datastoreItem>
 </file>
--- a/clean-code.pptx
+++ b/clean-code.pptx
@@ -7209,7 +7209,7 @@
           <a:p>
             <a:fld id="{CE3BC3F9-9C5B-4717-9F59-36DC790402FE}" type="datetimeFigureOut">
               <a:rPr lang="ru-RU" smtClean="0"/>
-              <a:t>07.10.2016</a:t>
+              <a:t>09.10.2016</a:t>
             </a:fld>
             <a:endParaRPr lang="ru-RU"/>
           </a:p>
@@ -7374,7 +7374,7 @@
           <a:p>
             <a:fld id="{BBBAA9EB-8042-420D-843C-EBFC35DD9FFD}" type="datetimeFigureOut">
               <a:rPr lang="ru-RU" smtClean="0"/>
-              <a:t>07.10.2016</a:t>
+              <a:t>09.10.2016</a:t>
             </a:fld>
             <a:endParaRPr lang="ru-RU"/>
           </a:p>
@@ -18872,7 +18872,7 @@
           <a:p>
             <a:r>
               <a:rPr lang="en-US" dirty="0"/>
-              <a:t>Samples/</a:t>
+              <a:t>Samples / </a:t>
             </a:r>
             <a:r>
               <a:rPr lang="en-US" dirty="0" err="1"/>
@@ -18882,6 +18882,54 @@
           </a:p>
         </p:txBody>
       </p:sp>
+      <p:pic>
+        <p:nvPicPr>
+          <p:cNvPr id="4" name="Picture 22" descr="C:\Users\sapogoff\Documents\sapogoff_work\SKB Kontur\01_presentation_templates\03_final\wmf_icons\документ.wmf"/>
+          <p:cNvPicPr>
+            <a:picLocks noChangeAspect="1" noChangeArrowheads="1"/>
+          </p:cNvPicPr>
+          <p:nvPr/>
+        </p:nvPicPr>
+        <p:blipFill>
+          <a:blip r:embed="rId2" cstate="print">
+            <a:duotone>
+              <a:schemeClr val="accent1">
+                <a:shade val="45000"/>
+                <a:satMod val="135000"/>
+              </a:schemeClr>
+              <a:prstClr val="white"/>
+            </a:duotone>
+            <a:extLst>
+              <a:ext uri="{28A0092B-C50C-407E-A947-70E740481C1C}">
+                <a14:useLocalDpi xmlns:a14="http://schemas.microsoft.com/office/drawing/2010/main" val="0"/>
+              </a:ext>
+            </a:extLst>
+          </a:blip>
+          <a:srcRect/>
+          <a:stretch>
+            <a:fillRect/>
+          </a:stretch>
+        </p:blipFill>
+        <p:spPr bwMode="auto">
+          <a:xfrm>
+            <a:off x="5448066" y="549275"/>
+            <a:ext cx="1296000" cy="1583684"/>
+          </a:xfrm>
+          <a:prstGeom prst="rect">
+            <a:avLst/>
+          </a:prstGeom>
+          <a:noFill/>
+          <a:extLst>
+            <a:ext uri="{909E8E84-426E-40DD-AFC4-6F175D3DCCD1}">
+              <a14:hiddenFill xmlns:a14="http://schemas.microsoft.com/office/drawing/2010/main">
+                <a:solidFill>
+                  <a:srgbClr val="FFFFFF"/>
+                </a:solidFill>
+              </a14:hiddenFill>
+            </a:ext>
+          </a:extLst>
+        </p:spPr>
+      </p:pic>
     </p:spTree>
     <p:extLst>
       <p:ext uri="{BB962C8B-B14F-4D97-AF65-F5344CB8AC3E}">
@@ -27993,7 +28041,7 @@
           <a:p>
             <a:r>
               <a:rPr lang="en-US" dirty="0"/>
-              <a:t>Samples/</a:t>
+              <a:t>Samples / </a:t>
             </a:r>
             <a:r>
               <a:rPr lang="en-US" dirty="0" err="1"/>
@@ -28003,6 +28051,54 @@
           </a:p>
         </p:txBody>
       </p:sp>
+      <p:pic>
+        <p:nvPicPr>
+          <p:cNvPr id="5" name="Picture 22" descr="C:\Users\sapogoff\Documents\sapogoff_work\SKB Kontur\01_presentation_templates\03_final\wmf_icons\документ.wmf"/>
+          <p:cNvPicPr>
+            <a:picLocks noChangeAspect="1" noChangeArrowheads="1"/>
+          </p:cNvPicPr>
+          <p:nvPr/>
+        </p:nvPicPr>
+        <p:blipFill>
+          <a:blip r:embed="rId2" cstate="print">
+            <a:duotone>
+              <a:schemeClr val="accent1">
+                <a:shade val="45000"/>
+                <a:satMod val="135000"/>
+              </a:schemeClr>
+              <a:prstClr val="white"/>
+            </a:duotone>
+            <a:extLst>
+              <a:ext uri="{28A0092B-C50C-407E-A947-70E740481C1C}">
+                <a14:useLocalDpi xmlns:a14="http://schemas.microsoft.com/office/drawing/2010/main" val="0"/>
+              </a:ext>
+            </a:extLst>
+          </a:blip>
+          <a:srcRect/>
+          <a:stretch>
+            <a:fillRect/>
+          </a:stretch>
+        </p:blipFill>
+        <p:spPr bwMode="auto">
+          <a:xfrm>
+            <a:off x="5448066" y="549275"/>
+            <a:ext cx="1296000" cy="1583684"/>
+          </a:xfrm>
+          <a:prstGeom prst="rect">
+            <a:avLst/>
+          </a:prstGeom>
+          <a:noFill/>
+          <a:extLst>
+            <a:ext uri="{909E8E84-426E-40DD-AFC4-6F175D3DCCD1}">
+              <a14:hiddenFill xmlns:a14="http://schemas.microsoft.com/office/drawing/2010/main">
+                <a:solidFill>
+                  <a:srgbClr val="FFFFFF"/>
+                </a:solidFill>
+              </a14:hiddenFill>
+            </a:ext>
+          </a:extLst>
+        </p:spPr>
+      </p:pic>
     </p:spTree>
     <p:extLst>
       <p:ext uri="{BB962C8B-B14F-4D97-AF65-F5344CB8AC3E}">
@@ -28920,7 +29016,7 @@
         <a:srgbClr val="2B91AF"/>
       </a:accent5>
       <a:accent6>
-        <a:srgbClr val="F79646"/>
+        <a:srgbClr val="A31515"/>
       </a:accent6>
       <a:hlink>
         <a:srgbClr val="0070C0"/>

--- a/clean-code.pptx
+++ b/clean-code.pptx
@@ -7209,7 +7209,7 @@
           <a:p>
             <a:fld id="{CE3BC3F9-9C5B-4717-9F59-36DC790402FE}" type="datetimeFigureOut">
               <a:rPr lang="ru-RU" smtClean="0"/>
-              <a:t>09.10.2016</a:t>
+              <a:t>16.10.2016</a:t>
             </a:fld>
             <a:endParaRPr lang="ru-RU"/>
           </a:p>
@@ -7374,7 +7374,7 @@
           <a:p>
             <a:fld id="{BBBAA9EB-8042-420D-843C-EBFC35DD9FFD}" type="datetimeFigureOut">
               <a:rPr lang="ru-RU" smtClean="0"/>
-              <a:t>09.10.2016</a:t>
+              <a:t>16.10.2016</a:t>
             </a:fld>
             <a:endParaRPr lang="ru-RU"/>
           </a:p>
@@ -27871,7 +27871,7 @@
           <a:lstStyle/>
           <a:p>
             <a:r>
-              <a:rPr lang="ru-RU" sz="4000" dirty="0">
+              <a:rPr lang="ru-RU" dirty="0">
                 <a:solidFill>
                   <a:schemeClr val="tx1"/>
                 </a:solidFill>
@@ -27879,14 +27879,14 @@
               <a:t>Спецзадание</a:t>
             </a:r>
             <a:r>
-              <a:rPr lang="ru-RU" sz="4000" dirty="0"/>
+              <a:rPr lang="ru-RU" dirty="0"/>
               <a:t> </a:t>
             </a:r>
             <a:r>
-              <a:rPr lang="en-US" sz="4000" dirty="0"/>
+              <a:rPr lang="en-US" dirty="0"/>
               <a:t>bad composability</a:t>
             </a:r>
-            <a:endParaRPr lang="ru-RU" sz="4000" dirty="0"/>
+            <a:endParaRPr lang="ru-RU" dirty="0"/>
           </a:p>
         </p:txBody>
       </p:sp>
@@ -29795,15 +29795,6 @@
 </file>
 
 <file path=customXml/item1.xml><?xml version="1.0" encoding="utf-8"?>
-<?mso-contentType ?>
-<FormTemplates xmlns="http://schemas.microsoft.com/sharepoint/v3/contenttype/forms">
-  <Display>DocumentLibraryForm</Display>
-  <Edit>DocumentLibraryForm</Edit>
-  <New>DocumentLibraryForm</New>
-</FormTemplates>
-</file>
-
-<file path=customXml/item2.xml><?xml version="1.0" encoding="utf-8"?>
 <ct:contentTypeSchema xmlns:ct="http://schemas.microsoft.com/office/2006/metadata/contentType" xmlns:ma="http://schemas.microsoft.com/office/2006/metadata/properties/metaAttributes" ct:_="" ma:_="" ma:contentTypeName="Документ" ma:contentTypeID="0x010100E346D4429ECB76409F7994AE89987FCA" ma:contentTypeVersion="0" ma:contentTypeDescription="Создание документа." ma:contentTypeScope="" ma:versionID="3cbcf180bdc4db4d624f0fe699415cfd">
   <xsd:schema xmlns:xsd="http://www.w3.org/2001/XMLSchema" xmlns:xs="http://www.w3.org/2001/XMLSchema" xmlns:p="http://schemas.microsoft.com/office/2006/metadata/properties" xmlns:ns2="0c9149cd-f996-4d9e-91c9-ce8e5945528f" targetNamespace="http://schemas.microsoft.com/office/2006/metadata/properties" ma:root="true" ma:fieldsID="8c6f0fecba2eaac0d733b3b653b3f5ff" ns2:_="">
     <xsd:import namespace="0c9149cd-f996-4d9e-91c9-ce8e5945528f"/>
@@ -29948,19 +29939,16 @@
 </ct:contentTypeSchema>
 </file>
 
-<file path=customXml/item3.xml><?xml version="1.0" encoding="utf-8"?>
-<p:properties xmlns:p="http://schemas.microsoft.com/office/2006/metadata/properties" xmlns:xsi="http://www.w3.org/2001/XMLSchema-instance" xmlns:pc="http://schemas.microsoft.com/office/infopath/2007/PartnerControls">
-  <documentManagement>
-    <_dlc_DocId xmlns="0c9149cd-f996-4d9e-91c9-ce8e5945528f">KQK76PRV35WE-1143-163</_dlc_DocId>
-    <_dlc_DocIdUrl xmlns="0c9149cd-f996-4d9e-91c9-ce8e5945528f">
-      <Url>https://sps.skbkontur.ru/Services/officespace/_layouts/DocIdRedir.aspx?ID=KQK76PRV35WE-1143-163</Url>
-      <Description>KQK76PRV35WE-1143-163</Description>
-    </_dlc_DocIdUrl>
-  </documentManagement>
-</p:properties>
+<file path=customXml/item2.xml><?xml version="1.0" encoding="utf-8"?>
+<?mso-contentType ?>
+<FormTemplates xmlns="http://schemas.microsoft.com/sharepoint/v3/contenttype/forms">
+  <Display>DocumentLibraryForm</Display>
+  <Edit>DocumentLibraryForm</Edit>
+  <New>DocumentLibraryForm</New>
+</FormTemplates>
 </file>
 
-<file path=customXml/item4.xml><?xml version="1.0" encoding="utf-8"?>
+<file path=customXml/item3.xml><?xml version="1.0" encoding="utf-8"?>
 <?mso-contentType ?>
 <spe:Receivers xmlns:spe="http://schemas.microsoft.com/sharepoint/events">
   <Receiver>
@@ -30006,15 +29994,19 @@
 </spe:Receivers>
 </file>
 
-<file path=customXml/itemProps1.xml><?xml version="1.0" encoding="utf-8"?>
-<ds:datastoreItem xmlns:ds="http://schemas.openxmlformats.org/officeDocument/2006/customXml" ds:itemID="{3C9FC0A9-D1C6-450E-992B-D3422A85EAB3}">
-  <ds:schemaRefs>
-    <ds:schemaRef ds:uri="http://schemas.microsoft.com/sharepoint/v3/contenttype/forms"/>
-  </ds:schemaRefs>
-</ds:datastoreItem>
+<file path=customXml/item4.xml><?xml version="1.0" encoding="utf-8"?>
+<p:properties xmlns:p="http://schemas.microsoft.com/office/2006/metadata/properties" xmlns:xsi="http://www.w3.org/2001/XMLSchema-instance" xmlns:pc="http://schemas.microsoft.com/office/infopath/2007/PartnerControls">
+  <documentManagement>
+    <_dlc_DocId xmlns="0c9149cd-f996-4d9e-91c9-ce8e5945528f">KQK76PRV35WE-1143-163</_dlc_DocId>
+    <_dlc_DocIdUrl xmlns="0c9149cd-f996-4d9e-91c9-ce8e5945528f">
+      <Url>https://sps.skbkontur.ru/Services/officespace/_layouts/DocIdRedir.aspx?ID=KQK76PRV35WE-1143-163</Url>
+      <Description>KQK76PRV35WE-1143-163</Description>
+    </_dlc_DocIdUrl>
+  </documentManagement>
+</p:properties>
 </file>
 
-<file path=customXml/itemProps2.xml><?xml version="1.0" encoding="utf-8"?>
+<file path=customXml/itemProps1.xml><?xml version="1.0" encoding="utf-8"?>
 <ds:datastoreItem xmlns:ds="http://schemas.openxmlformats.org/officeDocument/2006/customXml" ds:itemID="{392A0E88-C45E-4035-ACB1-85AF74E6A851}">
   <ds:schemaRefs>
     <ds:schemaRef ds:uri="http://schemas.microsoft.com/office/2006/metadata/contentType"/>
@@ -30032,7 +30024,23 @@
 </ds:datastoreItem>
 </file>
 
+<file path=customXml/itemProps2.xml><?xml version="1.0" encoding="utf-8"?>
+<ds:datastoreItem xmlns:ds="http://schemas.openxmlformats.org/officeDocument/2006/customXml" ds:itemID="{3C9FC0A9-D1C6-450E-992B-D3422A85EAB3}">
+  <ds:schemaRefs>
+    <ds:schemaRef ds:uri="http://schemas.microsoft.com/sharepoint/v3/contenttype/forms"/>
+  </ds:schemaRefs>
+</ds:datastoreItem>
+</file>
+
 <file path=customXml/itemProps3.xml><?xml version="1.0" encoding="utf-8"?>
+<ds:datastoreItem xmlns:ds="http://schemas.openxmlformats.org/officeDocument/2006/customXml" ds:itemID="{4D57F3B4-626C-48E6-A3BF-29668BFEB3E8}">
+  <ds:schemaRefs>
+    <ds:schemaRef ds:uri="http://schemas.microsoft.com/sharepoint/events"/>
+  </ds:schemaRefs>
+</ds:datastoreItem>
+</file>
+
+<file path=customXml/itemProps4.xml><?xml version="1.0" encoding="utf-8"?>
 <ds:datastoreItem xmlns:ds="http://schemas.openxmlformats.org/officeDocument/2006/customXml" ds:itemID="{45CE6859-96AE-4F55-91FD-B1143C1F920F}">
   <ds:schemaRefs>
     <ds:schemaRef ds:uri="http://schemas.microsoft.com/office/2006/documentManagement/types"/>
@@ -30046,12 +30054,4 @@
     <ds:schemaRef ds:uri="http://purl.org/dc/dcmitype/"/>
   </ds:schemaRefs>
 </ds:datastoreItem>
-</file>
-
-<file path=customXml/itemProps4.xml><?xml version="1.0" encoding="utf-8"?>
-<ds:datastoreItem xmlns:ds="http://schemas.openxmlformats.org/officeDocument/2006/customXml" ds:itemID="{4D57F3B4-626C-48E6-A3BF-29668BFEB3E8}">
-  <ds:schemaRefs>
-    <ds:schemaRef ds:uri="http://schemas.microsoft.com/sharepoint/events"/>
-  </ds:schemaRefs>
-</ds:datastoreItem>
 </file>
--- a/clean-code.pptx
+++ b/clean-code.pptx
@@ -6,10 +6,10 @@
     <p:sldMasterId id="2147483690" r:id="rId6"/>
   </p:sldMasterIdLst>
   <p:notesMasterIdLst>
-    <p:notesMasterId r:id="rId52"/>
+    <p:notesMasterId r:id="rId53"/>
   </p:notesMasterIdLst>
   <p:handoutMasterIdLst>
-    <p:handoutMasterId r:id="rId53"/>
+    <p:handoutMasterId r:id="rId54"/>
   </p:handoutMasterIdLst>
   <p:sldIdLst>
     <p:sldId id="256" r:id="rId7"/>
@@ -24,39 +24,40 @@
     <p:sldId id="265" r:id="rId16"/>
     <p:sldId id="266" r:id="rId17"/>
     <p:sldId id="267" r:id="rId18"/>
-    <p:sldId id="268" r:id="rId19"/>
-    <p:sldId id="270" r:id="rId20"/>
+    <p:sldId id="270" r:id="rId19"/>
+    <p:sldId id="268" r:id="rId20"/>
     <p:sldId id="271" r:id="rId21"/>
     <p:sldId id="272" r:id="rId22"/>
-    <p:sldId id="273" r:id="rId23"/>
-    <p:sldId id="274" r:id="rId24"/>
-    <p:sldId id="275" r:id="rId25"/>
-    <p:sldId id="276" r:id="rId26"/>
-    <p:sldId id="305" r:id="rId27"/>
-    <p:sldId id="278" r:id="rId28"/>
-    <p:sldId id="279" r:id="rId29"/>
-    <p:sldId id="280" r:id="rId30"/>
-    <p:sldId id="281" r:id="rId31"/>
-    <p:sldId id="282" r:id="rId32"/>
-    <p:sldId id="283" r:id="rId33"/>
-    <p:sldId id="284" r:id="rId34"/>
-    <p:sldId id="303" r:id="rId35"/>
-    <p:sldId id="285" r:id="rId36"/>
-    <p:sldId id="286" r:id="rId37"/>
-    <p:sldId id="304" r:id="rId38"/>
-    <p:sldId id="289" r:id="rId39"/>
-    <p:sldId id="290" r:id="rId40"/>
-    <p:sldId id="291" r:id="rId41"/>
-    <p:sldId id="292" r:id="rId42"/>
-    <p:sldId id="293" r:id="rId43"/>
-    <p:sldId id="294" r:id="rId44"/>
-    <p:sldId id="302" r:id="rId45"/>
-    <p:sldId id="296" r:id="rId46"/>
-    <p:sldId id="297" r:id="rId47"/>
-    <p:sldId id="298" r:id="rId48"/>
-    <p:sldId id="299" r:id="rId49"/>
-    <p:sldId id="300" r:id="rId50"/>
-    <p:sldId id="301" r:id="rId51"/>
+    <p:sldId id="307" r:id="rId23"/>
+    <p:sldId id="273" r:id="rId24"/>
+    <p:sldId id="274" r:id="rId25"/>
+    <p:sldId id="275" r:id="rId26"/>
+    <p:sldId id="276" r:id="rId27"/>
+    <p:sldId id="305" r:id="rId28"/>
+    <p:sldId id="278" r:id="rId29"/>
+    <p:sldId id="279" r:id="rId30"/>
+    <p:sldId id="280" r:id="rId31"/>
+    <p:sldId id="281" r:id="rId32"/>
+    <p:sldId id="282" r:id="rId33"/>
+    <p:sldId id="283" r:id="rId34"/>
+    <p:sldId id="284" r:id="rId35"/>
+    <p:sldId id="303" r:id="rId36"/>
+    <p:sldId id="285" r:id="rId37"/>
+    <p:sldId id="286" r:id="rId38"/>
+    <p:sldId id="304" r:id="rId39"/>
+    <p:sldId id="289" r:id="rId40"/>
+    <p:sldId id="290" r:id="rId41"/>
+    <p:sldId id="291" r:id="rId42"/>
+    <p:sldId id="292" r:id="rId43"/>
+    <p:sldId id="293" r:id="rId44"/>
+    <p:sldId id="294" r:id="rId45"/>
+    <p:sldId id="302" r:id="rId46"/>
+    <p:sldId id="296" r:id="rId47"/>
+    <p:sldId id="297" r:id="rId48"/>
+    <p:sldId id="298" r:id="rId49"/>
+    <p:sldId id="299" r:id="rId50"/>
+    <p:sldId id="300" r:id="rId51"/>
+    <p:sldId id="301" r:id="rId52"/>
   </p:sldIdLst>
   <p:sldSz cx="12192000" cy="6858000"/>
   <p:notesSz cx="6858000" cy="9144000"/>
@@ -180,14 +181,15 @@
             <p14:sldId id="265"/>
             <p14:sldId id="266"/>
             <p14:sldId id="267"/>
+            <p14:sldId id="270"/>
             <p14:sldId id="268"/>
-            <p14:sldId id="270"/>
           </p14:sldIdLst>
         </p14:section>
         <p14:section name="Composability" id="{50177EF8-0E39-433E-91A0-8FF2D2153F1D}">
           <p14:sldIdLst>
             <p14:sldId id="271"/>
             <p14:sldId id="272"/>
+            <p14:sldId id="307"/>
             <p14:sldId id="273"/>
             <p14:sldId id="274"/>
             <p14:sldId id="275"/>
@@ -2560,6 +2562,13 @@
         </dgm:presLayoutVars>
       </dgm:prSet>
       <dgm:spPr/>
+      <dgm:t>
+        <a:bodyPr/>
+        <a:lstStyle/>
+        <a:p>
+          <a:endParaRPr lang="ru-RU"/>
+        </a:p>
+      </dgm:t>
     </dgm:pt>
     <dgm:pt modelId="{CF6D50B3-578A-4EA0-A5A0-492FA729F6ED}" type="pres">
       <dgm:prSet presAssocID="{B75F6A3A-9A51-4DF3-8A57-9AEB0739425C}" presName="composite" presStyleCnt="0"/>
@@ -2572,6 +2581,13 @@
         </dgm:presLayoutVars>
       </dgm:prSet>
       <dgm:spPr/>
+      <dgm:t>
+        <a:bodyPr/>
+        <a:lstStyle/>
+        <a:p>
+          <a:endParaRPr lang="ru-RU"/>
+        </a:p>
+      </dgm:t>
     </dgm:pt>
     <dgm:pt modelId="{61EB78D8-69FF-471D-8FEB-71388C442F55}" type="pres">
       <dgm:prSet presAssocID="{B75F6A3A-9A51-4DF3-8A57-9AEB0739425C}" presName="rect1" presStyleLbl="alignImgPlace1" presStyleIdx="0" presStyleCnt="1" custScaleX="596594" custScaleY="114980" custLinFactX="-64576" custLinFactNeighborX="-100000" custLinFactNeighborY="-13065"/>
@@ -2667,6 +2683,13 @@
         </dgm:presLayoutVars>
       </dgm:prSet>
       <dgm:spPr/>
+      <dgm:t>
+        <a:bodyPr/>
+        <a:lstStyle/>
+        <a:p>
+          <a:endParaRPr lang="ru-RU"/>
+        </a:p>
+      </dgm:t>
     </dgm:pt>
     <dgm:pt modelId="{CF6D50B3-578A-4EA0-A5A0-492FA729F6ED}" type="pres">
       <dgm:prSet presAssocID="{B75F6A3A-9A51-4DF3-8A57-9AEB0739425C}" presName="composite" presStyleCnt="0"/>
@@ -2679,6 +2702,13 @@
         </dgm:presLayoutVars>
       </dgm:prSet>
       <dgm:spPr/>
+      <dgm:t>
+        <a:bodyPr/>
+        <a:lstStyle/>
+        <a:p>
+          <a:endParaRPr lang="ru-RU"/>
+        </a:p>
+      </dgm:t>
     </dgm:pt>
     <dgm:pt modelId="{61EB78D8-69FF-471D-8FEB-71388C442F55}" type="pres">
       <dgm:prSet presAssocID="{B75F6A3A-9A51-4DF3-8A57-9AEB0739425C}" presName="rect1" presStyleLbl="alignImgPlace1" presStyleIdx="0" presStyleCnt="1" custScaleX="596594" custScaleY="114980" custLinFactX="-64576" custLinFactNeighborX="-100000" custLinFactNeighborY="-13065"/>
@@ -2792,6 +2822,13 @@
         </dgm:presLayoutVars>
       </dgm:prSet>
       <dgm:spPr/>
+      <dgm:t>
+        <a:bodyPr/>
+        <a:lstStyle/>
+        <a:p>
+          <a:endParaRPr lang="ru-RU"/>
+        </a:p>
+      </dgm:t>
     </dgm:pt>
     <dgm:pt modelId="{65D73C51-61AB-436D-8191-975603FC9C68}" type="pres">
       <dgm:prSet presAssocID="{9C9C0585-42CE-4F34-A2BB-F1377DA03788}" presName="composite" presStyleCnt="0"/>
@@ -2804,6 +2841,13 @@
         </dgm:presLayoutVars>
       </dgm:prSet>
       <dgm:spPr/>
+      <dgm:t>
+        <a:bodyPr/>
+        <a:lstStyle/>
+        <a:p>
+          <a:endParaRPr lang="ru-RU"/>
+        </a:p>
+      </dgm:t>
     </dgm:pt>
     <dgm:pt modelId="{DFDA3CA3-5C68-4A2F-A4A8-285063A35D87}" type="pres">
       <dgm:prSet presAssocID="{9C9C0585-42CE-4F34-A2BB-F1377DA03788}" presName="rect1" presStyleLbl="alignImgPlace1" presStyleIdx="0" presStyleCnt="1" custScaleX="62421" custScaleY="62421" custLinFactNeighborX="1076" custLinFactNeighborY="-52209"/>
@@ -2890,7 +2934,7 @@
         </a:bodyPr>
         <a:lstStyle/>
         <a:p>
-          <a:pPr marL="0" lvl="0" indent="0" algn="l" defTabSz="222250">
+          <a:pPr lvl="0" algn="l" defTabSz="222250">
             <a:lnSpc>
               <a:spcPct val="90000"/>
             </a:lnSpc>
@@ -2900,7 +2944,6 @@
             <a:spcAft>
               <a:spcPct val="35000"/>
             </a:spcAft>
-            <a:buNone/>
           </a:pPr>
           <a:r>
             <a:rPr lang="ru-RU" sz="500" kern="1200" dirty="0"/>
@@ -2977,118 +3020,6 @@
       <dsp:cNvGrpSpPr/>
     </dsp:nvGrpSpPr>
     <dsp:grpSpPr/>
-    <dsp:sp modelId="{B29ABF60-EC0F-45AD-A90E-9C76D15C2F14}">
-      <dsp:nvSpPr>
-        <dsp:cNvPr id="0" name=""/>
-        <dsp:cNvSpPr/>
-      </dsp:nvSpPr>
-      <dsp:spPr>
-        <a:xfrm>
-          <a:off x="1748174" y="210303"/>
-          <a:ext cx="175586" cy="38914"/>
-        </a:xfrm>
-        <a:prstGeom prst="rect">
-          <a:avLst/>
-        </a:prstGeom>
-        <a:noFill/>
-        <a:ln>
-          <a:noFill/>
-        </a:ln>
-        <a:effectLst/>
-      </dsp:spPr>
-      <dsp:style>
-        <a:lnRef idx="0">
-          <a:scrgbClr r="0" g="0" b="0"/>
-        </a:lnRef>
-        <a:fillRef idx="0">
-          <a:scrgbClr r="0" g="0" b="0"/>
-        </a:fillRef>
-        <a:effectRef idx="0">
-          <a:scrgbClr r="0" g="0" b="0"/>
-        </a:effectRef>
-        <a:fontRef idx="minor"/>
-      </dsp:style>
-      <dsp:txBody>
-        <a:bodyPr spcFirstLastPara="0" vert="horz" wrap="square" lIns="0" tIns="19050" rIns="19050" bIns="0" numCol="1" spcCol="1270" anchor="t" anchorCtr="0">
-          <a:noAutofit/>
-        </a:bodyPr>
-        <a:lstStyle/>
-        <a:p>
-          <a:pPr marL="0" lvl="0" indent="0" algn="l" defTabSz="222250">
-            <a:lnSpc>
-              <a:spcPct val="90000"/>
-            </a:lnSpc>
-            <a:spcBef>
-              <a:spcPct val="0"/>
-            </a:spcBef>
-            <a:spcAft>
-              <a:spcPct val="35000"/>
-            </a:spcAft>
-            <a:buNone/>
-          </a:pPr>
-          <a:r>
-            <a:rPr lang="ru-RU" sz="500" kern="1200" dirty="0"/>
-            <a:t> </a:t>
-          </a:r>
-        </a:p>
-      </dsp:txBody>
-      <dsp:txXfrm>
-        <a:off x="1748174" y="210303"/>
-        <a:ext cx="175586" cy="38914"/>
-      </dsp:txXfrm>
-    </dsp:sp>
-    <dsp:sp modelId="{61EB78D8-69FF-471D-8FEB-71388C442F55}">
-      <dsp:nvSpPr>
-        <dsp:cNvPr id="0" name=""/>
-        <dsp:cNvSpPr/>
-      </dsp:nvSpPr>
-      <dsp:spPr>
-        <a:xfrm>
-          <a:off x="0" y="0"/>
-          <a:ext cx="1980001" cy="381600"/>
-        </a:xfrm>
-        <a:prstGeom prst="rect">
-          <a:avLst/>
-        </a:prstGeom>
-        <a:blipFill>
-          <a:blip xmlns:r="http://schemas.openxmlformats.org/officeDocument/2006/relationships" r:embed="rId1">
-            <a:extLst>
-              <a:ext uri="{28A0092B-C50C-407E-A947-70E740481C1C}">
-                <a14:useLocalDpi xmlns:a14="http://schemas.microsoft.com/office/drawing/2010/main" val="0"/>
-              </a:ext>
-            </a:extLst>
-          </a:blip>
-          <a:srcRect/>
-          <a:stretch>
-            <a:fillRect l="-1000" r="-1000"/>
-          </a:stretch>
-        </a:blipFill>
-        <a:ln w="25400" cap="flat" cmpd="sng" algn="ctr">
-          <a:solidFill>
-            <a:schemeClr val="lt1">
-              <a:hueOff val="0"/>
-              <a:satOff val="0"/>
-              <a:lumOff val="0"/>
-              <a:alphaOff val="0"/>
-            </a:schemeClr>
-          </a:solidFill>
-          <a:prstDash val="solid"/>
-        </a:ln>
-        <a:effectLst/>
-      </dsp:spPr>
-      <dsp:style>
-        <a:lnRef idx="2">
-          <a:scrgbClr r="0" g="0" b="0"/>
-        </a:lnRef>
-        <a:fillRef idx="1">
-          <a:scrgbClr r="0" g="0" b="0"/>
-        </a:fillRef>
-        <a:effectRef idx="0">
-          <a:scrgbClr r="0" g="0" b="0"/>
-        </a:effectRef>
-        <a:fontRef idx="minor"/>
-      </dsp:style>
-    </dsp:sp>
   </dsp:spTree>
 </dsp:drawing>
 </file>
@@ -3101,128 +3032,6 @@
       <dsp:cNvGrpSpPr/>
     </dsp:nvGrpSpPr>
     <dsp:grpSpPr/>
-    <dsp:sp modelId="{A30F2283-C0A4-4A69-BCBE-833D967155A2}">
-      <dsp:nvSpPr>
-        <dsp:cNvPr id="0" name=""/>
-        <dsp:cNvSpPr/>
-      </dsp:nvSpPr>
-      <dsp:spPr>
-        <a:xfrm>
-          <a:off x="469735" y="1146225"/>
-          <a:ext cx="2927097" cy="509149"/>
-        </a:xfrm>
-        <a:prstGeom prst="rect">
-          <a:avLst/>
-        </a:prstGeom>
-        <a:noFill/>
-        <a:ln>
-          <a:noFill/>
-        </a:ln>
-        <a:effectLst/>
-      </dsp:spPr>
-      <dsp:style>
-        <a:lnRef idx="0">
-          <a:scrgbClr r="0" g="0" b="0"/>
-        </a:lnRef>
-        <a:fillRef idx="0">
-          <a:scrgbClr r="0" g="0" b="0"/>
-        </a:fillRef>
-        <a:effectRef idx="0">
-          <a:scrgbClr r="0" g="0" b="0"/>
-        </a:effectRef>
-        <a:fontRef idx="minor"/>
-      </dsp:style>
-      <dsp:txBody>
-        <a:bodyPr spcFirstLastPara="0" vert="horz" wrap="square" lIns="0" tIns="152400" rIns="152400" bIns="0" numCol="1" spcCol="1270" anchor="b" anchorCtr="0">
-          <a:noAutofit/>
-        </a:bodyPr>
-        <a:lstStyle/>
-        <a:p>
-          <a:pPr marL="0" lvl="0" indent="0" algn="ctr" defTabSz="1778000">
-            <a:lnSpc>
-              <a:spcPct val="90000"/>
-            </a:lnSpc>
-            <a:spcBef>
-              <a:spcPct val="0"/>
-            </a:spcBef>
-            <a:spcAft>
-              <a:spcPct val="35000"/>
-            </a:spcAft>
-            <a:buNone/>
-          </a:pPr>
-          <a:r>
-            <a:rPr lang="ru-RU" sz="4000" kern="1200" dirty="0">
-              <a:solidFill>
-                <a:schemeClr val="accent1"/>
-              </a:solidFill>
-            </a:rPr>
-            <a:t>ВОПРОСЫ</a:t>
-          </a:r>
-          <a:r>
-            <a:rPr lang="en-US" sz="4000" kern="1200" dirty="0">
-              <a:solidFill>
-                <a:schemeClr val="accent1"/>
-              </a:solidFill>
-            </a:rPr>
-            <a:t>?</a:t>
-          </a:r>
-          <a:endParaRPr lang="ru-RU" sz="4000" kern="1200" dirty="0">
-            <a:solidFill>
-              <a:schemeClr val="accent1"/>
-            </a:solidFill>
-          </a:endParaRPr>
-        </a:p>
-      </dsp:txBody>
-      <dsp:txXfrm>
-        <a:off x="469735" y="1146225"/>
-        <a:ext cx="2927097" cy="509149"/>
-      </dsp:txXfrm>
-    </dsp:sp>
-    <dsp:sp modelId="{DFDA3CA3-5C68-4A2F-A4A8-285063A35D87}">
-      <dsp:nvSpPr>
-        <dsp:cNvPr id="0" name=""/>
-        <dsp:cNvSpPr/>
-      </dsp:nvSpPr>
-      <dsp:spPr>
-        <a:xfrm>
-          <a:off x="1521700" y="91137"/>
-          <a:ext cx="849599" cy="849599"/>
-        </a:xfrm>
-        <a:prstGeom prst="rect">
-          <a:avLst/>
-        </a:prstGeom>
-        <a:blipFill>
-          <a:blip xmlns:r="http://schemas.openxmlformats.org/officeDocument/2006/relationships" r:embed="rId1">
-            <a:extLst>
-              <a:ext uri="{28A0092B-C50C-407E-A947-70E740481C1C}">
-                <a14:useLocalDpi xmlns:a14="http://schemas.microsoft.com/office/drawing/2010/main" val="0"/>
-              </a:ext>
-            </a:extLst>
-          </a:blip>
-          <a:srcRect/>
-          <a:stretch>
-            <a:fillRect/>
-          </a:stretch>
-        </a:blipFill>
-        <a:ln w="0" cap="flat" cmpd="sng" algn="ctr">
-          <a:noFill/>
-          <a:prstDash val="solid"/>
-        </a:ln>
-        <a:effectLst/>
-      </dsp:spPr>
-      <dsp:style>
-        <a:lnRef idx="2">
-          <a:scrgbClr r="0" g="0" b="0"/>
-        </a:lnRef>
-        <a:fillRef idx="1">
-          <a:scrgbClr r="0" g="0" b="0"/>
-        </a:fillRef>
-        <a:effectRef idx="0">
-          <a:scrgbClr r="0" g="0" b="0"/>
-        </a:effectRef>
-        <a:fontRef idx="minor"/>
-      </dsp:style>
-    </dsp:sp>
   </dsp:spTree>
 </dsp:drawing>
 </file>
@@ -7209,7 +7018,7 @@
           <a:p>
             <a:fld id="{CE3BC3F9-9C5B-4717-9F59-36DC790402FE}" type="datetimeFigureOut">
               <a:rPr lang="ru-RU" smtClean="0"/>
-              <a:t>16.10.2016</a:t>
+              <a:t>02.11.2016</a:t>
             </a:fld>
             <a:endParaRPr lang="ru-RU"/>
           </a:p>
@@ -7374,7 +7183,7 @@
           <a:p>
             <a:fld id="{BBBAA9EB-8042-420D-843C-EBFC35DD9FFD}" type="datetimeFigureOut">
               <a:rPr lang="ru-RU" smtClean="0"/>
-              <a:t>16.10.2016</a:t>
+              <a:t>02.11.2016</a:t>
             </a:fld>
             <a:endParaRPr lang="ru-RU"/>
           </a:p>
@@ -7827,7 +7636,7 @@
           <a:p>
             <a:fld id="{3BAECB10-9972-4830-A584-02C41DAFD45B}" type="slidenum">
               <a:rPr lang="ru-RU" smtClean="0"/>
-              <a:t>19</a:t>
+              <a:t>20</a:t>
             </a:fld>
             <a:endParaRPr lang="ru-RU"/>
           </a:p>
@@ -7936,7 +7745,7 @@
           <a:p>
             <a:fld id="{3BAECB10-9972-4830-A584-02C41DAFD45B}" type="slidenum">
               <a:rPr lang="ru-RU" smtClean="0"/>
-              <a:t>20</a:t>
+              <a:t>21</a:t>
             </a:fld>
             <a:endParaRPr lang="ru-RU"/>
           </a:p>
@@ -8033,7 +7842,7 @@
           <a:p>
             <a:fld id="{3BAECB10-9972-4830-A584-02C41DAFD45B}" type="slidenum">
               <a:rPr lang="ru-RU" smtClean="0"/>
-              <a:t>21</a:t>
+              <a:t>22</a:t>
             </a:fld>
             <a:endParaRPr lang="ru-RU"/>
           </a:p>
@@ -8148,7 +7957,7 @@
           <a:p>
             <a:fld id="{3BAECB10-9972-4830-A584-02C41DAFD45B}" type="slidenum">
               <a:rPr lang="ru-RU" smtClean="0"/>
-              <a:t>22</a:t>
+              <a:t>23</a:t>
             </a:fld>
             <a:endParaRPr lang="ru-RU"/>
           </a:p>
@@ -8257,7 +8066,7 @@
           <a:p>
             <a:fld id="{3BAECB10-9972-4830-A584-02C41DAFD45B}" type="slidenum">
               <a:rPr lang="ru-RU" smtClean="0"/>
-              <a:t>30</a:t>
+              <a:t>31</a:t>
             </a:fld>
             <a:endParaRPr lang="ru-RU"/>
           </a:p>
@@ -8368,7 +8177,7 @@
           <a:p>
             <a:fld id="{3BAECB10-9972-4830-A584-02C41DAFD45B}" type="slidenum">
               <a:rPr lang="ru-RU" smtClean="0"/>
-              <a:t>31</a:t>
+              <a:t>32</a:t>
             </a:fld>
             <a:endParaRPr lang="ru-RU"/>
           </a:p>
@@ -8487,7 +8296,7 @@
           <a:p>
             <a:fld id="{3BAECB10-9972-4830-A584-02C41DAFD45B}" type="slidenum">
               <a:rPr lang="ru-RU" smtClean="0"/>
-              <a:t>33</a:t>
+              <a:t>34</a:t>
             </a:fld>
             <a:endParaRPr lang="ru-RU"/>
           </a:p>
@@ -8598,7 +8407,7 @@
           <a:p>
             <a:fld id="{3BAECB10-9972-4830-A584-02C41DAFD45B}" type="slidenum">
               <a:rPr lang="ru-RU" smtClean="0"/>
-              <a:t>34</a:t>
+              <a:t>35</a:t>
             </a:fld>
             <a:endParaRPr lang="ru-RU"/>
           </a:p>
@@ -8701,7 +8510,7 @@
           <a:p>
             <a:fld id="{3BAECB10-9972-4830-A584-02C41DAFD45B}" type="slidenum">
               <a:rPr lang="ru-RU" smtClean="0"/>
-              <a:t>35</a:t>
+              <a:t>36</a:t>
             </a:fld>
             <a:endParaRPr lang="ru-RU"/>
           </a:p>
@@ -8804,7 +8613,7 @@
           <a:p>
             <a:fld id="{3BAECB10-9972-4830-A584-02C41DAFD45B}" type="slidenum">
               <a:rPr lang="ru-RU" smtClean="0"/>
-              <a:t>37</a:t>
+              <a:t>38</a:t>
             </a:fld>
             <a:endParaRPr lang="ru-RU"/>
           </a:p>
@@ -8985,7 +8794,7 @@
           <a:p>
             <a:fld id="{3BAECB10-9972-4830-A584-02C41DAFD45B}" type="slidenum">
               <a:rPr lang="ru-RU" smtClean="0"/>
-              <a:t>40</a:t>
+              <a:t>41</a:t>
             </a:fld>
             <a:endParaRPr lang="ru-RU"/>
           </a:p>
@@ -9102,7 +8911,7 @@
           <a:p>
             <a:fld id="{32510822-B256-415B-AC9F-45AE7E2A44F1}" type="slidenum">
               <a:rPr lang="ru-RU" smtClean="0"/>
-              <a:t>41</a:t>
+              <a:t>42</a:t>
             </a:fld>
             <a:endParaRPr lang="ru-RU"/>
           </a:p>
@@ -9269,7 +9078,7 @@
           <a:p>
             <a:fld id="{32510822-B256-415B-AC9F-45AE7E2A44F1}" type="slidenum">
               <a:rPr lang="ru-RU" smtClean="0"/>
-              <a:t>42</a:t>
+              <a:t>43</a:t>
             </a:fld>
             <a:endParaRPr lang="ru-RU"/>
           </a:p>
@@ -9358,6 +9167,10 @@
               </a:rPr>
               <a:t>У бойскаутов существует простое правило, которое применимо и к нашей профессии:</a:t>
             </a:r>
+            <a:r>
+              <a:rPr lang="ru-RU" i="0" dirty="0"/>
+              <a:t/>
+            </a:r>
             <a:br>
               <a:rPr lang="ru-RU" i="0" dirty="0"/>
             </a:br>
@@ -9372,6 +9185,10 @@
                 <a:cs typeface="+mn-cs"/>
               </a:rPr>
               <a:t>Оставь место стоянки чище, чем оно было до твоего прихода.</a:t>
+            </a:r>
+            <a:r>
+              <a:rPr lang="ru-RU" i="0" dirty="0"/>
+              <a:t/>
             </a:r>
             <a:br>
               <a:rPr lang="ru-RU" i="0" dirty="0"/>
@@ -9487,7 +9304,7 @@
           <a:p>
             <a:fld id="{32510822-B256-415B-AC9F-45AE7E2A44F1}" type="slidenum">
               <a:rPr lang="ru-RU" smtClean="0"/>
-              <a:t>43</a:t>
+              <a:t>44</a:t>
             </a:fld>
             <a:endParaRPr lang="ru-RU"/>
           </a:p>
@@ -9595,7 +9412,7 @@
           <a:p>
             <a:fld id="{32510822-B256-415B-AC9F-45AE7E2A44F1}" type="slidenum">
               <a:rPr lang="ru-RU" smtClean="0"/>
-              <a:t>44</a:t>
+              <a:t>45</a:t>
             </a:fld>
             <a:endParaRPr lang="ru-RU"/>
           </a:p>
@@ -10011,7 +9828,7 @@
           <a:p>
             <a:fld id="{3BAECB10-9972-4830-A584-02C41DAFD45B}" type="slidenum">
               <a:rPr lang="ru-RU" smtClean="0"/>
-              <a:t>14</a:t>
+              <a:t>13</a:t>
             </a:fld>
             <a:endParaRPr lang="ru-RU"/>
           </a:p>
@@ -10326,7 +10143,7 @@
           <a:p>
             <a:fld id="{3BAECB10-9972-4830-A584-02C41DAFD45B}" type="slidenum">
               <a:rPr lang="ru-RU" smtClean="0"/>
-              <a:t>17</a:t>
+              <a:t>18</a:t>
             </a:fld>
             <a:endParaRPr lang="ru-RU"/>
           </a:p>
@@ -10506,7 +10323,7 @@
           <a:p>
             <a:fld id="{3BAECB10-9972-4830-A584-02C41DAFD45B}" type="slidenum">
               <a:rPr lang="ru-RU" smtClean="0"/>
-              <a:t>18</a:t>
+              <a:t>19</a:t>
             </a:fld>
             <a:endParaRPr lang="ru-RU"/>
           </a:p>
@@ -14868,6 +14685,13 @@
   <p:clrMapOvr>
     <a:masterClrMapping/>
   </p:clrMapOvr>
+  <p:timing>
+    <p:tnLst>
+      <p:par>
+        <p:cTn id="1" dur="indefinite" restart="never" nodeType="tmRoot"/>
+      </p:par>
+    </p:tnLst>
+  </p:timing>
 </p:sld>
 </file>
 
@@ -14920,6 +14744,13 @@
   <p:clrMapOvr>
     <a:masterClrMapping/>
   </p:clrMapOvr>
+  <p:timing>
+    <p:tnLst>
+      <p:par>
+        <p:cTn id="1" dur="indefinite" restart="never" nodeType="tmRoot"/>
+      </p:par>
+    </p:tnLst>
+  </p:timing>
 </p:sld>
 </file>
 
@@ -15231,10 +15062,125 @@
   <p:clrMapOvr>
     <a:masterClrMapping/>
   </p:clrMapOvr>
+  <p:timing>
+    <p:tnLst>
+      <p:par>
+        <p:cTn id="1" dur="indefinite" restart="never" nodeType="tmRoot"/>
+      </p:par>
+    </p:tnLst>
+  </p:timing>
 </p:sld>
 </file>
 
 <file path=ppt/slides/slide13.xml><?xml version="1.0" encoding="utf-8"?>
+<p:sld xmlns:a="http://schemas.openxmlformats.org/drawingml/2006/main" xmlns:r="http://schemas.openxmlformats.org/officeDocument/2006/relationships" xmlns:p="http://schemas.openxmlformats.org/presentationml/2006/main">
+  <p:cSld>
+    <p:spTree>
+      <p:nvGrpSpPr>
+        <p:cNvPr id="1" name=""/>
+        <p:cNvGrpSpPr/>
+        <p:nvPr/>
+      </p:nvGrpSpPr>
+      <p:grpSpPr>
+        <a:xfrm>
+          <a:off x="0" y="0"/>
+          <a:ext cx="0" cy="0"/>
+          <a:chOff x="0" y="0"/>
+          <a:chExt cx="0" cy="0"/>
+        </a:xfrm>
+      </p:grpSpPr>
+      <p:sp>
+        <p:nvSpPr>
+          <p:cNvPr id="3" name="Объект 2"/>
+          <p:cNvSpPr>
+            <a:spLocks noGrp="1"/>
+          </p:cNvSpPr>
+          <p:nvPr>
+            <p:ph sz="quarter" idx="13"/>
+          </p:nvPr>
+        </p:nvSpPr>
+        <p:spPr/>
+        <p:txBody>
+          <a:bodyPr/>
+          <a:lstStyle/>
+          <a:p>
+            <a:pPr marL="514350" indent="-514350">
+              <a:buFont typeface="+mj-lt"/>
+              <a:buAutoNum type="arabicPeriod"/>
+            </a:pPr>
+            <a:r>
+              <a:rPr lang="ru-RU" dirty="0"/>
+              <a:t>Слишком длинный метод / класс</a:t>
+            </a:r>
+          </a:p>
+          <a:p>
+            <a:pPr marL="514350" indent="-514350">
+              <a:buFont typeface="+mj-lt"/>
+              <a:buAutoNum type="arabicPeriod"/>
+            </a:pPr>
+            <a:r>
+              <a:rPr lang="ru-RU" dirty="0"/>
+              <a:t>Слишком общее название метода</a:t>
+            </a:r>
+            <a:endParaRPr lang="en-US" dirty="0"/>
+          </a:p>
+          <a:p>
+            <a:pPr marL="514350" indent="-514350">
+              <a:buFont typeface="+mj-lt"/>
+              <a:buAutoNum type="arabicPeriod"/>
+            </a:pPr>
+            <a:r>
+              <a:rPr lang="ru-RU" dirty="0"/>
+              <a:t>Слишком сложное название метода</a:t>
+            </a:r>
+          </a:p>
+        </p:txBody>
+      </p:sp>
+      <p:sp>
+        <p:nvSpPr>
+          <p:cNvPr id="2" name="Заголовок 1"/>
+          <p:cNvSpPr>
+            <a:spLocks noGrp="1"/>
+          </p:cNvSpPr>
+          <p:nvPr>
+            <p:ph type="title"/>
+          </p:nvPr>
+        </p:nvSpPr>
+        <p:spPr/>
+        <p:txBody>
+          <a:bodyPr>
+            <a:noAutofit/>
+          </a:bodyPr>
+          <a:lstStyle/>
+          <a:p>
+            <a:r>
+              <a:rPr lang="ru-RU" dirty="0"/>
+              <a:t>Маркеры плохой декомпозиции</a:t>
+            </a:r>
+          </a:p>
+        </p:txBody>
+      </p:sp>
+    </p:spTree>
+    <p:extLst>
+      <p:ext uri="{BB962C8B-B14F-4D97-AF65-F5344CB8AC3E}">
+        <p14:creationId xmlns:p14="http://schemas.microsoft.com/office/powerpoint/2010/main" val="2621299684"/>
+      </p:ext>
+    </p:extLst>
+  </p:cSld>
+  <p:clrMapOvr>
+    <a:masterClrMapping/>
+  </p:clrMapOvr>
+  <p:timing>
+    <p:tnLst>
+      <p:par>
+        <p:cTn id="1" dur="indefinite" restart="never" nodeType="tmRoot"/>
+      </p:par>
+    </p:tnLst>
+  </p:timing>
+</p:sld>
+</file>
+
+<file path=ppt/slides/slide14.xml><?xml version="1.0" encoding="utf-8"?>
 <p:sld xmlns:a="http://schemas.openxmlformats.org/drawingml/2006/main" xmlns:r="http://schemas.openxmlformats.org/officeDocument/2006/relationships" xmlns:p="http://schemas.openxmlformats.org/presentationml/2006/main">
   <p:cSld>
     <p:spTree>
@@ -15910,107 +15856,6 @@
 </p:sld>
 </file>
 
-<file path=ppt/slides/slide14.xml><?xml version="1.0" encoding="utf-8"?>
-<p:sld xmlns:a="http://schemas.openxmlformats.org/drawingml/2006/main" xmlns:r="http://schemas.openxmlformats.org/officeDocument/2006/relationships" xmlns:p="http://schemas.openxmlformats.org/presentationml/2006/main">
-  <p:cSld>
-    <p:spTree>
-      <p:nvGrpSpPr>
-        <p:cNvPr id="1" name=""/>
-        <p:cNvGrpSpPr/>
-        <p:nvPr/>
-      </p:nvGrpSpPr>
-      <p:grpSpPr>
-        <a:xfrm>
-          <a:off x="0" y="0"/>
-          <a:ext cx="0" cy="0"/>
-          <a:chOff x="0" y="0"/>
-          <a:chExt cx="0" cy="0"/>
-        </a:xfrm>
-      </p:grpSpPr>
-      <p:sp>
-        <p:nvSpPr>
-          <p:cNvPr id="3" name="Объект 2"/>
-          <p:cNvSpPr>
-            <a:spLocks noGrp="1"/>
-          </p:cNvSpPr>
-          <p:nvPr>
-            <p:ph sz="quarter" idx="13"/>
-          </p:nvPr>
-        </p:nvSpPr>
-        <p:spPr/>
-        <p:txBody>
-          <a:bodyPr/>
-          <a:lstStyle/>
-          <a:p>
-            <a:pPr marL="514350" indent="-514350">
-              <a:buFont typeface="+mj-lt"/>
-              <a:buAutoNum type="arabicPeriod"/>
-            </a:pPr>
-            <a:r>
-              <a:rPr lang="ru-RU" dirty="0"/>
-              <a:t>Слишком длинный метод / класс</a:t>
-            </a:r>
-          </a:p>
-          <a:p>
-            <a:pPr marL="514350" indent="-514350">
-              <a:buFont typeface="+mj-lt"/>
-              <a:buAutoNum type="arabicPeriod"/>
-            </a:pPr>
-            <a:r>
-              <a:rPr lang="ru-RU" dirty="0"/>
-              <a:t>Слишком общее название метода</a:t>
-            </a:r>
-            <a:endParaRPr lang="en-US" dirty="0"/>
-          </a:p>
-          <a:p>
-            <a:pPr marL="514350" indent="-514350">
-              <a:buFont typeface="+mj-lt"/>
-              <a:buAutoNum type="arabicPeriod"/>
-            </a:pPr>
-            <a:r>
-              <a:rPr lang="ru-RU" dirty="0"/>
-              <a:t>Слишком сложное название метода</a:t>
-            </a:r>
-          </a:p>
-        </p:txBody>
-      </p:sp>
-      <p:sp>
-        <p:nvSpPr>
-          <p:cNvPr id="2" name="Заголовок 1"/>
-          <p:cNvSpPr>
-            <a:spLocks noGrp="1"/>
-          </p:cNvSpPr>
-          <p:nvPr>
-            <p:ph type="title"/>
-          </p:nvPr>
-        </p:nvSpPr>
-        <p:spPr/>
-        <p:txBody>
-          <a:bodyPr>
-            <a:noAutofit/>
-          </a:bodyPr>
-          <a:lstStyle/>
-          <a:p>
-            <a:r>
-              <a:rPr lang="ru-RU" dirty="0"/>
-              <a:t>Маркеры плохой декомпозиции</a:t>
-            </a:r>
-          </a:p>
-        </p:txBody>
-      </p:sp>
-    </p:spTree>
-    <p:extLst>
-      <p:ext uri="{BB962C8B-B14F-4D97-AF65-F5344CB8AC3E}">
-        <p14:creationId xmlns:p14="http://schemas.microsoft.com/office/powerpoint/2010/main" val="2621299684"/>
-      </p:ext>
-    </p:extLst>
-  </p:cSld>
-  <p:clrMapOvr>
-    <a:masterClrMapping/>
-  </p:clrMapOvr>
-</p:sld>
-</file>
-
 <file path=ppt/slides/slide15.xml><?xml version="1.0" encoding="utf-8"?>
 <p:sld xmlns:a="http://schemas.openxmlformats.org/drawingml/2006/main" xmlns:r="http://schemas.openxmlformats.org/officeDocument/2006/relationships" xmlns:p="http://schemas.openxmlformats.org/presentationml/2006/main">
   <p:cSld>
@@ -16060,6 +15905,13 @@
   <p:clrMapOvr>
     <a:masterClrMapping/>
   </p:clrMapOvr>
+  <p:timing>
+    <p:tnLst>
+      <p:par>
+        <p:cTn id="1" dur="indefinite" restart="never" nodeType="tmRoot"/>
+      </p:par>
+    </p:tnLst>
+  </p:timing>
 </p:sld>
 </file>
 
@@ -16110,10 +15962,22 @@
               <a:t>class </a:t>
             </a:r>
             <a:r>
+              <a:rPr lang="en-US" sz="2400" dirty="0" err="1" smtClean="0">
+                <a:latin typeface="Consolas" panose="020B0609020204030204" pitchFamily="49" charset="0"/>
+              </a:rPr>
+              <a:t>TokenReader</a:t>
+            </a:r>
+            <a:r>
+              <a:rPr lang="en-US" sz="2400" dirty="0" smtClean="0">
+                <a:latin typeface="Consolas" panose="020B0609020204030204" pitchFamily="49" charset="0"/>
+              </a:rPr>
+              <a:t> </a:t>
+            </a:r>
+            <a:r>
               <a:rPr lang="en-US" sz="2400" dirty="0">
                 <a:latin typeface="Consolas" panose="020B0609020204030204" pitchFamily="49" charset="0"/>
               </a:rPr>
-              <a:t>Tokenizer {</a:t>
+              <a:t>{</a:t>
             </a:r>
           </a:p>
           <a:p>
@@ -16127,28 +15991,42 @@
                 </a:solidFill>
                 <a:latin typeface="Consolas" panose="020B0609020204030204" pitchFamily="49" charset="0"/>
               </a:rPr>
-              <a:t>    string</a:t>
-            </a:r>
-            <a:r>
-              <a:rPr lang="en-US" sz="2400" dirty="0">
-                <a:latin typeface="Consolas" panose="020B0609020204030204" pitchFamily="49" charset="0"/>
-              </a:rPr>
-              <a:t> </a:t>
-            </a:r>
-            <a:r>
-              <a:rPr lang="en-US" sz="2400" dirty="0" err="1">
+              <a:t> </a:t>
+            </a:r>
+            <a:r>
+              <a:rPr lang="en-US" sz="2400" dirty="0" smtClean="0">
+                <a:solidFill>
+                  <a:srgbClr val="0000FF"/>
+                </a:solidFill>
+                <a:latin typeface="Consolas" panose="020B0609020204030204" pitchFamily="49" charset="0"/>
+              </a:rPr>
+              <a:t>   </a:t>
+            </a:r>
+            <a:r>
+              <a:rPr lang="en-US" sz="2400" dirty="0" smtClean="0">
+                <a:solidFill>
+                  <a:schemeClr val="accent5">
+                    <a:lumMod val="75000"/>
+                  </a:schemeClr>
+                </a:solidFill>
+                <a:latin typeface="Consolas" panose="020B0609020204030204" pitchFamily="49" charset="0"/>
+              </a:rPr>
+              <a:t>Token </a:t>
+            </a:r>
+            <a:r>
+              <a:rPr lang="en-US" sz="2400" dirty="0" err="1" smtClean="0">
                 <a:latin typeface="Consolas" panose="020B0609020204030204" pitchFamily="49" charset="0"/>
               </a:rPr>
               <a:t>ReadUntil</a:t>
             </a:r>
             <a:r>
-              <a:rPr lang="en-US" sz="2400" dirty="0">
+              <a:rPr lang="en-US" sz="2400" dirty="0" smtClean="0">
                 <a:latin typeface="Consolas" panose="020B0609020204030204" pitchFamily="49" charset="0"/>
               </a:rPr>
               <a:t>(</a:t>
             </a:r>
             <a:r>
-              <a:rPr lang="en-US" sz="2400" dirty="0" err="1">
+              <a:rPr lang="en-US" sz="2400" dirty="0" err="1" smtClean="0">
                 <a:solidFill>
                   <a:srgbClr val="0000FF"/>
                 </a:solidFill>
@@ -16157,7 +16035,7 @@
               <a:t>params</a:t>
             </a:r>
             <a:r>
-              <a:rPr lang="en-US" sz="2400" dirty="0">
+              <a:rPr lang="en-US" sz="2400" dirty="0" smtClean="0">
                 <a:solidFill>
                   <a:srgbClr val="0000FF"/>
                 </a:solidFill>
@@ -16166,13 +16044,13 @@
               <a:t> char</a:t>
             </a:r>
             <a:r>
-              <a:rPr lang="en-US" sz="2400" dirty="0">
-                <a:latin typeface="Consolas" panose="020B0609020204030204" pitchFamily="49" charset="0"/>
-              </a:rPr>
-              <a:t> []  </a:t>
-            </a:r>
-            <a:r>
-              <a:rPr lang="en-US" sz="2400" dirty="0" err="1">
+              <a:rPr lang="en-US" sz="2400" dirty="0" smtClean="0">
+                <a:latin typeface="Consolas" panose="020B0609020204030204" pitchFamily="49" charset="0"/>
+              </a:rPr>
+              <a:t>[] </a:t>
+            </a:r>
+            <a:r>
+              <a:rPr lang="en-US" sz="2400" dirty="0" err="1" smtClean="0">
                 <a:latin typeface="Consolas" panose="020B0609020204030204" pitchFamily="49" charset="0"/>
               </a:rPr>
               <a:t>stopChars</a:t>
@@ -16195,40 +16073,54 @@
                 </a:solidFill>
                 <a:latin typeface="Consolas" panose="020B0609020204030204" pitchFamily="49" charset="0"/>
               </a:rPr>
-              <a:t>    string</a:t>
-            </a:r>
-            <a:r>
-              <a:rPr lang="en-US" sz="2400" dirty="0">
-                <a:latin typeface="Consolas" panose="020B0609020204030204" pitchFamily="49" charset="0"/>
-              </a:rPr>
-              <a:t> </a:t>
-            </a:r>
-            <a:r>
-              <a:rPr lang="en-US" sz="2400" dirty="0" err="1">
+              <a:t> </a:t>
+            </a:r>
+            <a:r>
+              <a:rPr lang="en-US" sz="2400" dirty="0" smtClean="0">
+                <a:solidFill>
+                  <a:srgbClr val="0000FF"/>
+                </a:solidFill>
+                <a:latin typeface="Consolas" panose="020B0609020204030204" pitchFamily="49" charset="0"/>
+              </a:rPr>
+              <a:t>   </a:t>
+            </a:r>
+            <a:r>
+              <a:rPr lang="en-US" sz="2400" dirty="0" smtClean="0">
+                <a:solidFill>
+                  <a:schemeClr val="accent5">
+                    <a:lumMod val="75000"/>
+                  </a:schemeClr>
+                </a:solidFill>
+                <a:latin typeface="Consolas" panose="020B0609020204030204" pitchFamily="49" charset="0"/>
+              </a:rPr>
+              <a:t>Token </a:t>
+            </a:r>
+            <a:r>
+              <a:rPr lang="en-US" sz="2400" dirty="0" err="1" smtClean="0">
                 <a:latin typeface="Consolas" panose="020B0609020204030204" pitchFamily="49" charset="0"/>
               </a:rPr>
               <a:t>ReadUntil</a:t>
             </a:r>
             <a:r>
-              <a:rPr lang="en-US" sz="2400" dirty="0">
+              <a:rPr lang="en-US" sz="2400" dirty="0" smtClean="0">
                 <a:latin typeface="Consolas" panose="020B0609020204030204" pitchFamily="49" charset="0"/>
               </a:rPr>
               <a:t>(</a:t>
             </a:r>
             <a:r>
-              <a:rPr lang="en-US" sz="2400" dirty="0" err="1">
+              <a:rPr lang="en-US" sz="2400" dirty="0" err="1" smtClean="0">
                 <a:latin typeface="Consolas" panose="020B0609020204030204" pitchFamily="49" charset="0"/>
               </a:rPr>
               <a:t>Func</a:t>
             </a:r>
             <a:r>
-              <a:rPr lang="en-US" sz="2400" dirty="0">
+              <a:rPr lang="en-US" sz="2400" dirty="0" smtClean="0">
                 <a:latin typeface="Consolas" panose="020B0609020204030204" pitchFamily="49" charset="0"/>
               </a:rPr>
               <a:t>&lt;</a:t>
             </a:r>
             <a:r>
-              <a:rPr lang="en-US" sz="2400" dirty="0">
+              <a:rPr lang="en-US" sz="2400" dirty="0" smtClean="0">
                 <a:solidFill>
                   <a:srgbClr val="0000FF"/>
                 </a:solidFill>
@@ -16276,30 +16168,92 @@
             </a:br>
             <a:r>
               <a:rPr lang="en-US" sz="2400" dirty="0">
-                <a:latin typeface="Consolas" panose="020B0609020204030204" pitchFamily="49" charset="0"/>
-              </a:rPr>
-              <a:t>    </a:t>
+                <a:solidFill>
+                  <a:srgbClr val="0000FF"/>
+                </a:solidFill>
+                <a:latin typeface="Consolas" panose="020B0609020204030204" pitchFamily="49" charset="0"/>
+              </a:rPr>
+              <a:t> </a:t>
+            </a:r>
+            <a:r>
+              <a:rPr lang="en-US" sz="2400" dirty="0" smtClean="0">
+                <a:solidFill>
+                  <a:srgbClr val="0000FF"/>
+                </a:solidFill>
+                <a:latin typeface="Consolas" panose="020B0609020204030204" pitchFamily="49" charset="0"/>
+              </a:rPr>
+              <a:t>   </a:t>
+            </a:r>
+            <a:r>
+              <a:rPr lang="en-US" sz="2400" dirty="0" smtClean="0">
+                <a:solidFill>
+                  <a:schemeClr val="accent5">
+                    <a:lumMod val="75000"/>
+                  </a:schemeClr>
+                </a:solidFill>
+                <a:latin typeface="Consolas" panose="020B0609020204030204" pitchFamily="49" charset="0"/>
+              </a:rPr>
+              <a:t>Token </a:t>
+            </a:r>
+            <a:r>
+              <a:rPr lang="en-US" sz="2400" dirty="0" err="1" smtClean="0">
+                <a:latin typeface="Consolas" panose="020B0609020204030204" pitchFamily="49" charset="0"/>
+              </a:rPr>
+              <a:t>ReadWhile</a:t>
+            </a:r>
+            <a:r>
+              <a:rPr lang="en-US" sz="2400" dirty="0" smtClean="0">
+                <a:latin typeface="Consolas" panose="020B0609020204030204" pitchFamily="49" charset="0"/>
+              </a:rPr>
+              <a:t>(</a:t>
+            </a:r>
+            <a:r>
+              <a:rPr lang="en-US" sz="2400" dirty="0" err="1" smtClean="0">
+                <a:solidFill>
+                  <a:srgbClr val="0000FF"/>
+                </a:solidFill>
+                <a:latin typeface="Consolas" panose="020B0609020204030204" pitchFamily="49" charset="0"/>
+              </a:rPr>
+              <a:t>params</a:t>
+            </a:r>
+            <a:r>
+              <a:rPr lang="en-US" sz="2400" dirty="0" smtClean="0">
+                <a:solidFill>
+                  <a:srgbClr val="0000FF"/>
+                </a:solidFill>
+                <a:latin typeface="Consolas" panose="020B0609020204030204" pitchFamily="49" charset="0"/>
+              </a:rPr>
+              <a:t> char</a:t>
+            </a:r>
+            <a:r>
+              <a:rPr lang="en-US" sz="2400" dirty="0" smtClean="0">
+                <a:latin typeface="Consolas" panose="020B0609020204030204" pitchFamily="49" charset="0"/>
+              </a:rPr>
+              <a:t>[]</a:t>
             </a:r>
             <a:r>
               <a:rPr lang="en-US" sz="2400" dirty="0">
-                <a:solidFill>
-                  <a:srgbClr val="0000FF"/>
-                </a:solidFill>
-                <a:latin typeface="Consolas" panose="020B0609020204030204" pitchFamily="49" charset="0"/>
-              </a:rPr>
-              <a:t>void </a:t>
-            </a:r>
-            <a:r>
-              <a:rPr lang="en-US" sz="2400" dirty="0" err="1">
-                <a:latin typeface="Consolas" panose="020B0609020204030204" pitchFamily="49" charset="0"/>
-              </a:rPr>
-              <a:t>SkipSpaces</a:t>
+                <a:latin typeface="Consolas" panose="020B0609020204030204" pitchFamily="49" charset="0"/>
+              </a:rPr>
+              <a:t> </a:t>
+            </a:r>
+            <a:r>
+              <a:rPr lang="en-US" sz="2400" dirty="0" err="1" smtClean="0">
+                <a:latin typeface="Consolas" panose="020B0609020204030204" pitchFamily="49" charset="0"/>
+              </a:rPr>
+              <a:t>acceptableChars</a:t>
+            </a:r>
+            <a:r>
+              <a:rPr lang="en-US" sz="2400" dirty="0" smtClean="0">
+                <a:latin typeface="Consolas" panose="020B0609020204030204" pitchFamily="49" charset="0"/>
+              </a:rPr>
+              <a:t>);</a:t>
             </a:r>
             <a:r>
               <a:rPr lang="en-US" sz="2400" dirty="0">
                 <a:latin typeface="Consolas" panose="020B0609020204030204" pitchFamily="49" charset="0"/>
               </a:rPr>
-              <a:t>();</a:t>
+              <a:t/>
             </a:r>
             <a:br>
               <a:rPr lang="en-US" sz="2400" dirty="0">
@@ -16313,25 +16267,125 @@
                 </a:solidFill>
                 <a:latin typeface="Consolas" panose="020B0609020204030204" pitchFamily="49" charset="0"/>
               </a:rPr>
-              <a:t>    char</a:t>
+              <a:t> </a:t>
+            </a:r>
+            <a:r>
+              <a:rPr lang="en-US" sz="2400" dirty="0" smtClean="0">
+                <a:solidFill>
+                  <a:srgbClr val="0000FF"/>
+                </a:solidFill>
+                <a:latin typeface="Consolas" panose="020B0609020204030204" pitchFamily="49" charset="0"/>
+              </a:rPr>
+              <a:t>   </a:t>
+            </a:r>
+            <a:r>
+              <a:rPr lang="en-US" sz="2400" dirty="0" smtClean="0">
+                <a:solidFill>
+                  <a:schemeClr val="accent5">
+                    <a:lumMod val="75000"/>
+                  </a:schemeClr>
+                </a:solidFill>
+                <a:latin typeface="Consolas" panose="020B0609020204030204" pitchFamily="49" charset="0"/>
+              </a:rPr>
+              <a:t>Token </a:t>
+            </a:r>
+            <a:r>
+              <a:rPr lang="en-US" sz="2400" dirty="0" err="1" smtClean="0">
+                <a:latin typeface="Consolas" panose="020B0609020204030204" pitchFamily="49" charset="0"/>
+              </a:rPr>
+              <a:t>ReadWhile</a:t>
+            </a:r>
+            <a:r>
+              <a:rPr lang="en-US" sz="2400" dirty="0" smtClean="0">
+                <a:latin typeface="Consolas" panose="020B0609020204030204" pitchFamily="49" charset="0"/>
+              </a:rPr>
+              <a:t>(</a:t>
+            </a:r>
+            <a:r>
+              <a:rPr lang="en-US" sz="2400" dirty="0" err="1" smtClean="0">
+                <a:latin typeface="Consolas" panose="020B0609020204030204" pitchFamily="49" charset="0"/>
+              </a:rPr>
+              <a:t>Func</a:t>
+            </a:r>
+            <a:r>
+              <a:rPr lang="en-US" sz="2400" dirty="0" smtClean="0">
+                <a:latin typeface="Consolas" panose="020B0609020204030204" pitchFamily="49" charset="0"/>
+              </a:rPr>
+              <a:t>&lt;</a:t>
+            </a:r>
+            <a:r>
+              <a:rPr lang="en-US" sz="2400" dirty="0" smtClean="0">
+                <a:solidFill>
+                  <a:srgbClr val="0000FF"/>
+                </a:solidFill>
+                <a:latin typeface="Consolas" panose="020B0609020204030204" pitchFamily="49" charset="0"/>
+              </a:rPr>
+              <a:t>char</a:t>
             </a:r>
             <a:r>
               <a:rPr lang="en-US" sz="2400" dirty="0">
                 <a:latin typeface="Consolas" panose="020B0609020204030204" pitchFamily="49" charset="0"/>
               </a:rPr>
+              <a:t>, </a:t>
+            </a:r>
+            <a:r>
+              <a:rPr lang="en-US" sz="2400" dirty="0">
+                <a:solidFill>
+                  <a:srgbClr val="0000FF"/>
+                </a:solidFill>
+                <a:latin typeface="Consolas" panose="020B0609020204030204" pitchFamily="49" charset="0"/>
+              </a:rPr>
+              <a:t>bool</a:t>
+            </a:r>
+            <a:r>
+              <a:rPr lang="en-US" sz="2400" dirty="0">
+                <a:latin typeface="Consolas" panose="020B0609020204030204" pitchFamily="49" charset="0"/>
+              </a:rPr>
+              <a:t>&gt; accept);</a:t>
+            </a:r>
+            <a:br>
+              <a:rPr lang="en-US" sz="2400" dirty="0">
+                <a:latin typeface="Consolas" panose="020B0609020204030204" pitchFamily="49" charset="0"/>
+              </a:rPr>
+            </a:br>
+            <a:r>
+              <a:rPr lang="en-US" sz="2400" dirty="0">
+                <a:latin typeface="Consolas" panose="020B0609020204030204" pitchFamily="49" charset="0"/>
+              </a:rPr>
+              <a:t> </a:t>
+            </a:r>
+            <a:r>
+              <a:rPr lang="en-US" sz="2400" dirty="0" smtClean="0">
+                <a:latin typeface="Consolas" panose="020B0609020204030204" pitchFamily="49" charset="0"/>
+              </a:rPr>
+              <a:t>   </a:t>
+            </a:r>
+            <a:r>
+              <a:rPr lang="en-US" sz="2400" dirty="0" err="1" smtClean="0">
+                <a:solidFill>
+                  <a:srgbClr val="0000FF"/>
+                </a:solidFill>
+                <a:latin typeface="Consolas" panose="020B0609020204030204" pitchFamily="49" charset="0"/>
+              </a:rPr>
+              <a:t>int</a:t>
+            </a:r>
+            <a:r>
+              <a:rPr lang="en-US" sz="2400" dirty="0">
+                <a:latin typeface="Consolas" panose="020B0609020204030204" pitchFamily="49" charset="0"/>
+              </a:rPr>
               <a:t> </a:t>
             </a:r>
             <a:r>
-              <a:rPr lang="en-US" sz="2400" dirty="0" err="1">
-                <a:latin typeface="Consolas" panose="020B0609020204030204" pitchFamily="49" charset="0"/>
-              </a:rPr>
-              <a:t>CurrenChar</a:t>
+              <a:rPr lang="en-US" sz="2400" dirty="0" smtClean="0">
+                <a:latin typeface="Consolas" panose="020B0609020204030204" pitchFamily="49" charset="0"/>
+              </a:rPr>
+              <a:t>Position </a:t>
             </a:r>
             <a:r>
               <a:rPr lang="en-US" sz="2400" dirty="0">
                 <a:latin typeface="Consolas" panose="020B0609020204030204" pitchFamily="49" charset="0"/>
               </a:rPr>
-              <a:t> { </a:t>
+              <a:t>{ </a:t>
             </a:r>
             <a:r>
               <a:rPr lang="en-US" sz="2400" dirty="0">
@@ -16373,50 +16427,6 @@
               </a:rPr>
               <a:t>}</a:t>
             </a:r>
-          </a:p>
-          <a:p>
-            <a:pPr marL="0" indent="0">
-              <a:buNone/>
-            </a:pPr>
-            <a:r>
-              <a:rPr lang="en-US" sz="2400" dirty="0">
-                <a:solidFill>
-                  <a:srgbClr val="0000FF"/>
-                </a:solidFill>
-                <a:latin typeface="Consolas" panose="020B0609020204030204" pitchFamily="49" charset="0"/>
-              </a:rPr>
-              <a:t>string </a:t>
-            </a:r>
-            <a:r>
-              <a:rPr lang="en-US" sz="2400" dirty="0" err="1">
-                <a:latin typeface="Consolas" panose="020B0609020204030204" pitchFamily="49" charset="0"/>
-              </a:rPr>
-              <a:t>Unescape</a:t>
-            </a:r>
-            <a:r>
-              <a:rPr lang="en-US" sz="2400" dirty="0">
-                <a:latin typeface="Consolas" panose="020B0609020204030204" pitchFamily="49" charset="0"/>
-              </a:rPr>
-              <a:t>(</a:t>
-            </a:r>
-            <a:r>
-              <a:rPr lang="en-US" sz="2400" dirty="0">
-                <a:solidFill>
-                  <a:srgbClr val="0000FF"/>
-                </a:solidFill>
-                <a:latin typeface="Consolas" panose="020B0609020204030204" pitchFamily="49" charset="0"/>
-              </a:rPr>
-              <a:t>string </a:t>
-            </a:r>
-            <a:r>
-              <a:rPr lang="en-US" sz="2400" dirty="0">
-                <a:latin typeface="Consolas" panose="020B0609020204030204" pitchFamily="49" charset="0"/>
-              </a:rPr>
-              <a:t>input);</a:t>
-            </a:r>
-            <a:endParaRPr lang="ru-RU" sz="2400" dirty="0">
-              <a:latin typeface="Consolas" panose="020B0609020204030204" pitchFamily="49" charset="0"/>
-            </a:endParaRPr>
           </a:p>
           <a:p>
             <a:endParaRPr lang="en-US" sz="2400" dirty="0"/>
@@ -16568,15 +16578,687 @@
                                   </p:childTnLst>
                                 </p:cTn>
                               </p:par>
+                            </p:childTnLst>
+                          </p:cTn>
+                        </p:par>
+                      </p:childTnLst>
+                    </p:cTn>
+                  </p:par>
+                </p:childTnLst>
+              </p:cTn>
+              <p:prevCondLst>
+                <p:cond evt="onPrev" delay="0">
+                  <p:tgtEl>
+                    <p:sldTgt/>
+                  </p:tgtEl>
+                </p:cond>
+              </p:prevCondLst>
+              <p:nextCondLst>
+                <p:cond evt="onNext" delay="0">
+                  <p:tgtEl>
+                    <p:sldTgt/>
+                  </p:tgtEl>
+                </p:cond>
+              </p:nextCondLst>
+            </p:seq>
+          </p:childTnLst>
+        </p:cTn>
+      </p:par>
+    </p:tnLst>
+  </p:timing>
+</p:sld>
+</file>
+
+<file path=ppt/slides/slide17.xml><?xml version="1.0" encoding="utf-8"?>
+<p:sld xmlns:a="http://schemas.openxmlformats.org/drawingml/2006/main" xmlns:r="http://schemas.openxmlformats.org/officeDocument/2006/relationships" xmlns:p="http://schemas.openxmlformats.org/presentationml/2006/main">
+  <p:cSld>
+    <p:spTree>
+      <p:nvGrpSpPr>
+        <p:cNvPr id="1" name=""/>
+        <p:cNvGrpSpPr/>
+        <p:nvPr/>
+      </p:nvGrpSpPr>
+      <p:grpSpPr>
+        <a:xfrm>
+          <a:off x="0" y="0"/>
+          <a:ext cx="0" cy="0"/>
+          <a:chOff x="0" y="0"/>
+          <a:chExt cx="0" cy="0"/>
+        </a:xfrm>
+      </p:grpSpPr>
+      <p:sp>
+        <p:nvSpPr>
+          <p:cNvPr id="2" name="Объект 1"/>
+          <p:cNvSpPr>
+            <a:spLocks noGrp="1"/>
+          </p:cNvSpPr>
+          <p:nvPr>
+            <p:ph sz="quarter" idx="13"/>
+          </p:nvPr>
+        </p:nvSpPr>
+        <p:spPr/>
+        <p:txBody>
+          <a:bodyPr>
+            <a:normAutofit/>
+          </a:bodyPr>
+          <a:lstStyle/>
+          <a:p>
+            <a:pPr marL="0" indent="0">
+              <a:buNone/>
+            </a:pPr>
+            <a:r>
+              <a:rPr lang="en-US" dirty="0">
+                <a:solidFill>
+                  <a:srgbClr val="0000FF"/>
+                </a:solidFill>
+                <a:latin typeface="Consolas" panose="020B0609020204030204" pitchFamily="49" charset="0"/>
+              </a:rPr>
+              <a:t>string</a:t>
+            </a:r>
+            <a:r>
+              <a:rPr lang="en-US" dirty="0">
+                <a:latin typeface="Consolas" panose="020B0609020204030204" pitchFamily="49" charset="0"/>
+              </a:rPr>
+              <a:t>[] </a:t>
+            </a:r>
+            <a:r>
+              <a:rPr lang="en-US" dirty="0" err="1">
+                <a:latin typeface="Consolas" panose="020B0609020204030204" pitchFamily="49" charset="0"/>
+              </a:rPr>
+              <a:t>ReadFields</a:t>
+            </a:r>
+            <a:r>
+              <a:rPr lang="en-US" dirty="0">
+                <a:latin typeface="Consolas" panose="020B0609020204030204" pitchFamily="49" charset="0"/>
+              </a:rPr>
+              <a:t>(</a:t>
+            </a:r>
+            <a:r>
+              <a:rPr lang="en-US" dirty="0">
+                <a:solidFill>
+                  <a:srgbClr val="0000FF"/>
+                </a:solidFill>
+                <a:latin typeface="Consolas" panose="020B0609020204030204" pitchFamily="49" charset="0"/>
+              </a:rPr>
+              <a:t>string</a:t>
+            </a:r>
+            <a:r>
+              <a:rPr lang="en-US" dirty="0">
+                <a:latin typeface="Consolas" panose="020B0609020204030204" pitchFamily="49" charset="0"/>
+              </a:rPr>
+              <a:t> line)</a:t>
+            </a:r>
+            <a:endParaRPr lang="en-US" sz="2800" dirty="0">
+              <a:latin typeface="Consolas" panose="020B0609020204030204" pitchFamily="49" charset="0"/>
+            </a:endParaRPr>
+          </a:p>
+          <a:p>
+            <a:pPr marL="0" indent="0">
+              <a:buNone/>
+            </a:pPr>
+            <a:r>
+              <a:rPr lang="en-US" sz="2800" dirty="0">
+                <a:solidFill>
+                  <a:srgbClr val="0000FF"/>
+                </a:solidFill>
+                <a:latin typeface="Consolas" panose="020B0609020204030204" pitchFamily="49" charset="0"/>
+              </a:rPr>
+              <a:t>	</a:t>
+            </a:r>
+            <a:r>
+              <a:rPr lang="en-US" sz="2800" dirty="0" smtClean="0">
+                <a:solidFill>
+                  <a:schemeClr val="accent5">
+                    <a:lumMod val="75000"/>
+                  </a:schemeClr>
+                </a:solidFill>
+                <a:latin typeface="Consolas" panose="020B0609020204030204" pitchFamily="49" charset="0"/>
+              </a:rPr>
+              <a:t>Token</a:t>
+            </a:r>
+            <a:r>
+              <a:rPr lang="en-US" sz="2800" dirty="0">
+                <a:latin typeface="Consolas" panose="020B0609020204030204" pitchFamily="49" charset="0"/>
+              </a:rPr>
+              <a:t> </a:t>
+            </a:r>
+            <a:r>
+              <a:rPr lang="en-US" sz="2800" dirty="0" err="1" smtClean="0">
+                <a:latin typeface="Consolas" panose="020B0609020204030204" pitchFamily="49" charset="0"/>
+              </a:rPr>
+              <a:t>SkipSpaces</a:t>
+            </a:r>
+            <a:r>
+              <a:rPr lang="en-US" sz="2800" dirty="0" smtClean="0">
+                <a:latin typeface="Consolas" panose="020B0609020204030204" pitchFamily="49" charset="0"/>
+              </a:rPr>
+              <a:t>(</a:t>
+            </a:r>
+            <a:r>
+              <a:rPr lang="en-US" sz="2800" dirty="0">
+                <a:solidFill>
+                  <a:srgbClr val="0000FF"/>
+                </a:solidFill>
+                <a:latin typeface="Consolas" panose="020B0609020204030204" pitchFamily="49" charset="0"/>
+              </a:rPr>
+              <a:t>this</a:t>
+            </a:r>
+            <a:r>
+              <a:rPr lang="en-US" sz="2800" dirty="0" smtClean="0">
+                <a:latin typeface="Consolas" panose="020B0609020204030204" pitchFamily="49" charset="0"/>
+              </a:rPr>
+              <a:t> </a:t>
+            </a:r>
+            <a:r>
+              <a:rPr lang="en-US" sz="2800" dirty="0" err="1" smtClean="0">
+                <a:solidFill>
+                  <a:schemeClr val="accent5">
+                    <a:lumMod val="75000"/>
+                  </a:schemeClr>
+                </a:solidFill>
+                <a:latin typeface="Consolas" panose="020B0609020204030204" pitchFamily="49" charset="0"/>
+              </a:rPr>
+              <a:t>TokenReader</a:t>
+            </a:r>
+            <a:r>
+              <a:rPr lang="en-US" sz="2800" dirty="0" smtClean="0">
+                <a:solidFill>
+                  <a:srgbClr val="0000FF"/>
+                </a:solidFill>
+                <a:latin typeface="Consolas" panose="020B0609020204030204" pitchFamily="49" charset="0"/>
+              </a:rPr>
+              <a:t> </a:t>
+            </a:r>
+            <a:r>
+              <a:rPr lang="en-US" sz="2800" dirty="0" smtClean="0">
+                <a:latin typeface="Consolas" panose="020B0609020204030204" pitchFamily="49" charset="0"/>
+              </a:rPr>
+              <a:t>reader) </a:t>
+            </a:r>
+            <a:endParaRPr lang="en-US" sz="2800" dirty="0">
+              <a:latin typeface="Consolas" panose="020B0609020204030204" pitchFamily="49" charset="0"/>
+            </a:endParaRPr>
+          </a:p>
+          <a:p>
+            <a:pPr marL="0" indent="0">
+              <a:buNone/>
+            </a:pPr>
+            <a:r>
+              <a:rPr lang="en-US" sz="2800" dirty="0">
+                <a:solidFill>
+                  <a:srgbClr val="0000FF"/>
+                </a:solidFill>
+                <a:latin typeface="Consolas" panose="020B0609020204030204" pitchFamily="49" charset="0"/>
+              </a:rPr>
+              <a:t>	</a:t>
+            </a:r>
+            <a:r>
+              <a:rPr lang="en-US" sz="2800" dirty="0" smtClean="0">
+                <a:solidFill>
+                  <a:schemeClr val="accent5">
+                    <a:lumMod val="75000"/>
+                  </a:schemeClr>
+                </a:solidFill>
+                <a:latin typeface="Consolas" panose="020B0609020204030204" pitchFamily="49" charset="0"/>
+              </a:rPr>
+              <a:t>Token</a:t>
+            </a:r>
+            <a:r>
+              <a:rPr lang="en-US" sz="2800" dirty="0">
+                <a:latin typeface="Consolas" panose="020B0609020204030204" pitchFamily="49" charset="0"/>
+              </a:rPr>
+              <a:t> </a:t>
+            </a:r>
+            <a:r>
+              <a:rPr lang="en-US" sz="2800" dirty="0" err="1" smtClean="0">
+                <a:latin typeface="Consolas" panose="020B0609020204030204" pitchFamily="49" charset="0"/>
+              </a:rPr>
+              <a:t>ReadField</a:t>
+            </a:r>
+            <a:r>
+              <a:rPr lang="en-US" sz="2800" dirty="0" smtClean="0">
+                <a:latin typeface="Consolas" panose="020B0609020204030204" pitchFamily="49" charset="0"/>
+              </a:rPr>
+              <a:t>(</a:t>
+            </a:r>
+            <a:r>
+              <a:rPr lang="en-US" sz="2800" dirty="0">
+                <a:solidFill>
+                  <a:srgbClr val="0000FF"/>
+                </a:solidFill>
+                <a:latin typeface="Consolas" panose="020B0609020204030204" pitchFamily="49" charset="0"/>
+              </a:rPr>
+              <a:t>this</a:t>
+            </a:r>
+            <a:r>
+              <a:rPr lang="en-US" sz="2800" dirty="0">
+                <a:latin typeface="Consolas" panose="020B0609020204030204" pitchFamily="49" charset="0"/>
+              </a:rPr>
+              <a:t> </a:t>
+            </a:r>
+            <a:r>
+              <a:rPr lang="en-US" sz="2800" dirty="0" err="1" smtClean="0">
+                <a:solidFill>
+                  <a:schemeClr val="accent5">
+                    <a:lumMod val="75000"/>
+                  </a:schemeClr>
+                </a:solidFill>
+                <a:latin typeface="Consolas" panose="020B0609020204030204" pitchFamily="49" charset="0"/>
+              </a:rPr>
+              <a:t>TokenReader</a:t>
+            </a:r>
+            <a:r>
+              <a:rPr lang="en-US" sz="2800" dirty="0" smtClean="0">
+                <a:solidFill>
+                  <a:srgbClr val="0000FF"/>
+                </a:solidFill>
+                <a:latin typeface="Consolas" panose="020B0609020204030204" pitchFamily="49" charset="0"/>
+              </a:rPr>
+              <a:t> </a:t>
+            </a:r>
+            <a:r>
+              <a:rPr lang="en-US" sz="2800" dirty="0">
+                <a:latin typeface="Consolas" panose="020B0609020204030204" pitchFamily="49" charset="0"/>
+              </a:rPr>
+              <a:t>reader</a:t>
+            </a:r>
+            <a:r>
+              <a:rPr lang="en-US" sz="2800" dirty="0" smtClean="0">
+                <a:latin typeface="Consolas" panose="020B0609020204030204" pitchFamily="49" charset="0"/>
+              </a:rPr>
+              <a:t>) </a:t>
+            </a:r>
+            <a:endParaRPr lang="en-US" sz="2800" dirty="0">
+              <a:latin typeface="Consolas" panose="020B0609020204030204" pitchFamily="49" charset="0"/>
+            </a:endParaRPr>
+          </a:p>
+          <a:p>
+            <a:pPr marL="400050" lvl="1" indent="0">
+              <a:buNone/>
+            </a:pPr>
+            <a:r>
+              <a:rPr lang="en-US" sz="2400" dirty="0" smtClean="0">
+                <a:solidFill>
+                  <a:srgbClr val="0000FF"/>
+                </a:solidFill>
+                <a:latin typeface="Consolas" panose="020B0609020204030204" pitchFamily="49" charset="0"/>
+              </a:rPr>
+              <a:t>	    </a:t>
+            </a:r>
+            <a:r>
+              <a:rPr lang="en-US" sz="2400" dirty="0" smtClean="0">
+                <a:solidFill>
+                  <a:schemeClr val="accent5">
+                    <a:lumMod val="75000"/>
+                  </a:schemeClr>
+                </a:solidFill>
+                <a:latin typeface="Consolas" panose="020B0609020204030204" pitchFamily="49" charset="0"/>
+              </a:rPr>
+              <a:t>Token</a:t>
+            </a:r>
+            <a:r>
+              <a:rPr lang="en-US" sz="2400" dirty="0">
+                <a:latin typeface="Consolas" panose="020B0609020204030204" pitchFamily="49" charset="0"/>
+              </a:rPr>
+              <a:t> </a:t>
+            </a:r>
+            <a:r>
+              <a:rPr lang="en-US" sz="2400" dirty="0" err="1" smtClean="0">
+                <a:latin typeface="Consolas" panose="020B0609020204030204" pitchFamily="49" charset="0"/>
+              </a:rPr>
+              <a:t>ReadSimpleField</a:t>
+            </a:r>
+            <a:r>
+              <a:rPr lang="en-US" sz="2400" dirty="0" smtClean="0">
+                <a:latin typeface="Consolas" panose="020B0609020204030204" pitchFamily="49" charset="0"/>
+              </a:rPr>
+              <a:t>(</a:t>
+            </a:r>
+            <a:r>
+              <a:rPr lang="en-US" sz="2400" dirty="0">
+                <a:solidFill>
+                  <a:srgbClr val="0000FF"/>
+                </a:solidFill>
+                <a:latin typeface="Consolas" panose="020B0609020204030204" pitchFamily="49" charset="0"/>
+              </a:rPr>
+              <a:t>this</a:t>
+            </a:r>
+            <a:r>
+              <a:rPr lang="en-US" sz="2400" dirty="0">
+                <a:latin typeface="Consolas" panose="020B0609020204030204" pitchFamily="49" charset="0"/>
+              </a:rPr>
+              <a:t> </a:t>
+            </a:r>
+            <a:r>
+              <a:rPr lang="en-US" sz="2400" dirty="0" err="1" smtClean="0">
+                <a:solidFill>
+                  <a:schemeClr val="accent5">
+                    <a:lumMod val="75000"/>
+                  </a:schemeClr>
+                </a:solidFill>
+                <a:latin typeface="Consolas" panose="020B0609020204030204" pitchFamily="49" charset="0"/>
+              </a:rPr>
+              <a:t>TokenReader</a:t>
+            </a:r>
+            <a:r>
+              <a:rPr lang="en-US" sz="2400" dirty="0" smtClean="0">
+                <a:solidFill>
+                  <a:srgbClr val="0000FF"/>
+                </a:solidFill>
+                <a:latin typeface="Consolas" panose="020B0609020204030204" pitchFamily="49" charset="0"/>
+              </a:rPr>
+              <a:t> </a:t>
+            </a:r>
+            <a:r>
+              <a:rPr lang="en-US" sz="2400" dirty="0">
+                <a:latin typeface="Consolas" panose="020B0609020204030204" pitchFamily="49" charset="0"/>
+              </a:rPr>
+              <a:t>reader</a:t>
+            </a:r>
+            <a:r>
+              <a:rPr lang="en-US" sz="2400" dirty="0" smtClean="0">
+                <a:latin typeface="Consolas" panose="020B0609020204030204" pitchFamily="49" charset="0"/>
+              </a:rPr>
+              <a:t>) </a:t>
+            </a:r>
+            <a:endParaRPr lang="en-US" sz="2400" dirty="0">
+              <a:latin typeface="Consolas" panose="020B0609020204030204" pitchFamily="49" charset="0"/>
+            </a:endParaRPr>
+          </a:p>
+          <a:p>
+            <a:pPr marL="400050" lvl="1" indent="0">
+              <a:buNone/>
+            </a:pPr>
+            <a:r>
+              <a:rPr lang="en-US" sz="2400" dirty="0">
+                <a:solidFill>
+                  <a:srgbClr val="0000FF"/>
+                </a:solidFill>
+                <a:latin typeface="Consolas" panose="020B0609020204030204" pitchFamily="49" charset="0"/>
+              </a:rPr>
+              <a:t>	</a:t>
+            </a:r>
+            <a:r>
+              <a:rPr lang="en-US" sz="2400" dirty="0" smtClean="0">
+                <a:solidFill>
+                  <a:srgbClr val="0000FF"/>
+                </a:solidFill>
+                <a:latin typeface="Consolas" panose="020B0609020204030204" pitchFamily="49" charset="0"/>
+              </a:rPr>
+              <a:t>    </a:t>
+            </a:r>
+            <a:r>
+              <a:rPr lang="en-US" sz="2400" dirty="0" smtClean="0">
+                <a:solidFill>
+                  <a:schemeClr val="accent5">
+                    <a:lumMod val="75000"/>
+                  </a:schemeClr>
+                </a:solidFill>
+                <a:latin typeface="Consolas" panose="020B0609020204030204" pitchFamily="49" charset="0"/>
+              </a:rPr>
+              <a:t>Token</a:t>
+            </a:r>
+            <a:r>
+              <a:rPr lang="en-US" sz="2400" dirty="0">
+                <a:latin typeface="Consolas" panose="020B0609020204030204" pitchFamily="49" charset="0"/>
+              </a:rPr>
+              <a:t> </a:t>
+            </a:r>
+            <a:r>
+              <a:rPr lang="en-US" sz="2400" dirty="0" err="1" smtClean="0">
+                <a:latin typeface="Consolas" panose="020B0609020204030204" pitchFamily="49" charset="0"/>
+              </a:rPr>
+              <a:t>ReadQuotedField</a:t>
+            </a:r>
+            <a:r>
+              <a:rPr lang="en-US" sz="2400" dirty="0" smtClean="0">
+                <a:latin typeface="Consolas" panose="020B0609020204030204" pitchFamily="49" charset="0"/>
+              </a:rPr>
+              <a:t>(</a:t>
+            </a:r>
+            <a:r>
+              <a:rPr lang="en-US" sz="2400" dirty="0">
+                <a:solidFill>
+                  <a:srgbClr val="0000FF"/>
+                </a:solidFill>
+                <a:latin typeface="Consolas" panose="020B0609020204030204" pitchFamily="49" charset="0"/>
+              </a:rPr>
+              <a:t>this</a:t>
+            </a:r>
+            <a:r>
+              <a:rPr lang="en-US" sz="2400" dirty="0">
+                <a:latin typeface="Consolas" panose="020B0609020204030204" pitchFamily="49" charset="0"/>
+              </a:rPr>
+              <a:t> </a:t>
+            </a:r>
+            <a:r>
+              <a:rPr lang="en-US" sz="2400" dirty="0" err="1" smtClean="0">
+                <a:solidFill>
+                  <a:schemeClr val="accent5">
+                    <a:lumMod val="75000"/>
+                  </a:schemeClr>
+                </a:solidFill>
+                <a:latin typeface="Consolas" panose="020B0609020204030204" pitchFamily="49" charset="0"/>
+              </a:rPr>
+              <a:t>TokenReader</a:t>
+            </a:r>
+            <a:r>
+              <a:rPr lang="en-US" sz="2400" dirty="0" smtClean="0">
+                <a:solidFill>
+                  <a:srgbClr val="0000FF"/>
+                </a:solidFill>
+                <a:latin typeface="Consolas" panose="020B0609020204030204" pitchFamily="49" charset="0"/>
+              </a:rPr>
+              <a:t> </a:t>
+            </a:r>
+            <a:r>
+              <a:rPr lang="en-US" sz="2400" dirty="0">
+                <a:latin typeface="Consolas" panose="020B0609020204030204" pitchFamily="49" charset="0"/>
+              </a:rPr>
+              <a:t>reader</a:t>
+            </a:r>
+            <a:r>
+              <a:rPr lang="en-US" sz="2400" dirty="0" smtClean="0">
+                <a:latin typeface="Consolas" panose="020B0609020204030204" pitchFamily="49" charset="0"/>
+              </a:rPr>
+              <a:t>)</a:t>
+            </a:r>
+            <a:endParaRPr lang="ru-RU" sz="2400" dirty="0">
+              <a:latin typeface="Consolas" panose="020B0609020204030204" pitchFamily="49" charset="0"/>
+            </a:endParaRPr>
+          </a:p>
+        </p:txBody>
+      </p:sp>
+      <p:sp>
+        <p:nvSpPr>
+          <p:cNvPr id="3" name="Заголовок 2"/>
+          <p:cNvSpPr>
+            <a:spLocks noGrp="1"/>
+          </p:cNvSpPr>
+          <p:nvPr>
+            <p:ph type="title"/>
+          </p:nvPr>
+        </p:nvSpPr>
+        <p:spPr/>
+        <p:txBody>
+          <a:bodyPr/>
+          <a:lstStyle/>
+          <a:p>
+            <a:r>
+              <a:rPr lang="en-US" dirty="0"/>
+              <a:t>composability</a:t>
+            </a:r>
+          </a:p>
+        </p:txBody>
+      </p:sp>
+    </p:spTree>
+    <p:extLst>
+      <p:ext uri="{BB962C8B-B14F-4D97-AF65-F5344CB8AC3E}">
+        <p14:creationId xmlns:p14="http://schemas.microsoft.com/office/powerpoint/2010/main" val="2329011855"/>
+      </p:ext>
+    </p:extLst>
+  </p:cSld>
+  <p:clrMapOvr>
+    <a:masterClrMapping/>
+  </p:clrMapOvr>
+  <p:timing>
+    <p:tnLst>
+      <p:par>
+        <p:cTn id="1" dur="indefinite" restart="never" nodeType="tmRoot">
+          <p:childTnLst>
+            <p:seq concurrent="1" nextAc="seek">
+              <p:cTn id="2" dur="indefinite" nodeType="mainSeq">
+                <p:childTnLst>
+                  <p:par>
+                    <p:cTn id="3" fill="hold">
+                      <p:stCondLst>
+                        <p:cond delay="indefinite"/>
+                      </p:stCondLst>
+                      <p:childTnLst>
+                        <p:par>
+                          <p:cTn id="4" fill="hold">
+                            <p:stCondLst>
+                              <p:cond delay="0"/>
+                            </p:stCondLst>
+                            <p:childTnLst>
                               <p:par>
-                                <p:cTn id="11" presetID="1" presetClass="entr" presetSubtype="0" fill="hold" nodeType="withEffect">
+                                <p:cTn id="5" presetID="1" presetClass="entr" presetSubtype="0" fill="hold" nodeType="clickEffect">
                                   <p:stCondLst>
                                     <p:cond delay="0"/>
                                   </p:stCondLst>
                                   <p:childTnLst>
                                     <p:set>
                                       <p:cBhvr>
-                                        <p:cTn id="12" dur="1" fill="hold">
+                                        <p:cTn id="6" dur="1" fill="hold">
+                                          <p:stCondLst>
+                                            <p:cond delay="0"/>
+                                          </p:stCondLst>
+                                        </p:cTn>
+                                        <p:tgtEl>
+                                          <p:spTgt spid="2">
+                                            <p:txEl>
+                                              <p:pRg st="0" end="0"/>
+                                            </p:txEl>
+                                          </p:spTgt>
+                                        </p:tgtEl>
+                                        <p:attrNameLst>
+                                          <p:attrName>style.visibility</p:attrName>
+                                        </p:attrNameLst>
+                                      </p:cBhvr>
+                                      <p:to>
+                                        <p:strVal val="visible"/>
+                                      </p:to>
+                                    </p:set>
+                                  </p:childTnLst>
+                                </p:cTn>
+                              </p:par>
+                            </p:childTnLst>
+                          </p:cTn>
+                        </p:par>
+                      </p:childTnLst>
+                    </p:cTn>
+                  </p:par>
+                  <p:par>
+                    <p:cTn id="7" fill="hold">
+                      <p:stCondLst>
+                        <p:cond delay="indefinite"/>
+                      </p:stCondLst>
+                      <p:childTnLst>
+                        <p:par>
+                          <p:cTn id="8" fill="hold">
+                            <p:stCondLst>
+                              <p:cond delay="0"/>
+                            </p:stCondLst>
+                            <p:childTnLst>
+                              <p:par>
+                                <p:cTn id="9" presetID="1" presetClass="entr" presetSubtype="0" fill="hold" nodeType="clickEffect">
+                                  <p:stCondLst>
+                                    <p:cond delay="0"/>
+                                  </p:stCondLst>
+                                  <p:childTnLst>
+                                    <p:set>
+                                      <p:cBhvr>
+                                        <p:cTn id="10" dur="1" fill="hold">
+                                          <p:stCondLst>
+                                            <p:cond delay="0"/>
+                                          </p:stCondLst>
+                                        </p:cTn>
+                                        <p:tgtEl>
+                                          <p:spTgt spid="2">
+                                            <p:txEl>
+                                              <p:pRg st="1" end="1"/>
+                                            </p:txEl>
+                                          </p:spTgt>
+                                        </p:tgtEl>
+                                        <p:attrNameLst>
+                                          <p:attrName>style.visibility</p:attrName>
+                                        </p:attrNameLst>
+                                      </p:cBhvr>
+                                      <p:to>
+                                        <p:strVal val="visible"/>
+                                      </p:to>
+                                    </p:set>
+                                  </p:childTnLst>
+                                </p:cTn>
+                              </p:par>
+                            </p:childTnLst>
+                          </p:cTn>
+                        </p:par>
+                      </p:childTnLst>
+                    </p:cTn>
+                  </p:par>
+                  <p:par>
+                    <p:cTn id="11" fill="hold">
+                      <p:stCondLst>
+                        <p:cond delay="indefinite"/>
+                      </p:stCondLst>
+                      <p:childTnLst>
+                        <p:par>
+                          <p:cTn id="12" fill="hold">
+                            <p:stCondLst>
+                              <p:cond delay="0"/>
+                            </p:stCondLst>
+                            <p:childTnLst>
+                              <p:par>
+                                <p:cTn id="13" presetID="1" presetClass="entr" presetSubtype="0" fill="hold" nodeType="clickEffect">
+                                  <p:stCondLst>
+                                    <p:cond delay="0"/>
+                                  </p:stCondLst>
+                                  <p:childTnLst>
+                                    <p:set>
+                                      <p:cBhvr>
+                                        <p:cTn id="14" dur="1" fill="hold">
+                                          <p:stCondLst>
+                                            <p:cond delay="0"/>
+                                          </p:stCondLst>
+                                        </p:cTn>
+                                        <p:tgtEl>
+                                          <p:spTgt spid="2">
+                                            <p:txEl>
+                                              <p:pRg st="2" end="2"/>
+                                            </p:txEl>
+                                          </p:spTgt>
+                                        </p:tgtEl>
+                                        <p:attrNameLst>
+                                          <p:attrName>style.visibility</p:attrName>
+                                        </p:attrNameLst>
+                                      </p:cBhvr>
+                                      <p:to>
+                                        <p:strVal val="visible"/>
+                                      </p:to>
+                                    </p:set>
+                                  </p:childTnLst>
+                                </p:cTn>
+                              </p:par>
+                              <p:par>
+                                <p:cTn id="15" presetID="1" presetClass="entr" presetSubtype="0" fill="hold" nodeType="withEffect">
+                                  <p:stCondLst>
+                                    <p:cond delay="0"/>
+                                  </p:stCondLst>
+                                  <p:childTnLst>
+                                    <p:set>
+                                      <p:cBhvr>
+                                        <p:cTn id="16" dur="1" fill="hold">
                                           <p:stCondLst>
                                             <p:cond delay="0"/>
                                           </p:stCondLst>
@@ -16585,6 +17267,37 @@
                                           <p:spTgt spid="2">
                                             <p:txEl>
                                               <p:pRg st="3" end="3"/>
+                                            </p:txEl>
+                                          </p:spTgt>
+                                        </p:tgtEl>
+                                        <p:attrNameLst>
+                                          <p:attrName>style.visibility</p:attrName>
+                                        </p:attrNameLst>
+                                      </p:cBhvr>
+                                      <p:to>
+                                        <p:strVal val="visible"/>
+                                      </p:to>
+                                    </p:set>
+                                  </p:childTnLst>
+                                </p:cTn>
+                              </p:par>
+                              <p:par>
+                                <p:cTn id="17" presetID="1" presetClass="entr" presetSubtype="0" fill="hold" nodeType="withEffect">
+                                  <p:stCondLst>
+                                    <p:cond delay="0"/>
+                                  </p:stCondLst>
+                                  <p:childTnLst>
+                                    <p:set>
+                                      <p:cBhvr>
+                                        <p:cTn id="18" dur="1" fill="hold">
+                                          <p:stCondLst>
+                                            <p:cond delay="0"/>
+                                          </p:stCondLst>
+                                        </p:cTn>
+                                        <p:tgtEl>
+                                          <p:spTgt spid="2">
+                                            <p:txEl>
+                                              <p:pRg st="4" end="4"/>
                                             </p:txEl>
                                           </p:spTgt>
                                         </p:tgtEl>
@@ -16630,7 +17343,7 @@
 </p:sld>
 </file>
 
-<file path=ppt/slides/slide17.xml><?xml version="1.0" encoding="utf-8"?>
+<file path=ppt/slides/slide18.xml><?xml version="1.0" encoding="utf-8"?>
 <p:sld xmlns:a="http://schemas.openxmlformats.org/drawingml/2006/main" xmlns:r="http://schemas.openxmlformats.org/officeDocument/2006/relationships" xmlns:p="http://schemas.openxmlformats.org/presentationml/2006/main">
   <p:cSld>
     <p:spTree>
@@ -17119,7 +17832,7 @@
 </p:sld>
 </file>
 
-<file path=ppt/slides/slide18.xml><?xml version="1.0" encoding="utf-8"?>
+<file path=ppt/slides/slide19.xml><?xml version="1.0" encoding="utf-8"?>
 <p:sld xmlns:a="http://schemas.openxmlformats.org/drawingml/2006/main" xmlns:r="http://schemas.openxmlformats.org/officeDocument/2006/relationships" xmlns:p="http://schemas.openxmlformats.org/presentationml/2006/main">
   <p:cSld>
     <p:spTree>
@@ -17241,7 +17954,7 @@
             </a:endParaRPr>
           </a:p>
           <a:p>
-            <a:pPr marL="400050" lvl="1" indent="0">
+            <a:pPr marL="29" indent="0">
               <a:buNone/>
             </a:pPr>
             <a:r>
@@ -17270,7 +17983,7 @@
             </a:endParaRPr>
           </a:p>
           <a:p>
-            <a:pPr marL="400050" lvl="1" indent="0">
+            <a:pPr marL="29" indent="0">
               <a:buNone/>
             </a:pPr>
             <a:r>
@@ -17401,7 +18114,7 @@
             </a:r>
           </a:p>
           <a:p>
-            <a:pPr marL="400050" lvl="1" indent="0">
+            <a:pPr marL="29" indent="0">
               <a:buNone/>
             </a:pPr>
             <a:r>
@@ -17424,7 +18137,7 @@
             </a:r>
           </a:p>
           <a:p>
-            <a:pPr marL="400050" lvl="1" indent="0">
+            <a:pPr marL="29" indent="0">
               <a:buNone/>
             </a:pPr>
             <a:r>
@@ -17523,10 +18236,291 @@
   <p:clrMapOvr>
     <a:masterClrMapping/>
   </p:clrMapOvr>
+  <p:timing>
+    <p:tnLst>
+      <p:par>
+        <p:cTn id="1" dur="indefinite" restart="never" nodeType="tmRoot">
+          <p:childTnLst>
+            <p:seq concurrent="1" nextAc="seek">
+              <p:cTn id="2" dur="indefinite" nodeType="mainSeq">
+                <p:childTnLst>
+                  <p:par>
+                    <p:cTn id="3" fill="hold">
+                      <p:stCondLst>
+                        <p:cond delay="indefinite"/>
+                      </p:stCondLst>
+                      <p:childTnLst>
+                        <p:par>
+                          <p:cTn id="4" fill="hold">
+                            <p:stCondLst>
+                              <p:cond delay="0"/>
+                            </p:stCondLst>
+                            <p:childTnLst>
+                              <p:par>
+                                <p:cTn id="5" presetID="1" presetClass="entr" presetSubtype="0" fill="hold" nodeType="clickEffect">
+                                  <p:stCondLst>
+                                    <p:cond delay="0"/>
+                                  </p:stCondLst>
+                                  <p:childTnLst>
+                                    <p:set>
+                                      <p:cBhvr>
+                                        <p:cTn id="6" dur="1" fill="hold">
+                                          <p:stCondLst>
+                                            <p:cond delay="0"/>
+                                          </p:stCondLst>
+                                        </p:cTn>
+                                        <p:tgtEl>
+                                          <p:spTgt spid="3">
+                                            <p:txEl>
+                                              <p:pRg st="4" end="4"/>
+                                            </p:txEl>
+                                          </p:spTgt>
+                                        </p:tgtEl>
+                                        <p:attrNameLst>
+                                          <p:attrName>style.visibility</p:attrName>
+                                        </p:attrNameLst>
+                                      </p:cBhvr>
+                                      <p:to>
+                                        <p:strVal val="visible"/>
+                                      </p:to>
+                                    </p:set>
+                                  </p:childTnLst>
+                                </p:cTn>
+                              </p:par>
+                              <p:par>
+                                <p:cTn id="7" presetID="1" presetClass="entr" presetSubtype="0" fill="hold" nodeType="withEffect">
+                                  <p:stCondLst>
+                                    <p:cond delay="0"/>
+                                  </p:stCondLst>
+                                  <p:childTnLst>
+                                    <p:set>
+                                      <p:cBhvr>
+                                        <p:cTn id="8" dur="1" fill="hold">
+                                          <p:stCondLst>
+                                            <p:cond delay="0"/>
+                                          </p:stCondLst>
+                                        </p:cTn>
+                                        <p:tgtEl>
+                                          <p:spTgt spid="3">
+                                            <p:txEl>
+                                              <p:pRg st="5" end="5"/>
+                                            </p:txEl>
+                                          </p:spTgt>
+                                        </p:tgtEl>
+                                        <p:attrNameLst>
+                                          <p:attrName>style.visibility</p:attrName>
+                                        </p:attrNameLst>
+                                      </p:cBhvr>
+                                      <p:to>
+                                        <p:strVal val="visible"/>
+                                      </p:to>
+                                    </p:set>
+                                  </p:childTnLst>
+                                </p:cTn>
+                              </p:par>
+                              <p:par>
+                                <p:cTn id="9" presetID="1" presetClass="entr" presetSubtype="0" fill="hold" nodeType="withEffect">
+                                  <p:stCondLst>
+                                    <p:cond delay="0"/>
+                                  </p:stCondLst>
+                                  <p:childTnLst>
+                                    <p:set>
+                                      <p:cBhvr>
+                                        <p:cTn id="10" dur="1" fill="hold">
+                                          <p:stCondLst>
+                                            <p:cond delay="0"/>
+                                          </p:stCondLst>
+                                        </p:cTn>
+                                        <p:tgtEl>
+                                          <p:spTgt spid="3">
+                                            <p:txEl>
+                                              <p:pRg st="6" end="6"/>
+                                            </p:txEl>
+                                          </p:spTgt>
+                                        </p:tgtEl>
+                                        <p:attrNameLst>
+                                          <p:attrName>style.visibility</p:attrName>
+                                        </p:attrNameLst>
+                                      </p:cBhvr>
+                                      <p:to>
+                                        <p:strVal val="visible"/>
+                                      </p:to>
+                                    </p:set>
+                                  </p:childTnLst>
+                                </p:cTn>
+                              </p:par>
+                              <p:par>
+                                <p:cTn id="11" presetID="1" presetClass="entr" presetSubtype="0" fill="hold" nodeType="withEffect">
+                                  <p:stCondLst>
+                                    <p:cond delay="0"/>
+                                  </p:stCondLst>
+                                  <p:childTnLst>
+                                    <p:set>
+                                      <p:cBhvr>
+                                        <p:cTn id="12" dur="1" fill="hold">
+                                          <p:stCondLst>
+                                            <p:cond delay="0"/>
+                                          </p:stCondLst>
+                                        </p:cTn>
+                                        <p:tgtEl>
+                                          <p:spTgt spid="3">
+                                            <p:txEl>
+                                              <p:pRg st="7" end="7"/>
+                                            </p:txEl>
+                                          </p:spTgt>
+                                        </p:tgtEl>
+                                        <p:attrNameLst>
+                                          <p:attrName>style.visibility</p:attrName>
+                                        </p:attrNameLst>
+                                      </p:cBhvr>
+                                      <p:to>
+                                        <p:strVal val="visible"/>
+                                      </p:to>
+                                    </p:set>
+                                  </p:childTnLst>
+                                </p:cTn>
+                              </p:par>
+                            </p:childTnLst>
+                          </p:cTn>
+                        </p:par>
+                      </p:childTnLst>
+                    </p:cTn>
+                  </p:par>
+                  <p:par>
+                    <p:cTn id="13" fill="hold">
+                      <p:stCondLst>
+                        <p:cond delay="indefinite"/>
+                      </p:stCondLst>
+                      <p:childTnLst>
+                        <p:par>
+                          <p:cTn id="14" fill="hold">
+                            <p:stCondLst>
+                              <p:cond delay="0"/>
+                            </p:stCondLst>
+                            <p:childTnLst>
+                              <p:par>
+                                <p:cTn id="15" presetID="1" presetClass="entr" presetSubtype="0" fill="hold" nodeType="clickEffect">
+                                  <p:stCondLst>
+                                    <p:cond delay="0"/>
+                                  </p:stCondLst>
+                                  <p:childTnLst>
+                                    <p:set>
+                                      <p:cBhvr>
+                                        <p:cTn id="16" dur="1" fill="hold">
+                                          <p:stCondLst>
+                                            <p:cond delay="0"/>
+                                          </p:stCondLst>
+                                        </p:cTn>
+                                        <p:tgtEl>
+                                          <p:spTgt spid="3">
+                                            <p:txEl>
+                                              <p:pRg st="9" end="9"/>
+                                            </p:txEl>
+                                          </p:spTgt>
+                                        </p:tgtEl>
+                                        <p:attrNameLst>
+                                          <p:attrName>style.visibility</p:attrName>
+                                        </p:attrNameLst>
+                                      </p:cBhvr>
+                                      <p:to>
+                                        <p:strVal val="visible"/>
+                                      </p:to>
+                                    </p:set>
+                                  </p:childTnLst>
+                                </p:cTn>
+                              </p:par>
+                            </p:childTnLst>
+                          </p:cTn>
+                        </p:par>
+                      </p:childTnLst>
+                    </p:cTn>
+                  </p:par>
+                </p:childTnLst>
+              </p:cTn>
+              <p:prevCondLst>
+                <p:cond evt="onPrev" delay="0">
+                  <p:tgtEl>
+                    <p:sldTgt/>
+                  </p:tgtEl>
+                </p:cond>
+              </p:prevCondLst>
+              <p:nextCondLst>
+                <p:cond evt="onNext" delay="0">
+                  <p:tgtEl>
+                    <p:sldTgt/>
+                  </p:tgtEl>
+                </p:cond>
+              </p:nextCondLst>
+            </p:seq>
+          </p:childTnLst>
+        </p:cTn>
+      </p:par>
+    </p:tnLst>
+  </p:timing>
 </p:sld>
 </file>
 
-<file path=ppt/slides/slide19.xml><?xml version="1.0" encoding="utf-8"?>
+<file path=ppt/slides/slide2.xml><?xml version="1.0" encoding="utf-8"?>
+<p:sld xmlns:a="http://schemas.openxmlformats.org/drawingml/2006/main" xmlns:r="http://schemas.openxmlformats.org/officeDocument/2006/relationships" xmlns:p="http://schemas.openxmlformats.org/presentationml/2006/main">
+  <p:cSld>
+    <p:spTree>
+      <p:nvGrpSpPr>
+        <p:cNvPr id="1" name=""/>
+        <p:cNvGrpSpPr/>
+        <p:nvPr/>
+      </p:nvGrpSpPr>
+      <p:grpSpPr>
+        <a:xfrm>
+          <a:off x="0" y="0"/>
+          <a:ext cx="0" cy="0"/>
+          <a:chOff x="0" y="0"/>
+          <a:chExt cx="0" cy="0"/>
+        </a:xfrm>
+      </p:grpSpPr>
+      <p:sp>
+        <p:nvSpPr>
+          <p:cNvPr id="2" name="Заголовок 1"/>
+          <p:cNvSpPr>
+            <a:spLocks noGrp="1"/>
+          </p:cNvSpPr>
+          <p:nvPr>
+            <p:ph type="title"/>
+          </p:nvPr>
+        </p:nvSpPr>
+        <p:spPr/>
+        <p:txBody>
+          <a:bodyPr/>
+          <a:lstStyle/>
+          <a:p>
+            <a:r>
+              <a:rPr lang="ru-RU"/>
+              <a:t>основы</a:t>
+            </a:r>
+            <a:endParaRPr lang="en-US" dirty="0"/>
+          </a:p>
+        </p:txBody>
+      </p:sp>
+    </p:spTree>
+    <p:extLst>
+      <p:ext uri="{BB962C8B-B14F-4D97-AF65-F5344CB8AC3E}">
+        <p14:creationId xmlns:p14="http://schemas.microsoft.com/office/powerpoint/2010/main" val="1953024211"/>
+      </p:ext>
+    </p:extLst>
+  </p:cSld>
+  <p:clrMapOvr>
+    <a:masterClrMapping/>
+  </p:clrMapOvr>
+  <p:timing>
+    <p:tnLst>
+      <p:par>
+        <p:cTn id="1" dur="indefinite" restart="never" nodeType="tmRoot"/>
+      </p:par>
+    </p:tnLst>
+  </p:timing>
+</p:sld>
+</file>
+
+<file path=ppt/slides/slide20.xml><?xml version="1.0" encoding="utf-8"?>
 <p:sld xmlns:a="http://schemas.openxmlformats.org/drawingml/2006/main" xmlns:r="http://schemas.openxmlformats.org/officeDocument/2006/relationships" xmlns:p="http://schemas.openxmlformats.org/presentationml/2006/main">
   <p:cSld>
     <p:spTree>
@@ -18006,60 +19000,7 @@
 </p:sld>
 </file>
 
-<file path=ppt/slides/slide2.xml><?xml version="1.0" encoding="utf-8"?>
-<p:sld xmlns:a="http://schemas.openxmlformats.org/drawingml/2006/main" xmlns:r="http://schemas.openxmlformats.org/officeDocument/2006/relationships" xmlns:p="http://schemas.openxmlformats.org/presentationml/2006/main">
-  <p:cSld>
-    <p:spTree>
-      <p:nvGrpSpPr>
-        <p:cNvPr id="1" name=""/>
-        <p:cNvGrpSpPr/>
-        <p:nvPr/>
-      </p:nvGrpSpPr>
-      <p:grpSpPr>
-        <a:xfrm>
-          <a:off x="0" y="0"/>
-          <a:ext cx="0" cy="0"/>
-          <a:chOff x="0" y="0"/>
-          <a:chExt cx="0" cy="0"/>
-        </a:xfrm>
-      </p:grpSpPr>
-      <p:sp>
-        <p:nvSpPr>
-          <p:cNvPr id="2" name="Заголовок 1"/>
-          <p:cNvSpPr>
-            <a:spLocks noGrp="1"/>
-          </p:cNvSpPr>
-          <p:nvPr>
-            <p:ph type="title"/>
-          </p:nvPr>
-        </p:nvSpPr>
-        <p:spPr/>
-        <p:txBody>
-          <a:bodyPr/>
-          <a:lstStyle/>
-          <a:p>
-            <a:r>
-              <a:rPr lang="ru-RU"/>
-              <a:t>основы</a:t>
-            </a:r>
-            <a:endParaRPr lang="en-US" dirty="0"/>
-          </a:p>
-        </p:txBody>
-      </p:sp>
-    </p:spTree>
-    <p:extLst>
-      <p:ext uri="{BB962C8B-B14F-4D97-AF65-F5344CB8AC3E}">
-        <p14:creationId xmlns:p14="http://schemas.microsoft.com/office/powerpoint/2010/main" val="1953024211"/>
-      </p:ext>
-    </p:extLst>
-  </p:cSld>
-  <p:clrMapOvr>
-    <a:masterClrMapping/>
-  </p:clrMapOvr>
-</p:sld>
-</file>
-
-<file path=ppt/slides/slide20.xml><?xml version="1.0" encoding="utf-8"?>
+<file path=ppt/slides/slide21.xml><?xml version="1.0" encoding="utf-8"?>
 <p:sld xmlns:a="http://schemas.openxmlformats.org/drawingml/2006/main" xmlns:r="http://schemas.openxmlformats.org/officeDocument/2006/relationships" xmlns:p="http://schemas.openxmlformats.org/presentationml/2006/main">
   <p:cSld>
     <p:spTree>
@@ -18096,7 +19037,15 @@
             </a:pPr>
             <a:r>
               <a:rPr lang="en-US" dirty="0"/>
-              <a:t>Reverse(array, 0, k-1);  //O(k)</a:t>
+              <a:t>Reverse(array, 0, k-1);  </a:t>
+            </a:r>
+            <a:r>
+              <a:rPr lang="en-US" dirty="0" smtClean="0"/>
+              <a:t>// O(k</a:t>
+            </a:r>
+            <a:r>
+              <a:rPr lang="en-US" dirty="0"/>
+              <a:t>)</a:t>
             </a:r>
           </a:p>
           <a:p>
@@ -18105,7 +19054,15 @@
             </a:pPr>
             <a:r>
               <a:rPr lang="en-US" dirty="0"/>
-              <a:t>Reverse(array, k, n-1);  //O(n-k)</a:t>
+              <a:t>Reverse(array, k, n-1);  </a:t>
+            </a:r>
+            <a:r>
+              <a:rPr lang="en-US" dirty="0" smtClean="0"/>
+              <a:t>// O(n-k</a:t>
+            </a:r>
+            <a:r>
+              <a:rPr lang="en-US" dirty="0"/>
+              <a:t>)</a:t>
             </a:r>
           </a:p>
           <a:p>
@@ -18371,7 +19328,7 @@
 </p:sld>
 </file>
 
-<file path=ppt/slides/slide21.xml><?xml version="1.0" encoding="utf-8"?>
+<file path=ppt/slides/slide22.xml><?xml version="1.0" encoding="utf-8"?>
 <p:sld xmlns:a="http://schemas.openxmlformats.org/drawingml/2006/main" xmlns:r="http://schemas.openxmlformats.org/officeDocument/2006/relationships" xmlns:p="http://schemas.openxmlformats.org/presentationml/2006/main">
   <p:cSld>
     <p:spTree>
@@ -18453,10 +19410,17 @@
   <p:clrMapOvr>
     <a:masterClrMapping/>
   </p:clrMapOvr>
+  <p:timing>
+    <p:tnLst>
+      <p:par>
+        <p:cTn id="1" dur="indefinite" restart="never" nodeType="tmRoot"/>
+      </p:par>
+    </p:tnLst>
+  </p:timing>
 </p:sld>
 </file>
 
-<file path=ppt/slides/slide22.xml><?xml version="1.0" encoding="utf-8"?>
+<file path=ppt/slides/slide23.xml><?xml version="1.0" encoding="utf-8"?>
 <p:sld xmlns:a="http://schemas.openxmlformats.org/drawingml/2006/main" xmlns:r="http://schemas.openxmlformats.org/officeDocument/2006/relationships" xmlns:p="http://schemas.openxmlformats.org/presentationml/2006/main">
   <p:cSld>
     <p:spTree>
@@ -18546,109 +19510,13 @@
   <p:clrMapOvr>
     <a:masterClrMapping/>
   </p:clrMapOvr>
-</p:sld>
-</file>
-
-<file path=ppt/slides/slide23.xml><?xml version="1.0" encoding="utf-8"?>
-<p:sld xmlns:a="http://schemas.openxmlformats.org/drawingml/2006/main" xmlns:r="http://schemas.openxmlformats.org/officeDocument/2006/relationships" xmlns:p="http://schemas.openxmlformats.org/presentationml/2006/main">
-  <p:cSld>
-    <p:spTree>
-      <p:nvGrpSpPr>
-        <p:cNvPr id="1" name=""/>
-        <p:cNvGrpSpPr/>
-        <p:nvPr/>
-      </p:nvGrpSpPr>
-      <p:grpSpPr>
-        <a:xfrm>
-          <a:off x="0" y="0"/>
-          <a:ext cx="0" cy="0"/>
-          <a:chOff x="0" y="0"/>
-          <a:chExt cx="0" cy="0"/>
-        </a:xfrm>
-      </p:grpSpPr>
-      <p:sp>
-        <p:nvSpPr>
-          <p:cNvPr id="2" name="Объект 1"/>
-          <p:cNvSpPr>
-            <a:spLocks noGrp="1"/>
-          </p:cNvSpPr>
-          <p:nvPr>
-            <p:ph sz="quarter" idx="13"/>
-          </p:nvPr>
-        </p:nvSpPr>
-        <p:spPr/>
-        <p:txBody>
-          <a:bodyPr/>
-          <a:lstStyle/>
-          <a:p>
-            <a:pPr marL="0" indent="0">
-              <a:buNone/>
-            </a:pPr>
-            <a:r>
-              <a:rPr lang="ru-RU" dirty="0"/>
-              <a:t>Помните про декомпозицию и </a:t>
-            </a:r>
-            <a:r>
-              <a:rPr lang="ru-RU" dirty="0" err="1"/>
-              <a:t>компонуемость</a:t>
-            </a:r>
-            <a:endParaRPr lang="ru-RU" dirty="0"/>
-          </a:p>
-        </p:txBody>
-      </p:sp>
-      <p:sp>
-        <p:nvSpPr>
-          <p:cNvPr id="3" name="Заголовок 2"/>
-          <p:cNvSpPr>
-            <a:spLocks noGrp="1"/>
-          </p:cNvSpPr>
-          <p:nvPr>
-            <p:ph type="title"/>
-          </p:nvPr>
-        </p:nvSpPr>
-        <p:spPr/>
-        <p:txBody>
-          <a:bodyPr/>
-          <a:lstStyle/>
-          <a:p>
-            <a:r>
-              <a:rPr lang="ru-RU" dirty="0">
-                <a:solidFill>
-                  <a:schemeClr val="tx1"/>
-                </a:solidFill>
-              </a:rPr>
-              <a:t>Задача</a:t>
-            </a:r>
-            <a:r>
-              <a:rPr lang="ru-RU" dirty="0"/>
-              <a:t> </a:t>
-            </a:r>
-            <a:r>
-              <a:rPr lang="en-US" dirty="0" err="1">
-                <a:solidFill>
-                  <a:schemeClr val="accent1"/>
-                </a:solidFill>
-              </a:rPr>
-              <a:t>controldigit</a:t>
-            </a:r>
-            <a:endParaRPr lang="en-US" dirty="0">
-              <a:solidFill>
-                <a:schemeClr val="accent1"/>
-              </a:solidFill>
-            </a:endParaRPr>
-          </a:p>
-        </p:txBody>
-      </p:sp>
-    </p:spTree>
-    <p:extLst>
-      <p:ext uri="{BB962C8B-B14F-4D97-AF65-F5344CB8AC3E}">
-        <p14:creationId xmlns:p14="http://schemas.microsoft.com/office/powerpoint/2010/main" val="294647949"/>
-      </p:ext>
-    </p:extLst>
-  </p:cSld>
-  <p:clrMapOvr>
-    <a:masterClrMapping/>
-  </p:clrMapOvr>
+  <p:timing>
+    <p:tnLst>
+      <p:par>
+        <p:cTn id="1" dur="indefinite" restart="never" nodeType="tmRoot"/>
+      </p:par>
+    </p:tnLst>
+  </p:timing>
 </p:sld>
 </file>
 
@@ -18689,44 +19557,13 @@
             </a:pPr>
             <a:r>
               <a:rPr lang="ru-RU" dirty="0"/>
-              <a:t>Повторно-используемые примитивы:</a:t>
-            </a:r>
-            <a:endParaRPr lang="en-US" dirty="0"/>
-          </a:p>
-          <a:p>
-            <a:r>
-              <a:rPr lang="ru-RU" dirty="0"/>
-              <a:t>Получить все цифры числа</a:t>
-            </a:r>
-          </a:p>
-          <a:p>
-            <a:pPr lvl="1"/>
-            <a:r>
-              <a:rPr lang="ru-RU" dirty="0"/>
-              <a:t>Очевидно ли, в каком порядке возвращаются?</a:t>
-            </a:r>
-          </a:p>
-          <a:p>
-            <a:pPr lvl="1"/>
-            <a:r>
-              <a:rPr lang="ru-RU" dirty="0"/>
-              <a:t>Куда положить метод, чтобы его нашли?</a:t>
-            </a:r>
-          </a:p>
-          <a:p>
-            <a:r>
-              <a:rPr lang="ru-RU" dirty="0"/>
-              <a:t>Посчитать взвешенную сумму</a:t>
-            </a:r>
-          </a:p>
-          <a:p>
-            <a:r>
-              <a:rPr lang="ru-RU" dirty="0"/>
-              <a:t>На сколько пострадала производительность? Критично ли это?</a:t>
-            </a:r>
-          </a:p>
-          <a:p>
-            <a:endParaRPr lang="en-US" dirty="0"/>
+              <a:t>Помните про декомпозицию и </a:t>
+            </a:r>
+            <a:r>
+              <a:rPr lang="ru-RU" dirty="0" err="1"/>
+              <a:t>компонуемость</a:t>
+            </a:r>
+            <a:endParaRPr lang="ru-RU" dirty="0"/>
           </a:p>
         </p:txBody>
       </p:sp>
@@ -18751,6 +19588,147 @@
                   <a:schemeClr val="tx1"/>
                 </a:solidFill>
               </a:rPr>
+              <a:t>Задача</a:t>
+            </a:r>
+            <a:r>
+              <a:rPr lang="ru-RU" dirty="0"/>
+              <a:t> </a:t>
+            </a:r>
+            <a:r>
+              <a:rPr lang="en-US" dirty="0" err="1">
+                <a:solidFill>
+                  <a:schemeClr val="accent1"/>
+                </a:solidFill>
+              </a:rPr>
+              <a:t>controldigit</a:t>
+            </a:r>
+            <a:endParaRPr lang="en-US" dirty="0">
+              <a:solidFill>
+                <a:schemeClr val="accent1"/>
+              </a:solidFill>
+            </a:endParaRPr>
+          </a:p>
+        </p:txBody>
+      </p:sp>
+    </p:spTree>
+    <p:extLst>
+      <p:ext uri="{BB962C8B-B14F-4D97-AF65-F5344CB8AC3E}">
+        <p14:creationId xmlns:p14="http://schemas.microsoft.com/office/powerpoint/2010/main" val="294647949"/>
+      </p:ext>
+    </p:extLst>
+  </p:cSld>
+  <p:clrMapOvr>
+    <a:masterClrMapping/>
+  </p:clrMapOvr>
+  <p:timing>
+    <p:tnLst>
+      <p:par>
+        <p:cTn id="1" dur="indefinite" restart="never" nodeType="tmRoot"/>
+      </p:par>
+    </p:tnLst>
+  </p:timing>
+</p:sld>
+</file>
+
+<file path=ppt/slides/slide25.xml><?xml version="1.0" encoding="utf-8"?>
+<p:sld xmlns:a="http://schemas.openxmlformats.org/drawingml/2006/main" xmlns:r="http://schemas.openxmlformats.org/officeDocument/2006/relationships" xmlns:p="http://schemas.openxmlformats.org/presentationml/2006/main">
+  <p:cSld>
+    <p:spTree>
+      <p:nvGrpSpPr>
+        <p:cNvPr id="1" name=""/>
+        <p:cNvGrpSpPr/>
+        <p:nvPr/>
+      </p:nvGrpSpPr>
+      <p:grpSpPr>
+        <a:xfrm>
+          <a:off x="0" y="0"/>
+          <a:ext cx="0" cy="0"/>
+          <a:chOff x="0" y="0"/>
+          <a:chExt cx="0" cy="0"/>
+        </a:xfrm>
+      </p:grpSpPr>
+      <p:sp>
+        <p:nvSpPr>
+          <p:cNvPr id="2" name="Объект 1"/>
+          <p:cNvSpPr>
+            <a:spLocks noGrp="1"/>
+          </p:cNvSpPr>
+          <p:nvPr>
+            <p:ph sz="quarter" idx="13"/>
+          </p:nvPr>
+        </p:nvSpPr>
+        <p:spPr/>
+        <p:txBody>
+          <a:bodyPr/>
+          <a:lstStyle/>
+          <a:p>
+            <a:pPr marL="0" indent="0">
+              <a:buNone/>
+            </a:pPr>
+            <a:r>
+              <a:rPr lang="ru-RU" dirty="0"/>
+              <a:t>Повторно-используемые примитивы:</a:t>
+            </a:r>
+            <a:endParaRPr lang="en-US" dirty="0"/>
+          </a:p>
+          <a:p>
+            <a:r>
+              <a:rPr lang="ru-RU" dirty="0"/>
+              <a:t>Получить все цифры числа</a:t>
+            </a:r>
+          </a:p>
+          <a:p>
+            <a:pPr lvl="1"/>
+            <a:r>
+              <a:rPr lang="ru-RU" dirty="0"/>
+              <a:t>Очевидно ли, в каком порядке возвращаются?</a:t>
+            </a:r>
+          </a:p>
+          <a:p>
+            <a:pPr lvl="1"/>
+            <a:r>
+              <a:rPr lang="ru-RU" dirty="0"/>
+              <a:t>Куда положить метод, чтобы его нашли?</a:t>
+            </a:r>
+          </a:p>
+          <a:p>
+            <a:r>
+              <a:rPr lang="ru-RU" dirty="0"/>
+              <a:t>Посчитать взвешенную сумму</a:t>
+            </a:r>
+          </a:p>
+          <a:p>
+            <a:r>
+              <a:rPr lang="ru-RU" dirty="0"/>
+              <a:t>На сколько пострадала производительность? Критично ли это?</a:t>
+            </a:r>
+          </a:p>
+          <a:p>
+            <a:endParaRPr lang="en-US" dirty="0"/>
+          </a:p>
+        </p:txBody>
+      </p:sp>
+      <p:sp>
+        <p:nvSpPr>
+          <p:cNvPr id="3" name="Заголовок 2"/>
+          <p:cNvSpPr>
+            <a:spLocks noGrp="1"/>
+          </p:cNvSpPr>
+          <p:nvPr>
+            <p:ph type="title"/>
+          </p:nvPr>
+        </p:nvSpPr>
+        <p:spPr/>
+        <p:txBody>
+          <a:bodyPr/>
+          <a:lstStyle/>
+          <a:p>
+            <a:r>
+              <a:rPr lang="ru-RU" dirty="0">
+                <a:solidFill>
+                  <a:schemeClr val="tx1"/>
+                </a:solidFill>
+              </a:rPr>
               <a:t>Разбор задачи</a:t>
             </a:r>
             <a:r>
@@ -18783,10 +19761,17 @@
   <p:clrMapOvr>
     <a:masterClrMapping/>
   </p:clrMapOvr>
+  <p:timing>
+    <p:tnLst>
+      <p:par>
+        <p:cTn id="1" dur="indefinite" restart="never" nodeType="tmRoot"/>
+      </p:par>
+    </p:tnLst>
+  </p:timing>
 </p:sld>
 </file>
 
-<file path=ppt/slides/slide25.xml><?xml version="1.0" encoding="utf-8"?>
+<file path=ppt/slides/slide26.xml><?xml version="1.0" encoding="utf-8"?>
 <p:sld xmlns:a="http://schemas.openxmlformats.org/drawingml/2006/main" xmlns:r="http://schemas.openxmlformats.org/officeDocument/2006/relationships" xmlns:p="http://schemas.openxmlformats.org/presentationml/2006/main">
   <p:cSld>
     <p:spTree>
@@ -18835,10 +19820,17 @@
   <p:clrMapOvr>
     <a:masterClrMapping/>
   </p:clrMapOvr>
+  <p:timing>
+    <p:tnLst>
+      <p:par>
+        <p:cTn id="1" dur="indefinite" restart="never" nodeType="tmRoot"/>
+      </p:par>
+    </p:tnLst>
+  </p:timing>
 </p:sld>
 </file>
 
-<file path=ppt/slides/slide26.xml><?xml version="1.0" encoding="utf-8"?>
+<file path=ppt/slides/slide27.xml><?xml version="1.0" encoding="utf-8"?>
 <p:sld xmlns:a="http://schemas.openxmlformats.org/drawingml/2006/main" xmlns:r="http://schemas.openxmlformats.org/officeDocument/2006/relationships" xmlns:p="http://schemas.openxmlformats.org/presentationml/2006/main">
   <p:cSld>
     <p:spTree>
@@ -18940,10 +19932,17 @@
   <p:clrMapOvr>
     <a:masterClrMapping/>
   </p:clrMapOvr>
+  <p:timing>
+    <p:tnLst>
+      <p:par>
+        <p:cTn id="1" dur="indefinite" restart="never" nodeType="tmRoot"/>
+      </p:par>
+    </p:tnLst>
+  </p:timing>
 </p:sld>
 </file>
 
-<file path=ppt/slides/slide27.xml><?xml version="1.0" encoding="utf-8"?>
+<file path=ppt/slides/slide28.xml><?xml version="1.0" encoding="utf-8"?>
 <p:sld xmlns:a="http://schemas.openxmlformats.org/drawingml/2006/main" xmlns:r="http://schemas.openxmlformats.org/officeDocument/2006/relationships" xmlns:p="http://schemas.openxmlformats.org/presentationml/2006/main">
   <p:cSld>
     <p:spTree>
@@ -19047,10 +20046,17 @@
   <p:clrMapOvr>
     <a:masterClrMapping/>
   </p:clrMapOvr>
+  <p:timing>
+    <p:tnLst>
+      <p:par>
+        <p:cTn id="1" dur="indefinite" restart="never" nodeType="tmRoot"/>
+      </p:par>
+    </p:tnLst>
+  </p:timing>
 </p:sld>
 </file>
 
-<file path=ppt/slides/slide28.xml><?xml version="1.0" encoding="utf-8"?>
+<file path=ppt/slides/slide29.xml><?xml version="1.0" encoding="utf-8"?>
 <p:sld xmlns:a="http://schemas.openxmlformats.org/drawingml/2006/main" xmlns:r="http://schemas.openxmlformats.org/officeDocument/2006/relationships" xmlns:p="http://schemas.openxmlformats.org/presentationml/2006/main">
   <p:cSld>
     <p:spTree>
@@ -19457,106 +20463,6 @@
       </p:par>
     </p:tnLst>
   </p:timing>
-</p:sld>
-</file>
-
-<file path=ppt/slides/slide29.xml><?xml version="1.0" encoding="utf-8"?>
-<p:sld xmlns:a="http://schemas.openxmlformats.org/drawingml/2006/main" xmlns:r="http://schemas.openxmlformats.org/officeDocument/2006/relationships" xmlns:p="http://schemas.openxmlformats.org/presentationml/2006/main">
-  <p:cSld>
-    <p:spTree>
-      <p:nvGrpSpPr>
-        <p:cNvPr id="1" name=""/>
-        <p:cNvGrpSpPr/>
-        <p:nvPr/>
-      </p:nvGrpSpPr>
-      <p:grpSpPr>
-        <a:xfrm>
-          <a:off x="0" y="0"/>
-          <a:ext cx="0" cy="0"/>
-          <a:chOff x="0" y="0"/>
-          <a:chExt cx="0" cy="0"/>
-        </a:xfrm>
-      </p:grpSpPr>
-      <p:sp>
-        <p:nvSpPr>
-          <p:cNvPr id="2" name="Объект 1"/>
-          <p:cNvSpPr>
-            <a:spLocks noGrp="1"/>
-          </p:cNvSpPr>
-          <p:nvPr>
-            <p:ph sz="quarter" idx="13"/>
-          </p:nvPr>
-        </p:nvSpPr>
-        <p:spPr/>
-        <p:txBody>
-          <a:bodyPr anchor="ctr">
-            <a:normAutofit/>
-          </a:bodyPr>
-          <a:lstStyle/>
-          <a:p>
-            <a:pPr marL="0" indent="0" algn="ctr">
-              <a:buNone/>
-            </a:pPr>
-            <a:r>
-              <a:rPr lang="ru-RU" sz="4000" dirty="0"/>
-              <a:t>Не прячьте поток данных от читателя!</a:t>
-            </a:r>
-          </a:p>
-        </p:txBody>
-      </p:sp>
-      <p:sp>
-        <p:nvSpPr>
-          <p:cNvPr id="3" name="Заголовок 2"/>
-          <p:cNvSpPr>
-            <a:spLocks noGrp="1"/>
-          </p:cNvSpPr>
-          <p:nvPr>
-            <p:ph type="title"/>
-          </p:nvPr>
-        </p:nvSpPr>
-        <p:spPr/>
-        <p:txBody>
-          <a:bodyPr/>
-          <a:lstStyle/>
-          <a:p>
-            <a:r>
-              <a:rPr lang="ru-RU" dirty="0">
-                <a:solidFill>
-                  <a:schemeClr val="tx1"/>
-                </a:solidFill>
-              </a:rPr>
-              <a:t>Маркер</a:t>
-            </a:r>
-            <a:r>
-              <a:rPr lang="ru-RU" dirty="0"/>
-              <a:t> </a:t>
-            </a:r>
-            <a:r>
-              <a:rPr lang="ru-RU" dirty="0">
-                <a:solidFill>
-                  <a:schemeClr val="accent1"/>
-                </a:solidFill>
-              </a:rPr>
-              <a:t>скрыт поток данных</a:t>
-            </a:r>
-            <a:endParaRPr lang="en-US" dirty="0">
-              <a:solidFill>
-                <a:schemeClr val="accent1"/>
-              </a:solidFill>
-            </a:endParaRPr>
-          </a:p>
-        </p:txBody>
-      </p:sp>
-    </p:spTree>
-    <p:extLst>
-      <p:ext uri="{BB962C8B-B14F-4D97-AF65-F5344CB8AC3E}">
-        <p14:creationId xmlns:p14="http://schemas.microsoft.com/office/powerpoint/2010/main" val="1775868150"/>
-      </p:ext>
-    </p:extLst>
-  </p:cSld>
-  <p:clrMapOvr>
-    <a:masterClrMapping/>
-  </p:clrMapOvr>
 </p:sld>
 </file>
 
@@ -19805,6 +20711,113 @@
           <a:chExt cx="0" cy="0"/>
         </a:xfrm>
       </p:grpSpPr>
+      <p:sp>
+        <p:nvSpPr>
+          <p:cNvPr id="2" name="Объект 1"/>
+          <p:cNvSpPr>
+            <a:spLocks noGrp="1"/>
+          </p:cNvSpPr>
+          <p:nvPr>
+            <p:ph sz="quarter" idx="13"/>
+          </p:nvPr>
+        </p:nvSpPr>
+        <p:spPr/>
+        <p:txBody>
+          <a:bodyPr anchor="ctr">
+            <a:normAutofit/>
+          </a:bodyPr>
+          <a:lstStyle/>
+          <a:p>
+            <a:pPr marL="0" indent="0" algn="ctr">
+              <a:buNone/>
+            </a:pPr>
+            <a:r>
+              <a:rPr lang="ru-RU" sz="4000" dirty="0"/>
+              <a:t>Не прячьте поток данных от читателя!</a:t>
+            </a:r>
+          </a:p>
+        </p:txBody>
+      </p:sp>
+      <p:sp>
+        <p:nvSpPr>
+          <p:cNvPr id="3" name="Заголовок 2"/>
+          <p:cNvSpPr>
+            <a:spLocks noGrp="1"/>
+          </p:cNvSpPr>
+          <p:nvPr>
+            <p:ph type="title"/>
+          </p:nvPr>
+        </p:nvSpPr>
+        <p:spPr/>
+        <p:txBody>
+          <a:bodyPr/>
+          <a:lstStyle/>
+          <a:p>
+            <a:r>
+              <a:rPr lang="ru-RU" dirty="0">
+                <a:solidFill>
+                  <a:schemeClr val="tx1"/>
+                </a:solidFill>
+              </a:rPr>
+              <a:t>Маркер</a:t>
+            </a:r>
+            <a:r>
+              <a:rPr lang="ru-RU" dirty="0"/>
+              <a:t> </a:t>
+            </a:r>
+            <a:r>
+              <a:rPr lang="ru-RU" dirty="0">
+                <a:solidFill>
+                  <a:schemeClr val="accent1"/>
+                </a:solidFill>
+              </a:rPr>
+              <a:t>скрыт поток данных</a:t>
+            </a:r>
+            <a:endParaRPr lang="en-US" dirty="0">
+              <a:solidFill>
+                <a:schemeClr val="accent1"/>
+              </a:solidFill>
+            </a:endParaRPr>
+          </a:p>
+        </p:txBody>
+      </p:sp>
+    </p:spTree>
+    <p:extLst>
+      <p:ext uri="{BB962C8B-B14F-4D97-AF65-F5344CB8AC3E}">
+        <p14:creationId xmlns:p14="http://schemas.microsoft.com/office/powerpoint/2010/main" val="1775868150"/>
+      </p:ext>
+    </p:extLst>
+  </p:cSld>
+  <p:clrMapOvr>
+    <a:masterClrMapping/>
+  </p:clrMapOvr>
+  <p:timing>
+    <p:tnLst>
+      <p:par>
+        <p:cTn id="1" dur="indefinite" restart="never" nodeType="tmRoot"/>
+      </p:par>
+    </p:tnLst>
+  </p:timing>
+</p:sld>
+</file>
+
+<file path=ppt/slides/slide31.xml><?xml version="1.0" encoding="utf-8"?>
+<p:sld xmlns:a="http://schemas.openxmlformats.org/drawingml/2006/main" xmlns:r="http://schemas.openxmlformats.org/officeDocument/2006/relationships" xmlns:p="http://schemas.openxmlformats.org/presentationml/2006/main">
+  <p:cSld>
+    <p:spTree>
+      <p:nvGrpSpPr>
+        <p:cNvPr id="1" name=""/>
+        <p:cNvGrpSpPr/>
+        <p:nvPr/>
+      </p:nvGrpSpPr>
+      <p:grpSpPr>
+        <a:xfrm>
+          <a:off x="0" y="0"/>
+          <a:ext cx="0" cy="0"/>
+          <a:chOff x="0" y="0"/>
+          <a:chExt cx="0" cy="0"/>
+        </a:xfrm>
+      </p:grpSpPr>
       <p:pic>
         <p:nvPicPr>
           <p:cNvPr id="1026" name="Picture 2" descr="http://vseigritut.ru/games/tetris/tetris1.jpg"/>
@@ -19854,8 +20867,8 @@
         </p:nvSpPr>
         <p:spPr>
           <a:xfrm>
-            <a:off x="3489293" y="549275"/>
-            <a:ext cx="5213414" cy="830997"/>
+            <a:off x="3489292" y="549275"/>
+            <a:ext cx="7287227" cy="830997"/>
           </a:xfrm>
           <a:prstGeom prst="rect">
             <a:avLst/>
@@ -19944,6 +20957,19 @@
                 <a:ea typeface="Fira Code" panose="00000509000000000000" pitchFamily="49" charset="0"/>
               </a:rPr>
               <a:t>() </a:t>
+            </a:r>
+            <a:r>
+              <a:rPr lang="ru-RU" sz="2400" dirty="0">
+                <a:solidFill>
+                  <a:srgbClr val="000000"/>
+                </a:solidFill>
+                <a:highlight>
+                  <a:srgbClr val="FFFFFF"/>
+                </a:highlight>
+                <a:latin typeface="Fira Code" panose="00000509000000000000" pitchFamily="49" charset="0"/>
+                <a:ea typeface="Fira Code" panose="00000509000000000000" pitchFamily="49" charset="0"/>
+              </a:rPr>
+              <a:t/>
             </a:r>
             <a:br>
               <a:rPr lang="ru-RU" sz="2400" dirty="0">
@@ -19996,10 +21022,17 @@
   <p:clrMapOvr>
     <a:masterClrMapping/>
   </p:clrMapOvr>
+  <p:timing>
+    <p:tnLst>
+      <p:par>
+        <p:cTn id="1" dur="indefinite" restart="never" nodeType="tmRoot"/>
+      </p:par>
+    </p:tnLst>
+  </p:timing>
 </p:sld>
 </file>
 
-<file path=ppt/slides/slide31.xml><?xml version="1.0" encoding="utf-8"?>
+<file path=ppt/slides/slide32.xml><?xml version="1.0" encoding="utf-8"?>
 <p:sld xmlns:a="http://schemas.openxmlformats.org/drawingml/2006/main" xmlns:r="http://schemas.openxmlformats.org/officeDocument/2006/relationships" xmlns:p="http://schemas.openxmlformats.org/presentationml/2006/main">
   <p:cSld>
     <p:spTree>
@@ -20896,10 +21929,85 @@
   <p:clrMapOvr>
     <a:masterClrMapping/>
   </p:clrMapOvr>
+  <p:timing>
+    <p:tnLst>
+      <p:par>
+        <p:cTn id="1" dur="indefinite" restart="never" nodeType="tmRoot">
+          <p:childTnLst>
+            <p:seq concurrent="1" nextAc="seek">
+              <p:cTn id="2" dur="indefinite" nodeType="mainSeq">
+                <p:childTnLst>
+                  <p:par>
+                    <p:cTn id="3" fill="hold">
+                      <p:stCondLst>
+                        <p:cond delay="indefinite"/>
+                      </p:stCondLst>
+                      <p:childTnLst>
+                        <p:par>
+                          <p:cTn id="4" fill="hold">
+                            <p:stCondLst>
+                              <p:cond delay="0"/>
+                            </p:stCondLst>
+                            <p:childTnLst>
+                              <p:par>
+                                <p:cTn id="5" presetID="1" presetClass="entr" presetSubtype="0" fill="hold" nodeType="clickEffect">
+                                  <p:stCondLst>
+                                    <p:cond delay="0"/>
+                                  </p:stCondLst>
+                                  <p:childTnLst>
+                                    <p:set>
+                                      <p:cBhvr>
+                                        <p:cTn id="6" dur="1" fill="hold">
+                                          <p:stCondLst>
+                                            <p:cond delay="0"/>
+                                          </p:stCondLst>
+                                        </p:cTn>
+                                        <p:tgtEl>
+                                          <p:spTgt spid="6"/>
+                                        </p:tgtEl>
+                                        <p:attrNameLst>
+                                          <p:attrName>style.visibility</p:attrName>
+                                        </p:attrNameLst>
+                                      </p:cBhvr>
+                                      <p:to>
+                                        <p:strVal val="visible"/>
+                                      </p:to>
+                                    </p:set>
+                                  </p:childTnLst>
+                                </p:cTn>
+                              </p:par>
+                            </p:childTnLst>
+                          </p:cTn>
+                        </p:par>
+                      </p:childTnLst>
+                    </p:cTn>
+                  </p:par>
+                </p:childTnLst>
+              </p:cTn>
+              <p:prevCondLst>
+                <p:cond evt="onPrev" delay="0">
+                  <p:tgtEl>
+                    <p:sldTgt/>
+                  </p:tgtEl>
+                </p:cond>
+              </p:prevCondLst>
+              <p:nextCondLst>
+                <p:cond evt="onNext" delay="0">
+                  <p:tgtEl>
+                    <p:sldTgt/>
+                  </p:tgtEl>
+                </p:cond>
+              </p:nextCondLst>
+            </p:seq>
+          </p:childTnLst>
+        </p:cTn>
+      </p:par>
+    </p:tnLst>
+  </p:timing>
 </p:sld>
 </file>
 
-<file path=ppt/slides/slide32.xml><?xml version="1.0" encoding="utf-8"?>
+<file path=ppt/slides/slide33.xml><?xml version="1.0" encoding="utf-8"?>
 <p:sld xmlns:a="http://schemas.openxmlformats.org/drawingml/2006/main" xmlns:r="http://schemas.openxmlformats.org/officeDocument/2006/relationships" xmlns:p="http://schemas.openxmlformats.org/presentationml/2006/main">
   <p:cSld>
     <p:spTree>
@@ -20996,10 +22104,17 @@
   <p:clrMapOvr>
     <a:masterClrMapping/>
   </p:clrMapOvr>
+  <p:timing>
+    <p:tnLst>
+      <p:par>
+        <p:cTn id="1" dur="indefinite" restart="never" nodeType="tmRoot"/>
+      </p:par>
+    </p:tnLst>
+  </p:timing>
 </p:sld>
 </file>
 
-<file path=ppt/slides/slide33.xml><?xml version="1.0" encoding="utf-8"?>
+<file path=ppt/slides/slide34.xml><?xml version="1.0" encoding="utf-8"?>
 <p:sld xmlns:a="http://schemas.openxmlformats.org/drawingml/2006/main" xmlns:r="http://schemas.openxmlformats.org/officeDocument/2006/relationships" xmlns:p="http://schemas.openxmlformats.org/presentationml/2006/main">
   <p:cSld>
     <p:spTree>
@@ -21153,9 +22268,9 @@
           </a:p>
           <a:p>
             <a:r>
-              <a:rPr lang="ru-RU" sz="2800" dirty="0">
-                <a:solidFill>
-                  <a:srgbClr val="000000"/>
+              <a:rPr lang="en-US" sz="2800" dirty="0" smtClean="0">
+                <a:solidFill>
+                  <a:srgbClr val="0000FF"/>
                 </a:solidFill>
                 <a:highlight>
                   <a:srgbClr val="FFFFFF"/>
@@ -21166,7 +22281,7 @@
               <a:t>    </a:t>
             </a:r>
             <a:r>
-              <a:rPr lang="en-US" sz="2800" dirty="0" err="1">
+              <a:rPr lang="en-US" sz="2800" dirty="0" err="1" smtClean="0">
                 <a:solidFill>
                   <a:srgbClr val="0000FF"/>
                 </a:solidFill>
@@ -21179,60 +22294,73 @@
               <a:t>var</a:t>
             </a:r>
             <a:r>
+              <a:rPr lang="en-US" sz="2800" dirty="0" smtClean="0">
+                <a:solidFill>
+                  <a:srgbClr val="0000FF"/>
+                </a:solidFill>
+                <a:highlight>
+                  <a:srgbClr val="FFFFFF"/>
+                </a:highlight>
+                <a:latin typeface="Consolas" panose="020B0609020204030204" pitchFamily="49" charset="0"/>
+                <a:ea typeface="Fira Code" panose="00000509000000000000" pitchFamily="49" charset="0"/>
+              </a:rPr>
+              <a:t> </a:t>
+            </a:r>
+            <a:r>
+              <a:rPr lang="en-US" sz="2800" dirty="0" smtClean="0">
+                <a:solidFill>
+                  <a:srgbClr val="000000"/>
+                </a:solidFill>
+                <a:highlight>
+                  <a:srgbClr val="FFFFFF"/>
+                </a:highlight>
+                <a:latin typeface="Consolas" panose="020B0609020204030204" pitchFamily="49" charset="0"/>
+                <a:ea typeface="Fira Code" panose="00000509000000000000" pitchFamily="49" charset="0"/>
+              </a:rPr>
+              <a:t>y </a:t>
+            </a:r>
+            <a:r>
               <a:rPr lang="en-US" sz="2800" dirty="0">
                 <a:solidFill>
-                  <a:srgbClr val="0000FF"/>
-                </a:solidFill>
-                <a:highlight>
-                  <a:srgbClr val="FFFFFF"/>
-                </a:highlight>
-                <a:latin typeface="Consolas" panose="020B0609020204030204" pitchFamily="49" charset="0"/>
-                <a:ea typeface="Fira Code" panose="00000509000000000000" pitchFamily="49" charset="0"/>
-              </a:rPr>
-              <a:t> </a:t>
-            </a:r>
-            <a:r>
-              <a:rPr lang="en-US" sz="2800" dirty="0">
-                <a:solidFill>
-                  <a:srgbClr val="000000"/>
-                </a:solidFill>
-                <a:highlight>
-                  <a:srgbClr val="FFFFFF"/>
-                </a:highlight>
-                <a:latin typeface="Consolas" panose="020B0609020204030204" pitchFamily="49" charset="0"/>
-                <a:ea typeface="Fira Code" panose="00000509000000000000" pitchFamily="49" charset="0"/>
-              </a:rPr>
-              <a:t>bottom = 0;</a:t>
-            </a:r>
-            <a:r>
-              <a:rPr lang="en-US" sz="2800" dirty="0">
-                <a:solidFill>
-                  <a:srgbClr val="0000FF"/>
-                </a:solidFill>
-                <a:highlight>
-                  <a:srgbClr val="FFFFFF"/>
-                </a:highlight>
-                <a:latin typeface="Consolas" panose="020B0609020204030204" pitchFamily="49" charset="0"/>
-                <a:ea typeface="Fira Code" panose="00000509000000000000" pitchFamily="49" charset="0"/>
-              </a:rPr>
-              <a:t> </a:t>
-            </a:r>
-            <a:r>
-              <a:rPr lang="ru-RU" sz="2800" dirty="0">
-                <a:solidFill>
-                  <a:srgbClr val="000000"/>
-                </a:solidFill>
-                <a:highlight>
-                  <a:srgbClr val="FFFFFF"/>
-                </a:highlight>
-                <a:latin typeface="Consolas" panose="020B0609020204030204" pitchFamily="49" charset="0"/>
-                <a:ea typeface="Fira Code" panose="00000509000000000000" pitchFamily="49" charset="0"/>
-              </a:rPr>
-              <a:t>	</a:t>
-            </a:r>
-            <a:endParaRPr lang="en-US" sz="2800" dirty="0">
+                  <a:srgbClr val="000000"/>
+                </a:solidFill>
+                <a:highlight>
+                  <a:srgbClr val="FFFFFF"/>
+                </a:highlight>
+                <a:latin typeface="Consolas" panose="020B0609020204030204" pitchFamily="49" charset="0"/>
+                <a:ea typeface="Fira Code" panose="00000509000000000000" pitchFamily="49" charset="0"/>
+              </a:rPr>
+              <a:t>= </a:t>
+            </a:r>
+            <a:r>
+              <a:rPr lang="en-US" sz="2800" dirty="0" smtClean="0">
+                <a:solidFill>
+                  <a:srgbClr val="000000"/>
+                </a:solidFill>
+                <a:highlight>
+                  <a:srgbClr val="FFFFFF"/>
+                </a:highlight>
+                <a:latin typeface="Consolas" panose="020B0609020204030204" pitchFamily="49" charset="0"/>
+                <a:ea typeface="Fira Code" panose="00000509000000000000" pitchFamily="49" charset="0"/>
+              </a:rPr>
+              <a:t>0; </a:t>
+            </a:r>
+            <a:r>
+              <a:rPr lang="en-US" sz="2800" i="1" dirty="0" smtClean="0">
+                <a:solidFill>
+                  <a:srgbClr val="00B050"/>
+                </a:solidFill>
+                <a:highlight>
+                  <a:srgbClr val="FFFFFF"/>
+                </a:highlight>
+                <a:latin typeface="Consolas" panose="020B0609020204030204" pitchFamily="49" charset="0"/>
+                <a:ea typeface="Fira Code" panose="00000509000000000000" pitchFamily="49" charset="0"/>
+              </a:rPr>
+              <a:t>// bottom</a:t>
+            </a:r>
+            <a:endParaRPr lang="en-US" sz="2800" i="1" dirty="0">
               <a:solidFill>
-                <a:srgbClr val="000000"/>
+                <a:srgbClr val="00B050"/>
               </a:solidFill>
               <a:highlight>
                 <a:srgbClr val="FFFFFF"/>
@@ -21243,6 +22371,45 @@
           </a:p>
           <a:p>
             <a:r>
+              <a:rPr lang="en-US" sz="2800" dirty="0" smtClean="0">
+                <a:solidFill>
+                  <a:srgbClr val="000000"/>
+                </a:solidFill>
+                <a:highlight>
+                  <a:srgbClr val="FFFFFF"/>
+                </a:highlight>
+                <a:latin typeface="Consolas" panose="020B0609020204030204" pitchFamily="49" charset="0"/>
+                <a:ea typeface="Fira Code" panose="00000509000000000000" pitchFamily="49" charset="0"/>
+              </a:rPr>
+              <a:t>    </a:t>
+            </a:r>
+            <a:r>
+              <a:rPr lang="en-US" sz="2800" dirty="0" smtClean="0">
+                <a:solidFill>
+                  <a:srgbClr val="0000FF"/>
+                </a:solidFill>
+                <a:highlight>
+                  <a:srgbClr val="FFFFFF"/>
+                </a:highlight>
+                <a:latin typeface="Consolas" panose="020B0609020204030204" pitchFamily="49" charset="0"/>
+                <a:ea typeface="Fira Code" panose="00000509000000000000" pitchFamily="49" charset="0"/>
+              </a:rPr>
+              <a:t>while</a:t>
+            </a:r>
+            <a:r>
+              <a:rPr lang="en-US" sz="2800" dirty="0" smtClean="0">
+                <a:solidFill>
+                  <a:srgbClr val="000000"/>
+                </a:solidFill>
+                <a:highlight>
+                  <a:srgbClr val="FFFFFF"/>
+                </a:highlight>
+                <a:latin typeface="Consolas" panose="020B0609020204030204" pitchFamily="49" charset="0"/>
+                <a:ea typeface="Fira Code" panose="00000509000000000000" pitchFamily="49" charset="0"/>
+              </a:rPr>
+              <a:t> (y </a:t>
+            </a:r>
+            <a:r>
               <a:rPr lang="en-US" sz="2800" dirty="0">
                 <a:solidFill>
                   <a:srgbClr val="000000"/>
@@ -21253,59 +22420,33 @@
                 <a:latin typeface="Consolas" panose="020B0609020204030204" pitchFamily="49" charset="0"/>
                 <a:ea typeface="Fira Code" panose="00000509000000000000" pitchFamily="49" charset="0"/>
               </a:rPr>
-              <a:t>    </a:t>
+              <a:t>&lt; </a:t>
+            </a:r>
+            <a:r>
+              <a:rPr lang="en-US" sz="2800" dirty="0" smtClean="0">
+                <a:solidFill>
+                  <a:srgbClr val="000000"/>
+                </a:solidFill>
+                <a:highlight>
+                  <a:srgbClr val="FFFFFF"/>
+                </a:highlight>
+                <a:latin typeface="Consolas" panose="020B0609020204030204" pitchFamily="49" charset="0"/>
+                <a:ea typeface="Fira Code" panose="00000509000000000000" pitchFamily="49" charset="0"/>
+              </a:rPr>
+              <a:t>height) </a:t>
             </a:r>
             <a:r>
               <a:rPr lang="en-US" sz="2800" dirty="0">
                 <a:solidFill>
-                  <a:srgbClr val="0000FF"/>
-                </a:solidFill>
-                <a:highlight>
-                  <a:srgbClr val="FFFFFF"/>
-                </a:highlight>
-                <a:latin typeface="Consolas" panose="020B0609020204030204" pitchFamily="49" charset="0"/>
-                <a:ea typeface="Fira Code" panose="00000509000000000000" pitchFamily="49" charset="0"/>
-              </a:rPr>
-              <a:t>for</a:t>
-            </a:r>
-            <a:r>
-              <a:rPr lang="en-US" sz="2800" dirty="0">
-                <a:solidFill>
-                  <a:srgbClr val="000000"/>
-                </a:solidFill>
-                <a:highlight>
-                  <a:srgbClr val="FFFFFF"/>
-                </a:highlight>
-                <a:latin typeface="Consolas" panose="020B0609020204030204" pitchFamily="49" charset="0"/>
-                <a:ea typeface="Fira Code" panose="00000509000000000000" pitchFamily="49" charset="0"/>
-              </a:rPr>
-              <a:t> (</a:t>
-            </a:r>
-            <a:r>
-              <a:rPr lang="en-US" sz="2800" dirty="0" err="1">
-                <a:solidFill>
-                  <a:srgbClr val="0000FF"/>
-                </a:solidFill>
-                <a:highlight>
-                  <a:srgbClr val="FFFFFF"/>
-                </a:highlight>
-                <a:latin typeface="Consolas" panose="020B0609020204030204" pitchFamily="49" charset="0"/>
-                <a:ea typeface="Fira Code" panose="00000509000000000000" pitchFamily="49" charset="0"/>
-              </a:rPr>
-              <a:t>int</a:t>
-            </a:r>
-            <a:r>
-              <a:rPr lang="en-US" sz="2800" dirty="0">
-                <a:solidFill>
-                  <a:srgbClr val="000000"/>
-                </a:solidFill>
-                <a:highlight>
-                  <a:srgbClr val="FFFFFF"/>
-                </a:highlight>
-                <a:latin typeface="Consolas" panose="020B0609020204030204" pitchFamily="49" charset="0"/>
-                <a:ea typeface="Fira Code" panose="00000509000000000000" pitchFamily="49" charset="0"/>
-              </a:rPr>
-              <a:t> y = bottom; y &lt; height;) {</a:t>
+                  <a:srgbClr val="000000"/>
+                </a:solidFill>
+                <a:highlight>
+                  <a:srgbClr val="FFFFFF"/>
+                </a:highlight>
+                <a:latin typeface="Consolas" panose="020B0609020204030204" pitchFamily="49" charset="0"/>
+                <a:ea typeface="Fira Code" panose="00000509000000000000" pitchFamily="49" charset="0"/>
+              </a:rPr>
+              <a:t>{</a:t>
             </a:r>
           </a:p>
           <a:p>
@@ -21643,10 +22784,17 @@
   <p:clrMapOvr>
     <a:masterClrMapping/>
   </p:clrMapOvr>
+  <p:timing>
+    <p:tnLst>
+      <p:par>
+        <p:cTn id="1" dur="indefinite" restart="never" nodeType="tmRoot"/>
+      </p:par>
+    </p:tnLst>
+  </p:timing>
 </p:sld>
 </file>
 
-<file path=ppt/slides/slide34.xml><?xml version="1.0" encoding="utf-8"?>
+<file path=ppt/slides/slide35.xml><?xml version="1.0" encoding="utf-8"?>
 <p:sld xmlns:a="http://schemas.openxmlformats.org/drawingml/2006/main" xmlns:r="http://schemas.openxmlformats.org/officeDocument/2006/relationships" xmlns:p="http://schemas.openxmlformats.org/presentationml/2006/main">
   <p:cSld>
     <p:spTree>
@@ -21778,6 +22926,18 @@
               </a:rPr>
               <a:t>{</a:t>
             </a:r>
+            <a:r>
+              <a:rPr lang="en-US" sz="2400" dirty="0">
+                <a:solidFill>
+                  <a:srgbClr val="000000"/>
+                </a:solidFill>
+                <a:highlight>
+                  <a:srgbClr val="FFFFFF"/>
+                </a:highlight>
+                <a:latin typeface="Consolas" panose="020B0609020204030204" pitchFamily="49" charset="0"/>
+              </a:rPr>
+              <a:t/>
+            </a:r>
             <a:br>
               <a:rPr lang="en-US" sz="2400" dirty="0">
                 <a:solidFill>
@@ -21942,33 +23102,22 @@
                 </a:highlight>
                 <a:latin typeface="Consolas" panose="020B0609020204030204" pitchFamily="49" charset="0"/>
               </a:rPr>
-              <a:t> =</a:t>
-            </a:r>
-            <a:br>
-              <a:rPr lang="en-US" sz="2400" dirty="0">
-                <a:solidFill>
-                  <a:srgbClr val="000000"/>
-                </a:solidFill>
-                <a:highlight>
-                  <a:srgbClr val="FFFFFF"/>
-                </a:highlight>
-                <a:latin typeface="Consolas" panose="020B0609020204030204" pitchFamily="49" charset="0"/>
-              </a:rPr>
-            </a:br>
-            <a:r>
-              <a:rPr lang="en-US" sz="2400" dirty="0">
-                <a:solidFill>
-                  <a:srgbClr val="000000"/>
-                </a:solidFill>
-                <a:highlight>
-                  <a:srgbClr val="FFFFFF"/>
-                </a:highlight>
-                <a:latin typeface="Consolas" panose="020B0609020204030204" pitchFamily="49" charset="0"/>
-              </a:rPr>
-              <a:t>        </a:t>
-            </a:r>
-            <a:r>
-              <a:rPr lang="en-US" sz="2400" dirty="0">
+              <a:t> </a:t>
+            </a:r>
+            <a:r>
+              <a:rPr lang="en-US" sz="2400" dirty="0" smtClean="0">
+                <a:solidFill>
+                  <a:srgbClr val="000000"/>
+                </a:solidFill>
+                <a:highlight>
+                  <a:srgbClr val="FFFFFF"/>
+                </a:highlight>
+                <a:latin typeface="Consolas" panose="020B0609020204030204" pitchFamily="49" charset="0"/>
+              </a:rPr>
+              <a:t>= </a:t>
+            </a:r>
+            <a:r>
+              <a:rPr lang="en-US" sz="2400" dirty="0" smtClean="0">
                 <a:solidFill>
                   <a:srgbClr val="800080"/>
                 </a:solidFill>
@@ -21980,19 +23129,19 @@
               <a:t>Height</a:t>
             </a:r>
             <a:r>
-              <a:rPr lang="en-US" sz="2400" dirty="0">
-                <a:solidFill>
-                  <a:srgbClr val="000000"/>
-                </a:solidFill>
-                <a:highlight>
-                  <a:srgbClr val="FFFFFF"/>
-                </a:highlight>
-                <a:latin typeface="Consolas" panose="020B0609020204030204" pitchFamily="49" charset="0"/>
-              </a:rPr>
-              <a:t> - </a:t>
-            </a:r>
-            <a:r>
-              <a:rPr lang="en-US" sz="2400" dirty="0" err="1">
+              <a:rPr lang="en-US" sz="2400" dirty="0" smtClean="0">
+                <a:solidFill>
+                  <a:srgbClr val="000000"/>
+                </a:solidFill>
+                <a:highlight>
+                  <a:srgbClr val="FFFFFF"/>
+                </a:highlight>
+                <a:latin typeface="Consolas" panose="020B0609020204030204" pitchFamily="49" charset="0"/>
+              </a:rPr>
+              <a:t>-</a:t>
+            </a:r>
+            <a:r>
+              <a:rPr lang="en-US" sz="2400" dirty="0" err="1" smtClean="0">
                 <a:solidFill>
                   <a:srgbClr val="000000"/>
                 </a:solidFill>
@@ -22004,7 +23153,7 @@
               <a:t>notFullLines.</a:t>
             </a:r>
             <a:r>
-              <a:rPr lang="en-US" sz="2400" dirty="0" err="1">
+              <a:rPr lang="en-US" sz="2400" dirty="0" err="1" smtClean="0">
                 <a:solidFill>
                   <a:srgbClr val="800080"/>
                 </a:solidFill>
@@ -22496,10 +23645,17 @@
   <p:clrMapOvr>
     <a:masterClrMapping/>
   </p:clrMapOvr>
+  <p:timing>
+    <p:tnLst>
+      <p:par>
+        <p:cTn id="1" dur="indefinite" restart="never" nodeType="tmRoot"/>
+      </p:par>
+    </p:tnLst>
+  </p:timing>
 </p:sld>
 </file>
 
-<file path=ppt/slides/slide35.xml><?xml version="1.0" encoding="utf-8"?>
+<file path=ppt/slides/slide36.xml><?xml version="1.0" encoding="utf-8"?>
 <p:sld xmlns:a="http://schemas.openxmlformats.org/drawingml/2006/main" xmlns:r="http://schemas.openxmlformats.org/officeDocument/2006/relationships" xmlns:p="http://schemas.openxmlformats.org/presentationml/2006/main">
   <p:cSld>
     <p:spTree>
@@ -22589,6 +23745,19 @@
               </a:rPr>
               <a:t>(</a:t>
             </a:r>
+            <a:r>
+              <a:rPr lang="ru-RU" sz="1400" dirty="0">
+                <a:solidFill>
+                  <a:srgbClr val="000000"/>
+                </a:solidFill>
+                <a:highlight>
+                  <a:srgbClr val="FFFFFF"/>
+                </a:highlight>
+                <a:latin typeface="Consolas" panose="020B0609020204030204" pitchFamily="49" charset="0"/>
+                <a:ea typeface="Fira Code" panose="00000509000000000000" pitchFamily="49" charset="0"/>
+              </a:rPr>
+              <a:t/>
+            </a:r>
             <a:br>
               <a:rPr lang="ru-RU" sz="1400" dirty="0">
                 <a:solidFill>
@@ -23367,6 +24536,19 @@
               </a:rPr>
               <a:t>) </a:t>
             </a:r>
+            <a:r>
+              <a:rPr lang="ru-RU" sz="1400" dirty="0">
+                <a:solidFill>
+                  <a:srgbClr val="000000"/>
+                </a:solidFill>
+                <a:highlight>
+                  <a:srgbClr val="FFFFFF"/>
+                </a:highlight>
+                <a:latin typeface="Consolas" panose="020B0609020204030204" pitchFamily="49" charset="0"/>
+                <a:ea typeface="Fira Code" panose="00000509000000000000" pitchFamily="49" charset="0"/>
+              </a:rPr>
+              <a:t/>
+            </a:r>
             <a:br>
               <a:rPr lang="ru-RU" sz="1400" dirty="0">
                 <a:solidFill>
@@ -23813,6 +24995,19 @@
                 <a:ea typeface="Fira Code" panose="00000509000000000000" pitchFamily="49" charset="0"/>
               </a:rPr>
               <a:t>) </a:t>
+            </a:r>
+            <a:r>
+              <a:rPr lang="ru-RU" sz="1400" dirty="0">
+                <a:solidFill>
+                  <a:srgbClr val="000000"/>
+                </a:solidFill>
+                <a:highlight>
+                  <a:srgbClr val="FFFFFF"/>
+                </a:highlight>
+                <a:latin typeface="Consolas" panose="020B0609020204030204" pitchFamily="49" charset="0"/>
+                <a:ea typeface="Fira Code" panose="00000509000000000000" pitchFamily="49" charset="0"/>
+              </a:rPr>
+              <a:t/>
             </a:r>
             <a:br>
               <a:rPr lang="ru-RU" sz="1400" dirty="0">
@@ -24806,10 +26001,85 @@
   <p:clrMapOvr>
     <a:masterClrMapping/>
   </p:clrMapOvr>
+  <p:timing>
+    <p:tnLst>
+      <p:par>
+        <p:cTn id="1" dur="indefinite" restart="never" nodeType="tmRoot">
+          <p:childTnLst>
+            <p:seq concurrent="1" nextAc="seek">
+              <p:cTn id="2" dur="indefinite" nodeType="mainSeq">
+                <p:childTnLst>
+                  <p:par>
+                    <p:cTn id="3" fill="hold">
+                      <p:stCondLst>
+                        <p:cond delay="indefinite"/>
+                      </p:stCondLst>
+                      <p:childTnLst>
+                        <p:par>
+                          <p:cTn id="4" fill="hold">
+                            <p:stCondLst>
+                              <p:cond delay="0"/>
+                            </p:stCondLst>
+                            <p:childTnLst>
+                              <p:par>
+                                <p:cTn id="5" presetID="1" presetClass="entr" presetSubtype="0" fill="hold" nodeType="clickEffect">
+                                  <p:stCondLst>
+                                    <p:cond delay="0"/>
+                                  </p:stCondLst>
+                                  <p:childTnLst>
+                                    <p:set>
+                                      <p:cBhvr>
+                                        <p:cTn id="6" dur="1" fill="hold">
+                                          <p:stCondLst>
+                                            <p:cond delay="0"/>
+                                          </p:stCondLst>
+                                        </p:cTn>
+                                        <p:tgtEl>
+                                          <p:spTgt spid="3"/>
+                                        </p:tgtEl>
+                                        <p:attrNameLst>
+                                          <p:attrName>style.visibility</p:attrName>
+                                        </p:attrNameLst>
+                                      </p:cBhvr>
+                                      <p:to>
+                                        <p:strVal val="visible"/>
+                                      </p:to>
+                                    </p:set>
+                                  </p:childTnLst>
+                                </p:cTn>
+                              </p:par>
+                            </p:childTnLst>
+                          </p:cTn>
+                        </p:par>
+                      </p:childTnLst>
+                    </p:cTn>
+                  </p:par>
+                </p:childTnLst>
+              </p:cTn>
+              <p:prevCondLst>
+                <p:cond evt="onPrev" delay="0">
+                  <p:tgtEl>
+                    <p:sldTgt/>
+                  </p:tgtEl>
+                </p:cond>
+              </p:prevCondLst>
+              <p:nextCondLst>
+                <p:cond evt="onNext" delay="0">
+                  <p:tgtEl>
+                    <p:sldTgt/>
+                  </p:tgtEl>
+                </p:cond>
+              </p:nextCondLst>
+            </p:seq>
+          </p:childTnLst>
+        </p:cTn>
+      </p:par>
+    </p:tnLst>
+  </p:timing>
 </p:sld>
 </file>
 
-<file path=ppt/slides/slide36.xml><?xml version="1.0" encoding="utf-8"?>
+<file path=ppt/slides/slide37.xml><?xml version="1.0" encoding="utf-8"?>
 <p:sld xmlns:a="http://schemas.openxmlformats.org/drawingml/2006/main" xmlns:r="http://schemas.openxmlformats.org/officeDocument/2006/relationships" xmlns:p="http://schemas.openxmlformats.org/presentationml/2006/main">
   <p:cSld>
     <p:spTree>
@@ -24908,10 +26178,17 @@
   <p:clrMapOvr>
     <a:masterClrMapping/>
   </p:clrMapOvr>
+  <p:timing>
+    <p:tnLst>
+      <p:par>
+        <p:cTn id="1" dur="indefinite" restart="never" nodeType="tmRoot"/>
+      </p:par>
+    </p:tnLst>
+  </p:timing>
 </p:sld>
 </file>
 
-<file path=ppt/slides/slide37.xml><?xml version="1.0" encoding="utf-8"?>
+<file path=ppt/slides/slide38.xml><?xml version="1.0" encoding="utf-8"?>
 <p:sld xmlns:a="http://schemas.openxmlformats.org/drawingml/2006/main" xmlns:r="http://schemas.openxmlformats.org/officeDocument/2006/relationships" xmlns:p="http://schemas.openxmlformats.org/presentationml/2006/main">
   <p:cSld>
     <p:spTree>
@@ -25064,6 +26341,19 @@
               </a:rPr>
               <a:t>(</a:t>
             </a:r>
+            <a:r>
+              <a:rPr lang="ru-RU" dirty="0">
+                <a:solidFill>
+                  <a:srgbClr val="000000"/>
+                </a:solidFill>
+                <a:highlight>
+                  <a:srgbClr val="FFFFFF"/>
+                </a:highlight>
+                <a:latin typeface="Fira Code" panose="00000509000000000000" pitchFamily="49" charset="0"/>
+                <a:ea typeface="Fira Code" panose="00000509000000000000" pitchFamily="49" charset="0"/>
+              </a:rPr>
+              <a:t/>
+            </a:r>
             <a:br>
               <a:rPr lang="ru-RU" dirty="0">
                 <a:solidFill>
@@ -25218,6 +26508,19 @@
               </a:rPr>
               <a:t>[] merged)</a:t>
             </a:r>
+            <a:r>
+              <a:rPr lang="ru-RU" dirty="0">
+                <a:solidFill>
+                  <a:srgbClr val="000000"/>
+                </a:solidFill>
+                <a:highlight>
+                  <a:srgbClr val="FFFFFF"/>
+                </a:highlight>
+                <a:latin typeface="Fira Code" panose="00000509000000000000" pitchFamily="49" charset="0"/>
+                <a:ea typeface="Fira Code" panose="00000509000000000000" pitchFamily="49" charset="0"/>
+              </a:rPr>
+              <a:t/>
+            </a:r>
             <a:br>
               <a:rPr lang="ru-RU" dirty="0">
                 <a:solidFill>
@@ -26035,6 +27338,19 @@
                 <a:ea typeface="Fira Code" panose="00000509000000000000" pitchFamily="49" charset="0"/>
               </a:rPr>
               <a:t>typePairs</a:t>
+            </a:r>
+            <a:r>
+              <a:rPr lang="en-US" dirty="0">
+                <a:solidFill>
+                  <a:srgbClr val="000000"/>
+                </a:solidFill>
+                <a:highlight>
+                  <a:srgbClr val="FFFFFF"/>
+                </a:highlight>
+                <a:latin typeface="Fira Code" panose="00000509000000000000" pitchFamily="49" charset="0"/>
+                <a:ea typeface="Fira Code" panose="00000509000000000000" pitchFamily="49" charset="0"/>
+              </a:rPr>
+              <a:t/>
             </a:r>
             <a:br>
               <a:rPr lang="en-US" dirty="0">
@@ -26535,10 +27851,17 @@
   <p:clrMapOvr>
     <a:masterClrMapping/>
   </p:clrMapOvr>
+  <p:timing>
+    <p:tnLst>
+      <p:par>
+        <p:cTn id="1" dur="indefinite" restart="never" nodeType="tmRoot"/>
+      </p:par>
+    </p:tnLst>
+  </p:timing>
 </p:sld>
 </file>
 
-<file path=ppt/slides/slide38.xml><?xml version="1.0" encoding="utf-8"?>
+<file path=ppt/slides/slide39.xml><?xml version="1.0" encoding="utf-8"?>
 <p:sld xmlns:a="http://schemas.openxmlformats.org/drawingml/2006/main" xmlns:r="http://schemas.openxmlformats.org/officeDocument/2006/relationships" xmlns:p="http://schemas.openxmlformats.org/presentationml/2006/main">
   <p:cSld>
     <p:spTree>
@@ -26646,10 +27969,364 @@
   <p:clrMapOvr>
     <a:masterClrMapping/>
   </p:clrMapOvr>
+  <p:timing>
+    <p:tnLst>
+      <p:par>
+        <p:cTn id="1" dur="indefinite" restart="never" nodeType="tmRoot"/>
+      </p:par>
+    </p:tnLst>
+  </p:timing>
 </p:sld>
 </file>
 
-<file path=ppt/slides/slide39.xml><?xml version="1.0" encoding="utf-8"?>
+<file path=ppt/slides/slide4.xml><?xml version="1.0" encoding="utf-8"?>
+<p:sld xmlns:a="http://schemas.openxmlformats.org/drawingml/2006/main" xmlns:r="http://schemas.openxmlformats.org/officeDocument/2006/relationships" xmlns:p="http://schemas.openxmlformats.org/presentationml/2006/main">
+  <p:cSld>
+    <p:spTree>
+      <p:nvGrpSpPr>
+        <p:cNvPr id="1" name=""/>
+        <p:cNvGrpSpPr/>
+        <p:nvPr/>
+      </p:nvGrpSpPr>
+      <p:grpSpPr>
+        <a:xfrm>
+          <a:off x="0" y="0"/>
+          <a:ext cx="0" cy="0"/>
+          <a:chOff x="0" y="0"/>
+          <a:chExt cx="0" cy="0"/>
+        </a:xfrm>
+      </p:grpSpPr>
+      <p:sp>
+        <p:nvSpPr>
+          <p:cNvPr id="3" name="Объект 2"/>
+          <p:cNvSpPr>
+            <a:spLocks noGrp="1"/>
+          </p:cNvSpPr>
+          <p:nvPr>
+            <p:ph sz="quarter" idx="13"/>
+          </p:nvPr>
+        </p:nvSpPr>
+        <p:spPr/>
+        <p:txBody>
+          <a:bodyPr>
+            <a:normAutofit fontScale="85000" lnSpcReduction="10000"/>
+          </a:bodyPr>
+          <a:lstStyle/>
+          <a:p>
+            <a:r>
+              <a:rPr lang="ru-RU" b="1" dirty="0"/>
+              <a:t>Простота и понятность.</a:t>
+            </a:r>
+            <a:r>
+              <a:rPr lang="ru-RU" dirty="0"/>
+              <a:t> Что в будущем инженер смог быстро разобраться и доработать компонент под изменившиеся требования.</a:t>
+            </a:r>
+          </a:p>
+          <a:p>
+            <a:r>
+              <a:rPr lang="x-none" b="1" dirty="0"/>
+              <a:t>Корректность.</a:t>
+            </a:r>
+            <a:r>
+              <a:rPr lang="x-none" dirty="0"/>
+              <a:t> Чтобы в будущем инженер своими правками случайно не сломал работоспособность системы.</a:t>
+            </a:r>
+          </a:p>
+          <a:p>
+            <a:r>
+              <a:rPr lang="x-none" b="1" dirty="0"/>
+              <a:t>Расширяемость.</a:t>
+            </a:r>
+            <a:r>
+              <a:rPr lang="x-none" dirty="0"/>
+              <a:t> Чтобы в будущем инженеру проще было вносить доработки под новые требования.</a:t>
+            </a:r>
+          </a:p>
+          <a:p>
+            <a:r>
+              <a:rPr lang="x-none" b="1" dirty="0"/>
+              <a:t>Универсальность.</a:t>
+            </a:r>
+            <a:r>
+              <a:rPr lang="x-none" dirty="0"/>
+              <a:t> Чтобы в будущем инженеру было проще использовать этот код в контексте другой задачи или проекта.</a:t>
+            </a:r>
+          </a:p>
+          <a:p>
+            <a:pPr marL="0" indent="0">
+              <a:buNone/>
+            </a:pPr>
+            <a:endParaRPr lang="ru-RU" dirty="0"/>
+          </a:p>
+        </p:txBody>
+      </p:sp>
+      <p:sp>
+        <p:nvSpPr>
+          <p:cNvPr id="2" name="Заголовок 1"/>
+          <p:cNvSpPr>
+            <a:spLocks noGrp="1"/>
+          </p:cNvSpPr>
+          <p:nvPr>
+            <p:ph type="title"/>
+          </p:nvPr>
+        </p:nvSpPr>
+        <p:spPr/>
+        <p:txBody>
+          <a:bodyPr>
+            <a:noAutofit/>
+          </a:bodyPr>
+          <a:lstStyle/>
+          <a:p>
+            <a:r>
+              <a:rPr lang="ru-RU" dirty="0"/>
+              <a:t>Зачем нужен чистый код?</a:t>
+            </a:r>
+          </a:p>
+        </p:txBody>
+      </p:sp>
+    </p:spTree>
+    <p:extLst>
+      <p:ext uri="{BB962C8B-B14F-4D97-AF65-F5344CB8AC3E}">
+        <p14:creationId xmlns:p14="http://schemas.microsoft.com/office/powerpoint/2010/main" val="3769395280"/>
+      </p:ext>
+    </p:extLst>
+  </p:cSld>
+  <p:clrMapOvr>
+    <a:masterClrMapping/>
+  </p:clrMapOvr>
+  <p:timing>
+    <p:tnLst>
+      <p:par>
+        <p:cTn id="1" dur="indefinite" restart="never" nodeType="tmRoot">
+          <p:childTnLst>
+            <p:seq concurrent="1" nextAc="seek">
+              <p:cTn id="2" dur="indefinite" nodeType="mainSeq">
+                <p:childTnLst>
+                  <p:par>
+                    <p:cTn id="3" fill="hold">
+                      <p:stCondLst>
+                        <p:cond delay="indefinite"/>
+                      </p:stCondLst>
+                      <p:childTnLst>
+                        <p:par>
+                          <p:cTn id="4" fill="hold">
+                            <p:stCondLst>
+                              <p:cond delay="0"/>
+                            </p:stCondLst>
+                            <p:childTnLst>
+                              <p:par>
+                                <p:cTn id="5" presetID="1" presetClass="entr" presetSubtype="0" fill="hold" grpId="0" nodeType="clickEffect">
+                                  <p:stCondLst>
+                                    <p:cond delay="0"/>
+                                  </p:stCondLst>
+                                  <p:childTnLst>
+                                    <p:set>
+                                      <p:cBhvr>
+                                        <p:cTn id="6" dur="1" fill="hold">
+                                          <p:stCondLst>
+                                            <p:cond delay="0"/>
+                                          </p:stCondLst>
+                                        </p:cTn>
+                                        <p:tgtEl>
+                                          <p:spTgt spid="3">
+                                            <p:txEl>
+                                              <p:pRg st="0" end="0"/>
+                                            </p:txEl>
+                                          </p:spTgt>
+                                        </p:tgtEl>
+                                        <p:attrNameLst>
+                                          <p:attrName>style.visibility</p:attrName>
+                                        </p:attrNameLst>
+                                      </p:cBhvr>
+                                      <p:to>
+                                        <p:strVal val="visible"/>
+                                      </p:to>
+                                    </p:set>
+                                  </p:childTnLst>
+                                </p:cTn>
+                              </p:par>
+                            </p:childTnLst>
+                          </p:cTn>
+                        </p:par>
+                      </p:childTnLst>
+                    </p:cTn>
+                  </p:par>
+                  <p:par>
+                    <p:cTn id="7" fill="hold">
+                      <p:stCondLst>
+                        <p:cond delay="indefinite"/>
+                      </p:stCondLst>
+                      <p:childTnLst>
+                        <p:par>
+                          <p:cTn id="8" fill="hold">
+                            <p:stCondLst>
+                              <p:cond delay="0"/>
+                            </p:stCondLst>
+                            <p:childTnLst>
+                              <p:par>
+                                <p:cTn id="9" presetID="1" presetClass="entr" presetSubtype="0" fill="hold" grpId="0" nodeType="clickEffect">
+                                  <p:stCondLst>
+                                    <p:cond delay="0"/>
+                                  </p:stCondLst>
+                                  <p:childTnLst>
+                                    <p:set>
+                                      <p:cBhvr>
+                                        <p:cTn id="10" dur="1" fill="hold">
+                                          <p:stCondLst>
+                                            <p:cond delay="0"/>
+                                          </p:stCondLst>
+                                        </p:cTn>
+                                        <p:tgtEl>
+                                          <p:spTgt spid="3">
+                                            <p:txEl>
+                                              <p:pRg st="1" end="1"/>
+                                            </p:txEl>
+                                          </p:spTgt>
+                                        </p:tgtEl>
+                                        <p:attrNameLst>
+                                          <p:attrName>style.visibility</p:attrName>
+                                        </p:attrNameLst>
+                                      </p:cBhvr>
+                                      <p:to>
+                                        <p:strVal val="visible"/>
+                                      </p:to>
+                                    </p:set>
+                                  </p:childTnLst>
+                                </p:cTn>
+                              </p:par>
+                            </p:childTnLst>
+                          </p:cTn>
+                        </p:par>
+                      </p:childTnLst>
+                    </p:cTn>
+                  </p:par>
+                  <p:par>
+                    <p:cTn id="11" fill="hold">
+                      <p:stCondLst>
+                        <p:cond delay="indefinite"/>
+                      </p:stCondLst>
+                      <p:childTnLst>
+                        <p:par>
+                          <p:cTn id="12" fill="hold">
+                            <p:stCondLst>
+                              <p:cond delay="0"/>
+                            </p:stCondLst>
+                            <p:childTnLst>
+                              <p:par>
+                                <p:cTn id="13" presetID="1" presetClass="entr" presetSubtype="0" fill="hold" grpId="0" nodeType="clickEffect">
+                                  <p:stCondLst>
+                                    <p:cond delay="0"/>
+                                  </p:stCondLst>
+                                  <p:childTnLst>
+                                    <p:set>
+                                      <p:cBhvr>
+                                        <p:cTn id="14" dur="1" fill="hold">
+                                          <p:stCondLst>
+                                            <p:cond delay="0"/>
+                                          </p:stCondLst>
+                                        </p:cTn>
+                                        <p:tgtEl>
+                                          <p:spTgt spid="3">
+                                            <p:txEl>
+                                              <p:pRg st="2" end="2"/>
+                                            </p:txEl>
+                                          </p:spTgt>
+                                        </p:tgtEl>
+                                        <p:attrNameLst>
+                                          <p:attrName>style.visibility</p:attrName>
+                                        </p:attrNameLst>
+                                      </p:cBhvr>
+                                      <p:to>
+                                        <p:strVal val="visible"/>
+                                      </p:to>
+                                    </p:set>
+                                  </p:childTnLst>
+                                </p:cTn>
+                              </p:par>
+                            </p:childTnLst>
+                          </p:cTn>
+                        </p:par>
+                      </p:childTnLst>
+                    </p:cTn>
+                  </p:par>
+                  <p:par>
+                    <p:cTn id="15" fill="hold">
+                      <p:stCondLst>
+                        <p:cond delay="indefinite"/>
+                      </p:stCondLst>
+                      <p:childTnLst>
+                        <p:par>
+                          <p:cTn id="16" fill="hold">
+                            <p:stCondLst>
+                              <p:cond delay="0"/>
+                            </p:stCondLst>
+                            <p:childTnLst>
+                              <p:par>
+                                <p:cTn id="17" presetID="1" presetClass="entr" presetSubtype="0" fill="hold" grpId="0" nodeType="clickEffect">
+                                  <p:stCondLst>
+                                    <p:cond delay="0"/>
+                                  </p:stCondLst>
+                                  <p:childTnLst>
+                                    <p:set>
+                                      <p:cBhvr>
+                                        <p:cTn id="18" dur="1" fill="hold">
+                                          <p:stCondLst>
+                                            <p:cond delay="0"/>
+                                          </p:stCondLst>
+                                        </p:cTn>
+                                        <p:tgtEl>
+                                          <p:spTgt spid="3">
+                                            <p:txEl>
+                                              <p:pRg st="3" end="3"/>
+                                            </p:txEl>
+                                          </p:spTgt>
+                                        </p:tgtEl>
+                                        <p:attrNameLst>
+                                          <p:attrName>style.visibility</p:attrName>
+                                        </p:attrNameLst>
+                                      </p:cBhvr>
+                                      <p:to>
+                                        <p:strVal val="visible"/>
+                                      </p:to>
+                                    </p:set>
+                                  </p:childTnLst>
+                                </p:cTn>
+                              </p:par>
+                            </p:childTnLst>
+                          </p:cTn>
+                        </p:par>
+                      </p:childTnLst>
+                    </p:cTn>
+                  </p:par>
+                </p:childTnLst>
+              </p:cTn>
+              <p:prevCondLst>
+                <p:cond evt="onPrev" delay="0">
+                  <p:tgtEl>
+                    <p:sldTgt/>
+                  </p:tgtEl>
+                </p:cond>
+              </p:prevCondLst>
+              <p:nextCondLst>
+                <p:cond evt="onNext" delay="0">
+                  <p:tgtEl>
+                    <p:sldTgt/>
+                  </p:tgtEl>
+                </p:cond>
+              </p:nextCondLst>
+            </p:seq>
+          </p:childTnLst>
+        </p:cTn>
+      </p:par>
+    </p:tnLst>
+    <p:bldLst>
+      <p:bldP spid="3" grpId="0" build="p"/>
+    </p:bldLst>
+  </p:timing>
+</p:sld>
+</file>
+
+<file path=ppt/slides/slide40.xml><?xml version="1.0" encoding="utf-8"?>
 <p:sld xmlns:a="http://schemas.openxmlformats.org/drawingml/2006/main" xmlns:r="http://schemas.openxmlformats.org/officeDocument/2006/relationships" xmlns:p="http://schemas.openxmlformats.org/presentationml/2006/main">
   <p:cSld>
     <p:spTree>
@@ -26833,6 +28510,16 @@
                   <a:cs typeface="Segoe UI" panose="020B0502040204020203" pitchFamily="34" charset="0"/>
                 </a:rPr>
                 <a:t>Investigation 5 min</a:t>
+              </a:r>
+              <a:r>
+                <a:rPr lang="ru-RU" sz="2400" dirty="0">
+                  <a:solidFill>
+                    <a:srgbClr val="000000"/>
+                  </a:solidFill>
+                  <a:latin typeface="Segoe UI" panose="020B0502040204020203" pitchFamily="34" charset="0"/>
+                  <a:cs typeface="Segoe UI" panose="020B0502040204020203" pitchFamily="34" charset="0"/>
+                </a:rPr>
+                <a:t/>
               </a:r>
               <a:br>
                 <a:rPr lang="ru-RU" sz="2400" dirty="0">
@@ -26966,6 +28653,16 @@
                 </a:rPr>
                 <a:t>Pair Ping Pong</a:t>
               </a:r>
+              <a:r>
+                <a:rPr lang="ru-RU" sz="2400" dirty="0">
+                  <a:solidFill>
+                    <a:srgbClr val="000000"/>
+                  </a:solidFill>
+                  <a:latin typeface="Segoe UI" panose="020B0502040204020203" pitchFamily="34" charset="0"/>
+                  <a:cs typeface="Segoe UI" panose="020B0502040204020203" pitchFamily="34" charset="0"/>
+                </a:rPr>
+                <a:t/>
+              </a:r>
               <a:br>
                 <a:rPr lang="ru-RU" sz="2400" dirty="0">
                   <a:solidFill>
@@ -27064,128 +28761,17 @@
   <p:clrMapOvr>
     <a:masterClrMapping/>
   </p:clrMapOvr>
+  <p:timing>
+    <p:tnLst>
+      <p:par>
+        <p:cTn id="1" dur="indefinite" restart="never" nodeType="tmRoot"/>
+      </p:par>
+    </p:tnLst>
+  </p:timing>
 </p:sld>
 </file>
 
-<file path=ppt/slides/slide4.xml><?xml version="1.0" encoding="utf-8"?>
-<p:sld xmlns:a="http://schemas.openxmlformats.org/drawingml/2006/main" xmlns:r="http://schemas.openxmlformats.org/officeDocument/2006/relationships" xmlns:p="http://schemas.openxmlformats.org/presentationml/2006/main">
-  <p:cSld>
-    <p:spTree>
-      <p:nvGrpSpPr>
-        <p:cNvPr id="1" name=""/>
-        <p:cNvGrpSpPr/>
-        <p:nvPr/>
-      </p:nvGrpSpPr>
-      <p:grpSpPr>
-        <a:xfrm>
-          <a:off x="0" y="0"/>
-          <a:ext cx="0" cy="0"/>
-          <a:chOff x="0" y="0"/>
-          <a:chExt cx="0" cy="0"/>
-        </a:xfrm>
-      </p:grpSpPr>
-      <p:sp>
-        <p:nvSpPr>
-          <p:cNvPr id="3" name="Объект 2"/>
-          <p:cNvSpPr>
-            <a:spLocks noGrp="1"/>
-          </p:cNvSpPr>
-          <p:nvPr>
-            <p:ph sz="quarter" idx="13"/>
-          </p:nvPr>
-        </p:nvSpPr>
-        <p:spPr/>
-        <p:txBody>
-          <a:bodyPr>
-            <a:normAutofit fontScale="85000" lnSpcReduction="10000"/>
-          </a:bodyPr>
-          <a:lstStyle/>
-          <a:p>
-            <a:r>
-              <a:rPr lang="ru-RU" b="1" dirty="0"/>
-              <a:t>Простота и понятность.</a:t>
-            </a:r>
-            <a:r>
-              <a:rPr lang="ru-RU" dirty="0"/>
-              <a:t> Что в будущем инженер смог быстро разобраться и доработать компонент под изменившиеся требования.</a:t>
-            </a:r>
-          </a:p>
-          <a:p>
-            <a:r>
-              <a:rPr lang="x-none" b="1" dirty="0"/>
-              <a:t>Корректность.</a:t>
-            </a:r>
-            <a:r>
-              <a:rPr lang="x-none" dirty="0"/>
-              <a:t> Чтобы в будущем инженер своими правками случайно не сломал работоспособность системы.</a:t>
-            </a:r>
-          </a:p>
-          <a:p>
-            <a:r>
-              <a:rPr lang="x-none" b="1" dirty="0"/>
-              <a:t>Расширяемость.</a:t>
-            </a:r>
-            <a:r>
-              <a:rPr lang="x-none" dirty="0"/>
-              <a:t> Чтобы в будущем инженеру проще было вносить доработки под новые требования.</a:t>
-            </a:r>
-          </a:p>
-          <a:p>
-            <a:r>
-              <a:rPr lang="x-none" b="1" dirty="0"/>
-              <a:t>Универсальность.</a:t>
-            </a:r>
-            <a:r>
-              <a:rPr lang="x-none" dirty="0"/>
-              <a:t> Чтобы в будущем инженеру было проще использовать этот код в контексте другой задачи или проекта.</a:t>
-            </a:r>
-          </a:p>
-          <a:p>
-            <a:pPr marL="0" indent="0">
-              <a:buNone/>
-            </a:pPr>
-            <a:endParaRPr lang="ru-RU" dirty="0"/>
-          </a:p>
-        </p:txBody>
-      </p:sp>
-      <p:sp>
-        <p:nvSpPr>
-          <p:cNvPr id="2" name="Заголовок 1"/>
-          <p:cNvSpPr>
-            <a:spLocks noGrp="1"/>
-          </p:cNvSpPr>
-          <p:nvPr>
-            <p:ph type="title"/>
-          </p:nvPr>
-        </p:nvSpPr>
-        <p:spPr/>
-        <p:txBody>
-          <a:bodyPr>
-            <a:noAutofit/>
-          </a:bodyPr>
-          <a:lstStyle/>
-          <a:p>
-            <a:r>
-              <a:rPr lang="ru-RU" dirty="0"/>
-              <a:t>Зачем нужен чистый код?</a:t>
-            </a:r>
-          </a:p>
-        </p:txBody>
-      </p:sp>
-    </p:spTree>
-    <p:extLst>
-      <p:ext uri="{BB962C8B-B14F-4D97-AF65-F5344CB8AC3E}">
-        <p14:creationId xmlns:p14="http://schemas.microsoft.com/office/powerpoint/2010/main" val="3769395280"/>
-      </p:ext>
-    </p:extLst>
-  </p:cSld>
-  <p:clrMapOvr>
-    <a:masterClrMapping/>
-  </p:clrMapOvr>
-</p:sld>
-</file>
-
-<file path=ppt/slides/slide40.xml><?xml version="1.0" encoding="utf-8"?>
+<file path=ppt/slides/slide41.xml><?xml version="1.0" encoding="utf-8"?>
 <p:sld xmlns:a="http://schemas.openxmlformats.org/drawingml/2006/main" xmlns:r="http://schemas.openxmlformats.org/officeDocument/2006/relationships" xmlns:p="http://schemas.openxmlformats.org/presentationml/2006/main">
   <p:cSld>
     <p:spTree>
@@ -27338,10 +28924,17 @@
   <p:clrMapOvr>
     <a:masterClrMapping/>
   </p:clrMapOvr>
+  <p:timing>
+    <p:tnLst>
+      <p:par>
+        <p:cTn id="1" dur="indefinite" restart="never" nodeType="tmRoot"/>
+      </p:par>
+    </p:tnLst>
+  </p:timing>
 </p:sld>
 </file>
 
-<file path=ppt/slides/slide41.xml><?xml version="1.0" encoding="utf-8"?>
+<file path=ppt/slides/slide42.xml><?xml version="1.0" encoding="utf-8"?>
 <p:sld xmlns:a="http://schemas.openxmlformats.org/drawingml/2006/main" xmlns:r="http://schemas.openxmlformats.org/officeDocument/2006/relationships" xmlns:p="http://schemas.openxmlformats.org/presentationml/2006/main">
   <p:cSld>
     <p:spTree>
@@ -27435,10 +29028,17 @@
   <p:clrMapOvr>
     <a:masterClrMapping/>
   </p:clrMapOvr>
+  <p:timing>
+    <p:tnLst>
+      <p:par>
+        <p:cTn id="1" dur="indefinite" restart="never" nodeType="tmRoot"/>
+      </p:par>
+    </p:tnLst>
+  </p:timing>
 </p:sld>
 </file>
 
-<file path=ppt/slides/slide42.xml><?xml version="1.0" encoding="utf-8"?>
+<file path=ppt/slides/slide43.xml><?xml version="1.0" encoding="utf-8"?>
 <p:sld xmlns:a="http://schemas.openxmlformats.org/drawingml/2006/main" xmlns:r="http://schemas.openxmlformats.org/officeDocument/2006/relationships" xmlns:p="http://schemas.openxmlformats.org/presentationml/2006/main">
   <p:cSld>
     <p:spTree>
@@ -27532,10 +29132,17 @@
   <p:clrMapOvr>
     <a:masterClrMapping/>
   </p:clrMapOvr>
+  <p:timing>
+    <p:tnLst>
+      <p:par>
+        <p:cTn id="1" dur="indefinite" restart="never" nodeType="tmRoot"/>
+      </p:par>
+    </p:tnLst>
+  </p:timing>
 </p:sld>
 </file>
 
-<file path=ppt/slides/slide43.xml><?xml version="1.0" encoding="utf-8"?>
+<file path=ppt/slides/slide44.xml><?xml version="1.0" encoding="utf-8"?>
 <p:sld xmlns:a="http://schemas.openxmlformats.org/drawingml/2006/main" xmlns:r="http://schemas.openxmlformats.org/officeDocument/2006/relationships" xmlns:p="http://schemas.openxmlformats.org/presentationml/2006/main">
   <p:cSld>
     <p:spTree>
@@ -27648,10 +29255,17 @@
   <p:clrMapOvr>
     <a:masterClrMapping/>
   </p:clrMapOvr>
+  <p:timing>
+    <p:tnLst>
+      <p:par>
+        <p:cTn id="1" dur="indefinite" restart="never" nodeType="tmRoot"/>
+      </p:par>
+    </p:tnLst>
+  </p:timing>
 </p:sld>
 </file>
 
-<file path=ppt/slides/slide44.xml><?xml version="1.0" encoding="utf-8"?>
+<file path=ppt/slides/slide45.xml><?xml version="1.0" encoding="utf-8"?>
 <p:sld xmlns:a="http://schemas.openxmlformats.org/drawingml/2006/main" xmlns:r="http://schemas.openxmlformats.org/officeDocument/2006/relationships" xmlns:p="http://schemas.openxmlformats.org/presentationml/2006/main">
   <p:cSld>
     <p:spTree>
@@ -27719,10 +29333,17 @@
   <p:clrMapOvr>
     <a:masterClrMapping/>
   </p:clrMapOvr>
+  <p:timing>
+    <p:tnLst>
+      <p:par>
+        <p:cTn id="1" dur="indefinite" restart="never" nodeType="tmRoot"/>
+      </p:par>
+    </p:tnLst>
+  </p:timing>
 </p:sld>
 </file>
 
-<file path=ppt/slides/slide45.xml><?xml version="1.0" encoding="utf-8"?>
+<file path=ppt/slides/slide46.xml><?xml version="1.0" encoding="utf-8"?>
 <p:sld xmlns:a="http://schemas.openxmlformats.org/drawingml/2006/main" xmlns:r="http://schemas.openxmlformats.org/officeDocument/2006/relationships" xmlns:p="http://schemas.openxmlformats.org/presentationml/2006/main" show="0">
   <p:cSld>
     <p:spTree>
@@ -27900,11 +29521,19 @@
   <p:clrMapOvr>
     <a:masterClrMapping/>
   </p:clrMapOvr>
+  <mc:AlternateContent xmlns:mc="http://schemas.openxmlformats.org/markup-compatibility/2006" xmlns:p14="http://schemas.microsoft.com/office/powerpoint/2010/main">
+    <mc:Choice Requires="p14">
+      <p:transition spd="slow" p14:dur="2000"/>
+    </mc:Choice>
+    <mc:Fallback xmlns="">
+      <p:transition spd="slow"/>
+    </mc:Fallback>
+  </mc:AlternateContent>
 </p:sld>
 </file>
 
 <file path=ppt/slides/slide5.xml><?xml version="1.0" encoding="utf-8"?>
-<p:sld xmlns:a="http://schemas.openxmlformats.org/drawingml/2006/main" xmlns:r="http://schemas.openxmlformats.org/officeDocument/2006/relationships" xmlns:p="http://schemas.openxmlformats.org/presentationml/2006/main">
+<p:sld xmlns:a="http://schemas.openxmlformats.org/drawingml/2006/main" xmlns:r="http://schemas.openxmlformats.org/officeDocument/2006/relationships" xmlns:p="http://schemas.openxmlformats.org/presentationml/2006/main" show="0">
   <p:cSld>
     <p:spTree>
       <p:nvGrpSpPr>
@@ -28004,6 +29633,21 @@
   <p:clrMapOvr>
     <a:masterClrMapping/>
   </p:clrMapOvr>
+  <mc:AlternateContent xmlns:mc="http://schemas.openxmlformats.org/markup-compatibility/2006" xmlns:p14="http://schemas.microsoft.com/office/powerpoint/2010/main">
+    <mc:Choice Requires="p14">
+      <p:transition spd="slow" p14:dur="2000"/>
+    </mc:Choice>
+    <mc:Fallback xmlns="">
+      <p:transition spd="slow"/>
+    </mc:Fallback>
+  </mc:AlternateContent>
+  <p:timing>
+    <p:tnLst>
+      <p:par>
+        <p:cTn id="1" dur="indefinite" restart="never" nodeType="tmRoot"/>
+      </p:par>
+    </p:tnLst>
+  </p:timing>
 </p:sld>
 </file>
 
@@ -28109,6 +29753,14 @@
   <p:clrMapOvr>
     <a:masterClrMapping/>
   </p:clrMapOvr>
+  <mc:AlternateContent xmlns:mc="http://schemas.openxmlformats.org/markup-compatibility/2006" xmlns:p14="http://schemas.microsoft.com/office/powerpoint/2010/main">
+    <mc:Choice Requires="p14">
+      <p:transition spd="slow" p14:dur="2000"/>
+    </mc:Choice>
+    <mc:Fallback xmlns="">
+      <p:transition spd="slow"/>
+    </mc:Fallback>
+  </mc:AlternateContent>
 </p:sld>
 </file>
 
@@ -28205,11 +29857,19 @@
   <p:clrMapOvr>
     <a:masterClrMapping/>
   </p:clrMapOvr>
+  <mc:AlternateContent xmlns:mc="http://schemas.openxmlformats.org/markup-compatibility/2006" xmlns:p14="http://schemas.microsoft.com/office/powerpoint/2010/main">
+    <mc:Choice Requires="p14">
+      <p:transition spd="slow" p14:dur="2000"/>
+    </mc:Choice>
+    <mc:Fallback xmlns="">
+      <p:transition spd="slow"/>
+    </mc:Fallback>
+  </mc:AlternateContent>
 </p:sld>
 </file>
 
 <file path=ppt/slides/slide8.xml><?xml version="1.0" encoding="utf-8"?>
-<p:sld xmlns:a="http://schemas.openxmlformats.org/drawingml/2006/main" xmlns:r="http://schemas.openxmlformats.org/officeDocument/2006/relationships" xmlns:p="http://schemas.openxmlformats.org/presentationml/2006/main">
+<p:sld xmlns:a="http://schemas.openxmlformats.org/drawingml/2006/main" xmlns:r="http://schemas.openxmlformats.org/officeDocument/2006/relationships" xmlns:p="http://schemas.openxmlformats.org/presentationml/2006/main" show="0">
   <p:cSld>
     <p:spTree>
       <p:nvGrpSpPr>
@@ -28554,6 +30214,21 @@
   <p:clrMapOvr>
     <a:masterClrMapping/>
   </p:clrMapOvr>
+  <mc:AlternateContent xmlns:mc="http://schemas.openxmlformats.org/markup-compatibility/2006" xmlns:p14="http://schemas.microsoft.com/office/powerpoint/2010/main">
+    <mc:Choice Requires="p14">
+      <p:transition spd="slow" p14:dur="2000"/>
+    </mc:Choice>
+    <mc:Fallback xmlns="">
+      <p:transition spd="slow"/>
+    </mc:Fallback>
+  </mc:AlternateContent>
+  <p:timing>
+    <p:tnLst>
+      <p:par>
+        <p:cTn id="1" dur="indefinite" restart="never" nodeType="tmRoot"/>
+      </p:par>
+    </p:tnLst>
+  </p:timing>
 </p:sld>
 </file>
 
@@ -28751,6 +30426,284 @@
   <p:clrMapOvr>
     <a:masterClrMapping/>
   </p:clrMapOvr>
+  <p:timing>
+    <p:tnLst>
+      <p:par>
+        <p:cTn id="1" dur="indefinite" restart="never" nodeType="tmRoot">
+          <p:childTnLst>
+            <p:seq concurrent="1" nextAc="seek">
+              <p:cTn id="2" dur="indefinite" nodeType="mainSeq">
+                <p:childTnLst>
+                  <p:par>
+                    <p:cTn id="3" fill="hold">
+                      <p:stCondLst>
+                        <p:cond delay="indefinite"/>
+                      </p:stCondLst>
+                      <p:childTnLst>
+                        <p:par>
+                          <p:cTn id="4" fill="hold">
+                            <p:stCondLst>
+                              <p:cond delay="0"/>
+                            </p:stCondLst>
+                            <p:childTnLst>
+                              <p:par>
+                                <p:cTn id="5" presetID="1" presetClass="entr" presetSubtype="0" fill="hold" grpId="0" nodeType="clickEffect">
+                                  <p:stCondLst>
+                                    <p:cond delay="0"/>
+                                  </p:stCondLst>
+                                  <p:childTnLst>
+                                    <p:set>
+                                      <p:cBhvr>
+                                        <p:cTn id="6" dur="1" fill="hold">
+                                          <p:stCondLst>
+                                            <p:cond delay="0"/>
+                                          </p:stCondLst>
+                                        </p:cTn>
+                                        <p:tgtEl>
+                                          <p:spTgt spid="3">
+                                            <p:txEl>
+                                              <p:pRg st="0" end="0"/>
+                                            </p:txEl>
+                                          </p:spTgt>
+                                        </p:tgtEl>
+                                        <p:attrNameLst>
+                                          <p:attrName>style.visibility</p:attrName>
+                                        </p:attrNameLst>
+                                      </p:cBhvr>
+                                      <p:to>
+                                        <p:strVal val="visible"/>
+                                      </p:to>
+                                    </p:set>
+                                  </p:childTnLst>
+                                </p:cTn>
+                              </p:par>
+                            </p:childTnLst>
+                          </p:cTn>
+                        </p:par>
+                      </p:childTnLst>
+                    </p:cTn>
+                  </p:par>
+                  <p:par>
+                    <p:cTn id="7" fill="hold">
+                      <p:stCondLst>
+                        <p:cond delay="indefinite"/>
+                      </p:stCondLst>
+                      <p:childTnLst>
+                        <p:par>
+                          <p:cTn id="8" fill="hold">
+                            <p:stCondLst>
+                              <p:cond delay="0"/>
+                            </p:stCondLst>
+                            <p:childTnLst>
+                              <p:par>
+                                <p:cTn id="9" presetID="1" presetClass="entr" presetSubtype="0" fill="hold" grpId="0" nodeType="clickEffect">
+                                  <p:stCondLst>
+                                    <p:cond delay="0"/>
+                                  </p:stCondLst>
+                                  <p:childTnLst>
+                                    <p:set>
+                                      <p:cBhvr>
+                                        <p:cTn id="10" dur="1" fill="hold">
+                                          <p:stCondLst>
+                                            <p:cond delay="0"/>
+                                          </p:stCondLst>
+                                        </p:cTn>
+                                        <p:tgtEl>
+                                          <p:spTgt spid="3">
+                                            <p:txEl>
+                                              <p:pRg st="1" end="1"/>
+                                            </p:txEl>
+                                          </p:spTgt>
+                                        </p:tgtEl>
+                                        <p:attrNameLst>
+                                          <p:attrName>style.visibility</p:attrName>
+                                        </p:attrNameLst>
+                                      </p:cBhvr>
+                                      <p:to>
+                                        <p:strVal val="visible"/>
+                                      </p:to>
+                                    </p:set>
+                                  </p:childTnLst>
+                                </p:cTn>
+                              </p:par>
+                            </p:childTnLst>
+                          </p:cTn>
+                        </p:par>
+                      </p:childTnLst>
+                    </p:cTn>
+                  </p:par>
+                  <p:par>
+                    <p:cTn id="11" fill="hold">
+                      <p:stCondLst>
+                        <p:cond delay="indefinite"/>
+                      </p:stCondLst>
+                      <p:childTnLst>
+                        <p:par>
+                          <p:cTn id="12" fill="hold">
+                            <p:stCondLst>
+                              <p:cond delay="0"/>
+                            </p:stCondLst>
+                            <p:childTnLst>
+                              <p:par>
+                                <p:cTn id="13" presetID="1" presetClass="entr" presetSubtype="0" fill="hold" grpId="0" nodeType="clickEffect">
+                                  <p:stCondLst>
+                                    <p:cond delay="0"/>
+                                  </p:stCondLst>
+                                  <p:childTnLst>
+                                    <p:set>
+                                      <p:cBhvr>
+                                        <p:cTn id="14" dur="1" fill="hold">
+                                          <p:stCondLst>
+                                            <p:cond delay="0"/>
+                                          </p:stCondLst>
+                                        </p:cTn>
+                                        <p:tgtEl>
+                                          <p:spTgt spid="3">
+                                            <p:txEl>
+                                              <p:pRg st="2" end="2"/>
+                                            </p:txEl>
+                                          </p:spTgt>
+                                        </p:tgtEl>
+                                        <p:attrNameLst>
+                                          <p:attrName>style.visibility</p:attrName>
+                                        </p:attrNameLst>
+                                      </p:cBhvr>
+                                      <p:to>
+                                        <p:strVal val="visible"/>
+                                      </p:to>
+                                    </p:set>
+                                  </p:childTnLst>
+                                </p:cTn>
+                              </p:par>
+                            </p:childTnLst>
+                          </p:cTn>
+                        </p:par>
+                      </p:childTnLst>
+                    </p:cTn>
+                  </p:par>
+                  <p:par>
+                    <p:cTn id="15" fill="hold">
+                      <p:stCondLst>
+                        <p:cond delay="indefinite"/>
+                      </p:stCondLst>
+                      <p:childTnLst>
+                        <p:par>
+                          <p:cTn id="16" fill="hold">
+                            <p:stCondLst>
+                              <p:cond delay="0"/>
+                            </p:stCondLst>
+                            <p:childTnLst>
+                              <p:par>
+                                <p:cTn id="17" presetID="1" presetClass="entr" presetSubtype="0" fill="hold" grpId="0" nodeType="clickEffect">
+                                  <p:stCondLst>
+                                    <p:cond delay="0"/>
+                                  </p:stCondLst>
+                                  <p:childTnLst>
+                                    <p:set>
+                                      <p:cBhvr>
+                                        <p:cTn id="18" dur="1" fill="hold">
+                                          <p:stCondLst>
+                                            <p:cond delay="0"/>
+                                          </p:stCondLst>
+                                        </p:cTn>
+                                        <p:tgtEl>
+                                          <p:spTgt spid="3">
+                                            <p:txEl>
+                                              <p:pRg st="3" end="3"/>
+                                            </p:txEl>
+                                          </p:spTgt>
+                                        </p:tgtEl>
+                                        <p:attrNameLst>
+                                          <p:attrName>style.visibility</p:attrName>
+                                        </p:attrNameLst>
+                                      </p:cBhvr>
+                                      <p:to>
+                                        <p:strVal val="visible"/>
+                                      </p:to>
+                                    </p:set>
+                                  </p:childTnLst>
+                                </p:cTn>
+                              </p:par>
+                            </p:childTnLst>
+                          </p:cTn>
+                        </p:par>
+                      </p:childTnLst>
+                    </p:cTn>
+                  </p:par>
+                  <p:par>
+                    <p:cTn id="19" fill="hold">
+                      <p:stCondLst>
+                        <p:cond delay="indefinite"/>
+                      </p:stCondLst>
+                      <p:childTnLst>
+                        <p:par>
+                          <p:cTn id="20" fill="hold">
+                            <p:stCondLst>
+                              <p:cond delay="0"/>
+                            </p:stCondLst>
+                            <p:childTnLst>
+                              <p:par>
+                                <p:cTn id="21" presetID="1" presetClass="entr" presetSubtype="0" fill="hold" grpId="0" nodeType="clickEffect">
+                                  <p:stCondLst>
+                                    <p:cond delay="0"/>
+                                  </p:stCondLst>
+                                  <p:childTnLst>
+                                    <p:set>
+                                      <p:cBhvr>
+                                        <p:cTn id="22" dur="1" fill="hold">
+                                          <p:stCondLst>
+                                            <p:cond delay="0"/>
+                                          </p:stCondLst>
+                                        </p:cTn>
+                                        <p:tgtEl>
+                                          <p:spTgt spid="3">
+                                            <p:txEl>
+                                              <p:pRg st="6" end="6"/>
+                                            </p:txEl>
+                                          </p:spTgt>
+                                        </p:tgtEl>
+                                        <p:attrNameLst>
+                                          <p:attrName>style.visibility</p:attrName>
+                                        </p:attrNameLst>
+                                      </p:cBhvr>
+                                      <p:to>
+                                        <p:strVal val="visible"/>
+                                      </p:to>
+                                    </p:set>
+                                  </p:childTnLst>
+                                </p:cTn>
+                              </p:par>
+                            </p:childTnLst>
+                          </p:cTn>
+                        </p:par>
+                      </p:childTnLst>
+                    </p:cTn>
+                  </p:par>
+                </p:childTnLst>
+              </p:cTn>
+              <p:prevCondLst>
+                <p:cond evt="onPrev" delay="0">
+                  <p:tgtEl>
+                    <p:sldTgt/>
+                  </p:tgtEl>
+                </p:cond>
+              </p:prevCondLst>
+              <p:nextCondLst>
+                <p:cond evt="onNext" delay="0">
+                  <p:tgtEl>
+                    <p:sldTgt/>
+                  </p:tgtEl>
+                </p:cond>
+              </p:nextCondLst>
+            </p:seq>
+          </p:childTnLst>
+        </p:cTn>
+      </p:par>
+    </p:tnLst>
+    <p:bldLst>
+      <p:bldP spid="3" grpId="0" build="p"/>
+    </p:bldLst>
+  </p:timing>
 </p:sld>
 </file>
 

--- a/clean-code.pptx
+++ b/clean-code.pptx
@@ -6,58 +6,61 @@
     <p:sldMasterId id="2147483690" r:id="rId6"/>
   </p:sldMasterIdLst>
   <p:notesMasterIdLst>
-    <p:notesMasterId r:id="rId53"/>
+    <p:notesMasterId r:id="rId56"/>
   </p:notesMasterIdLst>
   <p:handoutMasterIdLst>
-    <p:handoutMasterId r:id="rId54"/>
+    <p:handoutMasterId r:id="rId57"/>
   </p:handoutMasterIdLst>
   <p:sldIdLst>
     <p:sldId id="256" r:id="rId7"/>
-    <p:sldId id="257" r:id="rId8"/>
-    <p:sldId id="258" r:id="rId9"/>
-    <p:sldId id="259" r:id="rId10"/>
-    <p:sldId id="260" r:id="rId11"/>
-    <p:sldId id="261" r:id="rId12"/>
-    <p:sldId id="262" r:id="rId13"/>
-    <p:sldId id="263" r:id="rId14"/>
-    <p:sldId id="264" r:id="rId15"/>
-    <p:sldId id="265" r:id="rId16"/>
-    <p:sldId id="266" r:id="rId17"/>
-    <p:sldId id="267" r:id="rId18"/>
-    <p:sldId id="270" r:id="rId19"/>
-    <p:sldId id="268" r:id="rId20"/>
-    <p:sldId id="271" r:id="rId21"/>
-    <p:sldId id="272" r:id="rId22"/>
-    <p:sldId id="307" r:id="rId23"/>
-    <p:sldId id="273" r:id="rId24"/>
-    <p:sldId id="274" r:id="rId25"/>
-    <p:sldId id="275" r:id="rId26"/>
-    <p:sldId id="276" r:id="rId27"/>
-    <p:sldId id="305" r:id="rId28"/>
-    <p:sldId id="278" r:id="rId29"/>
-    <p:sldId id="279" r:id="rId30"/>
-    <p:sldId id="280" r:id="rId31"/>
-    <p:sldId id="281" r:id="rId32"/>
-    <p:sldId id="282" r:id="rId33"/>
-    <p:sldId id="283" r:id="rId34"/>
-    <p:sldId id="284" r:id="rId35"/>
-    <p:sldId id="303" r:id="rId36"/>
-    <p:sldId id="285" r:id="rId37"/>
-    <p:sldId id="286" r:id="rId38"/>
-    <p:sldId id="304" r:id="rId39"/>
-    <p:sldId id="289" r:id="rId40"/>
-    <p:sldId id="290" r:id="rId41"/>
-    <p:sldId id="291" r:id="rId42"/>
-    <p:sldId id="292" r:id="rId43"/>
-    <p:sldId id="293" r:id="rId44"/>
-    <p:sldId id="294" r:id="rId45"/>
-    <p:sldId id="302" r:id="rId46"/>
-    <p:sldId id="296" r:id="rId47"/>
-    <p:sldId id="297" r:id="rId48"/>
-    <p:sldId id="298" r:id="rId49"/>
-    <p:sldId id="299" r:id="rId50"/>
-    <p:sldId id="300" r:id="rId51"/>
-    <p:sldId id="301" r:id="rId52"/>
+    <p:sldId id="258" r:id="rId8"/>
+    <p:sldId id="308" r:id="rId9"/>
+    <p:sldId id="309" r:id="rId10"/>
+    <p:sldId id="264" r:id="rId11"/>
+    <p:sldId id="310" r:id="rId12"/>
+    <p:sldId id="259" r:id="rId13"/>
+    <p:sldId id="260" r:id="rId14"/>
+    <p:sldId id="261" r:id="rId15"/>
+    <p:sldId id="262" r:id="rId16"/>
+    <p:sldId id="263" r:id="rId17"/>
+    <p:sldId id="265" r:id="rId18"/>
+    <p:sldId id="266" r:id="rId19"/>
+    <p:sldId id="267" r:id="rId20"/>
+    <p:sldId id="270" r:id="rId21"/>
+    <p:sldId id="268" r:id="rId22"/>
+    <p:sldId id="271" r:id="rId23"/>
+    <p:sldId id="272" r:id="rId24"/>
+    <p:sldId id="307" r:id="rId25"/>
+    <p:sldId id="273" r:id="rId26"/>
+    <p:sldId id="274" r:id="rId27"/>
+    <p:sldId id="275" r:id="rId28"/>
+    <p:sldId id="276" r:id="rId29"/>
+    <p:sldId id="305" r:id="rId30"/>
+    <p:sldId id="278" r:id="rId31"/>
+    <p:sldId id="279" r:id="rId32"/>
+    <p:sldId id="280" r:id="rId33"/>
+    <p:sldId id="281" r:id="rId34"/>
+    <p:sldId id="282" r:id="rId35"/>
+    <p:sldId id="283" r:id="rId36"/>
+    <p:sldId id="284" r:id="rId37"/>
+    <p:sldId id="303" r:id="rId38"/>
+    <p:sldId id="285" r:id="rId39"/>
+    <p:sldId id="286" r:id="rId40"/>
+    <p:sldId id="304" r:id="rId41"/>
+    <p:sldId id="289" r:id="rId42"/>
+    <p:sldId id="290" r:id="rId43"/>
+    <p:sldId id="291" r:id="rId44"/>
+    <p:sldId id="292" r:id="rId45"/>
+    <p:sldId id="293" r:id="rId46"/>
+    <p:sldId id="294" r:id="rId47"/>
+    <p:sldId id="302" r:id="rId48"/>
+    <p:sldId id="311" r:id="rId49"/>
+    <p:sldId id="296" r:id="rId50"/>
+    <p:sldId id="297" r:id="rId51"/>
+    <p:sldId id="298" r:id="rId52"/>
+    <p:sldId id="299" r:id="rId53"/>
+    <p:sldId id="300" r:id="rId54"/>
+    <p:sldId id="301" r:id="rId55"/>
   </p:sldIdLst>
   <p:sldSz cx="12192000" cy="6858000"/>
   <p:notesSz cx="6858000" cy="9144000"/>
@@ -164,16 +167,18 @@
             <p14:sldId id="256"/>
           </p14:sldIdLst>
         </p14:section>
-        <p14:section name="Основы" id="{43066BAC-F9CE-41F4-90C5-99E031C39168}">
+        <p14:section name="Опрос" id="{43066BAC-F9CE-41F4-90C5-99E031C39168}">
           <p14:sldIdLst>
-            <p14:sldId id="257"/>
             <p14:sldId id="258"/>
+            <p14:sldId id="308"/>
+            <p14:sldId id="309"/>
+            <p14:sldId id="264"/>
+            <p14:sldId id="310"/>
             <p14:sldId id="259"/>
             <p14:sldId id="260"/>
             <p14:sldId id="261"/>
             <p14:sldId id="262"/>
             <p14:sldId id="263"/>
-            <p14:sldId id="264"/>
           </p14:sldIdLst>
         </p14:section>
         <p14:section name="Decomposition" id="{C0CDF7E5-439C-4561-8F61-6C0123FDA5AA}">
@@ -225,6 +230,7 @@
         <p14:section name="Задача Chess" id="{33F6E6C4-C527-46FA-9259-88B9F3554688}">
           <p14:sldIdLst>
             <p14:sldId id="302"/>
+            <p14:sldId id="311"/>
             <p14:sldId id="296"/>
           </p14:sldIdLst>
         </p14:section>
@@ -262,6 +268,10 @@
     </p:ext>
   </p:extLst>
 </p:presentation>
+</file>
+
+<file path=ppt/revisionInfo.xml><?xml version="1.0" encoding="utf-8"?>
+<p1510:revInfo xmlns:a="http://schemas.openxmlformats.org/drawingml/2006/main" xmlns:r="http://schemas.openxmlformats.org/officeDocument/2006/relationships" xmlns:p1510="http://schemas.microsoft.com/office/powerpoint/2015/10/main"/>
 </file>
 
 <file path=ppt/diagrams/colors1.xml><?xml version="1.0" encoding="utf-8"?>
@@ -2562,13 +2572,6 @@
         </dgm:presLayoutVars>
       </dgm:prSet>
       <dgm:spPr/>
-      <dgm:t>
-        <a:bodyPr/>
-        <a:lstStyle/>
-        <a:p>
-          <a:endParaRPr lang="ru-RU"/>
-        </a:p>
-      </dgm:t>
     </dgm:pt>
     <dgm:pt modelId="{CF6D50B3-578A-4EA0-A5A0-492FA729F6ED}" type="pres">
       <dgm:prSet presAssocID="{B75F6A3A-9A51-4DF3-8A57-9AEB0739425C}" presName="composite" presStyleCnt="0"/>
@@ -2581,13 +2584,6 @@
         </dgm:presLayoutVars>
       </dgm:prSet>
       <dgm:spPr/>
-      <dgm:t>
-        <a:bodyPr/>
-        <a:lstStyle/>
-        <a:p>
-          <a:endParaRPr lang="ru-RU"/>
-        </a:p>
-      </dgm:t>
     </dgm:pt>
     <dgm:pt modelId="{61EB78D8-69FF-471D-8FEB-71388C442F55}" type="pres">
       <dgm:prSet presAssocID="{B75F6A3A-9A51-4DF3-8A57-9AEB0739425C}" presName="rect1" presStyleLbl="alignImgPlace1" presStyleIdx="0" presStyleCnt="1" custScaleX="596594" custScaleY="114980" custLinFactX="-64576" custLinFactNeighborX="-100000" custLinFactNeighborY="-13065"/>
@@ -2609,9 +2605,9 @@
     </dgm:pt>
   </dgm:ptLst>
   <dgm:cxnLst>
-    <dgm:cxn modelId="{017518C9-1619-4B19-AA03-86BA999BA287}" srcId="{EAB81984-5B84-4970-8447-2B456B8C58DF}" destId="{B75F6A3A-9A51-4DF3-8A57-9AEB0739425C}" srcOrd="0" destOrd="0" parTransId="{203596AF-4F49-40BA-B1E1-11BDD34B512E}" sibTransId="{A056157B-3867-49A4-9195-F3A4F3FBBA8E}"/>
     <dgm:cxn modelId="{1CEAA455-5BF4-4666-95B8-390900AB8124}" type="presOf" srcId="{EAB81984-5B84-4970-8447-2B456B8C58DF}" destId="{3A252E36-3D7E-49E5-B812-EE4CACF0D5CF}" srcOrd="0" destOrd="0" presId="urn:microsoft.com/office/officeart/2008/layout/PictureGrid"/>
     <dgm:cxn modelId="{147A14B3-96E8-4139-969B-9DB1BCB4D95E}" type="presOf" srcId="{B75F6A3A-9A51-4DF3-8A57-9AEB0739425C}" destId="{B29ABF60-EC0F-45AD-A90E-9C76D15C2F14}" srcOrd="0" destOrd="0" presId="urn:microsoft.com/office/officeart/2008/layout/PictureGrid"/>
+    <dgm:cxn modelId="{017518C9-1619-4B19-AA03-86BA999BA287}" srcId="{EAB81984-5B84-4970-8447-2B456B8C58DF}" destId="{B75F6A3A-9A51-4DF3-8A57-9AEB0739425C}" srcOrd="0" destOrd="0" parTransId="{203596AF-4F49-40BA-B1E1-11BDD34B512E}" sibTransId="{A056157B-3867-49A4-9195-F3A4F3FBBA8E}"/>
     <dgm:cxn modelId="{D3458AFA-605E-43EE-8C8A-0E0C1E3CD931}" type="presParOf" srcId="{3A252E36-3D7E-49E5-B812-EE4CACF0D5CF}" destId="{CF6D50B3-578A-4EA0-A5A0-492FA729F6ED}" srcOrd="0" destOrd="0" presId="urn:microsoft.com/office/officeart/2008/layout/PictureGrid"/>
     <dgm:cxn modelId="{9835F3F3-3E30-4AC4-AD89-BC095FA9A878}" type="presParOf" srcId="{CF6D50B3-578A-4EA0-A5A0-492FA729F6ED}" destId="{B29ABF60-EC0F-45AD-A90E-9C76D15C2F14}" srcOrd="0" destOrd="0" presId="urn:microsoft.com/office/officeart/2008/layout/PictureGrid"/>
     <dgm:cxn modelId="{70FA379F-7827-49B9-806E-1FD72CAE8F89}" type="presParOf" srcId="{CF6D50B3-578A-4EA0-A5A0-492FA729F6ED}" destId="{61EB78D8-69FF-471D-8FEB-71388C442F55}" srcOrd="1" destOrd="0" presId="urn:microsoft.com/office/officeart/2008/layout/PictureGrid"/>
@@ -2683,13 +2679,6 @@
         </dgm:presLayoutVars>
       </dgm:prSet>
       <dgm:spPr/>
-      <dgm:t>
-        <a:bodyPr/>
-        <a:lstStyle/>
-        <a:p>
-          <a:endParaRPr lang="ru-RU"/>
-        </a:p>
-      </dgm:t>
     </dgm:pt>
     <dgm:pt modelId="{CF6D50B3-578A-4EA0-A5A0-492FA729F6ED}" type="pres">
       <dgm:prSet presAssocID="{B75F6A3A-9A51-4DF3-8A57-9AEB0739425C}" presName="composite" presStyleCnt="0"/>
@@ -2702,13 +2691,6 @@
         </dgm:presLayoutVars>
       </dgm:prSet>
       <dgm:spPr/>
-      <dgm:t>
-        <a:bodyPr/>
-        <a:lstStyle/>
-        <a:p>
-          <a:endParaRPr lang="ru-RU"/>
-        </a:p>
-      </dgm:t>
     </dgm:pt>
     <dgm:pt modelId="{61EB78D8-69FF-471D-8FEB-71388C442F55}" type="pres">
       <dgm:prSet presAssocID="{B75F6A3A-9A51-4DF3-8A57-9AEB0739425C}" presName="rect1" presStyleLbl="alignImgPlace1" presStyleIdx="0" presStyleCnt="1" custScaleX="596594" custScaleY="114980" custLinFactX="-64576" custLinFactNeighborX="-100000" custLinFactNeighborY="-13065"/>
@@ -2730,9 +2712,9 @@
     </dgm:pt>
   </dgm:ptLst>
   <dgm:cxnLst>
-    <dgm:cxn modelId="{017518C9-1619-4B19-AA03-86BA999BA287}" srcId="{EAB81984-5B84-4970-8447-2B456B8C58DF}" destId="{B75F6A3A-9A51-4DF3-8A57-9AEB0739425C}" srcOrd="0" destOrd="0" parTransId="{203596AF-4F49-40BA-B1E1-11BDD34B512E}" sibTransId="{A056157B-3867-49A4-9195-F3A4F3FBBA8E}"/>
     <dgm:cxn modelId="{1CEAA455-5BF4-4666-95B8-390900AB8124}" type="presOf" srcId="{EAB81984-5B84-4970-8447-2B456B8C58DF}" destId="{3A252E36-3D7E-49E5-B812-EE4CACF0D5CF}" srcOrd="0" destOrd="0" presId="urn:microsoft.com/office/officeart/2008/layout/PictureGrid"/>
     <dgm:cxn modelId="{147A14B3-96E8-4139-969B-9DB1BCB4D95E}" type="presOf" srcId="{B75F6A3A-9A51-4DF3-8A57-9AEB0739425C}" destId="{B29ABF60-EC0F-45AD-A90E-9C76D15C2F14}" srcOrd="0" destOrd="0" presId="urn:microsoft.com/office/officeart/2008/layout/PictureGrid"/>
+    <dgm:cxn modelId="{017518C9-1619-4B19-AA03-86BA999BA287}" srcId="{EAB81984-5B84-4970-8447-2B456B8C58DF}" destId="{B75F6A3A-9A51-4DF3-8A57-9AEB0739425C}" srcOrd="0" destOrd="0" parTransId="{203596AF-4F49-40BA-B1E1-11BDD34B512E}" sibTransId="{A056157B-3867-49A4-9195-F3A4F3FBBA8E}"/>
     <dgm:cxn modelId="{D3458AFA-605E-43EE-8C8A-0E0C1E3CD931}" type="presParOf" srcId="{3A252E36-3D7E-49E5-B812-EE4CACF0D5CF}" destId="{CF6D50B3-578A-4EA0-A5A0-492FA729F6ED}" srcOrd="0" destOrd="0" presId="urn:microsoft.com/office/officeart/2008/layout/PictureGrid"/>
     <dgm:cxn modelId="{9835F3F3-3E30-4AC4-AD89-BC095FA9A878}" type="presParOf" srcId="{CF6D50B3-578A-4EA0-A5A0-492FA729F6ED}" destId="{B29ABF60-EC0F-45AD-A90E-9C76D15C2F14}" srcOrd="0" destOrd="0" presId="urn:microsoft.com/office/officeart/2008/layout/PictureGrid"/>
     <dgm:cxn modelId="{70FA379F-7827-49B9-806E-1FD72CAE8F89}" type="presParOf" srcId="{CF6D50B3-578A-4EA0-A5A0-492FA729F6ED}" destId="{61EB78D8-69FF-471D-8FEB-71388C442F55}" srcOrd="1" destOrd="0" presId="urn:microsoft.com/office/officeart/2008/layout/PictureGrid"/>
@@ -2822,13 +2804,6 @@
         </dgm:presLayoutVars>
       </dgm:prSet>
       <dgm:spPr/>
-      <dgm:t>
-        <a:bodyPr/>
-        <a:lstStyle/>
-        <a:p>
-          <a:endParaRPr lang="ru-RU"/>
-        </a:p>
-      </dgm:t>
     </dgm:pt>
     <dgm:pt modelId="{65D73C51-61AB-436D-8191-975603FC9C68}" type="pres">
       <dgm:prSet presAssocID="{9C9C0585-42CE-4F34-A2BB-F1377DA03788}" presName="composite" presStyleCnt="0"/>
@@ -2841,13 +2816,6 @@
         </dgm:presLayoutVars>
       </dgm:prSet>
       <dgm:spPr/>
-      <dgm:t>
-        <a:bodyPr/>
-        <a:lstStyle/>
-        <a:p>
-          <a:endParaRPr lang="ru-RU"/>
-        </a:p>
-      </dgm:t>
     </dgm:pt>
     <dgm:pt modelId="{DFDA3CA3-5C68-4A2F-A4A8-285063A35D87}" type="pres">
       <dgm:prSet presAssocID="{9C9C0585-42CE-4F34-A2BB-F1377DA03788}" presName="rect1" presStyleLbl="alignImgPlace1" presStyleIdx="0" presStyleCnt="1" custScaleX="62421" custScaleY="62421" custLinFactNeighborX="1076" custLinFactNeighborY="-52209"/>
@@ -2872,8 +2840,8 @@
     </dgm:pt>
   </dgm:ptLst>
   <dgm:cxnLst>
+    <dgm:cxn modelId="{A9E27516-E8E4-42A7-A155-024D48E79559}" type="presOf" srcId="{8F66C165-B39F-46D3-B19F-623799541DD3}" destId="{B6F028CB-F170-4FEF-BC3A-25F0E90D434A}" srcOrd="0" destOrd="0" presId="urn:microsoft.com/office/officeart/2008/layout/PictureGrid"/>
     <dgm:cxn modelId="{A177C822-7566-4410-A889-706A6CE15148}" srcId="{8F66C165-B39F-46D3-B19F-623799541DD3}" destId="{9C9C0585-42CE-4F34-A2BB-F1377DA03788}" srcOrd="0" destOrd="0" parTransId="{4E5DCF2B-AAE7-41E2-837F-518128C03597}" sibTransId="{56F70C7F-1925-4DBA-9BD6-AF5E91799A59}"/>
-    <dgm:cxn modelId="{A9E27516-E8E4-42A7-A155-024D48E79559}" type="presOf" srcId="{8F66C165-B39F-46D3-B19F-623799541DD3}" destId="{B6F028CB-F170-4FEF-BC3A-25F0E90D434A}" srcOrd="0" destOrd="0" presId="urn:microsoft.com/office/officeart/2008/layout/PictureGrid"/>
     <dgm:cxn modelId="{ACD53F50-5BA1-48C9-B5DF-09BF6DA4DE65}" type="presOf" srcId="{9C9C0585-42CE-4F34-A2BB-F1377DA03788}" destId="{A30F2283-C0A4-4A69-BCBE-833D967155A2}" srcOrd="0" destOrd="0" presId="urn:microsoft.com/office/officeart/2008/layout/PictureGrid"/>
     <dgm:cxn modelId="{CC189C1C-06A1-4F03-B886-67BF46A53703}" type="presParOf" srcId="{B6F028CB-F170-4FEF-BC3A-25F0E90D434A}" destId="{65D73C51-61AB-436D-8191-975603FC9C68}" srcOrd="0" destOrd="0" presId="urn:microsoft.com/office/officeart/2008/layout/PictureGrid"/>
     <dgm:cxn modelId="{CD7DB92E-B84F-43A0-AC2D-FBBFB40722EE}" type="presParOf" srcId="{65D73C51-61AB-436D-8191-975603FC9C68}" destId="{A30F2283-C0A4-4A69-BCBE-833D967155A2}" srcOrd="0" destOrd="0" presId="urn:microsoft.com/office/officeart/2008/layout/PictureGrid"/>
@@ -2934,7 +2902,7 @@
         </a:bodyPr>
         <a:lstStyle/>
         <a:p>
-          <a:pPr lvl="0" algn="l" defTabSz="222250">
+          <a:pPr marL="0" lvl="0" indent="0" algn="l" defTabSz="222250">
             <a:lnSpc>
               <a:spcPct val="90000"/>
             </a:lnSpc>
@@ -2944,6 +2912,7 @@
             <a:spcAft>
               <a:spcPct val="35000"/>
             </a:spcAft>
+            <a:buNone/>
           </a:pPr>
           <a:r>
             <a:rPr lang="ru-RU" sz="500" kern="1200" dirty="0"/>
@@ -3020,6 +2989,118 @@
       <dsp:cNvGrpSpPr/>
     </dsp:nvGrpSpPr>
     <dsp:grpSpPr/>
+    <dsp:sp modelId="{B29ABF60-EC0F-45AD-A90E-9C76D15C2F14}">
+      <dsp:nvSpPr>
+        <dsp:cNvPr id="0" name=""/>
+        <dsp:cNvSpPr/>
+      </dsp:nvSpPr>
+      <dsp:spPr>
+        <a:xfrm>
+          <a:off x="1748174" y="210303"/>
+          <a:ext cx="175586" cy="38914"/>
+        </a:xfrm>
+        <a:prstGeom prst="rect">
+          <a:avLst/>
+        </a:prstGeom>
+        <a:noFill/>
+        <a:ln>
+          <a:noFill/>
+        </a:ln>
+        <a:effectLst/>
+      </dsp:spPr>
+      <dsp:style>
+        <a:lnRef idx="0">
+          <a:scrgbClr r="0" g="0" b="0"/>
+        </a:lnRef>
+        <a:fillRef idx="0">
+          <a:scrgbClr r="0" g="0" b="0"/>
+        </a:fillRef>
+        <a:effectRef idx="0">
+          <a:scrgbClr r="0" g="0" b="0"/>
+        </a:effectRef>
+        <a:fontRef idx="minor"/>
+      </dsp:style>
+      <dsp:txBody>
+        <a:bodyPr spcFirstLastPara="0" vert="horz" wrap="square" lIns="0" tIns="19050" rIns="19050" bIns="0" numCol="1" spcCol="1270" anchor="t" anchorCtr="0">
+          <a:noAutofit/>
+        </a:bodyPr>
+        <a:lstStyle/>
+        <a:p>
+          <a:pPr marL="0" lvl="0" indent="0" algn="l" defTabSz="222250">
+            <a:lnSpc>
+              <a:spcPct val="90000"/>
+            </a:lnSpc>
+            <a:spcBef>
+              <a:spcPct val="0"/>
+            </a:spcBef>
+            <a:spcAft>
+              <a:spcPct val="35000"/>
+            </a:spcAft>
+            <a:buNone/>
+          </a:pPr>
+          <a:r>
+            <a:rPr lang="ru-RU" sz="500" kern="1200" dirty="0"/>
+            <a:t> </a:t>
+          </a:r>
+        </a:p>
+      </dsp:txBody>
+      <dsp:txXfrm>
+        <a:off x="1748174" y="210303"/>
+        <a:ext cx="175586" cy="38914"/>
+      </dsp:txXfrm>
+    </dsp:sp>
+    <dsp:sp modelId="{61EB78D8-69FF-471D-8FEB-71388C442F55}">
+      <dsp:nvSpPr>
+        <dsp:cNvPr id="0" name=""/>
+        <dsp:cNvSpPr/>
+      </dsp:nvSpPr>
+      <dsp:spPr>
+        <a:xfrm>
+          <a:off x="0" y="0"/>
+          <a:ext cx="1980001" cy="381600"/>
+        </a:xfrm>
+        <a:prstGeom prst="rect">
+          <a:avLst/>
+        </a:prstGeom>
+        <a:blipFill>
+          <a:blip xmlns:r="http://schemas.openxmlformats.org/officeDocument/2006/relationships" r:embed="rId1">
+            <a:extLst>
+              <a:ext uri="{28A0092B-C50C-407E-A947-70E740481C1C}">
+                <a14:useLocalDpi xmlns:a14="http://schemas.microsoft.com/office/drawing/2010/main" val="0"/>
+              </a:ext>
+            </a:extLst>
+          </a:blip>
+          <a:srcRect/>
+          <a:stretch>
+            <a:fillRect l="-1000" r="-1000"/>
+          </a:stretch>
+        </a:blipFill>
+        <a:ln w="25400" cap="flat" cmpd="sng" algn="ctr">
+          <a:solidFill>
+            <a:schemeClr val="lt1">
+              <a:hueOff val="0"/>
+              <a:satOff val="0"/>
+              <a:lumOff val="0"/>
+              <a:alphaOff val="0"/>
+            </a:schemeClr>
+          </a:solidFill>
+          <a:prstDash val="solid"/>
+        </a:ln>
+        <a:effectLst/>
+      </dsp:spPr>
+      <dsp:style>
+        <a:lnRef idx="2">
+          <a:scrgbClr r="0" g="0" b="0"/>
+        </a:lnRef>
+        <a:fillRef idx="1">
+          <a:scrgbClr r="0" g="0" b="0"/>
+        </a:fillRef>
+        <a:effectRef idx="0">
+          <a:scrgbClr r="0" g="0" b="0"/>
+        </a:effectRef>
+        <a:fontRef idx="minor"/>
+      </dsp:style>
+    </dsp:sp>
   </dsp:spTree>
 </dsp:drawing>
 </file>
@@ -3032,6 +3113,128 @@
       <dsp:cNvGrpSpPr/>
     </dsp:nvGrpSpPr>
     <dsp:grpSpPr/>
+    <dsp:sp modelId="{A30F2283-C0A4-4A69-BCBE-833D967155A2}">
+      <dsp:nvSpPr>
+        <dsp:cNvPr id="0" name=""/>
+        <dsp:cNvSpPr/>
+      </dsp:nvSpPr>
+      <dsp:spPr>
+        <a:xfrm>
+          <a:off x="469735" y="1146225"/>
+          <a:ext cx="2927097" cy="509149"/>
+        </a:xfrm>
+        <a:prstGeom prst="rect">
+          <a:avLst/>
+        </a:prstGeom>
+        <a:noFill/>
+        <a:ln>
+          <a:noFill/>
+        </a:ln>
+        <a:effectLst/>
+      </dsp:spPr>
+      <dsp:style>
+        <a:lnRef idx="0">
+          <a:scrgbClr r="0" g="0" b="0"/>
+        </a:lnRef>
+        <a:fillRef idx="0">
+          <a:scrgbClr r="0" g="0" b="0"/>
+        </a:fillRef>
+        <a:effectRef idx="0">
+          <a:scrgbClr r="0" g="0" b="0"/>
+        </a:effectRef>
+        <a:fontRef idx="minor"/>
+      </dsp:style>
+      <dsp:txBody>
+        <a:bodyPr spcFirstLastPara="0" vert="horz" wrap="square" lIns="0" tIns="152400" rIns="152400" bIns="0" numCol="1" spcCol="1270" anchor="b" anchorCtr="0">
+          <a:noAutofit/>
+        </a:bodyPr>
+        <a:lstStyle/>
+        <a:p>
+          <a:pPr marL="0" lvl="0" indent="0" algn="ctr" defTabSz="1778000">
+            <a:lnSpc>
+              <a:spcPct val="90000"/>
+            </a:lnSpc>
+            <a:spcBef>
+              <a:spcPct val="0"/>
+            </a:spcBef>
+            <a:spcAft>
+              <a:spcPct val="35000"/>
+            </a:spcAft>
+            <a:buNone/>
+          </a:pPr>
+          <a:r>
+            <a:rPr lang="ru-RU" sz="4000" kern="1200" dirty="0">
+              <a:solidFill>
+                <a:schemeClr val="accent1"/>
+              </a:solidFill>
+            </a:rPr>
+            <a:t>ВОПРОСЫ</a:t>
+          </a:r>
+          <a:r>
+            <a:rPr lang="en-US" sz="4000" kern="1200" dirty="0">
+              <a:solidFill>
+                <a:schemeClr val="accent1"/>
+              </a:solidFill>
+            </a:rPr>
+            <a:t>?</a:t>
+          </a:r>
+          <a:endParaRPr lang="ru-RU" sz="4000" kern="1200" dirty="0">
+            <a:solidFill>
+              <a:schemeClr val="accent1"/>
+            </a:solidFill>
+          </a:endParaRPr>
+        </a:p>
+      </dsp:txBody>
+      <dsp:txXfrm>
+        <a:off x="469735" y="1146225"/>
+        <a:ext cx="2927097" cy="509149"/>
+      </dsp:txXfrm>
+    </dsp:sp>
+    <dsp:sp modelId="{DFDA3CA3-5C68-4A2F-A4A8-285063A35D87}">
+      <dsp:nvSpPr>
+        <dsp:cNvPr id="0" name=""/>
+        <dsp:cNvSpPr/>
+      </dsp:nvSpPr>
+      <dsp:spPr>
+        <a:xfrm>
+          <a:off x="1521700" y="91137"/>
+          <a:ext cx="849599" cy="849599"/>
+        </a:xfrm>
+        <a:prstGeom prst="rect">
+          <a:avLst/>
+        </a:prstGeom>
+        <a:blipFill>
+          <a:blip xmlns:r="http://schemas.openxmlformats.org/officeDocument/2006/relationships" r:embed="rId1">
+            <a:extLst>
+              <a:ext uri="{28A0092B-C50C-407E-A947-70E740481C1C}">
+                <a14:useLocalDpi xmlns:a14="http://schemas.microsoft.com/office/drawing/2010/main" val="0"/>
+              </a:ext>
+            </a:extLst>
+          </a:blip>
+          <a:srcRect/>
+          <a:stretch>
+            <a:fillRect/>
+          </a:stretch>
+        </a:blipFill>
+        <a:ln w="0" cap="flat" cmpd="sng" algn="ctr">
+          <a:noFill/>
+          <a:prstDash val="solid"/>
+        </a:ln>
+        <a:effectLst/>
+      </dsp:spPr>
+      <dsp:style>
+        <a:lnRef idx="2">
+          <a:scrgbClr r="0" g="0" b="0"/>
+        </a:lnRef>
+        <a:fillRef idx="1">
+          <a:scrgbClr r="0" g="0" b="0"/>
+        </a:fillRef>
+        <a:effectRef idx="0">
+          <a:scrgbClr r="0" g="0" b="0"/>
+        </a:effectRef>
+        <a:fontRef idx="minor"/>
+      </dsp:style>
+    </dsp:sp>
   </dsp:spTree>
 </dsp:drawing>
 </file>
@@ -7018,7 +7221,7 @@
           <a:p>
             <a:fld id="{CE3BC3F9-9C5B-4717-9F59-36DC790402FE}" type="datetimeFigureOut">
               <a:rPr lang="ru-RU" smtClean="0"/>
-              <a:t>02.11.2016</a:t>
+              <a:t>11.08.2017</a:t>
             </a:fld>
             <a:endParaRPr lang="ru-RU"/>
           </a:p>
@@ -7183,7 +7386,7 @@
           <a:p>
             <a:fld id="{BBBAA9EB-8042-420D-843C-EBFC35DD9FFD}" type="datetimeFigureOut">
               <a:rPr lang="ru-RU" smtClean="0"/>
-              <a:t>02.11.2016</a:t>
+              <a:t>11.08.2017</a:t>
             </a:fld>
             <a:endParaRPr lang="ru-RU"/>
           </a:p>
@@ -7547,7 +7750,7 @@
           <a:p>
             <a:fld id="{32510822-B256-415B-AC9F-45AE7E2A44F1}" type="slidenum">
               <a:rPr lang="ru-RU" smtClean="0"/>
-              <a:t>3</a:t>
+              <a:t>2</a:t>
             </a:fld>
             <a:endParaRPr lang="ru-RU"/>
           </a:p>
@@ -7615,6 +7818,97 @@
           <a:bodyPr/>
           <a:lstStyle/>
           <a:p>
+            <a:r>
+              <a:rPr lang="ru-RU" dirty="0"/>
+              <a:t>Спросить</a:t>
+            </a:r>
+            <a:r>
+              <a:rPr lang="ru-RU" baseline="0" dirty="0"/>
+              <a:t> аудиторию, как это делать.</a:t>
+            </a:r>
+          </a:p>
+          <a:p>
+            <a:r>
+              <a:rPr lang="ru-RU" dirty="0"/>
+              <a:t>Обычно</a:t>
+            </a:r>
+            <a:r>
+              <a:rPr lang="ru-RU" baseline="0" dirty="0"/>
+              <a:t> бывают два варианта:</a:t>
+            </a:r>
+          </a:p>
+          <a:p>
+            <a:pPr marL="228600" indent="-228600">
+              <a:buAutoNum type="arabicPeriod"/>
+            </a:pPr>
+            <a:r>
+              <a:rPr lang="en-US" baseline="0" dirty="0" err="1"/>
+              <a:t>shiftSize</a:t>
+            </a:r>
+            <a:r>
+              <a:rPr lang="ru-RU" baseline="0" dirty="0"/>
+              <a:t> раз сделать сдвиг на единичку. (Это медленно!)</a:t>
+            </a:r>
+          </a:p>
+          <a:p>
+            <a:pPr marL="228600" indent="-228600">
+              <a:buAutoNum type="arabicPeriod"/>
+            </a:pPr>
+            <a:r>
+              <a:rPr lang="ru-RU" dirty="0"/>
+              <a:t>Поставить нулевой</a:t>
+            </a:r>
+            <a:r>
+              <a:rPr lang="ru-RU" baseline="0" dirty="0"/>
+              <a:t> элемент на место </a:t>
+            </a:r>
+            <a:r>
+              <a:rPr lang="en-US" baseline="0" dirty="0" err="1"/>
+              <a:t>shiftSize</a:t>
+            </a:r>
+            <a:r>
+              <a:rPr lang="ru-RU" baseline="0" dirty="0"/>
+              <a:t>, тот что был там — на позицию </a:t>
+            </a:r>
+            <a:r>
+              <a:rPr lang="en-US" baseline="0" dirty="0"/>
+              <a:t>2*</a:t>
+            </a:r>
+            <a:r>
+              <a:rPr lang="en-US" baseline="0" dirty="0" err="1"/>
+              <a:t>shiftSize</a:t>
+            </a:r>
+            <a:r>
+              <a:rPr lang="en-US" baseline="0" dirty="0"/>
+              <a:t> </a:t>
+            </a:r>
+            <a:r>
+              <a:rPr lang="ru-RU" baseline="0" dirty="0"/>
+              <a:t>%</a:t>
+            </a:r>
+            <a:r>
+              <a:rPr lang="en-US" baseline="0" dirty="0"/>
+              <a:t> N</a:t>
+            </a:r>
+            <a:r>
+              <a:rPr lang="ru-RU" baseline="0" dirty="0"/>
+              <a:t> и т.п.</a:t>
+            </a:r>
+            <a:br>
+              <a:rPr lang="ru-RU" baseline="0" dirty="0"/>
+            </a:br>
+            <a:r>
+              <a:rPr lang="ru-RU" baseline="0" dirty="0"/>
+              <a:t>Тут есть проблема, что нужно запоминать, в какие индексы мы уже что-то присваивали, чтобы вовремя остановиться. А это не только довольно сложно, но и требует </a:t>
+            </a:r>
+            <a:r>
+              <a:rPr lang="en-US" baseline="0" dirty="0"/>
+              <a:t>O(N)</a:t>
+            </a:r>
+            <a:r>
+              <a:rPr lang="ru-RU" baseline="0" dirty="0"/>
+              <a:t> памяти.</a:t>
+            </a:r>
             <a:endParaRPr lang="ru-RU" dirty="0"/>
           </a:p>
         </p:txBody>
@@ -7636,7 +7930,7 @@
           <a:p>
             <a:fld id="{3BAECB10-9972-4830-A584-02C41DAFD45B}" type="slidenum">
               <a:rPr lang="ru-RU" smtClean="0"/>
-              <a:t>20</a:t>
+              <a:t>21</a:t>
             </a:fld>
             <a:endParaRPr lang="ru-RU"/>
           </a:p>
@@ -7645,7 +7939,7 @@
     </p:spTree>
     <p:extLst>
       <p:ext uri="{BB962C8B-B14F-4D97-AF65-F5344CB8AC3E}">
-        <p14:creationId xmlns:p14="http://schemas.microsoft.com/office/powerpoint/2010/main" val="1397269294"/>
+        <p14:creationId xmlns:p14="http://schemas.microsoft.com/office/powerpoint/2010/main" val="4222242819"/>
       </p:ext>
     </p:extLst>
   </p:cSld>
@@ -7704,26 +7998,6 @@
           <a:bodyPr/>
           <a:lstStyle/>
           <a:p>
-            <a:r>
-              <a:rPr lang="ru-RU" dirty="0"/>
-              <a:t>Для работы этого решения здесь</a:t>
-            </a:r>
-            <a:r>
-              <a:rPr lang="ru-RU" baseline="0" dirty="0"/>
-              <a:t> предлагается написать свою реализацию </a:t>
-            </a:r>
-            <a:r>
-              <a:rPr lang="en-US" baseline="0" dirty="0"/>
-              <a:t>Reverse</a:t>
-            </a:r>
-            <a:r>
-              <a:rPr lang="ru-RU" baseline="0" dirty="0"/>
-              <a:t>, работающего </a:t>
-            </a:r>
-            <a:r>
-              <a:rPr lang="en-US" baseline="0" dirty="0"/>
-              <a:t>In Place.</a:t>
-            </a:r>
             <a:endParaRPr lang="ru-RU" dirty="0"/>
           </a:p>
         </p:txBody>
@@ -7745,7 +8019,7 @@
           <a:p>
             <a:fld id="{3BAECB10-9972-4830-A584-02C41DAFD45B}" type="slidenum">
               <a:rPr lang="ru-RU" smtClean="0"/>
-              <a:t>21</a:t>
+              <a:t>22</a:t>
             </a:fld>
             <a:endParaRPr lang="ru-RU"/>
           </a:p>
@@ -7754,7 +8028,7 @@
     </p:spTree>
     <p:extLst>
       <p:ext uri="{BB962C8B-B14F-4D97-AF65-F5344CB8AC3E}">
-        <p14:creationId xmlns:p14="http://schemas.microsoft.com/office/powerpoint/2010/main" val="812112805"/>
+        <p14:creationId xmlns:p14="http://schemas.microsoft.com/office/powerpoint/2010/main" val="1397269294"/>
       </p:ext>
     </p:extLst>
   </p:cSld>
@@ -7815,11 +8089,23 @@
           <a:p>
             <a:r>
               <a:rPr lang="ru-RU" dirty="0"/>
-              <a:t>Если вы видите</a:t>
+              <a:t>Для работы этого решения здесь</a:t>
             </a:r>
             <a:r>
               <a:rPr lang="ru-RU" baseline="0" dirty="0"/>
-              <a:t> декомпозицию на функции, которые нигде больше не понадобятся, можно напрячься и подумать, нельзя ли было сделать лучше.</a:t>
+              <a:t> предлагается написать свою реализацию </a:t>
+            </a:r>
+            <a:r>
+              <a:rPr lang="en-US" baseline="0" dirty="0"/>
+              <a:t>Reverse</a:t>
+            </a:r>
+            <a:r>
+              <a:rPr lang="ru-RU" baseline="0" dirty="0"/>
+              <a:t>, работающего </a:t>
+            </a:r>
+            <a:r>
+              <a:rPr lang="en-US" baseline="0" dirty="0"/>
+              <a:t>In Place.</a:t>
             </a:r>
             <a:endParaRPr lang="ru-RU" dirty="0"/>
           </a:p>
@@ -7842,7 +8128,7 @@
           <a:p>
             <a:fld id="{3BAECB10-9972-4830-A584-02C41DAFD45B}" type="slidenum">
               <a:rPr lang="ru-RU" smtClean="0"/>
-              <a:t>22</a:t>
+              <a:t>23</a:t>
             </a:fld>
             <a:endParaRPr lang="ru-RU"/>
           </a:p>
@@ -7851,7 +8137,7 @@
     </p:spTree>
     <p:extLst>
       <p:ext uri="{BB962C8B-B14F-4D97-AF65-F5344CB8AC3E}">
-        <p14:creationId xmlns:p14="http://schemas.microsoft.com/office/powerpoint/2010/main" val="3807793143"/>
+        <p14:creationId xmlns:p14="http://schemas.microsoft.com/office/powerpoint/2010/main" val="812112805"/>
       </p:ext>
     </p:extLst>
   </p:cSld>
@@ -7912,31 +8198,13 @@
           <a:p>
             <a:r>
               <a:rPr lang="ru-RU" dirty="0"/>
-              <a:t>Долгое</a:t>
+              <a:t>Если вы видите</a:t>
             </a:r>
             <a:r>
               <a:rPr lang="ru-RU" baseline="0" dirty="0"/>
-              <a:t> время Контур развивался как почти не взаимодействующее множество самобытных команд, каждая из которых делает свой продукт.</a:t>
-            </a:r>
-          </a:p>
-          <a:p>
+              <a:t> декомпозицию на функции, которые нигде больше не понадобятся, можно напрячься и подумать, нельзя ли было сделать лучше.</a:t>
+            </a:r>
             <a:endParaRPr lang="ru-RU" dirty="0"/>
-          </a:p>
-          <a:p>
-            <a:r>
-              <a:rPr lang="ru-RU" dirty="0"/>
-              <a:t>Сейчас перед</a:t>
-            </a:r>
-            <a:r>
-              <a:rPr lang="ru-RU" baseline="0" dirty="0"/>
-              <a:t> Контуром стоит вызов — научиться ускорять и удешевлять разработку за счет повторного использования наработок.</a:t>
-            </a:r>
-          </a:p>
-          <a:p>
-            <a:r>
-              <a:rPr lang="ru-RU" baseline="0" dirty="0"/>
-              <a:t>Для этого у всех разработчиков должна быть культура следования принципам модульности. Поэтому как раз сейчас как раз в контуре эти умения особенно важно развивать.</a:t>
-            </a:r>
           </a:p>
         </p:txBody>
       </p:sp>
@@ -7957,7 +8225,7 @@
           <a:p>
             <a:fld id="{3BAECB10-9972-4830-A584-02C41DAFD45B}" type="slidenum">
               <a:rPr lang="ru-RU" smtClean="0"/>
-              <a:t>23</a:t>
+              <a:t>24</a:t>
             </a:fld>
             <a:endParaRPr lang="ru-RU"/>
           </a:p>
@@ -7966,7 +8234,7 @@
     </p:spTree>
     <p:extLst>
       <p:ext uri="{BB962C8B-B14F-4D97-AF65-F5344CB8AC3E}">
-        <p14:creationId xmlns:p14="http://schemas.microsoft.com/office/powerpoint/2010/main" val="3225014033"/>
+        <p14:creationId xmlns:p14="http://schemas.microsoft.com/office/powerpoint/2010/main" val="3807793143"/>
       </p:ext>
     </p:extLst>
   </p:cSld>
@@ -8027,25 +8295,31 @@
           <a:p>
             <a:r>
               <a:rPr lang="ru-RU" dirty="0"/>
-              <a:t>Как бы</a:t>
+              <a:t>Долгое</a:t>
             </a:r>
             <a:r>
               <a:rPr lang="ru-RU" baseline="0" dirty="0"/>
-              <a:t> вы стали объяснять, что делает этот метод? Вопрос аудитории.</a:t>
-            </a:r>
+              <a:t> время Контур развивался как почти не взаимодействующее множество самобытных команд, каждая из которых делает свой продукт.</a:t>
+            </a:r>
+          </a:p>
+          <a:p>
+            <a:endParaRPr lang="ru-RU" dirty="0"/>
           </a:p>
           <a:p>
             <a:r>
               <a:rPr lang="ru-RU" dirty="0"/>
-              <a:t>Примерно так: </a:t>
-            </a:r>
-          </a:p>
-          <a:p>
+              <a:t>Сейчас перед</a:t>
+            </a:r>
             <a:r>
               <a:rPr lang="ru-RU" baseline="0" dirty="0"/>
-              <a:t>найти заполненные строки, удалить, все остальные сдвинуть вниз, добавить сверху такое же количество пустых строк.</a:t>
-            </a:r>
-            <a:endParaRPr lang="ru-RU" dirty="0"/>
+              <a:t> Контуром стоит вызов — научиться ускорять и удешевлять разработку за счет повторного использования наработок.</a:t>
+            </a:r>
+          </a:p>
+          <a:p>
+            <a:r>
+              <a:rPr lang="ru-RU" baseline="0" dirty="0"/>
+              <a:t>Для этого у всех разработчиков должна быть культура следования принципам модульности. Поэтому как раз сейчас как раз в контуре эти умения особенно важно развивать.</a:t>
+            </a:r>
           </a:p>
         </p:txBody>
       </p:sp>
@@ -8066,7 +8340,7 @@
           <a:p>
             <a:fld id="{3BAECB10-9972-4830-A584-02C41DAFD45B}" type="slidenum">
               <a:rPr lang="ru-RU" smtClean="0"/>
-              <a:t>31</a:t>
+              <a:t>25</a:t>
             </a:fld>
             <a:endParaRPr lang="ru-RU"/>
           </a:p>
@@ -8075,7 +8349,7 @@
     </p:spTree>
     <p:extLst>
       <p:ext uri="{BB962C8B-B14F-4D97-AF65-F5344CB8AC3E}">
-        <p14:creationId xmlns:p14="http://schemas.microsoft.com/office/powerpoint/2010/main" val="4133667662"/>
+        <p14:creationId xmlns:p14="http://schemas.microsoft.com/office/powerpoint/2010/main" val="3225014033"/>
       </p:ext>
     </p:extLst>
   </p:cSld>
@@ -8136,26 +8410,24 @@
           <a:p>
             <a:r>
               <a:rPr lang="ru-RU" dirty="0"/>
-              <a:t>Что не</a:t>
+              <a:t>Как бы</a:t>
             </a:r>
             <a:r>
               <a:rPr lang="ru-RU" baseline="0" dirty="0"/>
-              <a:t> так в этом коде?</a:t>
+              <a:t> вы стали объяснять, что делает этот метод? Вопрос аудитории.</a:t>
+            </a:r>
+          </a:p>
+          <a:p>
+            <a:r>
+              <a:rPr lang="ru-RU" dirty="0"/>
+              <a:t>Примерно так: </a:t>
             </a:r>
           </a:p>
           <a:p>
             <a:r>
               <a:rPr lang="ru-RU" baseline="0" dirty="0"/>
-              <a:t>Тут нет ни одного ключевого слова, которые вы называли на прошлом слайде!</a:t>
-            </a:r>
-          </a:p>
-          <a:p>
-            <a:r>
-              <a:rPr lang="ru-RU" baseline="0" dirty="0"/>
-              <a:t>Как следствие, код кажется непонятным.</a:t>
-            </a:r>
-          </a:p>
-          <a:p>
+              <a:t>найти заполненные строки, удалить, все остальные сдвинуть вниз, добавить сверху такое же количество пустых строк.</a:t>
+            </a:r>
             <a:endParaRPr lang="ru-RU" dirty="0"/>
           </a:p>
         </p:txBody>
@@ -8177,7 +8449,7 @@
           <a:p>
             <a:fld id="{3BAECB10-9972-4830-A584-02C41DAFD45B}" type="slidenum">
               <a:rPr lang="ru-RU" smtClean="0"/>
-              <a:t>32</a:t>
+              <a:t>33</a:t>
             </a:fld>
             <a:endParaRPr lang="ru-RU"/>
           </a:p>
@@ -8186,7 +8458,7 @@
     </p:spTree>
     <p:extLst>
       <p:ext uri="{BB962C8B-B14F-4D97-AF65-F5344CB8AC3E}">
-        <p14:creationId xmlns:p14="http://schemas.microsoft.com/office/powerpoint/2010/main" val="1501211328"/>
+        <p14:creationId xmlns:p14="http://schemas.microsoft.com/office/powerpoint/2010/main" val="4133667662"/>
       </p:ext>
     </p:extLst>
   </p:cSld>
@@ -8247,35 +8519,27 @@
           <a:p>
             <a:r>
               <a:rPr lang="ru-RU" dirty="0"/>
-              <a:t>Вот</a:t>
+              <a:t>Что не</a:t>
             </a:r>
             <a:r>
               <a:rPr lang="ru-RU" baseline="0" dirty="0"/>
-              <a:t> другой код, делающий то же самое.</a:t>
-            </a:r>
+              <a:t> так в этом коде?</a:t>
+            </a:r>
+          </a:p>
+          <a:p>
+            <a:r>
+              <a:rPr lang="ru-RU" baseline="0" dirty="0"/>
+              <a:t>Тут нет ни одного ключевого слова, которые вы называли на прошлом слайде!</a:t>
+            </a:r>
+          </a:p>
+          <a:p>
+            <a:r>
+              <a:rPr lang="ru-RU" baseline="0" dirty="0"/>
+              <a:t>Как следствие, код кажется непонятным.</a:t>
+            </a:r>
+          </a:p>
+          <a:p>
             <a:endParaRPr lang="ru-RU" dirty="0"/>
-          </a:p>
-          <a:p>
-            <a:r>
-              <a:rPr lang="ru-RU" dirty="0"/>
-              <a:t>Вопросы аудитории. Понятнее ли этот код? Почему?</a:t>
-            </a:r>
-          </a:p>
-          <a:p>
-            <a:endParaRPr lang="ru-RU" dirty="0"/>
-          </a:p>
-          <a:p>
-            <a:r>
-              <a:rPr lang="ru-RU" dirty="0"/>
-              <a:t>Тут</a:t>
-            </a:r>
-            <a:r>
-              <a:rPr lang="ru-RU" baseline="0" dirty="0"/>
-              <a:t> присутствуют все ключевые слова. Надо все еще приложить усилия, чтобы убедиться в корректности кода, однако код понятнее и комфортнее читать.</a:t>
-            </a:r>
-          </a:p>
-          <a:p>
-            <a:endParaRPr lang="ru-RU" baseline="0" dirty="0"/>
           </a:p>
         </p:txBody>
       </p:sp>
@@ -8305,7 +8569,7 @@
     </p:spTree>
     <p:extLst>
       <p:ext uri="{BB962C8B-B14F-4D97-AF65-F5344CB8AC3E}">
-        <p14:creationId xmlns:p14="http://schemas.microsoft.com/office/powerpoint/2010/main" val="848640613"/>
+        <p14:creationId xmlns:p14="http://schemas.microsoft.com/office/powerpoint/2010/main" val="1501211328"/>
       </p:ext>
     </p:extLst>
   </p:cSld>
@@ -8366,27 +8630,35 @@
           <a:p>
             <a:r>
               <a:rPr lang="ru-RU" dirty="0"/>
-              <a:t>Используя</a:t>
+              <a:t>Вот</a:t>
             </a:r>
             <a:r>
               <a:rPr lang="ru-RU" baseline="0" dirty="0"/>
-              <a:t> паттерн </a:t>
-            </a:r>
-            <a:r>
-              <a:rPr lang="ru-RU" baseline="0" dirty="0" err="1"/>
-              <a:t>неиземеняемого</a:t>
+              <a:t> другой код, делающий то же самое.</a:t>
+            </a:r>
+            <a:endParaRPr lang="ru-RU" dirty="0"/>
+          </a:p>
+          <a:p>
+            <a:r>
+              <a:rPr lang="ru-RU" dirty="0"/>
+              <a:t>Вопросы аудитории. Понятнее ли этот код? Почему?</a:t>
+            </a:r>
+          </a:p>
+          <a:p>
+            <a:endParaRPr lang="ru-RU" dirty="0"/>
+          </a:p>
+          <a:p>
+            <a:r>
+              <a:rPr lang="ru-RU" dirty="0"/>
+              <a:t>Тут</a:t>
             </a:r>
             <a:r>
               <a:rPr lang="ru-RU" baseline="0" dirty="0"/>
-              <a:t> класса для поля тетриса, можно написать эту функцию вообще без циклов и переменных. Меньше циклов и переменных — меньше ошибок.</a:t>
-            </a:r>
-          </a:p>
-          <a:p>
-            <a:r>
-              <a:rPr lang="ru-RU" baseline="0" dirty="0"/>
-              <a:t>Убедиться в корректности этого кода стало заметно проще.</a:t>
-            </a:r>
-            <a:endParaRPr lang="ru-RU" dirty="0"/>
+              <a:t> присутствуют все ключевые слова. Надо все еще приложить усилия, чтобы убедиться в корректности кода, однако код понятнее и комфортнее читать.</a:t>
+            </a:r>
+          </a:p>
+          <a:p>
+            <a:endParaRPr lang="ru-RU" baseline="0" dirty="0"/>
           </a:p>
         </p:txBody>
       </p:sp>
@@ -8407,7 +8679,7 @@
           <a:p>
             <a:fld id="{3BAECB10-9972-4830-A584-02C41DAFD45B}" type="slidenum">
               <a:rPr lang="ru-RU" smtClean="0"/>
-              <a:t>35</a:t>
+              <a:t>36</a:t>
             </a:fld>
             <a:endParaRPr lang="ru-RU"/>
           </a:p>
@@ -8416,7 +8688,7 @@
     </p:spTree>
     <p:extLst>
       <p:ext uri="{BB962C8B-B14F-4D97-AF65-F5344CB8AC3E}">
-        <p14:creationId xmlns:p14="http://schemas.microsoft.com/office/powerpoint/2010/main" val="228905859"/>
+        <p14:creationId xmlns:p14="http://schemas.microsoft.com/office/powerpoint/2010/main" val="848640613"/>
       </p:ext>
     </p:extLst>
   </p:cSld>
@@ -8477,17 +8749,25 @@
           <a:p>
             <a:r>
               <a:rPr lang="ru-RU" dirty="0"/>
-              <a:t>Что делает этот код?</a:t>
-            </a:r>
-          </a:p>
-          <a:p>
-            <a:r>
-              <a:rPr lang="ru-RU" dirty="0"/>
-              <a:t>Какие</a:t>
+              <a:t>Используя</a:t>
             </a:r>
             <a:r>
               <a:rPr lang="ru-RU" baseline="0" dirty="0"/>
-              <a:t> эмоции у вас возникают, глядя на этот код?</a:t>
+              <a:t> паттерн </a:t>
+            </a:r>
+            <a:r>
+              <a:rPr lang="ru-RU" baseline="0" dirty="0" err="1"/>
+              <a:t>неиземеняемого</a:t>
+            </a:r>
+            <a:r>
+              <a:rPr lang="ru-RU" baseline="0" dirty="0"/>
+              <a:t> класса для поля тетриса, можно написать эту функцию вообще без циклов и переменных. Меньше циклов и переменных — меньше ошибок.</a:t>
+            </a:r>
+          </a:p>
+          <a:p>
+            <a:r>
+              <a:rPr lang="ru-RU" baseline="0" dirty="0"/>
+              <a:t>Убедиться в корректности этого кода стало заметно проще.</a:t>
             </a:r>
             <a:endParaRPr lang="ru-RU" dirty="0"/>
           </a:p>
@@ -8510,7 +8790,7 @@
           <a:p>
             <a:fld id="{3BAECB10-9972-4830-A584-02C41DAFD45B}" type="slidenum">
               <a:rPr lang="ru-RU" smtClean="0"/>
-              <a:t>36</a:t>
+              <a:t>37</a:t>
             </a:fld>
             <a:endParaRPr lang="ru-RU"/>
           </a:p>
@@ -8519,7 +8799,7 @@
     </p:spTree>
     <p:extLst>
       <p:ext uri="{BB962C8B-B14F-4D97-AF65-F5344CB8AC3E}">
-        <p14:creationId xmlns:p14="http://schemas.microsoft.com/office/powerpoint/2010/main" val="2977434271"/>
+        <p14:creationId xmlns:p14="http://schemas.microsoft.com/office/powerpoint/2010/main" val="228905859"/>
       </p:ext>
     </p:extLst>
   </p:cSld>
@@ -8580,17 +8860,17 @@
           <a:p>
             <a:r>
               <a:rPr lang="ru-RU" dirty="0"/>
-              <a:t>А что делает этот код? </a:t>
+              <a:t>Что делает этот код?</a:t>
+            </a:r>
+          </a:p>
+          <a:p>
+            <a:r>
+              <a:rPr lang="ru-RU" dirty="0"/>
+              <a:t>Какие</a:t>
             </a:r>
             <a:r>
               <a:rPr lang="ru-RU" baseline="0" dirty="0"/>
-              <a:t> Может кто-нибудь объяснить?</a:t>
-            </a:r>
-          </a:p>
-          <a:p>
-            <a:r>
-              <a:rPr lang="ru-RU" baseline="0" dirty="0"/>
-              <a:t>Объяснять удобно как раз так, как код написан. Потому что код повторяет спецификацию. Его можно будет упростить только если придумать, как упростить спецификацию.</a:t>
+              <a:t> эмоции у вас возникают, глядя на этот код?</a:t>
             </a:r>
             <a:endParaRPr lang="ru-RU" dirty="0"/>
           </a:p>
@@ -8622,7 +8902,7 @@
     </p:spTree>
     <p:extLst>
       <p:ext uri="{BB962C8B-B14F-4D97-AF65-F5344CB8AC3E}">
-        <p14:creationId xmlns:p14="http://schemas.microsoft.com/office/powerpoint/2010/main" val="547775068"/>
+        <p14:creationId xmlns:p14="http://schemas.microsoft.com/office/powerpoint/2010/main" val="2977434271"/>
       </p:ext>
     </p:extLst>
   </p:cSld>
@@ -8705,7 +8985,7 @@
           <a:p>
             <a:fld id="{3BAECB10-9972-4830-A584-02C41DAFD45B}" type="slidenum">
               <a:rPr lang="ru-RU" smtClean="0"/>
-              <a:t>4</a:t>
+              <a:t>3</a:t>
             </a:fld>
             <a:endParaRPr lang="ru-RU"/>
           </a:p>
@@ -8714,7 +8994,7 @@
     </p:spTree>
     <p:extLst>
       <p:ext uri="{BB962C8B-B14F-4D97-AF65-F5344CB8AC3E}">
-        <p14:creationId xmlns:p14="http://schemas.microsoft.com/office/powerpoint/2010/main" val="78552886"/>
+        <p14:creationId xmlns:p14="http://schemas.microsoft.com/office/powerpoint/2010/main" val="63147317"/>
       </p:ext>
     </p:extLst>
   </p:cSld>
@@ -8773,6 +9053,20 @@
           <a:bodyPr/>
           <a:lstStyle/>
           <a:p>
+            <a:r>
+              <a:rPr lang="ru-RU" dirty="0"/>
+              <a:t>А что делает этот код? </a:t>
+            </a:r>
+            <a:r>
+              <a:rPr lang="ru-RU" baseline="0" dirty="0"/>
+              <a:t> Может кто-нибудь объяснить?</a:t>
+            </a:r>
+          </a:p>
+          <a:p>
+            <a:r>
+              <a:rPr lang="ru-RU" baseline="0" dirty="0"/>
+              <a:t>Объяснять удобно как раз так, как код написан. Потому что код повторяет спецификацию. Его можно будет упростить только если придумать, как упростить спецификацию.</a:t>
+            </a:r>
             <a:endParaRPr lang="ru-RU" dirty="0"/>
           </a:p>
         </p:txBody>
@@ -8794,7 +9088,7 @@
           <a:p>
             <a:fld id="{3BAECB10-9972-4830-A584-02C41DAFD45B}" type="slidenum">
               <a:rPr lang="ru-RU" smtClean="0"/>
-              <a:t>41</a:t>
+              <a:t>40</a:t>
             </a:fld>
             <a:endParaRPr lang="ru-RU"/>
           </a:p>
@@ -8803,7 +9097,7 @@
     </p:spTree>
     <p:extLst>
       <p:ext uri="{BB962C8B-B14F-4D97-AF65-F5344CB8AC3E}">
-        <p14:creationId xmlns:p14="http://schemas.microsoft.com/office/powerpoint/2010/main" val="1117106221"/>
+        <p14:creationId xmlns:p14="http://schemas.microsoft.com/office/powerpoint/2010/main" val="547775068"/>
       </p:ext>
     </p:extLst>
   </p:cSld>
@@ -8840,7 +9134,12 @@
             <p:ph type="sldImg"/>
           </p:nvPr>
         </p:nvSpPr>
-        <p:spPr/>
+        <p:spPr>
+          <a:xfrm>
+            <a:off x="685800" y="1143000"/>
+            <a:ext cx="5486400" cy="3086100"/>
+          </a:xfrm>
+        </p:spPr>
       </p:sp>
       <p:sp>
         <p:nvSpPr>
@@ -8857,40 +9156,7 @@
           <a:bodyPr/>
           <a:lstStyle/>
           <a:p>
-            <a:r>
-              <a:rPr lang="ru-RU" dirty="0"/>
-              <a:t>Мы</a:t>
-            </a:r>
-            <a:r>
-              <a:rPr lang="ru-RU" baseline="0" dirty="0"/>
-              <a:t> только что подробно разобрали некоторые практики, помогающие писать хороший код.</a:t>
-            </a:r>
-          </a:p>
-          <a:p>
-            <a:r>
-              <a:rPr lang="ru-RU" baseline="0" dirty="0"/>
-              <a:t>Но давайте смотреть правде в глаза: в реальных проектах код не так уж хорош. Местами даже откровенно плох.</a:t>
-            </a:r>
-          </a:p>
-          <a:p>
-            <a:r>
-              <a:rPr lang="ru-RU" baseline="0" dirty="0"/>
-              <a:t>На это есть много причин: ошибки дизайна, меняющиеся требования, </a:t>
-            </a:r>
-            <a:r>
-              <a:rPr lang="ru-RU" baseline="0" dirty="0" err="1"/>
-              <a:t>дедлайны</a:t>
-            </a:r>
-            <a:r>
-              <a:rPr lang="ru-RU" baseline="0" dirty="0"/>
-              <a:t>…</a:t>
-            </a:r>
-          </a:p>
-          <a:p>
             <a:endParaRPr lang="ru-RU" dirty="0"/>
-          </a:p>
-          <a:p>
-            <a:endParaRPr lang="en-US" dirty="0"/>
           </a:p>
         </p:txBody>
       </p:sp>
@@ -8909,9 +9175,9 @@
           <a:bodyPr/>
           <a:lstStyle/>
           <a:p>
-            <a:fld id="{32510822-B256-415B-AC9F-45AE7E2A44F1}" type="slidenum">
+            <a:fld id="{3BAECB10-9972-4830-A584-02C41DAFD45B}" type="slidenum">
               <a:rPr lang="ru-RU" smtClean="0"/>
-              <a:t>42</a:t>
+              <a:t>44</a:t>
             </a:fld>
             <a:endParaRPr lang="ru-RU"/>
           </a:p>
@@ -8920,7 +9186,7 @@
     </p:spTree>
     <p:extLst>
       <p:ext uri="{BB962C8B-B14F-4D97-AF65-F5344CB8AC3E}">
-        <p14:creationId xmlns:p14="http://schemas.microsoft.com/office/powerpoint/2010/main" val="3208505145"/>
+        <p14:creationId xmlns:p14="http://schemas.microsoft.com/office/powerpoint/2010/main" val="1117106221"/>
       </p:ext>
     </p:extLst>
   </p:cSld>
@@ -8975,85 +9241,35 @@
           <a:lstStyle/>
           <a:p>
             <a:r>
+              <a:rPr lang="ru-RU" dirty="0"/>
+              <a:t>Мы</a:t>
+            </a:r>
+            <a:r>
               <a:rPr lang="ru-RU" baseline="0" dirty="0"/>
-              <a:t>Посмотрите на этот пейзаж. Если бы у вас в руках была кожура от только что съеденного банана, стали бы вы нести ее до урны?</a:t>
-            </a:r>
-          </a:p>
-          <a:p>
-            <a:r>
-              <a:rPr lang="ru-RU" sz="1200" kern="1200" dirty="0">
-                <a:solidFill>
-                  <a:schemeClr val="tx1"/>
-                </a:solidFill>
-                <a:effectLst/>
-                <a:latin typeface="+mn-lt"/>
-                <a:ea typeface="+mn-ea"/>
-                <a:cs typeface="+mn-cs"/>
-              </a:rPr>
-              <a:t>Так</a:t>
-            </a:r>
-            <a:r>
-              <a:rPr lang="ru-RU" sz="1200" kern="1200" baseline="0" dirty="0">
-                <a:solidFill>
-                  <a:schemeClr val="tx1"/>
-                </a:solidFill>
-                <a:effectLst/>
-                <a:latin typeface="+mn-lt"/>
-                <a:ea typeface="+mn-ea"/>
-                <a:cs typeface="+mn-cs"/>
-              </a:rPr>
-              <a:t> же с кодом. </a:t>
-            </a:r>
-            <a:r>
-              <a:rPr lang="x-none" sz="1200" kern="1200" dirty="0">
-                <a:solidFill>
-                  <a:schemeClr val="tx1"/>
-                </a:solidFill>
-                <a:effectLst/>
-                <a:latin typeface="+mn-lt"/>
-                <a:ea typeface="+mn-ea"/>
-                <a:cs typeface="+mn-cs"/>
-              </a:rPr>
-              <a:t>Плохой код искушает сделать его еще хуже</a:t>
-            </a:r>
-            <a:r>
-              <a:rPr lang="ru-RU" sz="1200" kern="1200" dirty="0">
-                <a:solidFill>
-                  <a:schemeClr val="tx1"/>
-                </a:solidFill>
-                <a:effectLst/>
-                <a:latin typeface="+mn-lt"/>
-                <a:ea typeface="+mn-ea"/>
-                <a:cs typeface="+mn-cs"/>
-              </a:rPr>
-              <a:t>. Если большой</a:t>
-            </a:r>
-            <a:r>
-              <a:rPr lang="ru-RU" sz="1200" kern="1200" baseline="0" dirty="0">
-                <a:solidFill>
-                  <a:schemeClr val="tx1"/>
-                </a:solidFill>
-                <a:effectLst/>
-                <a:latin typeface="+mn-lt"/>
-                <a:ea typeface="+mn-ea"/>
-                <a:cs typeface="+mn-cs"/>
-              </a:rPr>
-              <a:t> класс плохо написан, то есть соблазн просто впихнуть туда очередной фикс и быть подальше, вместо того, чтобы улучшить код этого класса. Если на какой-то код нет тестов, то после фикса мелкого бага вряд ли появится желание их написать.</a:t>
-            </a:r>
-          </a:p>
-          <a:p>
-            <a:r>
-              <a:rPr lang="ru-RU" sz="1200" kern="1200" baseline="0" dirty="0">
-                <a:solidFill>
-                  <a:schemeClr val="tx1"/>
-                </a:solidFill>
-                <a:effectLst/>
-                <a:latin typeface="+mn-lt"/>
-                <a:ea typeface="+mn-ea"/>
-                <a:cs typeface="+mn-cs"/>
-              </a:rPr>
-              <a:t>Значит плохой код обречен становится еще хуже?</a:t>
-            </a:r>
+              <a:t> только что подробно разобрали некоторые практики, помогающие писать хороший код.</a:t>
+            </a:r>
+          </a:p>
+          <a:p>
+            <a:r>
+              <a:rPr lang="ru-RU" baseline="0" dirty="0"/>
+              <a:t>Но давайте смотреть правде в глаза: в реальных проектах код не так уж хорош. Местами даже откровенно плох.</a:t>
+            </a:r>
+          </a:p>
+          <a:p>
+            <a:r>
+              <a:rPr lang="ru-RU" baseline="0" dirty="0"/>
+              <a:t>На это есть много причин: ошибки дизайна, меняющиеся требования, </a:t>
+            </a:r>
+            <a:r>
+              <a:rPr lang="ru-RU" baseline="0" dirty="0" err="1"/>
+              <a:t>дедлайны</a:t>
+            </a:r>
+            <a:r>
+              <a:rPr lang="ru-RU" baseline="0" dirty="0"/>
+              <a:t>…</a:t>
+            </a:r>
+          </a:p>
+          <a:p>
             <a:endParaRPr lang="ru-RU" dirty="0"/>
           </a:p>
           <a:p>
@@ -9078,7 +9294,7 @@
           <a:p>
             <a:fld id="{32510822-B256-415B-AC9F-45AE7E2A44F1}" type="slidenum">
               <a:rPr lang="ru-RU" smtClean="0"/>
-              <a:t>43</a:t>
+              <a:t>45</a:t>
             </a:fld>
             <a:endParaRPr lang="ru-RU"/>
           </a:p>
@@ -9087,7 +9303,7 @@
     </p:spTree>
     <p:extLst>
       <p:ext uri="{BB962C8B-B14F-4D97-AF65-F5344CB8AC3E}">
-        <p14:creationId xmlns:p14="http://schemas.microsoft.com/office/powerpoint/2010/main" val="187209265"/>
+        <p14:creationId xmlns:p14="http://schemas.microsoft.com/office/powerpoint/2010/main" val="3208505145"/>
       </p:ext>
     </p:extLst>
   </p:cSld>
@@ -9142,7 +9358,13 @@
           <a:lstStyle/>
           <a:p>
             <a:r>
-              <a:rPr lang="ru-RU" sz="1200" kern="1200" baseline="0" dirty="0">
+              <a:rPr lang="ru-RU" baseline="0" dirty="0"/>
+              <a:t>Посмотрите на этот пейзаж. Если бы у вас в руках была кожура от только что съеденного банана, стали бы вы нести ее до урны?</a:t>
+            </a:r>
+          </a:p>
+          <a:p>
+            <a:r>
+              <a:rPr lang="ru-RU" sz="1200" kern="1200" dirty="0">
                 <a:solidFill>
                   <a:schemeClr val="tx1"/>
                 </a:solidFill>
@@ -9151,12 +9373,10 @@
                 <a:ea typeface="+mn-ea"/>
                 <a:cs typeface="+mn-cs"/>
               </a:rPr>
-              <a:t>На самом деле нет.</a:t>
-            </a:r>
-          </a:p>
-          <a:p>
-            <a:r>
-              <a:rPr lang="ru-RU" sz="1200" b="0" i="0" kern="1200" dirty="0">
+              <a:t>Так</a:t>
+            </a:r>
+            <a:r>
+              <a:rPr lang="ru-RU" sz="1200" kern="1200" baseline="0" dirty="0">
                 <a:solidFill>
                   <a:schemeClr val="tx1"/>
                 </a:solidFill>
@@ -9165,17 +9385,10 @@
                 <a:ea typeface="+mn-ea"/>
                 <a:cs typeface="+mn-cs"/>
               </a:rPr>
-              <a:t>У бойскаутов существует простое правило, которое применимо и к нашей профессии:</a:t>
-            </a:r>
-            <a:r>
-              <a:rPr lang="ru-RU" i="0" dirty="0"/>
-              <a:t/>
-            </a:r>
-            <a:br>
-              <a:rPr lang="ru-RU" i="0" dirty="0"/>
-            </a:br>
-            <a:r>
-              <a:rPr lang="ru-RU" sz="1200" b="1" i="0" kern="1200" dirty="0">
+              <a:t> же с кодом. </a:t>
+            </a:r>
+            <a:r>
+              <a:rPr lang="x-none" sz="1200" kern="1200" dirty="0">
                 <a:solidFill>
                   <a:schemeClr val="tx1"/>
                 </a:solidFill>
@@ -9184,17 +9397,10 @@
                 <a:ea typeface="+mn-ea"/>
                 <a:cs typeface="+mn-cs"/>
               </a:rPr>
-              <a:t>Оставь место стоянки чище, чем оно было до твоего прихода.</a:t>
-            </a:r>
-            <a:r>
-              <a:rPr lang="ru-RU" i="0" dirty="0"/>
-              <a:t/>
-            </a:r>
-            <a:br>
-              <a:rPr lang="ru-RU" i="0" dirty="0"/>
-            </a:br>
-            <a:r>
-              <a:rPr lang="ru-RU" sz="1200" b="0" i="0" kern="1200" dirty="0">
+              <a:t>Плохой код искушает сделать его еще хуже</a:t>
+            </a:r>
+            <a:r>
+              <a:rPr lang="ru-RU" sz="1200" kern="1200" dirty="0">
                 <a:solidFill>
                   <a:schemeClr val="tx1"/>
                 </a:solidFill>
@@ -9203,12 +9409,10 @@
                 <a:ea typeface="+mn-ea"/>
                 <a:cs typeface="+mn-cs"/>
               </a:rPr>
-              <a:t>Если мы все будем оставлять свой код чище, чем он был до нашего прихода, то код попросту не будет загнивать. Чистка не обязана быть глобальной. Присвойте более понятное имя переменной, разбейте слишком большую функцию, устраните одно незначительное повторение, упростите сложную цепочку условий.</a:t>
-            </a:r>
-          </a:p>
-          <a:p>
-            <a:r>
-              <a:rPr lang="ru-RU" sz="1200" b="0" i="0" kern="1200" dirty="0">
+              <a:t>. Если большой</a:t>
+            </a:r>
+            <a:r>
+              <a:rPr lang="ru-RU" sz="1200" kern="1200" baseline="0" dirty="0">
                 <a:solidFill>
                   <a:schemeClr val="tx1"/>
                 </a:solidFill>
@@ -9217,10 +9421,12 @@
                 <a:ea typeface="+mn-ea"/>
                 <a:cs typeface="+mn-cs"/>
               </a:rPr>
-              <a:t>Тогда код будет улучшаться</a:t>
-            </a:r>
-            <a:r>
-              <a:rPr lang="ru-RU" sz="1200" b="0" i="0" kern="1200" baseline="0" dirty="0">
+              <a:t> класс плохо написан, то есть соблазн просто впихнуть туда очередной фикс и быть подальше, вместо того, чтобы улучшить код этого класса. Если на какой-то код нет тестов, то после фикса мелкого бага вряд ли появится желание их написать.</a:t>
+            </a:r>
+          </a:p>
+          <a:p>
+            <a:r>
+              <a:rPr lang="ru-RU" sz="1200" kern="1200" baseline="0" dirty="0">
                 <a:solidFill>
                   <a:schemeClr val="tx1"/>
                 </a:solidFill>
@@ -9229,58 +9435,9 @@
                 <a:ea typeface="+mn-ea"/>
                 <a:cs typeface="+mn-cs"/>
               </a:rPr>
-              <a:t> с течением времени!</a:t>
-            </a:r>
-          </a:p>
-          <a:p>
-            <a:r>
-              <a:rPr lang="ru-RU" sz="1200" b="0" i="0" kern="1200" baseline="0" dirty="0">
-                <a:solidFill>
-                  <a:schemeClr val="tx1"/>
-                </a:solidFill>
-                <a:effectLst/>
-                <a:latin typeface="+mn-lt"/>
-                <a:ea typeface="+mn-ea"/>
-                <a:cs typeface="+mn-cs"/>
-              </a:rPr>
-              <a:t>Это может показаться непривычным, но может ли профессионал позволить себе нечто иное? Разве постоянное совершенствование не </a:t>
-            </a:r>
-            <a:r>
-              <a:rPr lang="ru-RU" sz="1200" b="0" i="0" kern="1200" baseline="0" dirty="0" err="1">
-                <a:solidFill>
-                  <a:schemeClr val="tx1"/>
-                </a:solidFill>
-                <a:effectLst/>
-                <a:latin typeface="+mn-lt"/>
-                <a:ea typeface="+mn-ea"/>
-                <a:cs typeface="+mn-cs"/>
-              </a:rPr>
-              <a:t>явлется</a:t>
-            </a:r>
-            <a:r>
-              <a:rPr lang="ru-RU" sz="1200" b="0" i="0" kern="1200" baseline="0" dirty="0">
-                <a:solidFill>
-                  <a:schemeClr val="tx1"/>
-                </a:solidFill>
-                <a:effectLst/>
-                <a:latin typeface="+mn-lt"/>
-                <a:ea typeface="+mn-ea"/>
-                <a:cs typeface="+mn-cs"/>
-              </a:rPr>
-              <a:t> неотъемлемой частью профессионализма?</a:t>
-            </a:r>
-            <a:endParaRPr lang="en-US" sz="1200" b="0" i="0" kern="1200" baseline="0" dirty="0">
-              <a:solidFill>
-                <a:schemeClr val="tx1"/>
-              </a:solidFill>
-              <a:effectLst/>
-              <a:latin typeface="+mn-lt"/>
-              <a:ea typeface="+mn-ea"/>
-              <a:cs typeface="+mn-cs"/>
-            </a:endParaRPr>
-          </a:p>
-          <a:p>
-            <a:endParaRPr lang="ru-RU" i="0" baseline="0" dirty="0"/>
+              <a:t>Значит плохой код обречен становится еще хуже?</a:t>
+            </a:r>
+            <a:endParaRPr lang="ru-RU" dirty="0"/>
           </a:p>
           <a:p>
             <a:endParaRPr lang="en-US" dirty="0"/>
@@ -9304,7 +9461,7 @@
           <a:p>
             <a:fld id="{32510822-B256-415B-AC9F-45AE7E2A44F1}" type="slidenum">
               <a:rPr lang="ru-RU" smtClean="0"/>
-              <a:t>44</a:t>
+              <a:t>46</a:t>
             </a:fld>
             <a:endParaRPr lang="ru-RU"/>
           </a:p>
@@ -9313,7 +9470,7 @@
     </p:spTree>
     <p:extLst>
       <p:ext uri="{BB962C8B-B14F-4D97-AF65-F5344CB8AC3E}">
-        <p14:creationId xmlns:p14="http://schemas.microsoft.com/office/powerpoint/2010/main" val="3768603292"/>
+        <p14:creationId xmlns:p14="http://schemas.microsoft.com/office/powerpoint/2010/main" val="187209265"/>
       </p:ext>
     </p:extLst>
   </p:cSld>
@@ -9367,6 +9524,224 @@
           <a:bodyPr/>
           <a:lstStyle/>
           <a:p>
+            <a:r>
+              <a:rPr lang="ru-RU" sz="1200" kern="1200" baseline="0" dirty="0">
+                <a:solidFill>
+                  <a:schemeClr val="tx1"/>
+                </a:solidFill>
+                <a:effectLst/>
+                <a:latin typeface="+mn-lt"/>
+                <a:ea typeface="+mn-ea"/>
+                <a:cs typeface="+mn-cs"/>
+              </a:rPr>
+              <a:t>На самом деле нет.</a:t>
+            </a:r>
+          </a:p>
+          <a:p>
+            <a:r>
+              <a:rPr lang="ru-RU" sz="1200" b="0" i="0" kern="1200" dirty="0">
+                <a:solidFill>
+                  <a:schemeClr val="tx1"/>
+                </a:solidFill>
+                <a:effectLst/>
+                <a:latin typeface="+mn-lt"/>
+                <a:ea typeface="+mn-ea"/>
+                <a:cs typeface="+mn-cs"/>
+              </a:rPr>
+              <a:t>У бойскаутов существует простое правило, которое применимо и к нашей профессии:</a:t>
+            </a:r>
+            <a:br>
+              <a:rPr lang="ru-RU" i="0" dirty="0"/>
+            </a:br>
+            <a:r>
+              <a:rPr lang="ru-RU" sz="1200" b="1" i="0" kern="1200" dirty="0">
+                <a:solidFill>
+                  <a:schemeClr val="tx1"/>
+                </a:solidFill>
+                <a:effectLst/>
+                <a:latin typeface="+mn-lt"/>
+                <a:ea typeface="+mn-ea"/>
+                <a:cs typeface="+mn-cs"/>
+              </a:rPr>
+              <a:t>Оставь место стоянки чище, чем оно было до твоего прихода.</a:t>
+            </a:r>
+            <a:br>
+              <a:rPr lang="ru-RU" i="0" dirty="0"/>
+            </a:br>
+            <a:r>
+              <a:rPr lang="ru-RU" sz="1200" b="0" i="0" kern="1200" dirty="0">
+                <a:solidFill>
+                  <a:schemeClr val="tx1"/>
+                </a:solidFill>
+                <a:effectLst/>
+                <a:latin typeface="+mn-lt"/>
+                <a:ea typeface="+mn-ea"/>
+                <a:cs typeface="+mn-cs"/>
+              </a:rPr>
+              <a:t>Если мы все будем оставлять свой код чище, чем он был до нашего прихода, то код попросту не будет загнивать. Чистка не обязана быть глобальной. Присвойте более понятное имя переменной, разбейте слишком большую функцию, устраните одно незначительное повторение, упростите сложную цепочку условий.</a:t>
+            </a:r>
+          </a:p>
+          <a:p>
+            <a:r>
+              <a:rPr lang="ru-RU" sz="1200" b="0" i="0" kern="1200" dirty="0">
+                <a:solidFill>
+                  <a:schemeClr val="tx1"/>
+                </a:solidFill>
+                <a:effectLst/>
+                <a:latin typeface="+mn-lt"/>
+                <a:ea typeface="+mn-ea"/>
+                <a:cs typeface="+mn-cs"/>
+              </a:rPr>
+              <a:t>Тогда код будет улучшаться</a:t>
+            </a:r>
+            <a:r>
+              <a:rPr lang="ru-RU" sz="1200" b="0" i="0" kern="1200" baseline="0" dirty="0">
+                <a:solidFill>
+                  <a:schemeClr val="tx1"/>
+                </a:solidFill>
+                <a:effectLst/>
+                <a:latin typeface="+mn-lt"/>
+                <a:ea typeface="+mn-ea"/>
+                <a:cs typeface="+mn-cs"/>
+              </a:rPr>
+              <a:t> с течением времени!</a:t>
+            </a:r>
+          </a:p>
+          <a:p>
+            <a:r>
+              <a:rPr lang="ru-RU" sz="1200" b="0" i="0" kern="1200" baseline="0" dirty="0">
+                <a:solidFill>
+                  <a:schemeClr val="tx1"/>
+                </a:solidFill>
+                <a:effectLst/>
+                <a:latin typeface="+mn-lt"/>
+                <a:ea typeface="+mn-ea"/>
+                <a:cs typeface="+mn-cs"/>
+              </a:rPr>
+              <a:t>Это может показаться непривычным, но может ли профессионал позволить себе нечто иное? Разве постоянное совершенствование не </a:t>
+            </a:r>
+            <a:r>
+              <a:rPr lang="ru-RU" sz="1200" b="0" i="0" kern="1200" baseline="0" dirty="0" err="1">
+                <a:solidFill>
+                  <a:schemeClr val="tx1"/>
+                </a:solidFill>
+                <a:effectLst/>
+                <a:latin typeface="+mn-lt"/>
+                <a:ea typeface="+mn-ea"/>
+                <a:cs typeface="+mn-cs"/>
+              </a:rPr>
+              <a:t>явлется</a:t>
+            </a:r>
+            <a:r>
+              <a:rPr lang="ru-RU" sz="1200" b="0" i="0" kern="1200" baseline="0" dirty="0">
+                <a:solidFill>
+                  <a:schemeClr val="tx1"/>
+                </a:solidFill>
+                <a:effectLst/>
+                <a:latin typeface="+mn-lt"/>
+                <a:ea typeface="+mn-ea"/>
+                <a:cs typeface="+mn-cs"/>
+              </a:rPr>
+              <a:t> неотъемлемой частью профессионализма?</a:t>
+            </a:r>
+            <a:endParaRPr lang="en-US" sz="1200" b="0" i="0" kern="1200" baseline="0" dirty="0">
+              <a:solidFill>
+                <a:schemeClr val="tx1"/>
+              </a:solidFill>
+              <a:effectLst/>
+              <a:latin typeface="+mn-lt"/>
+              <a:ea typeface="+mn-ea"/>
+              <a:cs typeface="+mn-cs"/>
+            </a:endParaRPr>
+          </a:p>
+          <a:p>
+            <a:endParaRPr lang="ru-RU" i="0" baseline="0" dirty="0"/>
+          </a:p>
+          <a:p>
+            <a:endParaRPr lang="en-US" dirty="0"/>
+          </a:p>
+        </p:txBody>
+      </p:sp>
+      <p:sp>
+        <p:nvSpPr>
+          <p:cNvPr id="4" name="Номер слайда 3"/>
+          <p:cNvSpPr>
+            <a:spLocks noGrp="1"/>
+          </p:cNvSpPr>
+          <p:nvPr>
+            <p:ph type="sldNum" sz="quarter" idx="10"/>
+          </p:nvPr>
+        </p:nvSpPr>
+        <p:spPr/>
+        <p:txBody>
+          <a:bodyPr/>
+          <a:lstStyle/>
+          <a:p>
+            <a:fld id="{32510822-B256-415B-AC9F-45AE7E2A44F1}" type="slidenum">
+              <a:rPr lang="ru-RU" smtClean="0"/>
+              <a:t>47</a:t>
+            </a:fld>
+            <a:endParaRPr lang="ru-RU"/>
+          </a:p>
+        </p:txBody>
+      </p:sp>
+    </p:spTree>
+    <p:extLst>
+      <p:ext uri="{BB962C8B-B14F-4D97-AF65-F5344CB8AC3E}">
+        <p14:creationId xmlns:p14="http://schemas.microsoft.com/office/powerpoint/2010/main" val="3768603292"/>
+      </p:ext>
+    </p:extLst>
+  </p:cSld>
+  <p:clrMapOvr>
+    <a:masterClrMapping/>
+  </p:clrMapOvr>
+</p:notes>
+</file>
+
+<file path=ppt/notesSlides/notesSlide25.xml><?xml version="1.0" encoding="utf-8"?>
+<p:notes xmlns:a="http://schemas.openxmlformats.org/drawingml/2006/main" xmlns:r="http://schemas.openxmlformats.org/officeDocument/2006/relationships" xmlns:p="http://schemas.openxmlformats.org/presentationml/2006/main">
+  <p:cSld>
+    <p:spTree>
+      <p:nvGrpSpPr>
+        <p:cNvPr id="1" name=""/>
+        <p:cNvGrpSpPr/>
+        <p:nvPr/>
+      </p:nvGrpSpPr>
+      <p:grpSpPr>
+        <a:xfrm>
+          <a:off x="0" y="0"/>
+          <a:ext cx="0" cy="0"/>
+          <a:chOff x="0" y="0"/>
+          <a:chExt cx="0" cy="0"/>
+        </a:xfrm>
+      </p:grpSpPr>
+      <p:sp>
+        <p:nvSpPr>
+          <p:cNvPr id="2" name="Образ слайда 1"/>
+          <p:cNvSpPr>
+            <a:spLocks noGrp="1" noRot="1" noChangeAspect="1"/>
+          </p:cNvSpPr>
+          <p:nvPr>
+            <p:ph type="sldImg"/>
+          </p:nvPr>
+        </p:nvSpPr>
+        <p:spPr/>
+      </p:sp>
+      <p:sp>
+        <p:nvSpPr>
+          <p:cNvPr id="3" name="Заметки 2"/>
+          <p:cNvSpPr>
+            <a:spLocks noGrp="1"/>
+          </p:cNvSpPr>
+          <p:nvPr>
+            <p:ph type="body" idx="1"/>
+          </p:nvPr>
+        </p:nvSpPr>
+        <p:spPr/>
+        <p:txBody>
+          <a:bodyPr/>
+          <a:lstStyle/>
+          <a:p>
             <a:pPr marL="0" marR="0" lvl="0" indent="0" algn="l" defTabSz="914400" rtl="0" eaLnBrk="1" fontAlgn="auto" latinLnBrk="0" hangingPunct="1">
               <a:lnSpc>
                 <a:spcPct val="100000"/>
@@ -9412,7 +9787,7 @@
           <a:p>
             <a:fld id="{32510822-B256-415B-AC9F-45AE7E2A44F1}" type="slidenum">
               <a:rPr lang="ru-RU" smtClean="0"/>
-              <a:t>45</a:t>
+              <a:t>48</a:t>
             </a:fld>
             <a:endParaRPr lang="ru-RU"/>
           </a:p>
@@ -9510,7 +9885,7 @@
     </p:spTree>
     <p:extLst>
       <p:ext uri="{BB962C8B-B14F-4D97-AF65-F5344CB8AC3E}">
-        <p14:creationId xmlns:p14="http://schemas.microsoft.com/office/powerpoint/2010/main" val="2053787770"/>
+        <p14:creationId xmlns:p14="http://schemas.microsoft.com/office/powerpoint/2010/main" val="4173768122"/>
       </p:ext>
     </p:extLst>
   </p:cSld>
@@ -9547,12 +9922,7 @@
             <p:ph type="sldImg"/>
           </p:nvPr>
         </p:nvSpPr>
-        <p:spPr>
-          <a:xfrm>
-            <a:off x="685800" y="1143000"/>
-            <a:ext cx="5486400" cy="3086100"/>
-          </a:xfrm>
-        </p:spPr>
+        <p:spPr/>
       </p:sp>
       <p:sp>
         <p:nvSpPr>
@@ -9569,6 +9939,14 @@
           <a:bodyPr/>
           <a:lstStyle/>
           <a:p>
+            <a:r>
+              <a:rPr lang="ru-RU" dirty="0"/>
+              <a:t>Напоминаем</a:t>
+            </a:r>
+            <a:r>
+              <a:rPr lang="ru-RU" baseline="0" dirty="0"/>
+              <a:t> слайд из лекций</a:t>
+            </a:r>
             <a:endParaRPr lang="ru-RU" dirty="0"/>
           </a:p>
         </p:txBody>
@@ -9590,7 +9968,7 @@
           <a:p>
             <a:fld id="{3BAECB10-9972-4830-A584-02C41DAFD45B}" type="slidenum">
               <a:rPr lang="ru-RU" smtClean="0"/>
-              <a:t>9</a:t>
+              <a:t>7</a:t>
             </a:fld>
             <a:endParaRPr lang="ru-RU"/>
           </a:p>
@@ -9599,7 +9977,7 @@
     </p:spTree>
     <p:extLst>
       <p:ext uri="{BB962C8B-B14F-4D97-AF65-F5344CB8AC3E}">
-        <p14:creationId xmlns:p14="http://schemas.microsoft.com/office/powerpoint/2010/main" val="4173768122"/>
+        <p14:creationId xmlns:p14="http://schemas.microsoft.com/office/powerpoint/2010/main" val="78552886"/>
       </p:ext>
     </p:extLst>
   </p:cSld>
@@ -9658,20 +10036,7 @@
           <a:bodyPr/>
           <a:lstStyle/>
           <a:p>
-            <a:r>
-              <a:rPr lang="ru-RU" dirty="0"/>
-              <a:t>Если</a:t>
-            </a:r>
-            <a:r>
-              <a:rPr lang="ru-RU" baseline="0" dirty="0"/>
-              <a:t> эту задачу дать студенту, который не задумывается о декомпозиции, то легко получить что-то такое.</a:t>
-            </a:r>
-          </a:p>
-          <a:p>
-            <a:r>
-              <a:rPr lang="ru-RU" baseline="0" dirty="0"/>
-              <a:t>Это очень трудно читать и почти невозможно убедить себя, что тут не ошибок.</a:t>
-            </a:r>
+            <a:endParaRPr lang="ru-RU" dirty="0"/>
           </a:p>
         </p:txBody>
       </p:sp>
@@ -9692,7 +10057,7 @@
           <a:p>
             <a:fld id="{3BAECB10-9972-4830-A584-02C41DAFD45B}" type="slidenum">
               <a:rPr lang="ru-RU" smtClean="0"/>
-              <a:t>12</a:t>
+              <a:t>8</a:t>
             </a:fld>
             <a:endParaRPr lang="ru-RU"/>
           </a:p>
@@ -9701,7 +10066,7 @@
     </p:spTree>
     <p:extLst>
       <p:ext uri="{BB962C8B-B14F-4D97-AF65-F5344CB8AC3E}">
-        <p14:creationId xmlns:p14="http://schemas.microsoft.com/office/powerpoint/2010/main" val="3393715734"/>
+        <p14:creationId xmlns:p14="http://schemas.microsoft.com/office/powerpoint/2010/main" val="2053787770"/>
       </p:ext>
     </p:extLst>
   </p:cSld>
@@ -9760,54 +10125,20 @@
           <a:bodyPr/>
           <a:lstStyle/>
           <a:p>
-            <a:pPr marL="228600" indent="-228600">
-              <a:buAutoNum type="arabicPeriod"/>
-            </a:pPr>
             <a:r>
               <a:rPr lang="ru-RU" dirty="0"/>
-              <a:t>Длинный</a:t>
+              <a:t>Если</a:t>
             </a:r>
             <a:r>
               <a:rPr lang="ru-RU" baseline="0" dirty="0"/>
-              <a:t> метод — скорее всего сигнализирует о том, что у метода есть несколько обязанностей.</a:t>
-            </a:r>
-          </a:p>
-          <a:p>
-            <a:pPr marL="228600" indent="-228600">
-              <a:buAutoNum type="arabicPeriod"/>
-            </a:pPr>
+              <a:t> эту задачу дать студенту, который не задумывается о декомпозиции, то легко получить что-то такое.</a:t>
+            </a:r>
+          </a:p>
+          <a:p>
             <a:r>
               <a:rPr lang="ru-RU" baseline="0" dirty="0"/>
-              <a:t>Слишком общее имя — это сигнал, что у метода несколько обязанностей, которые плохо описываются одной фразой.</a:t>
-            </a:r>
-          </a:p>
-          <a:p>
-            <a:pPr marL="228600" indent="-228600">
-              <a:buAutoNum type="arabicPeriod"/>
-            </a:pPr>
-            <a:r>
-              <a:rPr lang="ru-RU" baseline="0" dirty="0"/>
-              <a:t>Если метод, нарушающий </a:t>
-            </a:r>
-            <a:r>
-              <a:rPr lang="en-US" baseline="0" dirty="0"/>
-              <a:t>SRP</a:t>
-            </a:r>
-            <a:r>
-              <a:rPr lang="ru-RU" baseline="0" dirty="0"/>
-              <a:t>  назвать честно, то получаются громоздкие фразы. Это уже лучше, чем слишком общее имя, но более явно указывает на нарушение </a:t>
-            </a:r>
-            <a:r>
-              <a:rPr lang="en-US" baseline="0" dirty="0"/>
-              <a:t>SRP</a:t>
-            </a:r>
-            <a:r>
-              <a:rPr lang="ru-RU" baseline="0" dirty="0"/>
-              <a:t>.</a:t>
-            </a:r>
-          </a:p>
-          <a:p>
-            <a:endParaRPr lang="ru-RU" dirty="0"/>
+              <a:t>Это очень трудно читать и почти невозможно убедить себя, что тут не ошибок.</a:t>
+            </a:r>
           </a:p>
         </p:txBody>
       </p:sp>
@@ -9828,7 +10159,7 @@
           <a:p>
             <a:fld id="{3BAECB10-9972-4830-A584-02C41DAFD45B}" type="slidenum">
               <a:rPr lang="ru-RU" smtClean="0"/>
-              <a:t>13</a:t>
+              <a:t>14</a:t>
             </a:fld>
             <a:endParaRPr lang="ru-RU"/>
           </a:p>
@@ -9837,7 +10168,7 @@
     </p:spTree>
     <p:extLst>
       <p:ext uri="{BB962C8B-B14F-4D97-AF65-F5344CB8AC3E}">
-        <p14:creationId xmlns:p14="http://schemas.microsoft.com/office/powerpoint/2010/main" val="2986824019"/>
+        <p14:creationId xmlns:p14="http://schemas.microsoft.com/office/powerpoint/2010/main" val="3393715734"/>
       </p:ext>
     </p:extLst>
   </p:cSld>
@@ -9848,169 +10179,6 @@
 </file>
 
 <file path=ppt/notesSlides/notesSlide7.xml><?xml version="1.0" encoding="utf-8"?>
-<p:notes xmlns:a="http://schemas.openxmlformats.org/drawingml/2006/main" xmlns:r="http://schemas.openxmlformats.org/officeDocument/2006/relationships" xmlns:p="http://schemas.openxmlformats.org/presentationml/2006/main">
-  <p:cSld>
-    <p:spTree>
-      <p:nvGrpSpPr>
-        <p:cNvPr id="1" name=""/>
-        <p:cNvGrpSpPr/>
-        <p:nvPr/>
-      </p:nvGrpSpPr>
-      <p:grpSpPr>
-        <a:xfrm>
-          <a:off x="0" y="0"/>
-          <a:ext cx="0" cy="0"/>
-          <a:chOff x="0" y="0"/>
-          <a:chExt cx="0" cy="0"/>
-        </a:xfrm>
-      </p:grpSpPr>
-      <p:sp>
-        <p:nvSpPr>
-          <p:cNvPr id="2" name="Образ слайда 1"/>
-          <p:cNvSpPr>
-            <a:spLocks noGrp="1" noRot="1" noChangeAspect="1"/>
-          </p:cNvSpPr>
-          <p:nvPr>
-            <p:ph type="sldImg"/>
-          </p:nvPr>
-        </p:nvSpPr>
-        <p:spPr/>
-      </p:sp>
-      <p:sp>
-        <p:nvSpPr>
-          <p:cNvPr id="3" name="Заметки 2"/>
-          <p:cNvSpPr>
-            <a:spLocks noGrp="1"/>
-          </p:cNvSpPr>
-          <p:nvPr>
-            <p:ph type="body" idx="1"/>
-          </p:nvPr>
-        </p:nvSpPr>
-        <p:spPr/>
-        <p:txBody>
-          <a:bodyPr/>
-          <a:lstStyle/>
-          <a:p>
-            <a:pPr marL="0" marR="0" lvl="0" indent="0" algn="l" defTabSz="914400" rtl="0" eaLnBrk="1" fontAlgn="auto" latinLnBrk="0" hangingPunct="1">
-              <a:lnSpc>
-                <a:spcPct val="100000"/>
-              </a:lnSpc>
-              <a:spcBef>
-                <a:spcPts val="0"/>
-              </a:spcBef>
-              <a:spcAft>
-                <a:spcPts val="0"/>
-              </a:spcAft>
-              <a:buClrTx/>
-              <a:buSzTx/>
-              <a:buFontTx/>
-              <a:buNone/>
-              <a:tabLst/>
-              <a:defRPr/>
-            </a:pPr>
-            <a:r>
-              <a:rPr lang="ru-RU" dirty="0"/>
-              <a:t>В прошлом решении есть недостаток </a:t>
-            </a:r>
-            <a:r>
-              <a:rPr lang="ru-RU" dirty="0" err="1"/>
-              <a:t>компонуемости</a:t>
-            </a:r>
-            <a:r>
-              <a:rPr lang="ru-RU" dirty="0"/>
-              <a:t>.</a:t>
-            </a:r>
-            <a:r>
-              <a:rPr lang="ru-RU" baseline="0" dirty="0"/>
-              <a:t> Выделенные методы вряд ли где-то ещё понадобятся.</a:t>
-            </a:r>
-          </a:p>
-          <a:p>
-            <a:r>
-              <a:rPr lang="ru-RU" baseline="0" dirty="0"/>
-              <a:t>Однако, п</a:t>
-            </a:r>
-            <a:r>
-              <a:rPr lang="ru-RU" dirty="0"/>
-              <a:t>родолжая</a:t>
-            </a:r>
-            <a:r>
-              <a:rPr lang="ru-RU" baseline="0" dirty="0"/>
-              <a:t> прошлую задачу, можно было дополнительно выделить абстракцию </a:t>
-            </a:r>
-            <a:r>
-              <a:rPr lang="ru-RU" baseline="0" dirty="0" err="1"/>
-              <a:t>Токенайзера</a:t>
-            </a:r>
-            <a:r>
-              <a:rPr lang="ru-RU" baseline="0" dirty="0"/>
-              <a:t>, с помощью которого остальные методы реализуются в одну простую строчку.</a:t>
-            </a:r>
-          </a:p>
-          <a:p>
-            <a:r>
-              <a:rPr lang="ru-RU" baseline="0" dirty="0"/>
-              <a:t>Такой </a:t>
-            </a:r>
-            <a:r>
-              <a:rPr lang="en-US" baseline="0" dirty="0"/>
-              <a:t>Tokenizer</a:t>
-            </a:r>
-            <a:r>
-              <a:rPr lang="ru-RU" baseline="0" dirty="0"/>
-              <a:t> может оказаться полезным в других задачах </a:t>
-            </a:r>
-            <a:r>
-              <a:rPr lang="ru-RU" baseline="0" dirty="0" err="1"/>
-              <a:t>парсинга</a:t>
-            </a:r>
-            <a:r>
-              <a:rPr lang="ru-RU" baseline="0" dirty="0"/>
-              <a:t> текстов.</a:t>
-            </a:r>
-          </a:p>
-          <a:p>
-            <a:endParaRPr lang="en-US" dirty="0"/>
-          </a:p>
-        </p:txBody>
-      </p:sp>
-      <p:sp>
-        <p:nvSpPr>
-          <p:cNvPr id="4" name="Номер слайда 3"/>
-          <p:cNvSpPr>
-            <a:spLocks noGrp="1"/>
-          </p:cNvSpPr>
-          <p:nvPr>
-            <p:ph type="sldNum" sz="quarter" idx="10"/>
-          </p:nvPr>
-        </p:nvSpPr>
-        <p:spPr/>
-        <p:txBody>
-          <a:bodyPr/>
-          <a:lstStyle/>
-          <a:p>
-            <a:fld id="{32510822-B256-415B-AC9F-45AE7E2A44F1}" type="slidenum">
-              <a:rPr lang="ru-RU" smtClean="0"/>
-              <a:t>16</a:t>
-            </a:fld>
-            <a:endParaRPr lang="ru-RU"/>
-          </a:p>
-        </p:txBody>
-      </p:sp>
-    </p:spTree>
-    <p:extLst>
-      <p:ext uri="{BB962C8B-B14F-4D97-AF65-F5344CB8AC3E}">
-        <p14:creationId xmlns:p14="http://schemas.microsoft.com/office/powerpoint/2010/main" val="2509426399"/>
-      </p:ext>
-    </p:extLst>
-  </p:cSld>
-  <p:clrMapOvr>
-    <a:masterClrMapping/>
-  </p:clrMapOvr>
-</p:notes>
-</file>
-
-<file path=ppt/notesSlides/notesSlide8.xml><?xml version="1.0" encoding="utf-8"?>
 <p:notes xmlns:a="http://schemas.openxmlformats.org/drawingml/2006/main" xmlns:r="http://schemas.openxmlformats.org/officeDocument/2006/relationships" xmlns:p="http://schemas.openxmlformats.org/presentationml/2006/main">
   <p:cSld>
     <p:spTree>
@@ -10059,38 +10227,17 @@
           <a:bodyPr/>
           <a:lstStyle/>
           <a:p>
-            <a:r>
-              <a:rPr lang="ru-RU" dirty="0"/>
-              <a:t>Спросить</a:t>
-            </a:r>
-            <a:r>
-              <a:rPr lang="ru-RU" baseline="0" dirty="0"/>
-              <a:t> аудиторию, как это делать.</a:t>
-            </a:r>
-          </a:p>
-          <a:p>
-            <a:r>
-              <a:rPr lang="ru-RU" dirty="0"/>
-              <a:t>Обычно</a:t>
-            </a:r>
-            <a:r>
-              <a:rPr lang="ru-RU" baseline="0" dirty="0"/>
-              <a:t> бывают два варианта:</a:t>
-            </a:r>
-          </a:p>
-          <a:p>
             <a:pPr marL="228600" indent="-228600">
               <a:buAutoNum type="arabicPeriod"/>
             </a:pPr>
             <a:r>
-              <a:rPr lang="en-US" baseline="0" dirty="0" err="1"/>
-              <a:t>shiftSize</a:t>
+              <a:rPr lang="ru-RU" dirty="0"/>
+              <a:t>Длинный</a:t>
             </a:r>
             <a:r>
               <a:rPr lang="ru-RU" baseline="0" dirty="0"/>
-              <a:t> раз сделать сдвиг на единичку. (Это медленно!)</a:t>
-            </a:r>
-            <a:endParaRPr lang="en-US" baseline="0" dirty="0"/>
+              <a:t> метод — скорее всего сигнализирует о том, что у метода есть несколько обязанностей.</a:t>
+            </a:r>
           </a:p>
           <a:p>
             <a:pPr marL="228600" indent="-228600">
@@ -10098,31 +10245,36 @@
             </a:pPr>
             <a:r>
               <a:rPr lang="ru-RU" baseline="0" dirty="0"/>
-              <a:t>Создать новый массив, в который перенести все значения с нужным сдвигом.</a:t>
-            </a:r>
-          </a:p>
-          <a:p>
-            <a:pPr marL="0" indent="0">
-              <a:buNone/>
+              <a:t>Слишком общее имя — это сигнал, что у метода несколько обязанностей, которые плохо описываются одной фразой.</a:t>
+            </a:r>
+          </a:p>
+          <a:p>
+            <a:pPr marL="228600" indent="-228600">
+              <a:buAutoNum type="arabicPeriod"/>
             </a:pPr>
-            <a:endParaRPr lang="ru-RU" baseline="0" dirty="0"/>
-          </a:p>
-          <a:p>
-            <a:pPr marL="0" indent="0">
-              <a:buNone/>
-            </a:pPr>
             <a:r>
               <a:rPr lang="ru-RU" baseline="0" dirty="0"/>
-              <a:t>Решение с </a:t>
+              <a:t>Если метод, нарушающий </a:t>
             </a:r>
             <a:r>
               <a:rPr lang="en-US" baseline="0" dirty="0"/>
-              <a:t>LINQ</a:t>
+              <a:t>SRP</a:t>
             </a:r>
             <a:r>
               <a:rPr lang="ru-RU" baseline="0" dirty="0"/>
-              <a:t> короче, очевиднее, но менее эффективно, хотя асимптотика та же.</a:t>
-            </a:r>
+              <a:t>  назвать честно, то получаются громоздкие фразы. Это уже лучше, чем слишком общее имя, но более явно указывает на нарушение </a:t>
+            </a:r>
+            <a:r>
+              <a:rPr lang="en-US" baseline="0" dirty="0"/>
+              <a:t>SRP</a:t>
+            </a:r>
+            <a:r>
+              <a:rPr lang="ru-RU" baseline="0" dirty="0"/>
+              <a:t>.</a:t>
+            </a:r>
+          </a:p>
+          <a:p>
+            <a:endParaRPr lang="ru-RU" dirty="0"/>
           </a:p>
         </p:txBody>
       </p:sp>
@@ -10143,7 +10295,7 @@
           <a:p>
             <a:fld id="{3BAECB10-9972-4830-A584-02C41DAFD45B}" type="slidenum">
               <a:rPr lang="ru-RU" smtClean="0"/>
-              <a:t>18</a:t>
+              <a:t>15</a:t>
             </a:fld>
             <a:endParaRPr lang="ru-RU"/>
           </a:p>
@@ -10152,7 +10304,170 @@
     </p:spTree>
     <p:extLst>
       <p:ext uri="{BB962C8B-B14F-4D97-AF65-F5344CB8AC3E}">
-        <p14:creationId xmlns:p14="http://schemas.microsoft.com/office/powerpoint/2010/main" val="3881435564"/>
+        <p14:creationId xmlns:p14="http://schemas.microsoft.com/office/powerpoint/2010/main" val="2986824019"/>
+      </p:ext>
+    </p:extLst>
+  </p:cSld>
+  <p:clrMapOvr>
+    <a:masterClrMapping/>
+  </p:clrMapOvr>
+</p:notes>
+</file>
+
+<file path=ppt/notesSlides/notesSlide8.xml><?xml version="1.0" encoding="utf-8"?>
+<p:notes xmlns:a="http://schemas.openxmlformats.org/drawingml/2006/main" xmlns:r="http://schemas.openxmlformats.org/officeDocument/2006/relationships" xmlns:p="http://schemas.openxmlformats.org/presentationml/2006/main">
+  <p:cSld>
+    <p:spTree>
+      <p:nvGrpSpPr>
+        <p:cNvPr id="1" name=""/>
+        <p:cNvGrpSpPr/>
+        <p:nvPr/>
+      </p:nvGrpSpPr>
+      <p:grpSpPr>
+        <a:xfrm>
+          <a:off x="0" y="0"/>
+          <a:ext cx="0" cy="0"/>
+          <a:chOff x="0" y="0"/>
+          <a:chExt cx="0" cy="0"/>
+        </a:xfrm>
+      </p:grpSpPr>
+      <p:sp>
+        <p:nvSpPr>
+          <p:cNvPr id="2" name="Образ слайда 1"/>
+          <p:cNvSpPr>
+            <a:spLocks noGrp="1" noRot="1" noChangeAspect="1"/>
+          </p:cNvSpPr>
+          <p:nvPr>
+            <p:ph type="sldImg"/>
+          </p:nvPr>
+        </p:nvSpPr>
+        <p:spPr/>
+      </p:sp>
+      <p:sp>
+        <p:nvSpPr>
+          <p:cNvPr id="3" name="Заметки 2"/>
+          <p:cNvSpPr>
+            <a:spLocks noGrp="1"/>
+          </p:cNvSpPr>
+          <p:nvPr>
+            <p:ph type="body" idx="1"/>
+          </p:nvPr>
+        </p:nvSpPr>
+        <p:spPr/>
+        <p:txBody>
+          <a:bodyPr/>
+          <a:lstStyle/>
+          <a:p>
+            <a:pPr marL="0" marR="0" lvl="0" indent="0" algn="l" defTabSz="914400" rtl="0" eaLnBrk="1" fontAlgn="auto" latinLnBrk="0" hangingPunct="1">
+              <a:lnSpc>
+                <a:spcPct val="100000"/>
+              </a:lnSpc>
+              <a:spcBef>
+                <a:spcPts val="0"/>
+              </a:spcBef>
+              <a:spcAft>
+                <a:spcPts val="0"/>
+              </a:spcAft>
+              <a:buClrTx/>
+              <a:buSzTx/>
+              <a:buFontTx/>
+              <a:buNone/>
+              <a:tabLst/>
+              <a:defRPr/>
+            </a:pPr>
+            <a:r>
+              <a:rPr lang="ru-RU" dirty="0"/>
+              <a:t>В прошлом решении есть недостаток </a:t>
+            </a:r>
+            <a:r>
+              <a:rPr lang="ru-RU" dirty="0" err="1"/>
+              <a:t>компонуемости</a:t>
+            </a:r>
+            <a:r>
+              <a:rPr lang="ru-RU" dirty="0"/>
+              <a:t>.</a:t>
+            </a:r>
+            <a:r>
+              <a:rPr lang="ru-RU" baseline="0" dirty="0"/>
+              <a:t> Выделенные методы вряд ли где-то ещё понадобятся.</a:t>
+            </a:r>
+          </a:p>
+          <a:p>
+            <a:r>
+              <a:rPr lang="ru-RU" baseline="0" dirty="0"/>
+              <a:t>Однако, п</a:t>
+            </a:r>
+            <a:r>
+              <a:rPr lang="ru-RU" dirty="0"/>
+              <a:t>родолжая</a:t>
+            </a:r>
+            <a:r>
+              <a:rPr lang="ru-RU" baseline="0" dirty="0"/>
+              <a:t> прошлую задачу, можно было дополнительно выделить абстракцию </a:t>
+            </a:r>
+            <a:r>
+              <a:rPr lang="ru-RU" baseline="0" dirty="0" err="1"/>
+              <a:t>Токенайзера</a:t>
+            </a:r>
+            <a:r>
+              <a:rPr lang="ru-RU" baseline="0" dirty="0"/>
+              <a:t>, с помощью которого остальные методы реализуются в одну простую строчку.</a:t>
+            </a:r>
+          </a:p>
+          <a:p>
+            <a:r>
+              <a:rPr lang="ru-RU" baseline="0" dirty="0"/>
+              <a:t>Такой </a:t>
+            </a:r>
+            <a:r>
+              <a:rPr lang="en-US" baseline="0" dirty="0"/>
+              <a:t>Tokenizer</a:t>
+            </a:r>
+            <a:r>
+              <a:rPr lang="ru-RU" baseline="0" dirty="0"/>
+              <a:t> может оказаться полезным в других задачах </a:t>
+            </a:r>
+            <a:r>
+              <a:rPr lang="ru-RU" baseline="0" dirty="0" err="1"/>
+              <a:t>парсинга</a:t>
+            </a:r>
+            <a:r>
+              <a:rPr lang="ru-RU" baseline="0" dirty="0"/>
+              <a:t> текстов.</a:t>
+            </a:r>
+          </a:p>
+          <a:p>
+            <a:endParaRPr lang="en-US" dirty="0"/>
+          </a:p>
+        </p:txBody>
+      </p:sp>
+      <p:sp>
+        <p:nvSpPr>
+          <p:cNvPr id="4" name="Номер слайда 3"/>
+          <p:cNvSpPr>
+            <a:spLocks noGrp="1"/>
+          </p:cNvSpPr>
+          <p:nvPr>
+            <p:ph type="sldNum" sz="quarter" idx="10"/>
+          </p:nvPr>
+        </p:nvSpPr>
+        <p:spPr/>
+        <p:txBody>
+          <a:bodyPr/>
+          <a:lstStyle/>
+          <a:p>
+            <a:fld id="{32510822-B256-415B-AC9F-45AE7E2A44F1}" type="slidenum">
+              <a:rPr lang="ru-RU" smtClean="0"/>
+              <a:t>18</a:t>
+            </a:fld>
+            <a:endParaRPr lang="ru-RU"/>
+          </a:p>
+        </p:txBody>
+      </p:sp>
+    </p:spTree>
+    <p:extLst>
+      <p:ext uri="{BB962C8B-B14F-4D97-AF65-F5344CB8AC3E}">
+        <p14:creationId xmlns:p14="http://schemas.microsoft.com/office/powerpoint/2010/main" val="2509426399"/>
       </p:ext>
     </p:extLst>
   </p:cSld>
@@ -10242,67 +10557,39 @@
               <a:rPr lang="ru-RU" baseline="0" dirty="0"/>
               <a:t> раз сделать сдвиг на единичку. (Это медленно!)</a:t>
             </a:r>
+            <a:endParaRPr lang="en-US" baseline="0" dirty="0"/>
           </a:p>
           <a:p>
             <a:pPr marL="228600" indent="-228600">
               <a:buAutoNum type="arabicPeriod"/>
             </a:pPr>
             <a:r>
-              <a:rPr lang="ru-RU" dirty="0"/>
-              <a:t>Поставить нулевой</a:t>
-            </a:r>
-            <a:r>
               <a:rPr lang="ru-RU" baseline="0" dirty="0"/>
-              <a:t> элемент на место </a:t>
-            </a:r>
-            <a:r>
-              <a:rPr lang="en-US" baseline="0" dirty="0" err="1"/>
-              <a:t>shiftSize</a:t>
-            </a:r>
+              <a:t>Создать новый массив, в который перенести все значения с нужным сдвигом.</a:t>
+            </a:r>
+          </a:p>
+          <a:p>
+            <a:pPr marL="0" indent="0">
+              <a:buNone/>
+            </a:pPr>
+            <a:endParaRPr lang="ru-RU" baseline="0" dirty="0"/>
+          </a:p>
+          <a:p>
+            <a:pPr marL="0" indent="0">
+              <a:buNone/>
+            </a:pPr>
             <a:r>
               <a:rPr lang="ru-RU" baseline="0" dirty="0"/>
-              <a:t>, тот что был там — на позицию </a:t>
+              <a:t>Решение с </a:t>
             </a:r>
             <a:r>
               <a:rPr lang="en-US" baseline="0" dirty="0"/>
-              <a:t>2*</a:t>
-            </a:r>
-            <a:r>
-              <a:rPr lang="en-US" baseline="0" dirty="0" err="1"/>
-              <a:t>shiftSize</a:t>
-            </a:r>
-            <a:r>
-              <a:rPr lang="en-US" baseline="0" dirty="0"/>
-              <a:t> </a:t>
+              <a:t>LINQ</a:t>
             </a:r>
             <a:r>
               <a:rPr lang="ru-RU" baseline="0" dirty="0"/>
-              <a:t>%</a:t>
-            </a:r>
-            <a:r>
-              <a:rPr lang="en-US" baseline="0" dirty="0"/>
-              <a:t> N</a:t>
-            </a:r>
-            <a:r>
-              <a:rPr lang="ru-RU" baseline="0" dirty="0"/>
-              <a:t> и т.п.</a:t>
-            </a:r>
-            <a:br>
-              <a:rPr lang="ru-RU" baseline="0" dirty="0"/>
-            </a:br>
-            <a:r>
-              <a:rPr lang="ru-RU" baseline="0" dirty="0"/>
-              <a:t>Тут есть проблема, что нужно запоминать, в какие индексы мы уже что-то присваивали, чтобы вовремя остановиться. А это не только довольно сложно, но и требует </a:t>
-            </a:r>
-            <a:r>
-              <a:rPr lang="en-US" baseline="0" dirty="0"/>
-              <a:t>O(N)</a:t>
-            </a:r>
-            <a:r>
-              <a:rPr lang="ru-RU" baseline="0" dirty="0"/>
-              <a:t> памяти.</a:t>
-            </a:r>
-            <a:endParaRPr lang="ru-RU" dirty="0"/>
+              <a:t> короче, очевиднее, но менее эффективно, хотя асимптотика та же.</a:t>
+            </a:r>
           </a:p>
         </p:txBody>
       </p:sp>
@@ -10323,7 +10610,7 @@
           <a:p>
             <a:fld id="{3BAECB10-9972-4830-A584-02C41DAFD45B}" type="slidenum">
               <a:rPr lang="ru-RU" smtClean="0"/>
-              <a:t>19</a:t>
+              <a:t>20</a:t>
             </a:fld>
             <a:endParaRPr lang="ru-RU"/>
           </a:p>
@@ -10332,7 +10619,7 @@
     </p:spTree>
     <p:extLst>
       <p:ext uri="{BB962C8B-B14F-4D97-AF65-F5344CB8AC3E}">
-        <p14:creationId xmlns:p14="http://schemas.microsoft.com/office/powerpoint/2010/main" val="4222242819"/>
+        <p14:creationId xmlns:p14="http://schemas.microsoft.com/office/powerpoint/2010/main" val="3881435564"/>
       </p:ext>
     </p:extLst>
   </p:cSld>
@@ -14685,17 +14972,456 @@
   <p:clrMapOvr>
     <a:masterClrMapping/>
   </p:clrMapOvr>
-  <p:timing>
-    <p:tnLst>
-      <p:par>
-        <p:cTn id="1" dur="indefinite" restart="never" nodeType="tmRoot"/>
-      </p:par>
-    </p:tnLst>
-  </p:timing>
 </p:sld>
 </file>
 
 <file path=ppt/slides/slide10.xml><?xml version="1.0" encoding="utf-8"?>
+<p:sld xmlns:a="http://schemas.openxmlformats.org/drawingml/2006/main" xmlns:r="http://schemas.openxmlformats.org/officeDocument/2006/relationships" xmlns:p="http://schemas.openxmlformats.org/presentationml/2006/main" show="0">
+  <p:cSld>
+    <p:spTree>
+      <p:nvGrpSpPr>
+        <p:cNvPr id="1" name=""/>
+        <p:cNvGrpSpPr/>
+        <p:nvPr/>
+      </p:nvGrpSpPr>
+      <p:grpSpPr>
+        <a:xfrm>
+          <a:off x="0" y="0"/>
+          <a:ext cx="0" cy="0"/>
+          <a:chOff x="0" y="0"/>
+          <a:chExt cx="0" cy="0"/>
+        </a:xfrm>
+      </p:grpSpPr>
+      <p:sp>
+        <p:nvSpPr>
+          <p:cNvPr id="2" name="Объект 1"/>
+          <p:cNvSpPr>
+            <a:spLocks noGrp="1"/>
+          </p:cNvSpPr>
+          <p:nvPr>
+            <p:ph sz="quarter" idx="13"/>
+          </p:nvPr>
+        </p:nvSpPr>
+        <p:spPr/>
+        <p:txBody>
+          <a:bodyPr anchor="ctr">
+            <a:normAutofit/>
+          </a:bodyPr>
+          <a:lstStyle/>
+          <a:p>
+            <a:pPr marL="0" indent="0" algn="ctr">
+              <a:buNone/>
+            </a:pPr>
+            <a:r>
+              <a:rPr lang="ru-RU" sz="4000" dirty="0"/>
+              <a:t>Повтор кода – это признак отсутствующей абстракции</a:t>
+            </a:r>
+            <a:endParaRPr lang="en-US" sz="4000" dirty="0"/>
+          </a:p>
+        </p:txBody>
+      </p:sp>
+      <p:sp>
+        <p:nvSpPr>
+          <p:cNvPr id="3" name="Заголовок 2"/>
+          <p:cNvSpPr>
+            <a:spLocks noGrp="1"/>
+          </p:cNvSpPr>
+          <p:nvPr>
+            <p:ph type="title"/>
+          </p:nvPr>
+        </p:nvSpPr>
+        <p:spPr/>
+        <p:txBody>
+          <a:bodyPr/>
+          <a:lstStyle/>
+          <a:p>
+            <a:r>
+              <a:rPr lang="ru-RU" dirty="0">
+                <a:solidFill>
+                  <a:schemeClr val="tx1"/>
+                </a:solidFill>
+              </a:rPr>
+              <a:t>Маркер</a:t>
+            </a:r>
+            <a:r>
+              <a:rPr lang="ru-RU" dirty="0"/>
+              <a:t> </a:t>
+            </a:r>
+            <a:r>
+              <a:rPr lang="en-US" dirty="0">
+                <a:solidFill>
+                  <a:schemeClr val="accent1"/>
+                </a:solidFill>
+              </a:rPr>
+              <a:t>dry</a:t>
+            </a:r>
+          </a:p>
+        </p:txBody>
+      </p:sp>
+    </p:spTree>
+    <p:extLst>
+      <p:ext uri="{BB962C8B-B14F-4D97-AF65-F5344CB8AC3E}">
+        <p14:creationId xmlns:p14="http://schemas.microsoft.com/office/powerpoint/2010/main" val="3464056545"/>
+      </p:ext>
+    </p:extLst>
+  </p:cSld>
+  <p:clrMapOvr>
+    <a:masterClrMapping/>
+  </p:clrMapOvr>
+</p:sld>
+</file>
+
+<file path=ppt/slides/slide11.xml><?xml version="1.0" encoding="utf-8"?>
+<p:sld xmlns:a="http://schemas.openxmlformats.org/drawingml/2006/main" xmlns:r="http://schemas.openxmlformats.org/officeDocument/2006/relationships" xmlns:p="http://schemas.openxmlformats.org/presentationml/2006/main" show="0">
+  <p:cSld>
+    <p:spTree>
+      <p:nvGrpSpPr>
+        <p:cNvPr id="1" name=""/>
+        <p:cNvGrpSpPr/>
+        <p:nvPr/>
+      </p:nvGrpSpPr>
+      <p:grpSpPr>
+        <a:xfrm>
+          <a:off x="0" y="0"/>
+          <a:ext cx="0" cy="0"/>
+          <a:chOff x="0" y="0"/>
+          <a:chExt cx="0" cy="0"/>
+        </a:xfrm>
+      </p:grpSpPr>
+      <p:sp>
+        <p:nvSpPr>
+          <p:cNvPr id="2" name="Заголовок 1"/>
+          <p:cNvSpPr>
+            <a:spLocks noGrp="1"/>
+          </p:cNvSpPr>
+          <p:nvPr>
+            <p:ph type="title"/>
+          </p:nvPr>
+        </p:nvSpPr>
+        <p:spPr>
+          <a:xfrm>
+            <a:off x="2495549" y="2636912"/>
+            <a:ext cx="7194701" cy="792163"/>
+          </a:xfrm>
+        </p:spPr>
+        <p:txBody>
+          <a:bodyPr/>
+          <a:lstStyle/>
+          <a:p>
+            <a:pPr algn="ctr"/>
+            <a:r>
+              <a:rPr lang="ru-RU" sz="3600" dirty="0"/>
+              <a:t>Дизайн плох если…</a:t>
+            </a:r>
+            <a:endParaRPr lang="en-US" sz="3600" dirty="0"/>
+          </a:p>
+        </p:txBody>
+      </p:sp>
+      <p:sp>
+        <p:nvSpPr>
+          <p:cNvPr id="4" name="TextBox 3"/>
+          <p:cNvSpPr txBox="1"/>
+          <p:nvPr/>
+        </p:nvSpPr>
+        <p:spPr>
+          <a:xfrm>
+            <a:off x="2495549" y="3429075"/>
+            <a:ext cx="7200901" cy="461665"/>
+          </a:xfrm>
+          <a:prstGeom prst="rect">
+            <a:avLst/>
+          </a:prstGeom>
+          <a:noFill/>
+        </p:spPr>
+        <p:txBody>
+          <a:bodyPr wrap="square" rtlCol="0">
+            <a:spAutoFit/>
+          </a:bodyPr>
+          <a:lstStyle/>
+          <a:p>
+            <a:pPr algn="ctr"/>
+            <a:r>
+              <a:rPr lang="ru-RU" sz="2400" dirty="0"/>
+              <a:t>когда приходит новая задача…</a:t>
+            </a:r>
+            <a:endParaRPr lang="en-US" sz="2400" dirty="0"/>
+          </a:p>
+        </p:txBody>
+      </p:sp>
+      <p:sp>
+        <p:nvSpPr>
+          <p:cNvPr id="5" name="TextBox 4"/>
+          <p:cNvSpPr txBox="1"/>
+          <p:nvPr/>
+        </p:nvSpPr>
+        <p:spPr>
+          <a:xfrm>
+            <a:off x="2495550" y="548680"/>
+            <a:ext cx="3600450" cy="1261884"/>
+          </a:xfrm>
+          <a:prstGeom prst="rect">
+            <a:avLst/>
+          </a:prstGeom>
+          <a:noFill/>
+        </p:spPr>
+        <p:txBody>
+          <a:bodyPr wrap="square" rtlCol="0">
+            <a:spAutoFit/>
+          </a:bodyPr>
+          <a:lstStyle/>
+          <a:p>
+            <a:r>
+              <a:rPr lang="en-US" sz="2000" dirty="0">
+                <a:solidFill>
+                  <a:schemeClr val="tx1">
+                    <a:lumMod val="50000"/>
+                    <a:lumOff val="50000"/>
+                  </a:schemeClr>
+                </a:solidFill>
+              </a:rPr>
+              <a:t>viscosity</a:t>
+            </a:r>
+          </a:p>
+          <a:p>
+            <a:r>
+              <a:rPr lang="ru-RU" sz="3600" dirty="0">
+                <a:solidFill>
+                  <a:schemeClr val="accent1"/>
+                </a:solidFill>
+              </a:rPr>
+              <a:t>вязкость</a:t>
+            </a:r>
+            <a:endParaRPr lang="ru-RU" dirty="0">
+              <a:solidFill>
+                <a:schemeClr val="accent1"/>
+              </a:solidFill>
+            </a:endParaRPr>
+          </a:p>
+          <a:p>
+            <a:r>
+              <a:rPr lang="ru-RU" sz="2000" dirty="0"/>
+              <a:t>…проще сделать «в обход»</a:t>
+            </a:r>
+            <a:endParaRPr lang="en-US" dirty="0"/>
+          </a:p>
+        </p:txBody>
+      </p:sp>
+      <p:sp>
+        <p:nvSpPr>
+          <p:cNvPr id="6" name="TextBox 5"/>
+          <p:cNvSpPr txBox="1"/>
+          <p:nvPr/>
+        </p:nvSpPr>
+        <p:spPr>
+          <a:xfrm>
+            <a:off x="6096000" y="548680"/>
+            <a:ext cx="3594251" cy="1261884"/>
+          </a:xfrm>
+          <a:prstGeom prst="rect">
+            <a:avLst/>
+          </a:prstGeom>
+          <a:noFill/>
+        </p:spPr>
+        <p:txBody>
+          <a:bodyPr wrap="square" rtlCol="0">
+            <a:spAutoFit/>
+          </a:bodyPr>
+          <a:lstStyle/>
+          <a:p>
+            <a:pPr algn="r"/>
+            <a:r>
+              <a:rPr lang="en-US" sz="2000" dirty="0">
+                <a:solidFill>
+                  <a:schemeClr val="tx1">
+                    <a:lumMod val="50000"/>
+                    <a:lumOff val="50000"/>
+                  </a:schemeClr>
+                </a:solidFill>
+              </a:rPr>
+              <a:t>rigidity</a:t>
+            </a:r>
+          </a:p>
+          <a:p>
+            <a:pPr algn="r"/>
+            <a:r>
+              <a:rPr lang="ru-RU" sz="3600" dirty="0">
+                <a:solidFill>
+                  <a:schemeClr val="accent1"/>
+                </a:solidFill>
+              </a:rPr>
+              <a:t>жесткость</a:t>
+            </a:r>
+            <a:endParaRPr lang="ru-RU" dirty="0">
+              <a:solidFill>
+                <a:schemeClr val="accent1"/>
+              </a:solidFill>
+            </a:endParaRPr>
+          </a:p>
+          <a:p>
+            <a:pPr algn="r"/>
+            <a:r>
+              <a:rPr lang="ru-RU" sz="2000" dirty="0"/>
+              <a:t>…надо много переделывать</a:t>
+            </a:r>
+            <a:endParaRPr lang="en-US" dirty="0"/>
+          </a:p>
+        </p:txBody>
+      </p:sp>
+      <p:sp>
+        <p:nvSpPr>
+          <p:cNvPr id="7" name="TextBox 6"/>
+          <p:cNvSpPr txBox="1"/>
+          <p:nvPr/>
+        </p:nvSpPr>
+        <p:spPr>
+          <a:xfrm>
+            <a:off x="2499710" y="4862175"/>
+            <a:ext cx="3600450" cy="1446550"/>
+          </a:xfrm>
+          <a:prstGeom prst="rect">
+            <a:avLst/>
+          </a:prstGeom>
+          <a:noFill/>
+        </p:spPr>
+        <p:txBody>
+          <a:bodyPr wrap="square" rtlCol="0" anchor="b" anchorCtr="1">
+            <a:spAutoFit/>
+          </a:bodyPr>
+          <a:lstStyle/>
+          <a:p>
+            <a:r>
+              <a:rPr lang="ru-RU" sz="1600" dirty="0"/>
+              <a:t>…не получается использовать</a:t>
+            </a:r>
+            <a:r>
+              <a:rPr lang="en-US" sz="1600" dirty="0"/>
+              <a:t> </a:t>
+            </a:r>
+            <a:r>
+              <a:rPr lang="ru-RU" sz="1600" dirty="0"/>
+              <a:t>готовое решение в новом контексте</a:t>
+            </a:r>
+            <a:endParaRPr lang="en-US" dirty="0">
+              <a:solidFill>
+                <a:schemeClr val="tx1">
+                  <a:lumMod val="50000"/>
+                  <a:lumOff val="50000"/>
+                </a:schemeClr>
+              </a:solidFill>
+            </a:endParaRPr>
+          </a:p>
+          <a:p>
+            <a:r>
+              <a:rPr lang="ru-RU" sz="3600" dirty="0">
+                <a:solidFill>
+                  <a:schemeClr val="accent1"/>
+                </a:solidFill>
+              </a:rPr>
+              <a:t>неподвижность</a:t>
+            </a:r>
+            <a:endParaRPr lang="ru-RU" dirty="0">
+              <a:solidFill>
+                <a:schemeClr val="accent1"/>
+              </a:solidFill>
+            </a:endParaRPr>
+          </a:p>
+          <a:p>
+            <a:r>
+              <a:rPr lang="en-US" sz="2000" dirty="0">
+                <a:solidFill>
+                  <a:schemeClr val="tx1">
+                    <a:lumMod val="50000"/>
+                    <a:lumOff val="50000"/>
+                  </a:schemeClr>
+                </a:solidFill>
+              </a:rPr>
+              <a:t>immobility</a:t>
+            </a:r>
+          </a:p>
+        </p:txBody>
+      </p:sp>
+      <p:sp>
+        <p:nvSpPr>
+          <p:cNvPr id="8" name="TextBox 7"/>
+          <p:cNvSpPr txBox="1"/>
+          <p:nvPr/>
+        </p:nvSpPr>
+        <p:spPr>
+          <a:xfrm>
+            <a:off x="6096000" y="5046841"/>
+            <a:ext cx="3594251" cy="1261884"/>
+          </a:xfrm>
+          <a:prstGeom prst="rect">
+            <a:avLst/>
+          </a:prstGeom>
+          <a:noFill/>
+        </p:spPr>
+        <p:txBody>
+          <a:bodyPr wrap="square" rtlCol="0" anchor="b" anchorCtr="0">
+            <a:spAutoFit/>
+          </a:bodyPr>
+          <a:lstStyle/>
+          <a:p>
+            <a:pPr algn="r"/>
+            <a:r>
+              <a:rPr lang="ru-RU" sz="2000" dirty="0"/>
+              <a:t>…трогать код опасно</a:t>
+            </a:r>
+            <a:endParaRPr lang="en-US" sz="2000" dirty="0">
+              <a:solidFill>
+                <a:schemeClr val="tx1">
+                  <a:lumMod val="50000"/>
+                  <a:lumOff val="50000"/>
+                </a:schemeClr>
+              </a:solidFill>
+            </a:endParaRPr>
+          </a:p>
+          <a:p>
+            <a:pPr algn="r"/>
+            <a:r>
+              <a:rPr lang="ru-RU" sz="3600" dirty="0">
+                <a:solidFill>
+                  <a:schemeClr val="accent1"/>
+                </a:solidFill>
+              </a:rPr>
+              <a:t>хрупкость</a:t>
+            </a:r>
+            <a:endParaRPr lang="ru-RU" dirty="0">
+              <a:solidFill>
+                <a:schemeClr val="accent1"/>
+              </a:solidFill>
+            </a:endParaRPr>
+          </a:p>
+          <a:p>
+            <a:pPr algn="r"/>
+            <a:r>
+              <a:rPr lang="en-US" sz="2000" dirty="0">
+                <a:solidFill>
+                  <a:schemeClr val="tx1">
+                    <a:lumMod val="50000"/>
+                    <a:lumOff val="50000"/>
+                  </a:schemeClr>
+                </a:solidFill>
+              </a:rPr>
+              <a:t>fragility</a:t>
+            </a:r>
+          </a:p>
+        </p:txBody>
+      </p:sp>
+    </p:spTree>
+    <p:extLst>
+      <p:ext uri="{BB962C8B-B14F-4D97-AF65-F5344CB8AC3E}">
+        <p14:creationId xmlns:p14="http://schemas.microsoft.com/office/powerpoint/2010/main" val="1115243989"/>
+      </p:ext>
+    </p:extLst>
+  </p:cSld>
+  <p:clrMapOvr>
+    <a:masterClrMapping/>
+  </p:clrMapOvr>
+</p:sld>
+</file>
+
+<file path=ppt/slides/slide12.xml><?xml version="1.0" encoding="utf-8"?>
 <p:sld xmlns:a="http://schemas.openxmlformats.org/drawingml/2006/main" xmlns:r="http://schemas.openxmlformats.org/officeDocument/2006/relationships" xmlns:p="http://schemas.openxmlformats.org/presentationml/2006/main">
   <p:cSld>
     <p:spTree>
@@ -14744,17 +15470,10 @@
   <p:clrMapOvr>
     <a:masterClrMapping/>
   </p:clrMapOvr>
-  <p:timing>
-    <p:tnLst>
-      <p:par>
-        <p:cTn id="1" dur="indefinite" restart="never" nodeType="tmRoot"/>
-      </p:par>
-    </p:tnLst>
-  </p:timing>
 </p:sld>
 </file>
 
-<file path=ppt/slides/slide11.xml><?xml version="1.0" encoding="utf-8"?>
+<file path=ppt/slides/slide13.xml><?xml version="1.0" encoding="utf-8"?>
 <p:sld xmlns:a="http://schemas.openxmlformats.org/drawingml/2006/main" xmlns:r="http://schemas.openxmlformats.org/officeDocument/2006/relationships" xmlns:p="http://schemas.openxmlformats.org/presentationml/2006/main">
   <p:cSld>
     <p:spTree>
@@ -14957,7 +15676,7 @@
 </p:sld>
 </file>
 
-<file path=ppt/slides/slide12.xml><?xml version="1.0" encoding="utf-8"?>
+<file path=ppt/slides/slide14.xml><?xml version="1.0" encoding="utf-8"?>
 <p:sld xmlns:a="http://schemas.openxmlformats.org/drawingml/2006/main" xmlns:r="http://schemas.openxmlformats.org/officeDocument/2006/relationships" xmlns:p="http://schemas.openxmlformats.org/presentationml/2006/main">
   <p:cSld>
     <p:spTree>
@@ -15062,17 +15781,10 @@
   <p:clrMapOvr>
     <a:masterClrMapping/>
   </p:clrMapOvr>
-  <p:timing>
-    <p:tnLst>
-      <p:par>
-        <p:cTn id="1" dur="indefinite" restart="never" nodeType="tmRoot"/>
-      </p:par>
-    </p:tnLst>
-  </p:timing>
 </p:sld>
 </file>
 
-<file path=ppt/slides/slide13.xml><?xml version="1.0" encoding="utf-8"?>
+<file path=ppt/slides/slide15.xml><?xml version="1.0" encoding="utf-8"?>
 <p:sld xmlns:a="http://schemas.openxmlformats.org/drawingml/2006/main" xmlns:r="http://schemas.openxmlformats.org/officeDocument/2006/relationships" xmlns:p="http://schemas.openxmlformats.org/presentationml/2006/main">
   <p:cSld>
     <p:spTree>
@@ -15170,17 +15882,10 @@
   <p:clrMapOvr>
     <a:masterClrMapping/>
   </p:clrMapOvr>
-  <p:timing>
-    <p:tnLst>
-      <p:par>
-        <p:cTn id="1" dur="indefinite" restart="never" nodeType="tmRoot"/>
-      </p:par>
-    </p:tnLst>
-  </p:timing>
 </p:sld>
 </file>
 
-<file path=ppt/slides/slide14.xml><?xml version="1.0" encoding="utf-8"?>
+<file path=ppt/slides/slide16.xml><?xml version="1.0" encoding="utf-8"?>
 <p:sld xmlns:a="http://schemas.openxmlformats.org/drawingml/2006/main" xmlns:r="http://schemas.openxmlformats.org/officeDocument/2006/relationships" xmlns:p="http://schemas.openxmlformats.org/presentationml/2006/main">
   <p:cSld>
     <p:spTree>
@@ -15856,7 +16561,7 @@
 </p:sld>
 </file>
 
-<file path=ppt/slides/slide15.xml><?xml version="1.0" encoding="utf-8"?>
+<file path=ppt/slides/slide17.xml><?xml version="1.0" encoding="utf-8"?>
 <p:sld xmlns:a="http://schemas.openxmlformats.org/drawingml/2006/main" xmlns:r="http://schemas.openxmlformats.org/officeDocument/2006/relationships" xmlns:p="http://schemas.openxmlformats.org/presentationml/2006/main">
   <p:cSld>
     <p:spTree>
@@ -15905,17 +16610,10 @@
   <p:clrMapOvr>
     <a:masterClrMapping/>
   </p:clrMapOvr>
-  <p:timing>
-    <p:tnLst>
-      <p:par>
-        <p:cTn id="1" dur="indefinite" restart="never" nodeType="tmRoot"/>
-      </p:par>
-    </p:tnLst>
-  </p:timing>
 </p:sld>
 </file>
 
-<file path=ppt/slides/slide16.xml><?xml version="1.0" encoding="utf-8"?>
+<file path=ppt/slides/slide18.xml><?xml version="1.0" encoding="utf-8"?>
 <p:sld xmlns:a="http://schemas.openxmlformats.org/drawingml/2006/main" xmlns:r="http://schemas.openxmlformats.org/officeDocument/2006/relationships" xmlns:p="http://schemas.openxmlformats.org/presentationml/2006/main">
   <p:cSld>
     <p:spTree>
@@ -15962,22 +16660,16 @@
               <a:t>class </a:t>
             </a:r>
             <a:r>
-              <a:rPr lang="en-US" sz="2400" dirty="0" err="1" smtClean="0">
+              <a:rPr lang="en-US" sz="2400" dirty="0" err="1">
                 <a:latin typeface="Consolas" panose="020B0609020204030204" pitchFamily="49" charset="0"/>
               </a:rPr>
               <a:t>TokenReader</a:t>
             </a:r>
             <a:r>
-              <a:rPr lang="en-US" sz="2400" dirty="0" smtClean="0">
-                <a:latin typeface="Consolas" panose="020B0609020204030204" pitchFamily="49" charset="0"/>
-              </a:rPr>
-              <a:t> </a:t>
-            </a:r>
-            <a:r>
               <a:rPr lang="en-US" sz="2400" dirty="0">
                 <a:latin typeface="Consolas" panose="020B0609020204030204" pitchFamily="49" charset="0"/>
               </a:rPr>
-              <a:t>{</a:t>
+              <a:t> {</a:t>
             </a:r>
           </a:p>
           <a:p>
@@ -15991,19 +16683,10 @@
                 </a:solidFill>
                 <a:latin typeface="Consolas" panose="020B0609020204030204" pitchFamily="49" charset="0"/>
               </a:rPr>
-              <a:t> </a:t>
-            </a:r>
-            <a:r>
-              <a:rPr lang="en-US" sz="2400" dirty="0" smtClean="0">
-                <a:solidFill>
-                  <a:srgbClr val="0000FF"/>
-                </a:solidFill>
-                <a:latin typeface="Consolas" panose="020B0609020204030204" pitchFamily="49" charset="0"/>
-              </a:rPr>
-              <a:t>   </a:t>
-            </a:r>
-            <a:r>
-              <a:rPr lang="en-US" sz="2400" dirty="0" smtClean="0">
+              <a:t>    </a:t>
+            </a:r>
+            <a:r>
+              <a:rPr lang="en-US" sz="2400" dirty="0">
                 <a:solidFill>
                   <a:schemeClr val="accent5">
                     <a:lumMod val="75000"/>
@@ -16014,19 +16697,19 @@
               <a:t>Token </a:t>
             </a:r>
             <a:r>
-              <a:rPr lang="en-US" sz="2400" dirty="0" err="1" smtClean="0">
+              <a:rPr lang="en-US" sz="2400" dirty="0" err="1">
                 <a:latin typeface="Consolas" panose="020B0609020204030204" pitchFamily="49" charset="0"/>
               </a:rPr>
               <a:t>ReadUntil</a:t>
             </a:r>
             <a:r>
-              <a:rPr lang="en-US" sz="2400" dirty="0" smtClean="0">
+              <a:rPr lang="en-US" sz="2400" dirty="0">
                 <a:latin typeface="Consolas" panose="020B0609020204030204" pitchFamily="49" charset="0"/>
               </a:rPr>
               <a:t>(</a:t>
             </a:r>
             <a:r>
-              <a:rPr lang="en-US" sz="2400" dirty="0" err="1" smtClean="0">
+              <a:rPr lang="en-US" sz="2400" dirty="0" err="1">
                 <a:solidFill>
                   <a:srgbClr val="0000FF"/>
                 </a:solidFill>
@@ -16035,7 +16718,7 @@
               <a:t>params</a:t>
             </a:r>
             <a:r>
-              <a:rPr lang="en-US" sz="2400" dirty="0" smtClean="0">
+              <a:rPr lang="en-US" sz="2400" dirty="0">
                 <a:solidFill>
                   <a:srgbClr val="0000FF"/>
                 </a:solidFill>
@@ -16044,13 +16727,13 @@
               <a:t> char</a:t>
             </a:r>
             <a:r>
-              <a:rPr lang="en-US" sz="2400" dirty="0" smtClean="0">
+              <a:rPr lang="en-US" sz="2400" dirty="0">
                 <a:latin typeface="Consolas" panose="020B0609020204030204" pitchFamily="49" charset="0"/>
               </a:rPr>
               <a:t>[] </a:t>
             </a:r>
             <a:r>
-              <a:rPr lang="en-US" sz="2400" dirty="0" err="1" smtClean="0">
+              <a:rPr lang="en-US" sz="2400" dirty="0" err="1">
                 <a:latin typeface="Consolas" panose="020B0609020204030204" pitchFamily="49" charset="0"/>
               </a:rPr>
               <a:t>stopChars</a:t>
@@ -16073,19 +16756,10 @@
                 </a:solidFill>
                 <a:latin typeface="Consolas" panose="020B0609020204030204" pitchFamily="49" charset="0"/>
               </a:rPr>
-              <a:t> </a:t>
-            </a:r>
-            <a:r>
-              <a:rPr lang="en-US" sz="2400" dirty="0" smtClean="0">
-                <a:solidFill>
-                  <a:srgbClr val="0000FF"/>
-                </a:solidFill>
-                <a:latin typeface="Consolas" panose="020B0609020204030204" pitchFamily="49" charset="0"/>
-              </a:rPr>
-              <a:t>   </a:t>
-            </a:r>
-            <a:r>
-              <a:rPr lang="en-US" sz="2400" dirty="0" smtClean="0">
+              <a:t>    </a:t>
+            </a:r>
+            <a:r>
+              <a:rPr lang="en-US" sz="2400" dirty="0">
                 <a:solidFill>
                   <a:schemeClr val="accent5">
                     <a:lumMod val="75000"/>
@@ -16096,31 +16770,31 @@
               <a:t>Token </a:t>
             </a:r>
             <a:r>
-              <a:rPr lang="en-US" sz="2400" dirty="0" err="1" smtClean="0">
+              <a:rPr lang="en-US" sz="2400" dirty="0" err="1">
                 <a:latin typeface="Consolas" panose="020B0609020204030204" pitchFamily="49" charset="0"/>
               </a:rPr>
               <a:t>ReadUntil</a:t>
             </a:r>
             <a:r>
-              <a:rPr lang="en-US" sz="2400" dirty="0" smtClean="0">
+              <a:rPr lang="en-US" sz="2400" dirty="0">
                 <a:latin typeface="Consolas" panose="020B0609020204030204" pitchFamily="49" charset="0"/>
               </a:rPr>
               <a:t>(</a:t>
             </a:r>
             <a:r>
-              <a:rPr lang="en-US" sz="2400" dirty="0" err="1" smtClean="0">
+              <a:rPr lang="en-US" sz="2400" dirty="0" err="1">
                 <a:latin typeface="Consolas" panose="020B0609020204030204" pitchFamily="49" charset="0"/>
               </a:rPr>
               <a:t>Func</a:t>
             </a:r>
             <a:r>
-              <a:rPr lang="en-US" sz="2400" dirty="0" smtClean="0">
+              <a:rPr lang="en-US" sz="2400" dirty="0">
                 <a:latin typeface="Consolas" panose="020B0609020204030204" pitchFamily="49" charset="0"/>
               </a:rPr>
               <a:t>&lt;</a:t>
             </a:r>
             <a:r>
-              <a:rPr lang="en-US" sz="2400" dirty="0" smtClean="0">
+              <a:rPr lang="en-US" sz="2400" dirty="0">
                 <a:solidFill>
                   <a:srgbClr val="0000FF"/>
                 </a:solidFill>
@@ -16173,19 +16847,10 @@
                 </a:solidFill>
                 <a:latin typeface="Consolas" panose="020B0609020204030204" pitchFamily="49" charset="0"/>
               </a:rPr>
-              <a:t> </a:t>
-            </a:r>
-            <a:r>
-              <a:rPr lang="en-US" sz="2400" dirty="0" smtClean="0">
-                <a:solidFill>
-                  <a:srgbClr val="0000FF"/>
-                </a:solidFill>
-                <a:latin typeface="Consolas" panose="020B0609020204030204" pitchFamily="49" charset="0"/>
-              </a:rPr>
-              <a:t>   </a:t>
-            </a:r>
-            <a:r>
-              <a:rPr lang="en-US" sz="2400" dirty="0" smtClean="0">
+              <a:t>    </a:t>
+            </a:r>
+            <a:r>
+              <a:rPr lang="en-US" sz="2400" dirty="0">
                 <a:solidFill>
                   <a:schemeClr val="accent5">
                     <a:lumMod val="75000"/>
@@ -16196,19 +16861,19 @@
               <a:t>Token </a:t>
             </a:r>
             <a:r>
-              <a:rPr lang="en-US" sz="2400" dirty="0" err="1" smtClean="0">
+              <a:rPr lang="en-US" sz="2400" dirty="0" err="1">
                 <a:latin typeface="Consolas" panose="020B0609020204030204" pitchFamily="49" charset="0"/>
               </a:rPr>
               <a:t>ReadWhile</a:t>
             </a:r>
             <a:r>
-              <a:rPr lang="en-US" sz="2400" dirty="0" smtClean="0">
+              <a:rPr lang="en-US" sz="2400" dirty="0">
                 <a:latin typeface="Consolas" panose="020B0609020204030204" pitchFamily="49" charset="0"/>
               </a:rPr>
               <a:t>(</a:t>
             </a:r>
             <a:r>
-              <a:rPr lang="en-US" sz="2400" dirty="0" err="1" smtClean="0">
+              <a:rPr lang="en-US" sz="2400" dirty="0" err="1">
                 <a:solidFill>
                   <a:srgbClr val="0000FF"/>
                 </a:solidFill>
@@ -16217,7 +16882,7 @@
               <a:t>params</a:t>
             </a:r>
             <a:r>
-              <a:rPr lang="en-US" sz="2400" dirty="0" smtClean="0">
+              <a:rPr lang="en-US" sz="2400" dirty="0">
                 <a:solidFill>
                   <a:srgbClr val="0000FF"/>
                 </a:solidFill>
@@ -16226,34 +16891,22 @@
               <a:t> char</a:t>
             </a:r>
             <a:r>
-              <a:rPr lang="en-US" sz="2400" dirty="0" smtClean="0">
-                <a:latin typeface="Consolas" panose="020B0609020204030204" pitchFamily="49" charset="0"/>
-              </a:rPr>
-              <a:t>[]</a:t>
-            </a:r>
-            <a:r>
               <a:rPr lang="en-US" sz="2400" dirty="0">
                 <a:latin typeface="Consolas" panose="020B0609020204030204" pitchFamily="49" charset="0"/>
               </a:rPr>
-              <a:t> </a:t>
-            </a:r>
-            <a:r>
-              <a:rPr lang="en-US" sz="2400" dirty="0" err="1" smtClean="0">
+              <a:t>[] </a:t>
+            </a:r>
+            <a:r>
+              <a:rPr lang="en-US" sz="2400" dirty="0" err="1">
                 <a:latin typeface="Consolas" panose="020B0609020204030204" pitchFamily="49" charset="0"/>
               </a:rPr>
               <a:t>acceptableChars</a:t>
             </a:r>
             <a:r>
-              <a:rPr lang="en-US" sz="2400" dirty="0" smtClean="0">
+              <a:rPr lang="en-US" sz="2400" dirty="0">
                 <a:latin typeface="Consolas" panose="020B0609020204030204" pitchFamily="49" charset="0"/>
               </a:rPr>
               <a:t>);</a:t>
-            </a:r>
-            <a:r>
-              <a:rPr lang="en-US" sz="2400" dirty="0">
-                <a:latin typeface="Consolas" panose="020B0609020204030204" pitchFamily="49" charset="0"/>
-              </a:rPr>
-              <a:t/>
             </a:r>
             <a:br>
               <a:rPr lang="en-US" sz="2400" dirty="0">
@@ -16267,19 +16920,10 @@
                 </a:solidFill>
                 <a:latin typeface="Consolas" panose="020B0609020204030204" pitchFamily="49" charset="0"/>
               </a:rPr>
-              <a:t> </a:t>
-            </a:r>
-            <a:r>
-              <a:rPr lang="en-US" sz="2400" dirty="0" smtClean="0">
-                <a:solidFill>
-                  <a:srgbClr val="0000FF"/>
-                </a:solidFill>
-                <a:latin typeface="Consolas" panose="020B0609020204030204" pitchFamily="49" charset="0"/>
-              </a:rPr>
-              <a:t>   </a:t>
-            </a:r>
-            <a:r>
-              <a:rPr lang="en-US" sz="2400" dirty="0" smtClean="0">
+              <a:t>    </a:t>
+            </a:r>
+            <a:r>
+              <a:rPr lang="en-US" sz="2400" dirty="0">
                 <a:solidFill>
                   <a:schemeClr val="accent5">
                     <a:lumMod val="75000"/>
@@ -16290,31 +16934,31 @@
               <a:t>Token </a:t>
             </a:r>
             <a:r>
-              <a:rPr lang="en-US" sz="2400" dirty="0" err="1" smtClean="0">
+              <a:rPr lang="en-US" sz="2400" dirty="0" err="1">
                 <a:latin typeface="Consolas" panose="020B0609020204030204" pitchFamily="49" charset="0"/>
               </a:rPr>
               <a:t>ReadWhile</a:t>
             </a:r>
             <a:r>
-              <a:rPr lang="en-US" sz="2400" dirty="0" smtClean="0">
+              <a:rPr lang="en-US" sz="2400" dirty="0">
                 <a:latin typeface="Consolas" panose="020B0609020204030204" pitchFamily="49" charset="0"/>
               </a:rPr>
               <a:t>(</a:t>
             </a:r>
             <a:r>
-              <a:rPr lang="en-US" sz="2400" dirty="0" err="1" smtClean="0">
+              <a:rPr lang="en-US" sz="2400" dirty="0" err="1">
                 <a:latin typeface="Consolas" panose="020B0609020204030204" pitchFamily="49" charset="0"/>
               </a:rPr>
               <a:t>Func</a:t>
             </a:r>
             <a:r>
-              <a:rPr lang="en-US" sz="2400" dirty="0" smtClean="0">
+              <a:rPr lang="en-US" sz="2400" dirty="0">
                 <a:latin typeface="Consolas" panose="020B0609020204030204" pitchFamily="49" charset="0"/>
               </a:rPr>
               <a:t>&lt;</a:t>
             </a:r>
             <a:r>
-              <a:rPr lang="en-US" sz="2400" dirty="0" smtClean="0">
+              <a:rPr lang="en-US" sz="2400" dirty="0">
                 <a:solidFill>
                   <a:srgbClr val="0000FF"/>
                 </a:solidFill>
@@ -16352,16 +16996,10 @@
               <a:rPr lang="en-US" sz="2400" dirty="0">
                 <a:latin typeface="Consolas" panose="020B0609020204030204" pitchFamily="49" charset="0"/>
               </a:rPr>
-              <a:t> </a:t>
-            </a:r>
-            <a:r>
-              <a:rPr lang="en-US" sz="2400" dirty="0" smtClean="0">
-                <a:latin typeface="Consolas" panose="020B0609020204030204" pitchFamily="49" charset="0"/>
-              </a:rPr>
-              <a:t>   </a:t>
-            </a:r>
-            <a:r>
-              <a:rPr lang="en-US" sz="2400" dirty="0" err="1" smtClean="0">
+              <a:t>    </a:t>
+            </a:r>
+            <a:r>
+              <a:rPr lang="en-US" sz="2400" dirty="0" err="1">
                 <a:solidFill>
                   <a:srgbClr val="0000FF"/>
                 </a:solidFill>
@@ -16373,19 +17011,7 @@
               <a:rPr lang="en-US" sz="2400" dirty="0">
                 <a:latin typeface="Consolas" panose="020B0609020204030204" pitchFamily="49" charset="0"/>
               </a:rPr>
-              <a:t> </a:t>
-            </a:r>
-            <a:r>
-              <a:rPr lang="en-US" sz="2400" dirty="0" smtClean="0">
-                <a:latin typeface="Consolas" panose="020B0609020204030204" pitchFamily="49" charset="0"/>
-              </a:rPr>
-              <a:t>Position </a:t>
-            </a:r>
-            <a:r>
-              <a:rPr lang="en-US" sz="2400" dirty="0">
-                <a:latin typeface="Consolas" panose="020B0609020204030204" pitchFamily="49" charset="0"/>
-              </a:rPr>
-              <a:t>{ </a:t>
+              <a:t> Position { </a:t>
             </a:r>
             <a:r>
               <a:rPr lang="en-US" sz="2400" dirty="0">
@@ -16609,7 +17235,7 @@
 </p:sld>
 </file>
 
-<file path=ppt/slides/slide17.xml><?xml version="1.0" encoding="utf-8"?>
+<file path=ppt/slides/slide19.xml><?xml version="1.0" encoding="utf-8"?>
 <p:sld xmlns:a="http://schemas.openxmlformats.org/drawingml/2006/main" xmlns:r="http://schemas.openxmlformats.org/officeDocument/2006/relationships" xmlns:p="http://schemas.openxmlformats.org/presentationml/2006/main">
   <p:cSld>
     <p:spTree>
@@ -16706,7 +17332,7 @@
               <a:t>	</a:t>
             </a:r>
             <a:r>
-              <a:rPr lang="en-US" sz="2800" dirty="0" smtClean="0">
+              <a:rPr lang="en-US" sz="2800" dirty="0">
                 <a:solidFill>
                   <a:schemeClr val="accent5">
                     <a:lumMod val="75000"/>
@@ -16723,13 +17349,13 @@
               <a:t> </a:t>
             </a:r>
             <a:r>
-              <a:rPr lang="en-US" sz="2800" dirty="0" err="1" smtClean="0">
+              <a:rPr lang="en-US" sz="2800" dirty="0" err="1">
                 <a:latin typeface="Consolas" panose="020B0609020204030204" pitchFamily="49" charset="0"/>
               </a:rPr>
               <a:t>SkipSpaces</a:t>
             </a:r>
             <a:r>
-              <a:rPr lang="en-US" sz="2800" dirty="0" smtClean="0">
+              <a:rPr lang="en-US" sz="2800" dirty="0">
                 <a:latin typeface="Consolas" panose="020B0609020204030204" pitchFamily="49" charset="0"/>
               </a:rPr>
               <a:t>(</a:t>
@@ -16744,13 +17370,13 @@
               <a:t>this</a:t>
             </a:r>
             <a:r>
-              <a:rPr lang="en-US" sz="2800" dirty="0" smtClean="0">
+              <a:rPr lang="en-US" sz="2800" dirty="0">
                 <a:latin typeface="Consolas" panose="020B0609020204030204" pitchFamily="49" charset="0"/>
               </a:rPr>
               <a:t> </a:t>
             </a:r>
             <a:r>
-              <a:rPr lang="en-US" sz="2800" dirty="0" err="1" smtClean="0">
+              <a:rPr lang="en-US" sz="2800" dirty="0" err="1">
                 <a:solidFill>
                   <a:schemeClr val="accent5">
                     <a:lumMod val="75000"/>
@@ -16761,7 +17387,7 @@
               <a:t>TokenReader</a:t>
             </a:r>
             <a:r>
-              <a:rPr lang="en-US" sz="2800" dirty="0" smtClean="0">
+              <a:rPr lang="en-US" sz="2800" dirty="0">
                 <a:solidFill>
                   <a:srgbClr val="0000FF"/>
                 </a:solidFill>
@@ -16770,14 +17396,11 @@
               <a:t> </a:t>
             </a:r>
             <a:r>
-              <a:rPr lang="en-US" sz="2800" dirty="0" smtClean="0">
+              <a:rPr lang="en-US" sz="2800" dirty="0">
                 <a:latin typeface="Consolas" panose="020B0609020204030204" pitchFamily="49" charset="0"/>
               </a:rPr>
               <a:t>reader) </a:t>
             </a:r>
-            <a:endParaRPr lang="en-US" sz="2800" dirty="0">
-              <a:latin typeface="Consolas" panose="020B0609020204030204" pitchFamily="49" charset="0"/>
-            </a:endParaRPr>
           </a:p>
           <a:p>
             <a:pPr marL="0" indent="0">
@@ -16793,7 +17416,7 @@
               <a:t>	</a:t>
             </a:r>
             <a:r>
-              <a:rPr lang="en-US" sz="2800" dirty="0" smtClean="0">
+              <a:rPr lang="en-US" sz="2800" dirty="0">
                 <a:solidFill>
                   <a:schemeClr val="accent5">
                     <a:lumMod val="75000"/>
@@ -16810,13 +17433,13 @@
               <a:t> </a:t>
             </a:r>
             <a:r>
-              <a:rPr lang="en-US" sz="2800" dirty="0" err="1" smtClean="0">
+              <a:rPr lang="en-US" sz="2800" dirty="0" err="1">
                 <a:latin typeface="Consolas" panose="020B0609020204030204" pitchFamily="49" charset="0"/>
               </a:rPr>
               <a:t>ReadField</a:t>
             </a:r>
             <a:r>
-              <a:rPr lang="en-US" sz="2800" dirty="0" smtClean="0">
+              <a:rPr lang="en-US" sz="2800" dirty="0">
                 <a:latin typeface="Consolas" panose="020B0609020204030204" pitchFamily="49" charset="0"/>
               </a:rPr>
               <a:t>(</a:t>
@@ -16837,7 +17460,7 @@
               <a:t> </a:t>
             </a:r>
             <a:r>
-              <a:rPr lang="en-US" sz="2800" dirty="0" err="1" smtClean="0">
+              <a:rPr lang="en-US" sz="2800" dirty="0" err="1">
                 <a:solidFill>
                   <a:schemeClr val="accent5">
                     <a:lumMod val="75000"/>
@@ -16848,7 +17471,7 @@
               <a:t>TokenReader</a:t>
             </a:r>
             <a:r>
-              <a:rPr lang="en-US" sz="2800" dirty="0" smtClean="0">
+              <a:rPr lang="en-US" sz="2800" dirty="0">
                 <a:solidFill>
                   <a:srgbClr val="0000FF"/>
                 </a:solidFill>
@@ -16860,24 +17483,15 @@
               <a:rPr lang="en-US" sz="2800" dirty="0">
                 <a:latin typeface="Consolas" panose="020B0609020204030204" pitchFamily="49" charset="0"/>
               </a:rPr>
-              <a:t>reader</a:t>
-            </a:r>
-            <a:r>
-              <a:rPr lang="en-US" sz="2800" dirty="0" smtClean="0">
-                <a:latin typeface="Consolas" panose="020B0609020204030204" pitchFamily="49" charset="0"/>
-              </a:rPr>
-              <a:t>) </a:t>
-            </a:r>
-            <a:endParaRPr lang="en-US" sz="2800" dirty="0">
-              <a:latin typeface="Consolas" panose="020B0609020204030204" pitchFamily="49" charset="0"/>
-            </a:endParaRPr>
+              <a:t>reader) </a:t>
+            </a:r>
           </a:p>
           <a:p>
             <a:pPr marL="400050" lvl="1" indent="0">
               <a:buNone/>
             </a:pPr>
             <a:r>
-              <a:rPr lang="en-US" sz="2400" dirty="0" smtClean="0">
+              <a:rPr lang="en-US" sz="2400" dirty="0">
                 <a:solidFill>
                   <a:srgbClr val="0000FF"/>
                 </a:solidFill>
@@ -16886,7 +17500,7 @@
               <a:t>	    </a:t>
             </a:r>
             <a:r>
-              <a:rPr lang="en-US" sz="2400" dirty="0" smtClean="0">
+              <a:rPr lang="en-US" sz="2400" dirty="0">
                 <a:solidFill>
                   <a:schemeClr val="accent5">
                     <a:lumMod val="75000"/>
@@ -16903,13 +17517,13 @@
               <a:t> </a:t>
             </a:r>
             <a:r>
-              <a:rPr lang="en-US" sz="2400" dirty="0" err="1" smtClean="0">
+              <a:rPr lang="en-US" sz="2400" dirty="0" err="1">
                 <a:latin typeface="Consolas" panose="020B0609020204030204" pitchFamily="49" charset="0"/>
               </a:rPr>
               <a:t>ReadSimpleField</a:t>
             </a:r>
             <a:r>
-              <a:rPr lang="en-US" sz="2400" dirty="0" smtClean="0">
+              <a:rPr lang="en-US" sz="2400" dirty="0">
                 <a:latin typeface="Consolas" panose="020B0609020204030204" pitchFamily="49" charset="0"/>
               </a:rPr>
               <a:t>(</a:t>
@@ -16930,7 +17544,7 @@
               <a:t> </a:t>
             </a:r>
             <a:r>
-              <a:rPr lang="en-US" sz="2400" dirty="0" err="1" smtClean="0">
+              <a:rPr lang="en-US" sz="2400" dirty="0" err="1">
                 <a:solidFill>
                   <a:schemeClr val="accent5">
                     <a:lumMod val="75000"/>
@@ -16941,7 +17555,7 @@
               <a:t>TokenReader</a:t>
             </a:r>
             <a:r>
-              <a:rPr lang="en-US" sz="2400" dirty="0" smtClean="0">
+              <a:rPr lang="en-US" sz="2400" dirty="0">
                 <a:solidFill>
                   <a:srgbClr val="0000FF"/>
                 </a:solidFill>
@@ -16953,17 +17567,8 @@
               <a:rPr lang="en-US" sz="2400" dirty="0">
                 <a:latin typeface="Consolas" panose="020B0609020204030204" pitchFamily="49" charset="0"/>
               </a:rPr>
-              <a:t>reader</a:t>
-            </a:r>
-            <a:r>
-              <a:rPr lang="en-US" sz="2400" dirty="0" smtClean="0">
-                <a:latin typeface="Consolas" panose="020B0609020204030204" pitchFamily="49" charset="0"/>
-              </a:rPr>
-              <a:t>) </a:t>
-            </a:r>
-            <a:endParaRPr lang="en-US" sz="2400" dirty="0">
-              <a:latin typeface="Consolas" panose="020B0609020204030204" pitchFamily="49" charset="0"/>
-            </a:endParaRPr>
+              <a:t>reader) </a:t>
+            </a:r>
           </a:p>
           <a:p>
             <a:pPr marL="400050" lvl="1" indent="0">
@@ -16976,19 +17581,10 @@
                 </a:solidFill>
                 <a:latin typeface="Consolas" panose="020B0609020204030204" pitchFamily="49" charset="0"/>
               </a:rPr>
-              <a:t>	</a:t>
-            </a:r>
-            <a:r>
-              <a:rPr lang="en-US" sz="2400" dirty="0" smtClean="0">
-                <a:solidFill>
-                  <a:srgbClr val="0000FF"/>
-                </a:solidFill>
-                <a:latin typeface="Consolas" panose="020B0609020204030204" pitchFamily="49" charset="0"/>
-              </a:rPr>
-              <a:t>    </a:t>
-            </a:r>
-            <a:r>
-              <a:rPr lang="en-US" sz="2400" dirty="0" smtClean="0">
+              <a:t>	    </a:t>
+            </a:r>
+            <a:r>
+              <a:rPr lang="en-US" sz="2400" dirty="0">
                 <a:solidFill>
                   <a:schemeClr val="accent5">
                     <a:lumMod val="75000"/>
@@ -17005,13 +17601,13 @@
               <a:t> </a:t>
             </a:r>
             <a:r>
-              <a:rPr lang="en-US" sz="2400" dirty="0" err="1" smtClean="0">
+              <a:rPr lang="en-US" sz="2400" dirty="0" err="1">
                 <a:latin typeface="Consolas" panose="020B0609020204030204" pitchFamily="49" charset="0"/>
               </a:rPr>
               <a:t>ReadQuotedField</a:t>
             </a:r>
             <a:r>
-              <a:rPr lang="en-US" sz="2400" dirty="0" smtClean="0">
+              <a:rPr lang="en-US" sz="2400" dirty="0">
                 <a:latin typeface="Consolas" panose="020B0609020204030204" pitchFamily="49" charset="0"/>
               </a:rPr>
               <a:t>(</a:t>
@@ -17032,7 +17628,7 @@
               <a:t> </a:t>
             </a:r>
             <a:r>
-              <a:rPr lang="en-US" sz="2400" dirty="0" err="1" smtClean="0">
+              <a:rPr lang="en-US" sz="2400" dirty="0" err="1">
                 <a:solidFill>
                   <a:schemeClr val="accent5">
                     <a:lumMod val="75000"/>
@@ -17043,7 +17639,7 @@
               <a:t>TokenReader</a:t>
             </a:r>
             <a:r>
-              <a:rPr lang="en-US" sz="2400" dirty="0" smtClean="0">
+              <a:rPr lang="en-US" sz="2400" dirty="0">
                 <a:solidFill>
                   <a:srgbClr val="0000FF"/>
                 </a:solidFill>
@@ -17055,13 +17651,7 @@
               <a:rPr lang="en-US" sz="2400" dirty="0">
                 <a:latin typeface="Consolas" panose="020B0609020204030204" pitchFamily="49" charset="0"/>
               </a:rPr>
-              <a:t>reader</a:t>
-            </a:r>
-            <a:r>
-              <a:rPr lang="en-US" sz="2400" dirty="0" smtClean="0">
-                <a:latin typeface="Consolas" panose="020B0609020204030204" pitchFamily="49" charset="0"/>
-              </a:rPr>
-              <a:t>)</a:t>
+              <a:t>reader)</a:t>
             </a:r>
             <a:endParaRPr lang="ru-RU" sz="2400" dirty="0">
               <a:latin typeface="Consolas" panose="020B0609020204030204" pitchFamily="49" charset="0"/>
@@ -17343,7 +17933,428 @@
 </p:sld>
 </file>
 
-<file path=ppt/slides/slide18.xml><?xml version="1.0" encoding="utf-8"?>
+<file path=ppt/slides/slide2.xml><?xml version="1.0" encoding="utf-8"?>
+<p:sld xmlns:a="http://schemas.openxmlformats.org/drawingml/2006/main" xmlns:r="http://schemas.openxmlformats.org/officeDocument/2006/relationships" xmlns:p="http://schemas.openxmlformats.org/presentationml/2006/main">
+  <p:cSld>
+    <p:spTree>
+      <p:nvGrpSpPr>
+        <p:cNvPr id="1" name=""/>
+        <p:cNvGrpSpPr/>
+        <p:nvPr/>
+      </p:nvGrpSpPr>
+      <p:grpSpPr>
+        <a:xfrm>
+          <a:off x="0" y="0"/>
+          <a:ext cx="0" cy="0"/>
+          <a:chOff x="0" y="0"/>
+          <a:chExt cx="0" cy="0"/>
+        </a:xfrm>
+      </p:grpSpPr>
+      <p:sp>
+        <p:nvSpPr>
+          <p:cNvPr id="2" name="Объект 1"/>
+          <p:cNvSpPr>
+            <a:spLocks noGrp="1"/>
+          </p:cNvSpPr>
+          <p:nvPr>
+            <p:ph sz="quarter" idx="13"/>
+          </p:nvPr>
+        </p:nvSpPr>
+        <p:spPr/>
+        <p:txBody>
+          <a:bodyPr/>
+          <a:lstStyle/>
+          <a:p>
+            <a:r>
+              <a:rPr lang="ru-RU" dirty="0"/>
+              <a:t>Большие проекты</a:t>
+            </a:r>
+          </a:p>
+          <a:p>
+            <a:r>
+              <a:rPr lang="ru-RU" dirty="0"/>
+              <a:t>Большие команды</a:t>
+            </a:r>
+          </a:p>
+          <a:p>
+            <a:r>
+              <a:rPr lang="ru-RU" dirty="0"/>
+              <a:t>Длительное сопровождение</a:t>
+            </a:r>
+          </a:p>
+        </p:txBody>
+      </p:sp>
+      <p:sp>
+        <p:nvSpPr>
+          <p:cNvPr id="3" name="Заголовок 2"/>
+          <p:cNvSpPr>
+            <a:spLocks noGrp="1"/>
+          </p:cNvSpPr>
+          <p:nvPr>
+            <p:ph type="title"/>
+          </p:nvPr>
+        </p:nvSpPr>
+        <p:spPr/>
+        <p:txBody>
+          <a:bodyPr/>
+          <a:lstStyle/>
+          <a:p>
+            <a:r>
+              <a:rPr lang="ru-RU" sz="4000" dirty="0"/>
+              <a:t>Зачем заботиться о качестве кода?</a:t>
+            </a:r>
+            <a:endParaRPr lang="en-US" sz="4000" dirty="0"/>
+          </a:p>
+        </p:txBody>
+      </p:sp>
+      <p:sp>
+        <p:nvSpPr>
+          <p:cNvPr id="4" name="TextBox 3">
+            <a:extLst>
+              <a:ext uri="{FF2B5EF4-FFF2-40B4-BE49-F238E27FC236}">
+                <a16:creationId xmlns:a16="http://schemas.microsoft.com/office/drawing/2014/main" id="{F37AF362-5772-48E5-9642-F3C093F60721}"/>
+              </a:ext>
+            </a:extLst>
+          </p:cNvPr>
+          <p:cNvSpPr txBox="1"/>
+          <p:nvPr/>
+        </p:nvSpPr>
+        <p:spPr>
+          <a:xfrm rot="20880000">
+            <a:off x="5215142" y="4035010"/>
+            <a:ext cx="5747792" cy="523220"/>
+          </a:xfrm>
+          <a:prstGeom prst="rect">
+            <a:avLst/>
+          </a:prstGeom>
+          <a:noFill/>
+        </p:spPr>
+        <p:txBody>
+          <a:bodyPr wrap="none" rtlCol="0">
+            <a:spAutoFit/>
+          </a:bodyPr>
+          <a:lstStyle/>
+          <a:p>
+            <a:pPr algn="ctr"/>
+            <a:r>
+              <a:rPr lang="ru-RU" sz="2800" i="1" dirty="0">
+                <a:solidFill>
+                  <a:schemeClr val="accent1"/>
+                </a:solidFill>
+              </a:rPr>
+              <a:t>А когда качество важно меньше?</a:t>
+            </a:r>
+          </a:p>
+        </p:txBody>
+      </p:sp>
+      <p:sp>
+        <p:nvSpPr>
+          <p:cNvPr id="5" name="TextBox 4">
+            <a:extLst>
+              <a:ext uri="{FF2B5EF4-FFF2-40B4-BE49-F238E27FC236}">
+                <a16:creationId xmlns:a16="http://schemas.microsoft.com/office/drawing/2014/main" id="{350CB845-F4E4-4F9F-BC85-C16ADFA63903}"/>
+              </a:ext>
+            </a:extLst>
+          </p:cNvPr>
+          <p:cNvSpPr txBox="1"/>
+          <p:nvPr/>
+        </p:nvSpPr>
+        <p:spPr>
+          <a:xfrm rot="20880000">
+            <a:off x="5751402" y="4455421"/>
+            <a:ext cx="5173660" cy="1384995"/>
+          </a:xfrm>
+          <a:prstGeom prst="rect">
+            <a:avLst/>
+          </a:prstGeom>
+          <a:noFill/>
+        </p:spPr>
+        <p:txBody>
+          <a:bodyPr wrap="none" rtlCol="0">
+            <a:spAutoFit/>
+          </a:bodyPr>
+          <a:lstStyle/>
+          <a:p>
+            <a:pPr marL="457200" indent="-457200">
+              <a:buFont typeface="Arial" panose="020B0604020202020204" pitchFamily="34" charset="0"/>
+              <a:buChar char="•"/>
+            </a:pPr>
+            <a:r>
+              <a:rPr lang="ru-RU" sz="2800" i="1" dirty="0"/>
+              <a:t>Заказная разработка</a:t>
+            </a:r>
+          </a:p>
+          <a:p>
+            <a:pPr marL="457200" indent="-457200">
+              <a:buFont typeface="Arial" panose="020B0604020202020204" pitchFamily="34" charset="0"/>
+              <a:buChar char="•"/>
+            </a:pPr>
+            <a:r>
+              <a:rPr lang="ru-RU" sz="2800" i="1" dirty="0"/>
+              <a:t>Проверка научных гипотез</a:t>
+            </a:r>
+          </a:p>
+          <a:p>
+            <a:pPr marL="457200" indent="-457200">
+              <a:buFont typeface="Arial" panose="020B0604020202020204" pitchFamily="34" charset="0"/>
+              <a:buChar char="•"/>
+            </a:pPr>
+            <a:r>
+              <a:rPr lang="ru-RU" sz="2800" i="1" dirty="0"/>
+              <a:t>Начало стартапа</a:t>
+            </a:r>
+          </a:p>
+        </p:txBody>
+      </p:sp>
+    </p:spTree>
+    <p:extLst>
+      <p:ext uri="{BB962C8B-B14F-4D97-AF65-F5344CB8AC3E}">
+        <p14:creationId xmlns:p14="http://schemas.microsoft.com/office/powerpoint/2010/main" val="2981250038"/>
+      </p:ext>
+    </p:extLst>
+  </p:cSld>
+  <p:clrMapOvr>
+    <a:masterClrMapping/>
+  </p:clrMapOvr>
+  <p:timing>
+    <p:tnLst>
+      <p:par>
+        <p:cTn id="1" dur="indefinite" restart="never" nodeType="tmRoot">
+          <p:childTnLst>
+            <p:seq concurrent="1" nextAc="seek">
+              <p:cTn id="2" dur="indefinite" nodeType="mainSeq">
+                <p:childTnLst>
+                  <p:par>
+                    <p:cTn id="3" fill="hold">
+                      <p:stCondLst>
+                        <p:cond delay="indefinite"/>
+                      </p:stCondLst>
+                      <p:childTnLst>
+                        <p:par>
+                          <p:cTn id="4" fill="hold">
+                            <p:stCondLst>
+                              <p:cond delay="0"/>
+                            </p:stCondLst>
+                            <p:childTnLst>
+                              <p:par>
+                                <p:cTn id="5" presetID="1" presetClass="entr" presetSubtype="0" fill="hold" nodeType="clickEffect">
+                                  <p:stCondLst>
+                                    <p:cond delay="0"/>
+                                  </p:stCondLst>
+                                  <p:childTnLst>
+                                    <p:set>
+                                      <p:cBhvr>
+                                        <p:cTn id="6" dur="1" fill="hold">
+                                          <p:stCondLst>
+                                            <p:cond delay="0"/>
+                                          </p:stCondLst>
+                                        </p:cTn>
+                                        <p:tgtEl>
+                                          <p:spTgt spid="2">
+                                            <p:txEl>
+                                              <p:pRg st="0" end="0"/>
+                                            </p:txEl>
+                                          </p:spTgt>
+                                        </p:tgtEl>
+                                        <p:attrNameLst>
+                                          <p:attrName>style.visibility</p:attrName>
+                                        </p:attrNameLst>
+                                      </p:cBhvr>
+                                      <p:to>
+                                        <p:strVal val="visible"/>
+                                      </p:to>
+                                    </p:set>
+                                  </p:childTnLst>
+                                </p:cTn>
+                              </p:par>
+                              <p:par>
+                                <p:cTn id="7" presetID="1" presetClass="entr" presetSubtype="0" fill="hold" nodeType="withEffect">
+                                  <p:stCondLst>
+                                    <p:cond delay="0"/>
+                                  </p:stCondLst>
+                                  <p:childTnLst>
+                                    <p:set>
+                                      <p:cBhvr>
+                                        <p:cTn id="8" dur="1" fill="hold">
+                                          <p:stCondLst>
+                                            <p:cond delay="0"/>
+                                          </p:stCondLst>
+                                        </p:cTn>
+                                        <p:tgtEl>
+                                          <p:spTgt spid="2">
+                                            <p:txEl>
+                                              <p:pRg st="1" end="1"/>
+                                            </p:txEl>
+                                          </p:spTgt>
+                                        </p:tgtEl>
+                                        <p:attrNameLst>
+                                          <p:attrName>style.visibility</p:attrName>
+                                        </p:attrNameLst>
+                                      </p:cBhvr>
+                                      <p:to>
+                                        <p:strVal val="visible"/>
+                                      </p:to>
+                                    </p:set>
+                                  </p:childTnLst>
+                                </p:cTn>
+                              </p:par>
+                              <p:par>
+                                <p:cTn id="9" presetID="1" presetClass="entr" presetSubtype="0" fill="hold" nodeType="withEffect">
+                                  <p:stCondLst>
+                                    <p:cond delay="0"/>
+                                  </p:stCondLst>
+                                  <p:childTnLst>
+                                    <p:set>
+                                      <p:cBhvr>
+                                        <p:cTn id="10" dur="1" fill="hold">
+                                          <p:stCondLst>
+                                            <p:cond delay="0"/>
+                                          </p:stCondLst>
+                                        </p:cTn>
+                                        <p:tgtEl>
+                                          <p:spTgt spid="2">
+                                            <p:txEl>
+                                              <p:pRg st="2" end="2"/>
+                                            </p:txEl>
+                                          </p:spTgt>
+                                        </p:tgtEl>
+                                        <p:attrNameLst>
+                                          <p:attrName>style.visibility</p:attrName>
+                                        </p:attrNameLst>
+                                      </p:cBhvr>
+                                      <p:to>
+                                        <p:strVal val="visible"/>
+                                      </p:to>
+                                    </p:set>
+                                  </p:childTnLst>
+                                </p:cTn>
+                              </p:par>
+                            </p:childTnLst>
+                          </p:cTn>
+                        </p:par>
+                      </p:childTnLst>
+                    </p:cTn>
+                  </p:par>
+                  <p:par>
+                    <p:cTn id="11" fill="hold">
+                      <p:stCondLst>
+                        <p:cond delay="indefinite"/>
+                      </p:stCondLst>
+                      <p:childTnLst>
+                        <p:par>
+                          <p:cTn id="12" fill="hold">
+                            <p:stCondLst>
+                              <p:cond delay="0"/>
+                            </p:stCondLst>
+                            <p:childTnLst>
+                              <p:par>
+                                <p:cTn id="13" presetID="1" presetClass="entr" presetSubtype="0" fill="hold" grpId="0" nodeType="clickEffect">
+                                  <p:stCondLst>
+                                    <p:cond delay="0"/>
+                                  </p:stCondLst>
+                                  <p:childTnLst>
+                                    <p:set>
+                                      <p:cBhvr>
+                                        <p:cTn id="14" dur="1" fill="hold">
+                                          <p:stCondLst>
+                                            <p:cond delay="0"/>
+                                          </p:stCondLst>
+                                        </p:cTn>
+                                        <p:tgtEl>
+                                          <p:spTgt spid="4"/>
+                                        </p:tgtEl>
+                                        <p:attrNameLst>
+                                          <p:attrName>style.visibility</p:attrName>
+                                        </p:attrNameLst>
+                                      </p:cBhvr>
+                                      <p:to>
+                                        <p:strVal val="visible"/>
+                                      </p:to>
+                                    </p:set>
+                                  </p:childTnLst>
+                                </p:cTn>
+                              </p:par>
+                            </p:childTnLst>
+                          </p:cTn>
+                        </p:par>
+                      </p:childTnLst>
+                    </p:cTn>
+                  </p:par>
+                  <p:par>
+                    <p:cTn id="15" fill="hold">
+                      <p:stCondLst>
+                        <p:cond delay="indefinite"/>
+                      </p:stCondLst>
+                      <p:childTnLst>
+                        <p:par>
+                          <p:cTn id="16" fill="hold">
+                            <p:stCondLst>
+                              <p:cond delay="0"/>
+                            </p:stCondLst>
+                            <p:childTnLst>
+                              <p:par>
+                                <p:cTn id="17" presetID="1" presetClass="entr" presetSubtype="0" fill="hold" grpId="0" nodeType="clickEffect">
+                                  <p:stCondLst>
+                                    <p:cond delay="0"/>
+                                  </p:stCondLst>
+                                  <p:childTnLst>
+                                    <p:set>
+                                      <p:cBhvr>
+                                        <p:cTn id="18" dur="1" fill="hold">
+                                          <p:stCondLst>
+                                            <p:cond delay="0"/>
+                                          </p:stCondLst>
+                                        </p:cTn>
+                                        <p:tgtEl>
+                                          <p:spTgt spid="5"/>
+                                        </p:tgtEl>
+                                        <p:attrNameLst>
+                                          <p:attrName>style.visibility</p:attrName>
+                                        </p:attrNameLst>
+                                      </p:cBhvr>
+                                      <p:to>
+                                        <p:strVal val="visible"/>
+                                      </p:to>
+                                    </p:set>
+                                  </p:childTnLst>
+                                </p:cTn>
+                              </p:par>
+                            </p:childTnLst>
+                          </p:cTn>
+                        </p:par>
+                      </p:childTnLst>
+                    </p:cTn>
+                  </p:par>
+                </p:childTnLst>
+              </p:cTn>
+              <p:prevCondLst>
+                <p:cond evt="onPrev" delay="0">
+                  <p:tgtEl>
+                    <p:sldTgt/>
+                  </p:tgtEl>
+                </p:cond>
+              </p:prevCondLst>
+              <p:nextCondLst>
+                <p:cond evt="onNext" delay="0">
+                  <p:tgtEl>
+                    <p:sldTgt/>
+                  </p:tgtEl>
+                </p:cond>
+              </p:nextCondLst>
+            </p:seq>
+          </p:childTnLst>
+        </p:cTn>
+      </p:par>
+    </p:tnLst>
+    <p:bldLst>
+      <p:bldP spid="4" grpId="0"/>
+      <p:bldP spid="5" grpId="0"/>
+    </p:bldLst>
+  </p:timing>
+</p:sld>
+</file>
+
+<file path=ppt/slides/slide20.xml><?xml version="1.0" encoding="utf-8"?>
 <p:sld xmlns:a="http://schemas.openxmlformats.org/drawingml/2006/main" xmlns:r="http://schemas.openxmlformats.org/officeDocument/2006/relationships" xmlns:p="http://schemas.openxmlformats.org/presentationml/2006/main">
   <p:cSld>
     <p:spTree>
@@ -17832,7 +18843,7 @@
 </p:sld>
 </file>
 
-<file path=ppt/slides/slide19.xml><?xml version="1.0" encoding="utf-8"?>
+<file path=ppt/slides/slide21.xml><?xml version="1.0" encoding="utf-8"?>
 <p:sld xmlns:a="http://schemas.openxmlformats.org/drawingml/2006/main" xmlns:r="http://schemas.openxmlformats.org/officeDocument/2006/relationships" xmlns:p="http://schemas.openxmlformats.org/presentationml/2006/main">
   <p:cSld>
     <p:spTree>
@@ -18460,67 +19471,7 @@
 </p:sld>
 </file>
 
-<file path=ppt/slides/slide2.xml><?xml version="1.0" encoding="utf-8"?>
-<p:sld xmlns:a="http://schemas.openxmlformats.org/drawingml/2006/main" xmlns:r="http://schemas.openxmlformats.org/officeDocument/2006/relationships" xmlns:p="http://schemas.openxmlformats.org/presentationml/2006/main">
-  <p:cSld>
-    <p:spTree>
-      <p:nvGrpSpPr>
-        <p:cNvPr id="1" name=""/>
-        <p:cNvGrpSpPr/>
-        <p:nvPr/>
-      </p:nvGrpSpPr>
-      <p:grpSpPr>
-        <a:xfrm>
-          <a:off x="0" y="0"/>
-          <a:ext cx="0" cy="0"/>
-          <a:chOff x="0" y="0"/>
-          <a:chExt cx="0" cy="0"/>
-        </a:xfrm>
-      </p:grpSpPr>
-      <p:sp>
-        <p:nvSpPr>
-          <p:cNvPr id="2" name="Заголовок 1"/>
-          <p:cNvSpPr>
-            <a:spLocks noGrp="1"/>
-          </p:cNvSpPr>
-          <p:nvPr>
-            <p:ph type="title"/>
-          </p:nvPr>
-        </p:nvSpPr>
-        <p:spPr/>
-        <p:txBody>
-          <a:bodyPr/>
-          <a:lstStyle/>
-          <a:p>
-            <a:r>
-              <a:rPr lang="ru-RU"/>
-              <a:t>основы</a:t>
-            </a:r>
-            <a:endParaRPr lang="en-US" dirty="0"/>
-          </a:p>
-        </p:txBody>
-      </p:sp>
-    </p:spTree>
-    <p:extLst>
-      <p:ext uri="{BB962C8B-B14F-4D97-AF65-F5344CB8AC3E}">
-        <p14:creationId xmlns:p14="http://schemas.microsoft.com/office/powerpoint/2010/main" val="1953024211"/>
-      </p:ext>
-    </p:extLst>
-  </p:cSld>
-  <p:clrMapOvr>
-    <a:masterClrMapping/>
-  </p:clrMapOvr>
-  <p:timing>
-    <p:tnLst>
-      <p:par>
-        <p:cTn id="1" dur="indefinite" restart="never" nodeType="tmRoot"/>
-      </p:par>
-    </p:tnLst>
-  </p:timing>
-</p:sld>
-</file>
-
-<file path=ppt/slides/slide20.xml><?xml version="1.0" encoding="utf-8"?>
+<file path=ppt/slides/slide22.xml><?xml version="1.0" encoding="utf-8"?>
 <p:sld xmlns:a="http://schemas.openxmlformats.org/drawingml/2006/main" xmlns:r="http://schemas.openxmlformats.org/officeDocument/2006/relationships" xmlns:p="http://schemas.openxmlformats.org/presentationml/2006/main">
   <p:cSld>
     <p:spTree>
@@ -19000,7 +19951,7 @@
 </p:sld>
 </file>
 
-<file path=ppt/slides/slide21.xml><?xml version="1.0" encoding="utf-8"?>
+<file path=ppt/slides/slide23.xml><?xml version="1.0" encoding="utf-8"?>
 <p:sld xmlns:a="http://schemas.openxmlformats.org/drawingml/2006/main" xmlns:r="http://schemas.openxmlformats.org/officeDocument/2006/relationships" xmlns:p="http://schemas.openxmlformats.org/presentationml/2006/main">
   <p:cSld>
     <p:spTree>
@@ -19037,15 +19988,7 @@
             </a:pPr>
             <a:r>
               <a:rPr lang="en-US" dirty="0"/>
-              <a:t>Reverse(array, 0, k-1);  </a:t>
-            </a:r>
-            <a:r>
-              <a:rPr lang="en-US" dirty="0" smtClean="0"/>
-              <a:t>// O(k</a:t>
-            </a:r>
-            <a:r>
-              <a:rPr lang="en-US" dirty="0"/>
-              <a:t>)</a:t>
+              <a:t>Reverse(array, 0, k-1);  // O(k)</a:t>
             </a:r>
           </a:p>
           <a:p>
@@ -19054,15 +19997,7 @@
             </a:pPr>
             <a:r>
               <a:rPr lang="en-US" dirty="0"/>
-              <a:t>Reverse(array, k, n-1);  </a:t>
-            </a:r>
-            <a:r>
-              <a:rPr lang="en-US" dirty="0" smtClean="0"/>
-              <a:t>// O(n-k</a:t>
-            </a:r>
-            <a:r>
-              <a:rPr lang="en-US" dirty="0"/>
-              <a:t>)</a:t>
+              <a:t>Reverse(array, k, n-1);  // O(n-k)</a:t>
             </a:r>
           </a:p>
           <a:p>
@@ -19328,7 +20263,7 @@
 </p:sld>
 </file>
 
-<file path=ppt/slides/slide22.xml><?xml version="1.0" encoding="utf-8"?>
+<file path=ppt/slides/slide24.xml><?xml version="1.0" encoding="utf-8"?>
 <p:sld xmlns:a="http://schemas.openxmlformats.org/drawingml/2006/main" xmlns:r="http://schemas.openxmlformats.org/officeDocument/2006/relationships" xmlns:p="http://schemas.openxmlformats.org/presentationml/2006/main">
   <p:cSld>
     <p:spTree>
@@ -19410,17 +20345,10 @@
   <p:clrMapOvr>
     <a:masterClrMapping/>
   </p:clrMapOvr>
-  <p:timing>
-    <p:tnLst>
-      <p:par>
-        <p:cTn id="1" dur="indefinite" restart="never" nodeType="tmRoot"/>
-      </p:par>
-    </p:tnLst>
-  </p:timing>
 </p:sld>
 </file>
 
-<file path=ppt/slides/slide23.xml><?xml version="1.0" encoding="utf-8"?>
+<file path=ppt/slides/slide25.xml><?xml version="1.0" encoding="utf-8"?>
 <p:sld xmlns:a="http://schemas.openxmlformats.org/drawingml/2006/main" xmlns:r="http://schemas.openxmlformats.org/officeDocument/2006/relationships" xmlns:p="http://schemas.openxmlformats.org/presentationml/2006/main">
   <p:cSld>
     <p:spTree>
@@ -19510,17 +20438,10 @@
   <p:clrMapOvr>
     <a:masterClrMapping/>
   </p:clrMapOvr>
-  <p:timing>
-    <p:tnLst>
-      <p:par>
-        <p:cTn id="1" dur="indefinite" restart="never" nodeType="tmRoot"/>
-      </p:par>
-    </p:tnLst>
-  </p:timing>
 </p:sld>
 </file>
 
-<file path=ppt/slides/slide24.xml><?xml version="1.0" encoding="utf-8"?>
+<file path=ppt/slides/slide26.xml><?xml version="1.0" encoding="utf-8"?>
 <p:sld xmlns:a="http://schemas.openxmlformats.org/drawingml/2006/main" xmlns:r="http://schemas.openxmlformats.org/officeDocument/2006/relationships" xmlns:p="http://schemas.openxmlformats.org/presentationml/2006/main">
   <p:cSld>
     <p:spTree>
@@ -19620,17 +20541,10 @@
   <p:clrMapOvr>
     <a:masterClrMapping/>
   </p:clrMapOvr>
-  <p:timing>
-    <p:tnLst>
-      <p:par>
-        <p:cTn id="1" dur="indefinite" restart="never" nodeType="tmRoot"/>
-      </p:par>
-    </p:tnLst>
-  </p:timing>
 </p:sld>
 </file>
 
-<file path=ppt/slides/slide25.xml><?xml version="1.0" encoding="utf-8"?>
+<file path=ppt/slides/slide27.xml><?xml version="1.0" encoding="utf-8"?>
 <p:sld xmlns:a="http://schemas.openxmlformats.org/drawingml/2006/main" xmlns:r="http://schemas.openxmlformats.org/officeDocument/2006/relationships" xmlns:p="http://schemas.openxmlformats.org/presentationml/2006/main">
   <p:cSld>
     <p:spTree>
@@ -19761,17 +20675,10 @@
   <p:clrMapOvr>
     <a:masterClrMapping/>
   </p:clrMapOvr>
-  <p:timing>
-    <p:tnLst>
-      <p:par>
-        <p:cTn id="1" dur="indefinite" restart="never" nodeType="tmRoot"/>
-      </p:par>
-    </p:tnLst>
-  </p:timing>
 </p:sld>
 </file>
 
-<file path=ppt/slides/slide26.xml><?xml version="1.0" encoding="utf-8"?>
+<file path=ppt/slides/slide28.xml><?xml version="1.0" encoding="utf-8"?>
 <p:sld xmlns:a="http://schemas.openxmlformats.org/drawingml/2006/main" xmlns:r="http://schemas.openxmlformats.org/officeDocument/2006/relationships" xmlns:p="http://schemas.openxmlformats.org/presentationml/2006/main">
   <p:cSld>
     <p:spTree>
@@ -19820,17 +20727,10 @@
   <p:clrMapOvr>
     <a:masterClrMapping/>
   </p:clrMapOvr>
-  <p:timing>
-    <p:tnLst>
-      <p:par>
-        <p:cTn id="1" dur="indefinite" restart="never" nodeType="tmRoot"/>
-      </p:par>
-    </p:tnLst>
-  </p:timing>
 </p:sld>
 </file>
 
-<file path=ppt/slides/slide27.xml><?xml version="1.0" encoding="utf-8"?>
+<file path=ppt/slides/slide29.xml><?xml version="1.0" encoding="utf-8"?>
 <p:sld xmlns:a="http://schemas.openxmlformats.org/drawingml/2006/main" xmlns:r="http://schemas.openxmlformats.org/officeDocument/2006/relationships" xmlns:p="http://schemas.openxmlformats.org/presentationml/2006/main">
   <p:cSld>
     <p:spTree>
@@ -19932,17 +20832,373 @@
   <p:clrMapOvr>
     <a:masterClrMapping/>
   </p:clrMapOvr>
+</p:sld>
+</file>
+
+<file path=ppt/slides/slide3.xml><?xml version="1.0" encoding="utf-8"?>
+<p:sld xmlns:a="http://schemas.openxmlformats.org/drawingml/2006/main" xmlns:r="http://schemas.openxmlformats.org/officeDocument/2006/relationships" xmlns:p="http://schemas.openxmlformats.org/presentationml/2006/main">
+  <p:cSld>
+    <p:spTree>
+      <p:nvGrpSpPr>
+        <p:cNvPr id="1" name=""/>
+        <p:cNvGrpSpPr/>
+        <p:nvPr/>
+      </p:nvGrpSpPr>
+      <p:grpSpPr>
+        <a:xfrm>
+          <a:off x="0" y="0"/>
+          <a:ext cx="0" cy="0"/>
+          <a:chOff x="0" y="0"/>
+          <a:chExt cx="0" cy="0"/>
+        </a:xfrm>
+      </p:grpSpPr>
+      <p:sp>
+        <p:nvSpPr>
+          <p:cNvPr id="3" name="Объект 2"/>
+          <p:cNvSpPr>
+            <a:spLocks noGrp="1"/>
+          </p:cNvSpPr>
+          <p:nvPr>
+            <p:ph sz="quarter" idx="13"/>
+          </p:nvPr>
+        </p:nvSpPr>
+        <p:spPr/>
+        <p:txBody>
+          <a:bodyPr>
+            <a:normAutofit/>
+          </a:bodyPr>
+          <a:lstStyle/>
+          <a:p>
+            <a:pPr marL="0" indent="0">
+              <a:buNone/>
+            </a:pPr>
+            <a:r>
+              <a:rPr lang="ru-RU" dirty="0"/>
+              <a:t>Простота и понятность</a:t>
+            </a:r>
+          </a:p>
+          <a:p>
+            <a:pPr marL="0" indent="0">
+              <a:buNone/>
+            </a:pPr>
+            <a:r>
+              <a:rPr lang="ru-RU" b="1" dirty="0"/>
+              <a:t>	</a:t>
+            </a:r>
+            <a:r>
+              <a:rPr lang="ru-RU" b="1" dirty="0">
+                <a:solidFill>
+                  <a:schemeClr val="accent1"/>
+                </a:solidFill>
+              </a:rPr>
+              <a:t>=</a:t>
+            </a:r>
+            <a:r>
+              <a:rPr lang="en-US" b="1" dirty="0">
+                <a:solidFill>
+                  <a:schemeClr val="accent1"/>
+                </a:solidFill>
+              </a:rPr>
+              <a:t>&gt;</a:t>
+            </a:r>
+            <a:r>
+              <a:rPr lang="en-US" b="1" dirty="0"/>
+              <a:t> </a:t>
+            </a:r>
+            <a:r>
+              <a:rPr lang="x-none" dirty="0"/>
+              <a:t>Корректность</a:t>
+            </a:r>
+            <a:endParaRPr lang="ru-RU" dirty="0"/>
+          </a:p>
+          <a:p>
+            <a:pPr marL="0" indent="0">
+              <a:buNone/>
+            </a:pPr>
+            <a:r>
+              <a:rPr lang="ru-RU" b="1" dirty="0"/>
+              <a:t>	</a:t>
+            </a:r>
+            <a:r>
+              <a:rPr lang="ru-RU" b="1" dirty="0">
+                <a:solidFill>
+                  <a:schemeClr val="accent1"/>
+                </a:solidFill>
+              </a:rPr>
+              <a:t>=</a:t>
+            </a:r>
+            <a:r>
+              <a:rPr lang="en-US" b="1" dirty="0">
+                <a:solidFill>
+                  <a:schemeClr val="accent1"/>
+                </a:solidFill>
+              </a:rPr>
+              <a:t>&gt;</a:t>
+            </a:r>
+            <a:r>
+              <a:rPr lang="en-US" b="1" dirty="0"/>
+              <a:t> </a:t>
+            </a:r>
+            <a:r>
+              <a:rPr lang="x-none" dirty="0"/>
+              <a:t>Расширяемость</a:t>
+            </a:r>
+            <a:endParaRPr lang="ru-RU" dirty="0"/>
+          </a:p>
+          <a:p>
+            <a:pPr marL="0" indent="0">
+              <a:buNone/>
+            </a:pPr>
+            <a:r>
+              <a:rPr lang="ru-RU" b="1" dirty="0"/>
+              <a:t>	</a:t>
+            </a:r>
+            <a:r>
+              <a:rPr lang="ru-RU" b="1" dirty="0">
+                <a:solidFill>
+                  <a:schemeClr val="accent1"/>
+                </a:solidFill>
+              </a:rPr>
+              <a:t>=</a:t>
+            </a:r>
+            <a:r>
+              <a:rPr lang="en-US" b="1" dirty="0">
+                <a:solidFill>
+                  <a:schemeClr val="accent1"/>
+                </a:solidFill>
+              </a:rPr>
+              <a:t>&gt;</a:t>
+            </a:r>
+            <a:r>
+              <a:rPr lang="en-US" b="1" dirty="0"/>
+              <a:t> </a:t>
+            </a:r>
+            <a:r>
+              <a:rPr lang="x-none" dirty="0"/>
+              <a:t>Универсальность</a:t>
+            </a:r>
+          </a:p>
+          <a:p>
+            <a:pPr marL="0" indent="0">
+              <a:buNone/>
+            </a:pPr>
+            <a:endParaRPr lang="ru-RU" dirty="0"/>
+          </a:p>
+        </p:txBody>
+      </p:sp>
+      <p:sp>
+        <p:nvSpPr>
+          <p:cNvPr id="2" name="Заголовок 1"/>
+          <p:cNvSpPr>
+            <a:spLocks noGrp="1"/>
+          </p:cNvSpPr>
+          <p:nvPr>
+            <p:ph type="title"/>
+          </p:nvPr>
+        </p:nvSpPr>
+        <p:spPr/>
+        <p:txBody>
+          <a:bodyPr>
+            <a:noAutofit/>
+          </a:bodyPr>
+          <a:lstStyle/>
+          <a:p>
+            <a:r>
+              <a:rPr lang="ru-RU" sz="4000" dirty="0"/>
+              <a:t>Как заботиться о качестве кода?</a:t>
+            </a:r>
+          </a:p>
+        </p:txBody>
+      </p:sp>
+    </p:spTree>
+    <p:extLst>
+      <p:ext uri="{BB962C8B-B14F-4D97-AF65-F5344CB8AC3E}">
+        <p14:creationId xmlns:p14="http://schemas.microsoft.com/office/powerpoint/2010/main" val="2499964405"/>
+      </p:ext>
+    </p:extLst>
+  </p:cSld>
+  <p:clrMapOvr>
+    <a:masterClrMapping/>
+  </p:clrMapOvr>
   <p:timing>
     <p:tnLst>
       <p:par>
-        <p:cTn id="1" dur="indefinite" restart="never" nodeType="tmRoot"/>
+        <p:cTn id="1" dur="indefinite" restart="never" nodeType="tmRoot">
+          <p:childTnLst>
+            <p:seq concurrent="1" nextAc="seek">
+              <p:cTn id="2" dur="indefinite" nodeType="mainSeq">
+                <p:childTnLst>
+                  <p:par>
+                    <p:cTn id="3" fill="hold">
+                      <p:stCondLst>
+                        <p:cond delay="indefinite"/>
+                      </p:stCondLst>
+                      <p:childTnLst>
+                        <p:par>
+                          <p:cTn id="4" fill="hold">
+                            <p:stCondLst>
+                              <p:cond delay="0"/>
+                            </p:stCondLst>
+                            <p:childTnLst>
+                              <p:par>
+                                <p:cTn id="5" presetID="1" presetClass="entr" presetSubtype="0" fill="hold" grpId="0" nodeType="clickEffect">
+                                  <p:stCondLst>
+                                    <p:cond delay="0"/>
+                                  </p:stCondLst>
+                                  <p:childTnLst>
+                                    <p:set>
+                                      <p:cBhvr>
+                                        <p:cTn id="6" dur="1" fill="hold">
+                                          <p:stCondLst>
+                                            <p:cond delay="0"/>
+                                          </p:stCondLst>
+                                        </p:cTn>
+                                        <p:tgtEl>
+                                          <p:spTgt spid="3">
+                                            <p:txEl>
+                                              <p:pRg st="0" end="0"/>
+                                            </p:txEl>
+                                          </p:spTgt>
+                                        </p:tgtEl>
+                                        <p:attrNameLst>
+                                          <p:attrName>style.visibility</p:attrName>
+                                        </p:attrNameLst>
+                                      </p:cBhvr>
+                                      <p:to>
+                                        <p:strVal val="visible"/>
+                                      </p:to>
+                                    </p:set>
+                                  </p:childTnLst>
+                                </p:cTn>
+                              </p:par>
+                              <p:par>
+                                <p:cTn id="7" presetID="1" presetClass="entr" presetSubtype="0" fill="hold" grpId="0" nodeType="withEffect">
+                                  <p:stCondLst>
+                                    <p:cond delay="0"/>
+                                  </p:stCondLst>
+                                  <p:childTnLst>
+                                    <p:set>
+                                      <p:cBhvr>
+                                        <p:cTn id="8" dur="1" fill="hold">
+                                          <p:stCondLst>
+                                            <p:cond delay="0"/>
+                                          </p:stCondLst>
+                                        </p:cTn>
+                                        <p:tgtEl>
+                                          <p:spTgt spid="3">
+                                            <p:txEl>
+                                              <p:pRg st="1" end="1"/>
+                                            </p:txEl>
+                                          </p:spTgt>
+                                        </p:tgtEl>
+                                        <p:attrNameLst>
+                                          <p:attrName>style.visibility</p:attrName>
+                                        </p:attrNameLst>
+                                      </p:cBhvr>
+                                      <p:to>
+                                        <p:strVal val="visible"/>
+                                      </p:to>
+                                    </p:set>
+                                  </p:childTnLst>
+                                </p:cTn>
+                              </p:par>
+                              <p:par>
+                                <p:cTn id="9" presetID="1" presetClass="entr" presetSubtype="0" fill="hold" grpId="0" nodeType="withEffect">
+                                  <p:stCondLst>
+                                    <p:cond delay="0"/>
+                                  </p:stCondLst>
+                                  <p:childTnLst>
+                                    <p:set>
+                                      <p:cBhvr>
+                                        <p:cTn id="10" dur="1" fill="hold">
+                                          <p:stCondLst>
+                                            <p:cond delay="0"/>
+                                          </p:stCondLst>
+                                        </p:cTn>
+                                        <p:tgtEl>
+                                          <p:spTgt spid="3">
+                                            <p:txEl>
+                                              <p:pRg st="2" end="2"/>
+                                            </p:txEl>
+                                          </p:spTgt>
+                                        </p:tgtEl>
+                                        <p:attrNameLst>
+                                          <p:attrName>style.visibility</p:attrName>
+                                        </p:attrNameLst>
+                                      </p:cBhvr>
+                                      <p:to>
+                                        <p:strVal val="visible"/>
+                                      </p:to>
+                                    </p:set>
+                                  </p:childTnLst>
+                                </p:cTn>
+                              </p:par>
+                              <p:par>
+                                <p:cTn id="11" presetID="1" presetClass="entr" presetSubtype="0" fill="hold" grpId="0" nodeType="withEffect">
+                                  <p:stCondLst>
+                                    <p:cond delay="0"/>
+                                  </p:stCondLst>
+                                  <p:childTnLst>
+                                    <p:set>
+                                      <p:cBhvr>
+                                        <p:cTn id="12" dur="1" fill="hold">
+                                          <p:stCondLst>
+                                            <p:cond delay="0"/>
+                                          </p:stCondLst>
+                                        </p:cTn>
+                                        <p:tgtEl>
+                                          <p:spTgt spid="3">
+                                            <p:txEl>
+                                              <p:pRg st="3" end="3"/>
+                                            </p:txEl>
+                                          </p:spTgt>
+                                        </p:tgtEl>
+                                        <p:attrNameLst>
+                                          <p:attrName>style.visibility</p:attrName>
+                                        </p:attrNameLst>
+                                      </p:cBhvr>
+                                      <p:to>
+                                        <p:strVal val="visible"/>
+                                      </p:to>
+                                    </p:set>
+                                  </p:childTnLst>
+                                </p:cTn>
+                              </p:par>
+                            </p:childTnLst>
+                          </p:cTn>
+                        </p:par>
+                      </p:childTnLst>
+                    </p:cTn>
+                  </p:par>
+                </p:childTnLst>
+              </p:cTn>
+              <p:prevCondLst>
+                <p:cond evt="onPrev" delay="0">
+                  <p:tgtEl>
+                    <p:sldTgt/>
+                  </p:tgtEl>
+                </p:cond>
+              </p:prevCondLst>
+              <p:nextCondLst>
+                <p:cond evt="onNext" delay="0">
+                  <p:tgtEl>
+                    <p:sldTgt/>
+                  </p:tgtEl>
+                </p:cond>
+              </p:nextCondLst>
+            </p:seq>
+          </p:childTnLst>
+        </p:cTn>
       </p:par>
     </p:tnLst>
+    <p:bldLst>
+      <p:bldP spid="3" grpId="0" uiExpand="1" build="p"/>
+    </p:bldLst>
   </p:timing>
 </p:sld>
 </file>
 
-<file path=ppt/slides/slide28.xml><?xml version="1.0" encoding="utf-8"?>
+<file path=ppt/slides/slide30.xml><?xml version="1.0" encoding="utf-8"?>
 <p:sld xmlns:a="http://schemas.openxmlformats.org/drawingml/2006/main" xmlns:r="http://schemas.openxmlformats.org/officeDocument/2006/relationships" xmlns:p="http://schemas.openxmlformats.org/presentationml/2006/main">
   <p:cSld>
     <p:spTree>
@@ -20046,17 +21302,10 @@
   <p:clrMapOvr>
     <a:masterClrMapping/>
   </p:clrMapOvr>
-  <p:timing>
-    <p:tnLst>
-      <p:par>
-        <p:cTn id="1" dur="indefinite" restart="never" nodeType="tmRoot"/>
-      </p:par>
-    </p:tnLst>
-  </p:timing>
 </p:sld>
 </file>
 
-<file path=ppt/slides/slide29.xml><?xml version="1.0" encoding="utf-8"?>
+<file path=ppt/slides/slide31.xml><?xml version="1.0" encoding="utf-8"?>
 <p:sld xmlns:a="http://schemas.openxmlformats.org/drawingml/2006/main" xmlns:r="http://schemas.openxmlformats.org/officeDocument/2006/relationships" xmlns:p="http://schemas.openxmlformats.org/presentationml/2006/main">
   <p:cSld>
     <p:spTree>
@@ -20466,235 +21715,7 @@
 </p:sld>
 </file>
 
-<file path=ppt/slides/slide3.xml><?xml version="1.0" encoding="utf-8"?>
-<p:sld xmlns:a="http://schemas.openxmlformats.org/drawingml/2006/main" xmlns:r="http://schemas.openxmlformats.org/officeDocument/2006/relationships" xmlns:p="http://schemas.openxmlformats.org/presentationml/2006/main">
-  <p:cSld>
-    <p:spTree>
-      <p:nvGrpSpPr>
-        <p:cNvPr id="1" name=""/>
-        <p:cNvGrpSpPr/>
-        <p:nvPr/>
-      </p:nvGrpSpPr>
-      <p:grpSpPr>
-        <a:xfrm>
-          <a:off x="0" y="0"/>
-          <a:ext cx="0" cy="0"/>
-          <a:chOff x="0" y="0"/>
-          <a:chExt cx="0" cy="0"/>
-        </a:xfrm>
-      </p:grpSpPr>
-      <p:sp>
-        <p:nvSpPr>
-          <p:cNvPr id="2" name="Объект 1"/>
-          <p:cNvSpPr>
-            <a:spLocks noGrp="1"/>
-          </p:cNvSpPr>
-          <p:nvPr>
-            <p:ph sz="quarter" idx="13"/>
-          </p:nvPr>
-        </p:nvSpPr>
-        <p:spPr/>
-        <p:txBody>
-          <a:bodyPr/>
-          <a:lstStyle/>
-          <a:p>
-            <a:r>
-              <a:rPr lang="ru-RU" dirty="0"/>
-              <a:t>Большие проекты</a:t>
-            </a:r>
-          </a:p>
-          <a:p>
-            <a:r>
-              <a:rPr lang="ru-RU" dirty="0"/>
-              <a:t>Большие команды</a:t>
-            </a:r>
-          </a:p>
-          <a:p>
-            <a:r>
-              <a:rPr lang="ru-RU" dirty="0"/>
-              <a:t>Длительное сопровождение</a:t>
-            </a:r>
-          </a:p>
-        </p:txBody>
-      </p:sp>
-      <p:sp>
-        <p:nvSpPr>
-          <p:cNvPr id="3" name="Заголовок 2"/>
-          <p:cNvSpPr>
-            <a:spLocks noGrp="1"/>
-          </p:cNvSpPr>
-          <p:nvPr>
-            <p:ph type="title"/>
-          </p:nvPr>
-        </p:nvSpPr>
-        <p:spPr/>
-        <p:txBody>
-          <a:bodyPr/>
-          <a:lstStyle/>
-          <a:p>
-            <a:r>
-              <a:rPr lang="ru-RU" dirty="0"/>
-              <a:t>Зачем нужен чистый код?</a:t>
-            </a:r>
-            <a:endParaRPr lang="en-US" dirty="0"/>
-          </a:p>
-        </p:txBody>
-      </p:sp>
-    </p:spTree>
-    <p:extLst>
-      <p:ext uri="{BB962C8B-B14F-4D97-AF65-F5344CB8AC3E}">
-        <p14:creationId xmlns:p14="http://schemas.microsoft.com/office/powerpoint/2010/main" val="2981250038"/>
-      </p:ext>
-    </p:extLst>
-  </p:cSld>
-  <p:clrMapOvr>
-    <a:masterClrMapping/>
-  </p:clrMapOvr>
-  <p:timing>
-    <p:tnLst>
-      <p:par>
-        <p:cTn id="1" dur="indefinite" restart="never" nodeType="tmRoot">
-          <p:childTnLst>
-            <p:seq concurrent="1" nextAc="seek">
-              <p:cTn id="2" dur="indefinite" nodeType="mainSeq">
-                <p:childTnLst>
-                  <p:par>
-                    <p:cTn id="3" fill="hold">
-                      <p:stCondLst>
-                        <p:cond delay="indefinite"/>
-                      </p:stCondLst>
-                      <p:childTnLst>
-                        <p:par>
-                          <p:cTn id="4" fill="hold">
-                            <p:stCondLst>
-                              <p:cond delay="0"/>
-                            </p:stCondLst>
-                            <p:childTnLst>
-                              <p:par>
-                                <p:cTn id="5" presetID="1" presetClass="entr" presetSubtype="0" fill="hold" nodeType="clickEffect">
-                                  <p:stCondLst>
-                                    <p:cond delay="0"/>
-                                  </p:stCondLst>
-                                  <p:childTnLst>
-                                    <p:set>
-                                      <p:cBhvr>
-                                        <p:cTn id="6" dur="1" fill="hold">
-                                          <p:stCondLst>
-                                            <p:cond delay="0"/>
-                                          </p:stCondLst>
-                                        </p:cTn>
-                                        <p:tgtEl>
-                                          <p:spTgt spid="2">
-                                            <p:txEl>
-                                              <p:pRg st="0" end="0"/>
-                                            </p:txEl>
-                                          </p:spTgt>
-                                        </p:tgtEl>
-                                        <p:attrNameLst>
-                                          <p:attrName>style.visibility</p:attrName>
-                                        </p:attrNameLst>
-                                      </p:cBhvr>
-                                      <p:to>
-                                        <p:strVal val="visible"/>
-                                      </p:to>
-                                    </p:set>
-                                  </p:childTnLst>
-                                </p:cTn>
-                              </p:par>
-                              <p:par>
-                                <p:cTn id="7" presetID="1" presetClass="entr" presetSubtype="0" fill="hold" nodeType="withEffect">
-                                  <p:stCondLst>
-                                    <p:cond delay="0"/>
-                                  </p:stCondLst>
-                                  <p:childTnLst>
-                                    <p:set>
-                                      <p:cBhvr>
-                                        <p:cTn id="8" dur="1" fill="hold">
-                                          <p:stCondLst>
-                                            <p:cond delay="0"/>
-                                          </p:stCondLst>
-                                        </p:cTn>
-                                        <p:tgtEl>
-                                          <p:spTgt spid="2">
-                                            <p:txEl>
-                                              <p:pRg st="1" end="1"/>
-                                            </p:txEl>
-                                          </p:spTgt>
-                                        </p:tgtEl>
-                                        <p:attrNameLst>
-                                          <p:attrName>style.visibility</p:attrName>
-                                        </p:attrNameLst>
-                                      </p:cBhvr>
-                                      <p:to>
-                                        <p:strVal val="visible"/>
-                                      </p:to>
-                                    </p:set>
-                                  </p:childTnLst>
-                                </p:cTn>
-                              </p:par>
-                              <p:par>
-                                <p:cTn id="9" presetID="1" presetClass="entr" presetSubtype="0" fill="hold" nodeType="withEffect">
-                                  <p:stCondLst>
-                                    <p:cond delay="0"/>
-                                  </p:stCondLst>
-                                  <p:childTnLst>
-                                    <p:set>
-                                      <p:cBhvr>
-                                        <p:cTn id="10" dur="1" fill="hold">
-                                          <p:stCondLst>
-                                            <p:cond delay="0"/>
-                                          </p:stCondLst>
-                                        </p:cTn>
-                                        <p:tgtEl>
-                                          <p:spTgt spid="2">
-                                            <p:txEl>
-                                              <p:pRg st="2" end="2"/>
-                                            </p:txEl>
-                                          </p:spTgt>
-                                        </p:tgtEl>
-                                        <p:attrNameLst>
-                                          <p:attrName>style.visibility</p:attrName>
-                                        </p:attrNameLst>
-                                      </p:cBhvr>
-                                      <p:to>
-                                        <p:strVal val="visible"/>
-                                      </p:to>
-                                    </p:set>
-                                  </p:childTnLst>
-                                </p:cTn>
-                              </p:par>
-                            </p:childTnLst>
-                          </p:cTn>
-                        </p:par>
-                      </p:childTnLst>
-                    </p:cTn>
-                  </p:par>
-                </p:childTnLst>
-              </p:cTn>
-              <p:prevCondLst>
-                <p:cond evt="onPrev" delay="0">
-                  <p:tgtEl>
-                    <p:sldTgt/>
-                  </p:tgtEl>
-                </p:cond>
-              </p:prevCondLst>
-              <p:nextCondLst>
-                <p:cond evt="onNext" delay="0">
-                  <p:tgtEl>
-                    <p:sldTgt/>
-                  </p:tgtEl>
-                </p:cond>
-              </p:nextCondLst>
-            </p:seq>
-          </p:childTnLst>
-        </p:cTn>
-      </p:par>
-    </p:tnLst>
-  </p:timing>
-</p:sld>
-</file>
-
-<file path=ppt/slides/slide30.xml><?xml version="1.0" encoding="utf-8"?>
+<file path=ppt/slides/slide32.xml><?xml version="1.0" encoding="utf-8"?>
 <p:sld xmlns:a="http://schemas.openxmlformats.org/drawingml/2006/main" xmlns:r="http://schemas.openxmlformats.org/officeDocument/2006/relationships" xmlns:p="http://schemas.openxmlformats.org/presentationml/2006/main">
   <p:cSld>
     <p:spTree>
@@ -20791,17 +21812,10 @@
   <p:clrMapOvr>
     <a:masterClrMapping/>
   </p:clrMapOvr>
-  <p:timing>
-    <p:tnLst>
-      <p:par>
-        <p:cTn id="1" dur="indefinite" restart="never" nodeType="tmRoot"/>
-      </p:par>
-    </p:tnLst>
-  </p:timing>
 </p:sld>
 </file>
 
-<file path=ppt/slides/slide31.xml><?xml version="1.0" encoding="utf-8"?>
+<file path=ppt/slides/slide33.xml><?xml version="1.0" encoding="utf-8"?>
 <p:sld xmlns:a="http://schemas.openxmlformats.org/drawingml/2006/main" xmlns:r="http://schemas.openxmlformats.org/officeDocument/2006/relationships" xmlns:p="http://schemas.openxmlformats.org/presentationml/2006/main">
   <p:cSld>
     <p:spTree>
@@ -20958,19 +21972,6 @@
               </a:rPr>
               <a:t>() </a:t>
             </a:r>
-            <a:r>
-              <a:rPr lang="ru-RU" sz="2400" dirty="0">
-                <a:solidFill>
-                  <a:srgbClr val="000000"/>
-                </a:solidFill>
-                <a:highlight>
-                  <a:srgbClr val="FFFFFF"/>
-                </a:highlight>
-                <a:latin typeface="Fira Code" panose="00000509000000000000" pitchFamily="49" charset="0"/>
-                <a:ea typeface="Fira Code" panose="00000509000000000000" pitchFamily="49" charset="0"/>
-              </a:rPr>
-              <a:t/>
-            </a:r>
             <a:br>
               <a:rPr lang="ru-RU" sz="2400" dirty="0">
                 <a:solidFill>
@@ -21022,17 +22023,10 @@
   <p:clrMapOvr>
     <a:masterClrMapping/>
   </p:clrMapOvr>
-  <p:timing>
-    <p:tnLst>
-      <p:par>
-        <p:cTn id="1" dur="indefinite" restart="never" nodeType="tmRoot"/>
-      </p:par>
-    </p:tnLst>
-  </p:timing>
 </p:sld>
 </file>
 
-<file path=ppt/slides/slide32.xml><?xml version="1.0" encoding="utf-8"?>
+<file path=ppt/slides/slide34.xml><?xml version="1.0" encoding="utf-8"?>
 <p:sld xmlns:a="http://schemas.openxmlformats.org/drawingml/2006/main" xmlns:r="http://schemas.openxmlformats.org/officeDocument/2006/relationships" xmlns:p="http://schemas.openxmlformats.org/presentationml/2006/main">
   <p:cSld>
     <p:spTree>
@@ -22007,7 +23001,7 @@
 </p:sld>
 </file>
 
-<file path=ppt/slides/slide33.xml><?xml version="1.0" encoding="utf-8"?>
+<file path=ppt/slides/slide35.xml><?xml version="1.0" encoding="utf-8"?>
 <p:sld xmlns:a="http://schemas.openxmlformats.org/drawingml/2006/main" xmlns:r="http://schemas.openxmlformats.org/officeDocument/2006/relationships" xmlns:p="http://schemas.openxmlformats.org/presentationml/2006/main">
   <p:cSld>
     <p:spTree>
@@ -22104,17 +23098,10 @@
   <p:clrMapOvr>
     <a:masterClrMapping/>
   </p:clrMapOvr>
-  <p:timing>
-    <p:tnLst>
-      <p:par>
-        <p:cTn id="1" dur="indefinite" restart="never" nodeType="tmRoot"/>
-      </p:par>
-    </p:tnLst>
-  </p:timing>
 </p:sld>
 </file>
 
-<file path=ppt/slides/slide34.xml><?xml version="1.0" encoding="utf-8"?>
+<file path=ppt/slides/slide36.xml><?xml version="1.0" encoding="utf-8"?>
 <p:sld xmlns:a="http://schemas.openxmlformats.org/drawingml/2006/main" xmlns:r="http://schemas.openxmlformats.org/officeDocument/2006/relationships" xmlns:p="http://schemas.openxmlformats.org/presentationml/2006/main">
   <p:cSld>
     <p:spTree>
@@ -22268,7 +23255,7 @@
           </a:p>
           <a:p>
             <a:r>
-              <a:rPr lang="en-US" sz="2800" dirty="0" smtClean="0">
+              <a:rPr lang="en-US" sz="2800" dirty="0">
                 <a:solidFill>
                   <a:srgbClr val="0000FF"/>
                 </a:solidFill>
@@ -22281,7 +23268,7 @@
               <a:t>    </a:t>
             </a:r>
             <a:r>
-              <a:rPr lang="en-US" sz="2800" dirty="0" err="1" smtClean="0">
+              <a:rPr lang="en-US" sz="2800" dirty="0" err="1">
                 <a:solidFill>
                   <a:srgbClr val="0000FF"/>
                 </a:solidFill>
@@ -22294,7 +23281,7 @@
               <a:t>var</a:t>
             </a:r>
             <a:r>
-              <a:rPr lang="en-US" sz="2800" dirty="0" smtClean="0">
+              <a:rPr lang="en-US" sz="2800" dirty="0">
                 <a:solidFill>
                   <a:srgbClr val="0000FF"/>
                 </a:solidFill>
@@ -22307,7 +23294,7 @@
               <a:t> </a:t>
             </a:r>
             <a:r>
-              <a:rPr lang="en-US" sz="2800" dirty="0" smtClean="0">
+              <a:rPr lang="en-US" sz="2800" dirty="0">
                 <a:solidFill>
                   <a:srgbClr val="000000"/>
                 </a:solidFill>
@@ -22317,8 +23304,23 @@
                 <a:latin typeface="Consolas" panose="020B0609020204030204" pitchFamily="49" charset="0"/>
                 <a:ea typeface="Fira Code" panose="00000509000000000000" pitchFamily="49" charset="0"/>
               </a:rPr>
-              <a:t>y </a:t>
-            </a:r>
+              <a:t>y = 0; </a:t>
+            </a:r>
+            <a:r>
+              <a:rPr lang="en-US" sz="2800" i="1" dirty="0">
+                <a:solidFill>
+                  <a:srgbClr val="00B050"/>
+                </a:solidFill>
+                <a:highlight>
+                  <a:srgbClr val="FFFFFF"/>
+                </a:highlight>
+                <a:latin typeface="Consolas" panose="020B0609020204030204" pitchFamily="49" charset="0"/>
+                <a:ea typeface="Fira Code" panose="00000509000000000000" pitchFamily="49" charset="0"/>
+              </a:rPr>
+              <a:t>// bottom</a:t>
+            </a:r>
+          </a:p>
+          <a:p>
             <a:r>
               <a:rPr lang="en-US" sz="2800" dirty="0">
                 <a:solidFill>
@@ -22330,10 +23332,23 @@
                 <a:latin typeface="Consolas" panose="020B0609020204030204" pitchFamily="49" charset="0"/>
                 <a:ea typeface="Fira Code" panose="00000509000000000000" pitchFamily="49" charset="0"/>
               </a:rPr>
-              <a:t>= </a:t>
-            </a:r>
-            <a:r>
-              <a:rPr lang="en-US" sz="2800" dirty="0" smtClean="0">
+              <a:t>    </a:t>
+            </a:r>
+            <a:r>
+              <a:rPr lang="en-US" sz="2800" dirty="0">
+                <a:solidFill>
+                  <a:srgbClr val="0000FF"/>
+                </a:solidFill>
+                <a:highlight>
+                  <a:srgbClr val="FFFFFF"/>
+                </a:highlight>
+                <a:latin typeface="Consolas" panose="020B0609020204030204" pitchFamily="49" charset="0"/>
+                <a:ea typeface="Fira Code" panose="00000509000000000000" pitchFamily="49" charset="0"/>
+              </a:rPr>
+              <a:t>while</a:t>
+            </a:r>
+            <a:r>
+              <a:rPr lang="en-US" sz="2800" dirty="0">
                 <a:solidFill>
                   <a:srgbClr val="000000"/>
                 </a:solidFill>
@@ -22343,110 +23358,7 @@
                 <a:latin typeface="Consolas" panose="020B0609020204030204" pitchFamily="49" charset="0"/>
                 <a:ea typeface="Fira Code" panose="00000509000000000000" pitchFamily="49" charset="0"/>
               </a:rPr>
-              <a:t>0; </a:t>
-            </a:r>
-            <a:r>
-              <a:rPr lang="en-US" sz="2800" i="1" dirty="0" smtClean="0">
-                <a:solidFill>
-                  <a:srgbClr val="00B050"/>
-                </a:solidFill>
-                <a:highlight>
-                  <a:srgbClr val="FFFFFF"/>
-                </a:highlight>
-                <a:latin typeface="Consolas" panose="020B0609020204030204" pitchFamily="49" charset="0"/>
-                <a:ea typeface="Fira Code" panose="00000509000000000000" pitchFamily="49" charset="0"/>
-              </a:rPr>
-              <a:t>// bottom</a:t>
-            </a:r>
-            <a:endParaRPr lang="en-US" sz="2800" i="1" dirty="0">
-              <a:solidFill>
-                <a:srgbClr val="00B050"/>
-              </a:solidFill>
-              <a:highlight>
-                <a:srgbClr val="FFFFFF"/>
-              </a:highlight>
-              <a:latin typeface="Consolas" panose="020B0609020204030204" pitchFamily="49" charset="0"/>
-              <a:ea typeface="Fira Code" panose="00000509000000000000" pitchFamily="49" charset="0"/>
-            </a:endParaRPr>
-          </a:p>
-          <a:p>
-            <a:r>
-              <a:rPr lang="en-US" sz="2800" dirty="0" smtClean="0">
-                <a:solidFill>
-                  <a:srgbClr val="000000"/>
-                </a:solidFill>
-                <a:highlight>
-                  <a:srgbClr val="FFFFFF"/>
-                </a:highlight>
-                <a:latin typeface="Consolas" panose="020B0609020204030204" pitchFamily="49" charset="0"/>
-                <a:ea typeface="Fira Code" panose="00000509000000000000" pitchFamily="49" charset="0"/>
-              </a:rPr>
-              <a:t>    </a:t>
-            </a:r>
-            <a:r>
-              <a:rPr lang="en-US" sz="2800" dirty="0" smtClean="0">
-                <a:solidFill>
-                  <a:srgbClr val="0000FF"/>
-                </a:solidFill>
-                <a:highlight>
-                  <a:srgbClr val="FFFFFF"/>
-                </a:highlight>
-                <a:latin typeface="Consolas" panose="020B0609020204030204" pitchFamily="49" charset="0"/>
-                <a:ea typeface="Fira Code" panose="00000509000000000000" pitchFamily="49" charset="0"/>
-              </a:rPr>
-              <a:t>while</a:t>
-            </a:r>
-            <a:r>
-              <a:rPr lang="en-US" sz="2800" dirty="0" smtClean="0">
-                <a:solidFill>
-                  <a:srgbClr val="000000"/>
-                </a:solidFill>
-                <a:highlight>
-                  <a:srgbClr val="FFFFFF"/>
-                </a:highlight>
-                <a:latin typeface="Consolas" panose="020B0609020204030204" pitchFamily="49" charset="0"/>
-                <a:ea typeface="Fira Code" panose="00000509000000000000" pitchFamily="49" charset="0"/>
-              </a:rPr>
-              <a:t> (y </a:t>
-            </a:r>
-            <a:r>
-              <a:rPr lang="en-US" sz="2800" dirty="0">
-                <a:solidFill>
-                  <a:srgbClr val="000000"/>
-                </a:solidFill>
-                <a:highlight>
-                  <a:srgbClr val="FFFFFF"/>
-                </a:highlight>
-                <a:latin typeface="Consolas" panose="020B0609020204030204" pitchFamily="49" charset="0"/>
-                <a:ea typeface="Fira Code" panose="00000509000000000000" pitchFamily="49" charset="0"/>
-              </a:rPr>
-              <a:t>&lt; </a:t>
-            </a:r>
-            <a:r>
-              <a:rPr lang="en-US" sz="2800" dirty="0" smtClean="0">
-                <a:solidFill>
-                  <a:srgbClr val="000000"/>
-                </a:solidFill>
-                <a:highlight>
-                  <a:srgbClr val="FFFFFF"/>
-                </a:highlight>
-                <a:latin typeface="Consolas" panose="020B0609020204030204" pitchFamily="49" charset="0"/>
-                <a:ea typeface="Fira Code" panose="00000509000000000000" pitchFamily="49" charset="0"/>
-              </a:rPr>
-              <a:t>height) </a:t>
-            </a:r>
-            <a:r>
-              <a:rPr lang="en-US" sz="2800" dirty="0">
-                <a:solidFill>
-                  <a:srgbClr val="000000"/>
-                </a:solidFill>
-                <a:highlight>
-                  <a:srgbClr val="FFFFFF"/>
-                </a:highlight>
-                <a:latin typeface="Consolas" panose="020B0609020204030204" pitchFamily="49" charset="0"/>
-                <a:ea typeface="Fira Code" panose="00000509000000000000" pitchFamily="49" charset="0"/>
-              </a:rPr>
-              <a:t>{</a:t>
+              <a:t> (y &lt; height) {</a:t>
             </a:r>
           </a:p>
           <a:p>
@@ -22784,17 +23696,10 @@
   <p:clrMapOvr>
     <a:masterClrMapping/>
   </p:clrMapOvr>
-  <p:timing>
-    <p:tnLst>
-      <p:par>
-        <p:cTn id="1" dur="indefinite" restart="never" nodeType="tmRoot"/>
-      </p:par>
-    </p:tnLst>
-  </p:timing>
 </p:sld>
 </file>
 
-<file path=ppt/slides/slide35.xml><?xml version="1.0" encoding="utf-8"?>
+<file path=ppt/slides/slide37.xml><?xml version="1.0" encoding="utf-8"?>
 <p:sld xmlns:a="http://schemas.openxmlformats.org/drawingml/2006/main" xmlns:r="http://schemas.openxmlformats.org/officeDocument/2006/relationships" xmlns:p="http://schemas.openxmlformats.org/presentationml/2006/main">
   <p:cSld>
     <p:spTree>
@@ -22926,18 +23831,6 @@
               </a:rPr>
               <a:t>{</a:t>
             </a:r>
-            <a:r>
-              <a:rPr lang="en-US" sz="2400" dirty="0">
-                <a:solidFill>
-                  <a:srgbClr val="000000"/>
-                </a:solidFill>
-                <a:highlight>
-                  <a:srgbClr val="FFFFFF"/>
-                </a:highlight>
-                <a:latin typeface="Consolas" panose="020B0609020204030204" pitchFamily="49" charset="0"/>
-              </a:rPr>
-              <a:t/>
-            </a:r>
             <a:br>
               <a:rPr lang="en-US" sz="2400" dirty="0">
                 <a:solidFill>
@@ -23102,10 +23995,22 @@
                 </a:highlight>
                 <a:latin typeface="Consolas" panose="020B0609020204030204" pitchFamily="49" charset="0"/>
               </a:rPr>
-              <a:t> </a:t>
-            </a:r>
-            <a:r>
-              <a:rPr lang="en-US" sz="2400" dirty="0" smtClean="0">
+              <a:t> = </a:t>
+            </a:r>
+            <a:r>
+              <a:rPr lang="en-US" sz="2400" dirty="0">
+                <a:solidFill>
+                  <a:srgbClr val="800080"/>
+                </a:solidFill>
+                <a:highlight>
+                  <a:srgbClr val="FFFFFF"/>
+                </a:highlight>
+                <a:latin typeface="Consolas" panose="020B0609020204030204" pitchFamily="49" charset="0"/>
+              </a:rPr>
+              <a:t>Height</a:t>
+            </a:r>
+            <a:r>
+              <a:rPr lang="en-US" sz="2400" dirty="0">
                 <a:solidFill>
                   <a:srgbClr val="000000"/>
                 </a:solidFill>
@@ -23114,22 +24019,10 @@
                 </a:highlight>
                 <a:latin typeface="Consolas" panose="020B0609020204030204" pitchFamily="49" charset="0"/>
               </a:rPr>
-              <a:t>= </a:t>
-            </a:r>
-            <a:r>
-              <a:rPr lang="en-US" sz="2400" dirty="0" smtClean="0">
-                <a:solidFill>
-                  <a:srgbClr val="800080"/>
-                </a:solidFill>
-                <a:highlight>
-                  <a:srgbClr val="FFFFFF"/>
-                </a:highlight>
-                <a:latin typeface="Consolas" panose="020B0609020204030204" pitchFamily="49" charset="0"/>
-              </a:rPr>
-              <a:t>Height</a:t>
-            </a:r>
-            <a:r>
-              <a:rPr lang="en-US" sz="2400" dirty="0" smtClean="0">
+              <a:t>-</a:t>
+            </a:r>
+            <a:r>
+              <a:rPr lang="en-US" sz="2400" dirty="0" err="1">
                 <a:solidFill>
                   <a:srgbClr val="000000"/>
                 </a:solidFill>
@@ -23138,22 +24031,10 @@
                 </a:highlight>
                 <a:latin typeface="Consolas" panose="020B0609020204030204" pitchFamily="49" charset="0"/>
               </a:rPr>
-              <a:t>-</a:t>
-            </a:r>
-            <a:r>
-              <a:rPr lang="en-US" sz="2400" dirty="0" err="1" smtClean="0">
-                <a:solidFill>
-                  <a:srgbClr val="000000"/>
-                </a:solidFill>
-                <a:highlight>
-                  <a:srgbClr val="FFFFFF"/>
-                </a:highlight>
-                <a:latin typeface="Consolas" panose="020B0609020204030204" pitchFamily="49" charset="0"/>
-              </a:rPr>
               <a:t>notFullLines.</a:t>
             </a:r>
             <a:r>
-              <a:rPr lang="en-US" sz="2400" dirty="0" err="1" smtClean="0">
+              <a:rPr lang="en-US" sz="2400" dirty="0" err="1">
                 <a:solidFill>
                   <a:srgbClr val="800080"/>
                 </a:solidFill>
@@ -23645,17 +24526,10 @@
   <p:clrMapOvr>
     <a:masterClrMapping/>
   </p:clrMapOvr>
-  <p:timing>
-    <p:tnLst>
-      <p:par>
-        <p:cTn id="1" dur="indefinite" restart="never" nodeType="tmRoot"/>
-      </p:par>
-    </p:tnLst>
-  </p:timing>
 </p:sld>
 </file>
 
-<file path=ppt/slides/slide36.xml><?xml version="1.0" encoding="utf-8"?>
+<file path=ppt/slides/slide38.xml><?xml version="1.0" encoding="utf-8"?>
 <p:sld xmlns:a="http://schemas.openxmlformats.org/drawingml/2006/main" xmlns:r="http://schemas.openxmlformats.org/officeDocument/2006/relationships" xmlns:p="http://schemas.openxmlformats.org/presentationml/2006/main">
   <p:cSld>
     <p:spTree>
@@ -23745,19 +24619,6 @@
               </a:rPr>
               <a:t>(</a:t>
             </a:r>
-            <a:r>
-              <a:rPr lang="ru-RU" sz="1400" dirty="0">
-                <a:solidFill>
-                  <a:srgbClr val="000000"/>
-                </a:solidFill>
-                <a:highlight>
-                  <a:srgbClr val="FFFFFF"/>
-                </a:highlight>
-                <a:latin typeface="Consolas" panose="020B0609020204030204" pitchFamily="49" charset="0"/>
-                <a:ea typeface="Fira Code" panose="00000509000000000000" pitchFamily="49" charset="0"/>
-              </a:rPr>
-              <a:t/>
-            </a:r>
             <a:br>
               <a:rPr lang="ru-RU" sz="1400" dirty="0">
                 <a:solidFill>
@@ -24536,19 +25397,6 @@
               </a:rPr>
               <a:t>) </a:t>
             </a:r>
-            <a:r>
-              <a:rPr lang="ru-RU" sz="1400" dirty="0">
-                <a:solidFill>
-                  <a:srgbClr val="000000"/>
-                </a:solidFill>
-                <a:highlight>
-                  <a:srgbClr val="FFFFFF"/>
-                </a:highlight>
-                <a:latin typeface="Consolas" panose="020B0609020204030204" pitchFamily="49" charset="0"/>
-                <a:ea typeface="Fira Code" panose="00000509000000000000" pitchFamily="49" charset="0"/>
-              </a:rPr>
-              <a:t/>
-            </a:r>
             <a:br>
               <a:rPr lang="ru-RU" sz="1400" dirty="0">
                 <a:solidFill>
@@ -24995,19 +25843,6 @@
                 <a:ea typeface="Fira Code" panose="00000509000000000000" pitchFamily="49" charset="0"/>
               </a:rPr>
               <a:t>) </a:t>
-            </a:r>
-            <a:r>
-              <a:rPr lang="ru-RU" sz="1400" dirty="0">
-                <a:solidFill>
-                  <a:srgbClr val="000000"/>
-                </a:solidFill>
-                <a:highlight>
-                  <a:srgbClr val="FFFFFF"/>
-                </a:highlight>
-                <a:latin typeface="Consolas" panose="020B0609020204030204" pitchFamily="49" charset="0"/>
-                <a:ea typeface="Fira Code" panose="00000509000000000000" pitchFamily="49" charset="0"/>
-              </a:rPr>
-              <a:t/>
             </a:r>
             <a:br>
               <a:rPr lang="ru-RU" sz="1400" dirty="0">
@@ -26079,7 +26914,7 @@
 </p:sld>
 </file>
 
-<file path=ppt/slides/slide37.xml><?xml version="1.0" encoding="utf-8"?>
+<file path=ppt/slides/slide39.xml><?xml version="1.0" encoding="utf-8"?>
 <p:sld xmlns:a="http://schemas.openxmlformats.org/drawingml/2006/main" xmlns:r="http://schemas.openxmlformats.org/officeDocument/2006/relationships" xmlns:p="http://schemas.openxmlformats.org/presentationml/2006/main">
   <p:cSld>
     <p:spTree>
@@ -26178,17 +27013,377 @@
   <p:clrMapOvr>
     <a:masterClrMapping/>
   </p:clrMapOvr>
+</p:sld>
+</file>
+
+<file path=ppt/slides/slide4.xml><?xml version="1.0" encoding="utf-8"?>
+<p:sld xmlns:a="http://schemas.openxmlformats.org/drawingml/2006/main" xmlns:r="http://schemas.openxmlformats.org/officeDocument/2006/relationships" xmlns:p="http://schemas.openxmlformats.org/presentationml/2006/main">
+  <p:cSld>
+    <p:spTree>
+      <p:nvGrpSpPr>
+        <p:cNvPr id="1" name=""/>
+        <p:cNvGrpSpPr/>
+        <p:nvPr/>
+      </p:nvGrpSpPr>
+      <p:grpSpPr>
+        <a:xfrm>
+          <a:off x="0" y="0"/>
+          <a:ext cx="0" cy="0"/>
+          <a:chOff x="0" y="0"/>
+          <a:chExt cx="0" cy="0"/>
+        </a:xfrm>
+      </p:grpSpPr>
+      <p:sp>
+        <p:nvSpPr>
+          <p:cNvPr id="2" name="Объект 1">
+            <a:extLst>
+              <a:ext uri="{FF2B5EF4-FFF2-40B4-BE49-F238E27FC236}">
+                <a16:creationId xmlns:a16="http://schemas.microsoft.com/office/drawing/2014/main" id="{45C57D83-92E5-416E-A37C-8E6508A15768}"/>
+              </a:ext>
+            </a:extLst>
+          </p:cNvPr>
+          <p:cNvSpPr>
+            <a:spLocks noGrp="1"/>
+          </p:cNvSpPr>
+          <p:nvPr>
+            <p:ph sz="quarter" idx="13"/>
+          </p:nvPr>
+        </p:nvSpPr>
+        <p:spPr/>
+        <p:txBody>
+          <a:bodyPr/>
+          <a:lstStyle/>
+          <a:p>
+            <a:pPr marL="0" indent="0">
+              <a:buNone/>
+            </a:pPr>
+            <a:r>
+              <a:rPr lang="ru-RU" dirty="0"/>
+              <a:t>У каждого модуля должна быть лишь одна реалистичная причина для изменения</a:t>
+            </a:r>
+            <a:endParaRPr lang="en-US" dirty="0"/>
+          </a:p>
+          <a:p>
+            <a:pPr marL="0" indent="0">
+              <a:buNone/>
+            </a:pPr>
+            <a:endParaRPr lang="en-US" dirty="0"/>
+          </a:p>
+          <a:p>
+            <a:r>
+              <a:rPr lang="ru-RU" dirty="0"/>
+              <a:t>Что может быть модулем?</a:t>
+            </a:r>
+          </a:p>
+          <a:p>
+            <a:r>
+              <a:rPr lang="ru-RU" dirty="0"/>
+              <a:t>Влияет ли на конфликты при </a:t>
+            </a:r>
+            <a:r>
+              <a:rPr lang="en-US" dirty="0"/>
+              <a:t>merge </a:t>
+            </a:r>
+            <a:r>
+              <a:rPr lang="ru-RU" dirty="0"/>
+              <a:t>в </a:t>
+            </a:r>
+            <a:r>
+              <a:rPr lang="en-US" dirty="0"/>
+              <a:t>VCS</a:t>
+            </a:r>
+            <a:r>
+              <a:rPr lang="ru-RU" dirty="0"/>
+              <a:t>?</a:t>
+            </a:r>
+          </a:p>
+          <a:p>
+            <a:r>
+              <a:rPr lang="ru-RU" dirty="0"/>
+              <a:t>Достаточно ли для хорошего модуля?</a:t>
+            </a:r>
+            <a:endParaRPr lang="en-US" dirty="0"/>
+          </a:p>
+          <a:p>
+            <a:pPr marL="0" indent="0">
+              <a:buNone/>
+            </a:pPr>
+            <a:endParaRPr lang="en-US" dirty="0"/>
+          </a:p>
+        </p:txBody>
+      </p:sp>
+      <p:sp>
+        <p:nvSpPr>
+          <p:cNvPr id="3" name="Заголовок 2">
+            <a:extLst>
+              <a:ext uri="{FF2B5EF4-FFF2-40B4-BE49-F238E27FC236}">
+                <a16:creationId xmlns:a16="http://schemas.microsoft.com/office/drawing/2014/main" id="{10BA32A1-A65C-4148-B45D-023D062AA6FE}"/>
+              </a:ext>
+            </a:extLst>
+          </p:cNvPr>
+          <p:cNvSpPr>
+            <a:spLocks noGrp="1"/>
+          </p:cNvSpPr>
+          <p:nvPr>
+            <p:ph type="title"/>
+          </p:nvPr>
+        </p:nvSpPr>
+        <p:spPr/>
+        <p:txBody>
+          <a:bodyPr/>
+          <a:lstStyle/>
+          <a:p>
+            <a:r>
+              <a:rPr lang="ru-RU" dirty="0"/>
+              <a:t>Что такое </a:t>
+            </a:r>
+            <a:r>
+              <a:rPr lang="en-US" dirty="0"/>
+              <a:t>SRP?</a:t>
+            </a:r>
+          </a:p>
+        </p:txBody>
+      </p:sp>
+    </p:spTree>
+    <p:extLst>
+      <p:ext uri="{BB962C8B-B14F-4D97-AF65-F5344CB8AC3E}">
+        <p14:creationId xmlns:p14="http://schemas.microsoft.com/office/powerpoint/2010/main" val="4158320375"/>
+      </p:ext>
+    </p:extLst>
+  </p:cSld>
+  <p:clrMapOvr>
+    <a:masterClrMapping/>
+  </p:clrMapOvr>
   <p:timing>
     <p:tnLst>
       <p:par>
-        <p:cTn id="1" dur="indefinite" restart="never" nodeType="tmRoot"/>
+        <p:cTn id="1" dur="indefinite" restart="never" nodeType="tmRoot">
+          <p:childTnLst>
+            <p:seq concurrent="1" nextAc="seek">
+              <p:cTn id="2" dur="indefinite" nodeType="mainSeq">
+                <p:childTnLst>
+                  <p:par>
+                    <p:cTn id="3" fill="hold">
+                      <p:stCondLst>
+                        <p:cond delay="indefinite"/>
+                      </p:stCondLst>
+                      <p:childTnLst>
+                        <p:par>
+                          <p:cTn id="4" fill="hold">
+                            <p:stCondLst>
+                              <p:cond delay="0"/>
+                            </p:stCondLst>
+                            <p:childTnLst>
+                              <p:par>
+                                <p:cTn id="5" presetID="1" presetClass="entr" presetSubtype="0" fill="hold" nodeType="clickEffect">
+                                  <p:stCondLst>
+                                    <p:cond delay="0"/>
+                                  </p:stCondLst>
+                                  <p:childTnLst>
+                                    <p:set>
+                                      <p:cBhvr>
+                                        <p:cTn id="6" dur="1" fill="hold">
+                                          <p:stCondLst>
+                                            <p:cond delay="0"/>
+                                          </p:stCondLst>
+                                        </p:cTn>
+                                        <p:tgtEl>
+                                          <p:spTgt spid="2">
+                                            <p:txEl>
+                                              <p:pRg st="0" end="0"/>
+                                            </p:txEl>
+                                          </p:spTgt>
+                                        </p:tgtEl>
+                                        <p:attrNameLst>
+                                          <p:attrName>style.visibility</p:attrName>
+                                        </p:attrNameLst>
+                                      </p:cBhvr>
+                                      <p:to>
+                                        <p:strVal val="visible"/>
+                                      </p:to>
+                                    </p:set>
+                                  </p:childTnLst>
+                                </p:cTn>
+                              </p:par>
+                            </p:childTnLst>
+                          </p:cTn>
+                        </p:par>
+                      </p:childTnLst>
+                    </p:cTn>
+                  </p:par>
+                  <p:par>
+                    <p:cTn id="7" fill="hold">
+                      <p:stCondLst>
+                        <p:cond delay="indefinite"/>
+                      </p:stCondLst>
+                      <p:childTnLst>
+                        <p:par>
+                          <p:cTn id="8" fill="hold">
+                            <p:stCondLst>
+                              <p:cond delay="0"/>
+                            </p:stCondLst>
+                            <p:childTnLst>
+                              <p:par>
+                                <p:cTn id="9" presetID="1" presetClass="entr" presetSubtype="0" fill="hold" nodeType="clickEffect">
+                                  <p:stCondLst>
+                                    <p:cond delay="0"/>
+                                  </p:stCondLst>
+                                  <p:childTnLst>
+                                    <p:set>
+                                      <p:cBhvr>
+                                        <p:cTn id="10" dur="1" fill="hold">
+                                          <p:stCondLst>
+                                            <p:cond delay="0"/>
+                                          </p:stCondLst>
+                                        </p:cTn>
+                                        <p:tgtEl>
+                                          <p:spTgt spid="2">
+                                            <p:txEl>
+                                              <p:pRg st="2" end="2"/>
+                                            </p:txEl>
+                                          </p:spTgt>
+                                        </p:tgtEl>
+                                        <p:attrNameLst>
+                                          <p:attrName>style.visibility</p:attrName>
+                                        </p:attrNameLst>
+                                      </p:cBhvr>
+                                      <p:to>
+                                        <p:strVal val="visible"/>
+                                      </p:to>
+                                    </p:set>
+                                  </p:childTnLst>
+                                </p:cTn>
+                              </p:par>
+                            </p:childTnLst>
+                          </p:cTn>
+                        </p:par>
+                      </p:childTnLst>
+                    </p:cTn>
+                  </p:par>
+                  <p:par>
+                    <p:cTn id="11" fill="hold">
+                      <p:stCondLst>
+                        <p:cond delay="indefinite"/>
+                      </p:stCondLst>
+                      <p:childTnLst>
+                        <p:par>
+                          <p:cTn id="12" fill="hold">
+                            <p:stCondLst>
+                              <p:cond delay="0"/>
+                            </p:stCondLst>
+                            <p:childTnLst>
+                              <p:par>
+                                <p:cTn id="13" presetID="1" presetClass="entr" presetSubtype="0" fill="hold" nodeType="clickEffect">
+                                  <p:stCondLst>
+                                    <p:cond delay="0"/>
+                                  </p:stCondLst>
+                                  <p:childTnLst>
+                                    <p:set>
+                                      <p:cBhvr>
+                                        <p:cTn id="14" dur="1" fill="hold">
+                                          <p:stCondLst>
+                                            <p:cond delay="0"/>
+                                          </p:stCondLst>
+                                        </p:cTn>
+                                        <p:tgtEl>
+                                          <p:spTgt spid="2">
+                                            <p:txEl>
+                                              <p:pRg st="3" end="3"/>
+                                            </p:txEl>
+                                          </p:spTgt>
+                                        </p:tgtEl>
+                                        <p:attrNameLst>
+                                          <p:attrName>style.visibility</p:attrName>
+                                        </p:attrNameLst>
+                                      </p:cBhvr>
+                                      <p:to>
+                                        <p:strVal val="visible"/>
+                                      </p:to>
+                                    </p:set>
+                                  </p:childTnLst>
+                                </p:cTn>
+                              </p:par>
+                            </p:childTnLst>
+                          </p:cTn>
+                        </p:par>
+                      </p:childTnLst>
+                    </p:cTn>
+                  </p:par>
+                  <p:par>
+                    <p:cTn id="15" fill="hold">
+                      <p:stCondLst>
+                        <p:cond delay="indefinite"/>
+                      </p:stCondLst>
+                      <p:childTnLst>
+                        <p:par>
+                          <p:cTn id="16" fill="hold">
+                            <p:stCondLst>
+                              <p:cond delay="0"/>
+                            </p:stCondLst>
+                            <p:childTnLst>
+                              <p:par>
+                                <p:cTn id="17" presetID="1" presetClass="entr" presetSubtype="0" fill="hold" nodeType="clickEffect">
+                                  <p:stCondLst>
+                                    <p:cond delay="0"/>
+                                  </p:stCondLst>
+                                  <p:childTnLst>
+                                    <p:set>
+                                      <p:cBhvr>
+                                        <p:cTn id="18" dur="1" fill="hold">
+                                          <p:stCondLst>
+                                            <p:cond delay="0"/>
+                                          </p:stCondLst>
+                                        </p:cTn>
+                                        <p:tgtEl>
+                                          <p:spTgt spid="2">
+                                            <p:txEl>
+                                              <p:pRg st="4" end="4"/>
+                                            </p:txEl>
+                                          </p:spTgt>
+                                        </p:tgtEl>
+                                        <p:attrNameLst>
+                                          <p:attrName>style.visibility</p:attrName>
+                                        </p:attrNameLst>
+                                      </p:cBhvr>
+                                      <p:to>
+                                        <p:strVal val="visible"/>
+                                      </p:to>
+                                    </p:set>
+                                  </p:childTnLst>
+                                </p:cTn>
+                              </p:par>
+                            </p:childTnLst>
+                          </p:cTn>
+                        </p:par>
+                      </p:childTnLst>
+                    </p:cTn>
+                  </p:par>
+                </p:childTnLst>
+              </p:cTn>
+              <p:prevCondLst>
+                <p:cond evt="onPrev" delay="0">
+                  <p:tgtEl>
+                    <p:sldTgt/>
+                  </p:tgtEl>
+                </p:cond>
+              </p:prevCondLst>
+              <p:nextCondLst>
+                <p:cond evt="onNext" delay="0">
+                  <p:tgtEl>
+                    <p:sldTgt/>
+                  </p:tgtEl>
+                </p:cond>
+              </p:nextCondLst>
+            </p:seq>
+          </p:childTnLst>
+        </p:cTn>
       </p:par>
     </p:tnLst>
   </p:timing>
 </p:sld>
 </file>
 
-<file path=ppt/slides/slide38.xml><?xml version="1.0" encoding="utf-8"?>
+<file path=ppt/slides/slide40.xml><?xml version="1.0" encoding="utf-8"?>
 <p:sld xmlns:a="http://schemas.openxmlformats.org/drawingml/2006/main" xmlns:r="http://schemas.openxmlformats.org/officeDocument/2006/relationships" xmlns:p="http://schemas.openxmlformats.org/presentationml/2006/main">
   <p:cSld>
     <p:spTree>
@@ -26341,19 +27536,6 @@
               </a:rPr>
               <a:t>(</a:t>
             </a:r>
-            <a:r>
-              <a:rPr lang="ru-RU" dirty="0">
-                <a:solidFill>
-                  <a:srgbClr val="000000"/>
-                </a:solidFill>
-                <a:highlight>
-                  <a:srgbClr val="FFFFFF"/>
-                </a:highlight>
-                <a:latin typeface="Fira Code" panose="00000509000000000000" pitchFamily="49" charset="0"/>
-                <a:ea typeface="Fira Code" panose="00000509000000000000" pitchFamily="49" charset="0"/>
-              </a:rPr>
-              <a:t/>
-            </a:r>
             <a:br>
               <a:rPr lang="ru-RU" dirty="0">
                 <a:solidFill>
@@ -26508,19 +27690,6 @@
               </a:rPr>
               <a:t>[] merged)</a:t>
             </a:r>
-            <a:r>
-              <a:rPr lang="ru-RU" dirty="0">
-                <a:solidFill>
-                  <a:srgbClr val="000000"/>
-                </a:solidFill>
-                <a:highlight>
-                  <a:srgbClr val="FFFFFF"/>
-                </a:highlight>
-                <a:latin typeface="Fira Code" panose="00000509000000000000" pitchFamily="49" charset="0"/>
-                <a:ea typeface="Fira Code" panose="00000509000000000000" pitchFamily="49" charset="0"/>
-              </a:rPr>
-              <a:t/>
-            </a:r>
             <a:br>
               <a:rPr lang="ru-RU" dirty="0">
                 <a:solidFill>
@@ -27338,19 +28507,6 @@
                 <a:ea typeface="Fira Code" panose="00000509000000000000" pitchFamily="49" charset="0"/>
               </a:rPr>
               <a:t>typePairs</a:t>
-            </a:r>
-            <a:r>
-              <a:rPr lang="en-US" dirty="0">
-                <a:solidFill>
-                  <a:srgbClr val="000000"/>
-                </a:solidFill>
-                <a:highlight>
-                  <a:srgbClr val="FFFFFF"/>
-                </a:highlight>
-                <a:latin typeface="Fira Code" panose="00000509000000000000" pitchFamily="49" charset="0"/>
-                <a:ea typeface="Fira Code" panose="00000509000000000000" pitchFamily="49" charset="0"/>
-              </a:rPr>
-              <a:t/>
             </a:r>
             <a:br>
               <a:rPr lang="en-US" dirty="0">
@@ -27851,17 +29007,10 @@
   <p:clrMapOvr>
     <a:masterClrMapping/>
   </p:clrMapOvr>
-  <p:timing>
-    <p:tnLst>
-      <p:par>
-        <p:cTn id="1" dur="indefinite" restart="never" nodeType="tmRoot"/>
-      </p:par>
-    </p:tnLst>
-  </p:timing>
 </p:sld>
 </file>
 
-<file path=ppt/slides/slide39.xml><?xml version="1.0" encoding="utf-8"?>
+<file path=ppt/slides/slide41.xml><?xml version="1.0" encoding="utf-8"?>
 <p:sld xmlns:a="http://schemas.openxmlformats.org/drawingml/2006/main" xmlns:r="http://schemas.openxmlformats.org/officeDocument/2006/relationships" xmlns:p="http://schemas.openxmlformats.org/presentationml/2006/main">
   <p:cSld>
     <p:spTree>
@@ -27969,364 +29118,10 @@
   <p:clrMapOvr>
     <a:masterClrMapping/>
   </p:clrMapOvr>
-  <p:timing>
-    <p:tnLst>
-      <p:par>
-        <p:cTn id="1" dur="indefinite" restart="never" nodeType="tmRoot"/>
-      </p:par>
-    </p:tnLst>
-  </p:timing>
 </p:sld>
 </file>
 
-<file path=ppt/slides/slide4.xml><?xml version="1.0" encoding="utf-8"?>
-<p:sld xmlns:a="http://schemas.openxmlformats.org/drawingml/2006/main" xmlns:r="http://schemas.openxmlformats.org/officeDocument/2006/relationships" xmlns:p="http://schemas.openxmlformats.org/presentationml/2006/main">
-  <p:cSld>
-    <p:spTree>
-      <p:nvGrpSpPr>
-        <p:cNvPr id="1" name=""/>
-        <p:cNvGrpSpPr/>
-        <p:nvPr/>
-      </p:nvGrpSpPr>
-      <p:grpSpPr>
-        <a:xfrm>
-          <a:off x="0" y="0"/>
-          <a:ext cx="0" cy="0"/>
-          <a:chOff x="0" y="0"/>
-          <a:chExt cx="0" cy="0"/>
-        </a:xfrm>
-      </p:grpSpPr>
-      <p:sp>
-        <p:nvSpPr>
-          <p:cNvPr id="3" name="Объект 2"/>
-          <p:cNvSpPr>
-            <a:spLocks noGrp="1"/>
-          </p:cNvSpPr>
-          <p:nvPr>
-            <p:ph sz="quarter" idx="13"/>
-          </p:nvPr>
-        </p:nvSpPr>
-        <p:spPr/>
-        <p:txBody>
-          <a:bodyPr>
-            <a:normAutofit fontScale="85000" lnSpcReduction="10000"/>
-          </a:bodyPr>
-          <a:lstStyle/>
-          <a:p>
-            <a:r>
-              <a:rPr lang="ru-RU" b="1" dirty="0"/>
-              <a:t>Простота и понятность.</a:t>
-            </a:r>
-            <a:r>
-              <a:rPr lang="ru-RU" dirty="0"/>
-              <a:t> Что в будущем инженер смог быстро разобраться и доработать компонент под изменившиеся требования.</a:t>
-            </a:r>
-          </a:p>
-          <a:p>
-            <a:r>
-              <a:rPr lang="x-none" b="1" dirty="0"/>
-              <a:t>Корректность.</a:t>
-            </a:r>
-            <a:r>
-              <a:rPr lang="x-none" dirty="0"/>
-              <a:t> Чтобы в будущем инженер своими правками случайно не сломал работоспособность системы.</a:t>
-            </a:r>
-          </a:p>
-          <a:p>
-            <a:r>
-              <a:rPr lang="x-none" b="1" dirty="0"/>
-              <a:t>Расширяемость.</a:t>
-            </a:r>
-            <a:r>
-              <a:rPr lang="x-none" dirty="0"/>
-              <a:t> Чтобы в будущем инженеру проще было вносить доработки под новые требования.</a:t>
-            </a:r>
-          </a:p>
-          <a:p>
-            <a:r>
-              <a:rPr lang="x-none" b="1" dirty="0"/>
-              <a:t>Универсальность.</a:t>
-            </a:r>
-            <a:r>
-              <a:rPr lang="x-none" dirty="0"/>
-              <a:t> Чтобы в будущем инженеру было проще использовать этот код в контексте другой задачи или проекта.</a:t>
-            </a:r>
-          </a:p>
-          <a:p>
-            <a:pPr marL="0" indent="0">
-              <a:buNone/>
-            </a:pPr>
-            <a:endParaRPr lang="ru-RU" dirty="0"/>
-          </a:p>
-        </p:txBody>
-      </p:sp>
-      <p:sp>
-        <p:nvSpPr>
-          <p:cNvPr id="2" name="Заголовок 1"/>
-          <p:cNvSpPr>
-            <a:spLocks noGrp="1"/>
-          </p:cNvSpPr>
-          <p:nvPr>
-            <p:ph type="title"/>
-          </p:nvPr>
-        </p:nvSpPr>
-        <p:spPr/>
-        <p:txBody>
-          <a:bodyPr>
-            <a:noAutofit/>
-          </a:bodyPr>
-          <a:lstStyle/>
-          <a:p>
-            <a:r>
-              <a:rPr lang="ru-RU" dirty="0"/>
-              <a:t>Зачем нужен чистый код?</a:t>
-            </a:r>
-          </a:p>
-        </p:txBody>
-      </p:sp>
-    </p:spTree>
-    <p:extLst>
-      <p:ext uri="{BB962C8B-B14F-4D97-AF65-F5344CB8AC3E}">
-        <p14:creationId xmlns:p14="http://schemas.microsoft.com/office/powerpoint/2010/main" val="3769395280"/>
-      </p:ext>
-    </p:extLst>
-  </p:cSld>
-  <p:clrMapOvr>
-    <a:masterClrMapping/>
-  </p:clrMapOvr>
-  <p:timing>
-    <p:tnLst>
-      <p:par>
-        <p:cTn id="1" dur="indefinite" restart="never" nodeType="tmRoot">
-          <p:childTnLst>
-            <p:seq concurrent="1" nextAc="seek">
-              <p:cTn id="2" dur="indefinite" nodeType="mainSeq">
-                <p:childTnLst>
-                  <p:par>
-                    <p:cTn id="3" fill="hold">
-                      <p:stCondLst>
-                        <p:cond delay="indefinite"/>
-                      </p:stCondLst>
-                      <p:childTnLst>
-                        <p:par>
-                          <p:cTn id="4" fill="hold">
-                            <p:stCondLst>
-                              <p:cond delay="0"/>
-                            </p:stCondLst>
-                            <p:childTnLst>
-                              <p:par>
-                                <p:cTn id="5" presetID="1" presetClass="entr" presetSubtype="0" fill="hold" grpId="0" nodeType="clickEffect">
-                                  <p:stCondLst>
-                                    <p:cond delay="0"/>
-                                  </p:stCondLst>
-                                  <p:childTnLst>
-                                    <p:set>
-                                      <p:cBhvr>
-                                        <p:cTn id="6" dur="1" fill="hold">
-                                          <p:stCondLst>
-                                            <p:cond delay="0"/>
-                                          </p:stCondLst>
-                                        </p:cTn>
-                                        <p:tgtEl>
-                                          <p:spTgt spid="3">
-                                            <p:txEl>
-                                              <p:pRg st="0" end="0"/>
-                                            </p:txEl>
-                                          </p:spTgt>
-                                        </p:tgtEl>
-                                        <p:attrNameLst>
-                                          <p:attrName>style.visibility</p:attrName>
-                                        </p:attrNameLst>
-                                      </p:cBhvr>
-                                      <p:to>
-                                        <p:strVal val="visible"/>
-                                      </p:to>
-                                    </p:set>
-                                  </p:childTnLst>
-                                </p:cTn>
-                              </p:par>
-                            </p:childTnLst>
-                          </p:cTn>
-                        </p:par>
-                      </p:childTnLst>
-                    </p:cTn>
-                  </p:par>
-                  <p:par>
-                    <p:cTn id="7" fill="hold">
-                      <p:stCondLst>
-                        <p:cond delay="indefinite"/>
-                      </p:stCondLst>
-                      <p:childTnLst>
-                        <p:par>
-                          <p:cTn id="8" fill="hold">
-                            <p:stCondLst>
-                              <p:cond delay="0"/>
-                            </p:stCondLst>
-                            <p:childTnLst>
-                              <p:par>
-                                <p:cTn id="9" presetID="1" presetClass="entr" presetSubtype="0" fill="hold" grpId="0" nodeType="clickEffect">
-                                  <p:stCondLst>
-                                    <p:cond delay="0"/>
-                                  </p:stCondLst>
-                                  <p:childTnLst>
-                                    <p:set>
-                                      <p:cBhvr>
-                                        <p:cTn id="10" dur="1" fill="hold">
-                                          <p:stCondLst>
-                                            <p:cond delay="0"/>
-                                          </p:stCondLst>
-                                        </p:cTn>
-                                        <p:tgtEl>
-                                          <p:spTgt spid="3">
-                                            <p:txEl>
-                                              <p:pRg st="1" end="1"/>
-                                            </p:txEl>
-                                          </p:spTgt>
-                                        </p:tgtEl>
-                                        <p:attrNameLst>
-                                          <p:attrName>style.visibility</p:attrName>
-                                        </p:attrNameLst>
-                                      </p:cBhvr>
-                                      <p:to>
-                                        <p:strVal val="visible"/>
-                                      </p:to>
-                                    </p:set>
-                                  </p:childTnLst>
-                                </p:cTn>
-                              </p:par>
-                            </p:childTnLst>
-                          </p:cTn>
-                        </p:par>
-                      </p:childTnLst>
-                    </p:cTn>
-                  </p:par>
-                  <p:par>
-                    <p:cTn id="11" fill="hold">
-                      <p:stCondLst>
-                        <p:cond delay="indefinite"/>
-                      </p:stCondLst>
-                      <p:childTnLst>
-                        <p:par>
-                          <p:cTn id="12" fill="hold">
-                            <p:stCondLst>
-                              <p:cond delay="0"/>
-                            </p:stCondLst>
-                            <p:childTnLst>
-                              <p:par>
-                                <p:cTn id="13" presetID="1" presetClass="entr" presetSubtype="0" fill="hold" grpId="0" nodeType="clickEffect">
-                                  <p:stCondLst>
-                                    <p:cond delay="0"/>
-                                  </p:stCondLst>
-                                  <p:childTnLst>
-                                    <p:set>
-                                      <p:cBhvr>
-                                        <p:cTn id="14" dur="1" fill="hold">
-                                          <p:stCondLst>
-                                            <p:cond delay="0"/>
-                                          </p:stCondLst>
-                                        </p:cTn>
-                                        <p:tgtEl>
-                                          <p:spTgt spid="3">
-                                            <p:txEl>
-                                              <p:pRg st="2" end="2"/>
-                                            </p:txEl>
-                                          </p:spTgt>
-                                        </p:tgtEl>
-                                        <p:attrNameLst>
-                                          <p:attrName>style.visibility</p:attrName>
-                                        </p:attrNameLst>
-                                      </p:cBhvr>
-                                      <p:to>
-                                        <p:strVal val="visible"/>
-                                      </p:to>
-                                    </p:set>
-                                  </p:childTnLst>
-                                </p:cTn>
-                              </p:par>
-                            </p:childTnLst>
-                          </p:cTn>
-                        </p:par>
-                      </p:childTnLst>
-                    </p:cTn>
-                  </p:par>
-                  <p:par>
-                    <p:cTn id="15" fill="hold">
-                      <p:stCondLst>
-                        <p:cond delay="indefinite"/>
-                      </p:stCondLst>
-                      <p:childTnLst>
-                        <p:par>
-                          <p:cTn id="16" fill="hold">
-                            <p:stCondLst>
-                              <p:cond delay="0"/>
-                            </p:stCondLst>
-                            <p:childTnLst>
-                              <p:par>
-                                <p:cTn id="17" presetID="1" presetClass="entr" presetSubtype="0" fill="hold" grpId="0" nodeType="clickEffect">
-                                  <p:stCondLst>
-                                    <p:cond delay="0"/>
-                                  </p:stCondLst>
-                                  <p:childTnLst>
-                                    <p:set>
-                                      <p:cBhvr>
-                                        <p:cTn id="18" dur="1" fill="hold">
-                                          <p:stCondLst>
-                                            <p:cond delay="0"/>
-                                          </p:stCondLst>
-                                        </p:cTn>
-                                        <p:tgtEl>
-                                          <p:spTgt spid="3">
-                                            <p:txEl>
-                                              <p:pRg st="3" end="3"/>
-                                            </p:txEl>
-                                          </p:spTgt>
-                                        </p:tgtEl>
-                                        <p:attrNameLst>
-                                          <p:attrName>style.visibility</p:attrName>
-                                        </p:attrNameLst>
-                                      </p:cBhvr>
-                                      <p:to>
-                                        <p:strVal val="visible"/>
-                                      </p:to>
-                                    </p:set>
-                                  </p:childTnLst>
-                                </p:cTn>
-                              </p:par>
-                            </p:childTnLst>
-                          </p:cTn>
-                        </p:par>
-                      </p:childTnLst>
-                    </p:cTn>
-                  </p:par>
-                </p:childTnLst>
-              </p:cTn>
-              <p:prevCondLst>
-                <p:cond evt="onPrev" delay="0">
-                  <p:tgtEl>
-                    <p:sldTgt/>
-                  </p:tgtEl>
-                </p:cond>
-              </p:prevCondLst>
-              <p:nextCondLst>
-                <p:cond evt="onNext" delay="0">
-                  <p:tgtEl>
-                    <p:sldTgt/>
-                  </p:tgtEl>
-                </p:cond>
-              </p:nextCondLst>
-            </p:seq>
-          </p:childTnLst>
-        </p:cTn>
-      </p:par>
-    </p:tnLst>
-    <p:bldLst>
-      <p:bldP spid="3" grpId="0" build="p"/>
-    </p:bldLst>
-  </p:timing>
-</p:sld>
-</file>
-
-<file path=ppt/slides/slide40.xml><?xml version="1.0" encoding="utf-8"?>
+<file path=ppt/slides/slide42.xml><?xml version="1.0" encoding="utf-8"?>
 <p:sld xmlns:a="http://schemas.openxmlformats.org/drawingml/2006/main" xmlns:r="http://schemas.openxmlformats.org/officeDocument/2006/relationships" xmlns:p="http://schemas.openxmlformats.org/presentationml/2006/main">
   <p:cSld>
     <p:spTree>
@@ -28510,16 +29305,6 @@
                   <a:cs typeface="Segoe UI" panose="020B0502040204020203" pitchFamily="34" charset="0"/>
                 </a:rPr>
                 <a:t>Investigation 5 min</a:t>
-              </a:r>
-              <a:r>
-                <a:rPr lang="ru-RU" sz="2400" dirty="0">
-                  <a:solidFill>
-                    <a:srgbClr val="000000"/>
-                  </a:solidFill>
-                  <a:latin typeface="Segoe UI" panose="020B0502040204020203" pitchFamily="34" charset="0"/>
-                  <a:cs typeface="Segoe UI" panose="020B0502040204020203" pitchFamily="34" charset="0"/>
-                </a:rPr>
-                <a:t/>
               </a:r>
               <a:br>
                 <a:rPr lang="ru-RU" sz="2400" dirty="0">
@@ -28653,16 +29438,6 @@
                 </a:rPr>
                 <a:t>Pair Ping Pong</a:t>
               </a:r>
-              <a:r>
-                <a:rPr lang="ru-RU" sz="2400" dirty="0">
-                  <a:solidFill>
-                    <a:srgbClr val="000000"/>
-                  </a:solidFill>
-                  <a:latin typeface="Segoe UI" panose="020B0502040204020203" pitchFamily="34" charset="0"/>
-                  <a:cs typeface="Segoe UI" panose="020B0502040204020203" pitchFamily="34" charset="0"/>
-                </a:rPr>
-                <a:t/>
-              </a:r>
               <a:br>
                 <a:rPr lang="ru-RU" sz="2400" dirty="0">
                   <a:solidFill>
@@ -28761,17 +29536,214 @@
   <p:clrMapOvr>
     <a:masterClrMapping/>
   </p:clrMapOvr>
-  <p:timing>
-    <p:tnLst>
-      <p:par>
-        <p:cTn id="1" dur="indefinite" restart="never" nodeType="tmRoot"/>
-      </p:par>
-    </p:tnLst>
-  </p:timing>
 </p:sld>
 </file>
 
-<file path=ppt/slides/slide41.xml><?xml version="1.0" encoding="utf-8"?>
+<file path=ppt/slides/slide43.xml><?xml version="1.0" encoding="utf-8"?>
+<p:sld xmlns:a="http://schemas.openxmlformats.org/drawingml/2006/main" xmlns:r="http://schemas.openxmlformats.org/officeDocument/2006/relationships" xmlns:p="http://schemas.openxmlformats.org/presentationml/2006/main">
+  <p:cSld>
+    <p:spTree>
+      <p:nvGrpSpPr>
+        <p:cNvPr id="1" name=""/>
+        <p:cNvGrpSpPr/>
+        <p:nvPr/>
+      </p:nvGrpSpPr>
+      <p:grpSpPr>
+        <a:xfrm>
+          <a:off x="0" y="0"/>
+          <a:ext cx="0" cy="0"/>
+          <a:chOff x="0" y="0"/>
+          <a:chExt cx="0" cy="0"/>
+        </a:xfrm>
+      </p:grpSpPr>
+      <p:sp>
+        <p:nvSpPr>
+          <p:cNvPr id="2" name="Объект 1">
+            <a:extLst>
+              <a:ext uri="{FF2B5EF4-FFF2-40B4-BE49-F238E27FC236}">
+                <a16:creationId xmlns:a16="http://schemas.microsoft.com/office/drawing/2014/main" id="{77ACDAE3-1CFC-4F99-9E45-58F13F63E79C}"/>
+              </a:ext>
+            </a:extLst>
+          </p:cNvPr>
+          <p:cNvSpPr>
+            <a:spLocks noGrp="1"/>
+          </p:cNvSpPr>
+          <p:nvPr>
+            <p:ph sz="quarter" idx="13"/>
+          </p:nvPr>
+        </p:nvSpPr>
+        <p:spPr/>
+        <p:txBody>
+          <a:bodyPr>
+            <a:normAutofit fontScale="70000" lnSpcReduction="20000"/>
+          </a:bodyPr>
+          <a:lstStyle/>
+          <a:p>
+            <a:pPr marL="0" indent="0">
+              <a:buNone/>
+            </a:pPr>
+            <a:r>
+              <a:rPr lang="en-US" sz="3400" dirty="0">
+                <a:solidFill>
+                  <a:schemeClr val="accent1"/>
+                </a:solidFill>
+              </a:rPr>
+              <a:t>Decomposition</a:t>
+            </a:r>
+            <a:endParaRPr lang="ru-RU" sz="3400" dirty="0">
+              <a:solidFill>
+                <a:schemeClr val="accent1"/>
+              </a:solidFill>
+            </a:endParaRPr>
+          </a:p>
+          <a:p>
+            <a:r>
+              <a:rPr lang="ru-RU" sz="3400" dirty="0"/>
+              <a:t>Нарушение </a:t>
+            </a:r>
+            <a:r>
+              <a:rPr lang="en-US" sz="3400" dirty="0"/>
+              <a:t>SRP</a:t>
+            </a:r>
+            <a:endParaRPr lang="ru-RU" sz="3400" dirty="0"/>
+          </a:p>
+          <a:p>
+            <a:r>
+              <a:rPr lang="ru-RU" sz="3400" dirty="0"/>
+              <a:t>Слишком длинный метод / класс</a:t>
+            </a:r>
+          </a:p>
+          <a:p>
+            <a:r>
+              <a:rPr lang="ru-RU" sz="3400" dirty="0"/>
+              <a:t>Слишком общее / сложное название метода</a:t>
+            </a:r>
+          </a:p>
+          <a:p>
+            <a:pPr marL="0" indent="0">
+              <a:buNone/>
+            </a:pPr>
+            <a:endParaRPr lang="ru-RU" sz="2600" dirty="0"/>
+          </a:p>
+          <a:p>
+            <a:pPr marL="0" indent="0">
+              <a:buNone/>
+            </a:pPr>
+            <a:r>
+              <a:rPr lang="en-US" sz="3400" dirty="0">
+                <a:solidFill>
+                  <a:schemeClr val="accent1"/>
+                </a:solidFill>
+              </a:rPr>
+              <a:t>Composability</a:t>
+            </a:r>
+            <a:endParaRPr lang="ru-RU" sz="3400" dirty="0">
+              <a:solidFill>
+                <a:schemeClr val="accent1"/>
+              </a:solidFill>
+            </a:endParaRPr>
+          </a:p>
+          <a:p>
+            <a:r>
+              <a:rPr lang="ru-RU" sz="3400" dirty="0" err="1"/>
+              <a:t>Переиспользуемость</a:t>
+            </a:r>
+            <a:endParaRPr lang="en-US" sz="3400" dirty="0"/>
+          </a:p>
+          <a:p>
+            <a:r>
+              <a:rPr lang="ru-RU" sz="3400" dirty="0"/>
+              <a:t>Не самоценно</a:t>
+            </a:r>
+          </a:p>
+          <a:p>
+            <a:pPr marL="0" indent="0">
+              <a:buNone/>
+            </a:pPr>
+            <a:endParaRPr lang="ru-RU" sz="2600" dirty="0"/>
+          </a:p>
+          <a:p>
+            <a:pPr marL="0" indent="0">
+              <a:buNone/>
+            </a:pPr>
+            <a:r>
+              <a:rPr lang="en-US" sz="3400" dirty="0">
+                <a:solidFill>
+                  <a:schemeClr val="accent1"/>
+                </a:solidFill>
+              </a:rPr>
+              <a:t>Readability</a:t>
+            </a:r>
+            <a:endParaRPr lang="ru-RU" sz="3400" dirty="0">
+              <a:solidFill>
+                <a:schemeClr val="accent1"/>
+              </a:solidFill>
+            </a:endParaRPr>
+          </a:p>
+          <a:p>
+            <a:r>
+              <a:rPr lang="ru-RU" sz="3400" dirty="0"/>
+              <a:t>Скрытый поток данных</a:t>
+            </a:r>
+          </a:p>
+          <a:p>
+            <a:r>
+              <a:rPr lang="ru-RU" sz="3400" dirty="0"/>
+              <a:t>Я так не объясняю / Ох, хочу кофе</a:t>
+            </a:r>
+            <a:endParaRPr lang="en-US" sz="3400" dirty="0"/>
+          </a:p>
+          <a:p>
+            <a:r>
+              <a:rPr lang="ru-RU" sz="3400" dirty="0"/>
+              <a:t>Чрезмерная навигация по коду</a:t>
+            </a:r>
+          </a:p>
+        </p:txBody>
+      </p:sp>
+      <p:sp>
+        <p:nvSpPr>
+          <p:cNvPr id="3" name="Заголовок 2">
+            <a:extLst>
+              <a:ext uri="{FF2B5EF4-FFF2-40B4-BE49-F238E27FC236}">
+                <a16:creationId xmlns:a16="http://schemas.microsoft.com/office/drawing/2014/main" id="{D1923B6C-4BA7-4B51-BE13-C776BE3D6485}"/>
+              </a:ext>
+            </a:extLst>
+          </p:cNvPr>
+          <p:cNvSpPr>
+            <a:spLocks noGrp="1"/>
+          </p:cNvSpPr>
+          <p:nvPr>
+            <p:ph type="title"/>
+          </p:nvPr>
+        </p:nvSpPr>
+        <p:spPr/>
+        <p:txBody>
+          <a:bodyPr/>
+          <a:lstStyle/>
+          <a:p>
+            <a:r>
+              <a:rPr lang="ru-RU" dirty="0"/>
+              <a:t>Какие маркеры заметили?</a:t>
+            </a:r>
+            <a:endParaRPr lang="en-US" dirty="0"/>
+          </a:p>
+        </p:txBody>
+      </p:sp>
+    </p:spTree>
+    <p:extLst>
+      <p:ext uri="{BB962C8B-B14F-4D97-AF65-F5344CB8AC3E}">
+        <p14:creationId xmlns:p14="http://schemas.microsoft.com/office/powerpoint/2010/main" val="3699217825"/>
+      </p:ext>
+    </p:extLst>
+  </p:cSld>
+  <p:clrMapOvr>
+    <a:masterClrMapping/>
+  </p:clrMapOvr>
+</p:sld>
+</file>
+
+<file path=ppt/slides/slide44.xml><?xml version="1.0" encoding="utf-8"?>
 <p:sld xmlns:a="http://schemas.openxmlformats.org/drawingml/2006/main" xmlns:r="http://schemas.openxmlformats.org/officeDocument/2006/relationships" xmlns:p="http://schemas.openxmlformats.org/presentationml/2006/main">
   <p:cSld>
     <p:spTree>
@@ -28924,17 +29896,10 @@
   <p:clrMapOvr>
     <a:masterClrMapping/>
   </p:clrMapOvr>
-  <p:timing>
-    <p:tnLst>
-      <p:par>
-        <p:cTn id="1" dur="indefinite" restart="never" nodeType="tmRoot"/>
-      </p:par>
-    </p:tnLst>
-  </p:timing>
 </p:sld>
 </file>
 
-<file path=ppt/slides/slide42.xml><?xml version="1.0" encoding="utf-8"?>
+<file path=ppt/slides/slide45.xml><?xml version="1.0" encoding="utf-8"?>
 <p:sld xmlns:a="http://schemas.openxmlformats.org/drawingml/2006/main" xmlns:r="http://schemas.openxmlformats.org/officeDocument/2006/relationships" xmlns:p="http://schemas.openxmlformats.org/presentationml/2006/main">
   <p:cSld>
     <p:spTree>
@@ -29028,17 +29993,10 @@
   <p:clrMapOvr>
     <a:masterClrMapping/>
   </p:clrMapOvr>
-  <p:timing>
-    <p:tnLst>
-      <p:par>
-        <p:cTn id="1" dur="indefinite" restart="never" nodeType="tmRoot"/>
-      </p:par>
-    </p:tnLst>
-  </p:timing>
 </p:sld>
 </file>
 
-<file path=ppt/slides/slide43.xml><?xml version="1.0" encoding="utf-8"?>
+<file path=ppt/slides/slide46.xml><?xml version="1.0" encoding="utf-8"?>
 <p:sld xmlns:a="http://schemas.openxmlformats.org/drawingml/2006/main" xmlns:r="http://schemas.openxmlformats.org/officeDocument/2006/relationships" xmlns:p="http://schemas.openxmlformats.org/presentationml/2006/main">
   <p:cSld>
     <p:spTree>
@@ -29132,17 +30090,10 @@
   <p:clrMapOvr>
     <a:masterClrMapping/>
   </p:clrMapOvr>
-  <p:timing>
-    <p:tnLst>
-      <p:par>
-        <p:cTn id="1" dur="indefinite" restart="never" nodeType="tmRoot"/>
-      </p:par>
-    </p:tnLst>
-  </p:timing>
 </p:sld>
 </file>
 
-<file path=ppt/slides/slide44.xml><?xml version="1.0" encoding="utf-8"?>
+<file path=ppt/slides/slide47.xml><?xml version="1.0" encoding="utf-8"?>
 <p:sld xmlns:a="http://schemas.openxmlformats.org/drawingml/2006/main" xmlns:r="http://schemas.openxmlformats.org/officeDocument/2006/relationships" xmlns:p="http://schemas.openxmlformats.org/presentationml/2006/main">
   <p:cSld>
     <p:spTree>
@@ -29255,17 +30206,10 @@
   <p:clrMapOvr>
     <a:masterClrMapping/>
   </p:clrMapOvr>
-  <p:timing>
-    <p:tnLst>
-      <p:par>
-        <p:cTn id="1" dur="indefinite" restart="never" nodeType="tmRoot"/>
-      </p:par>
-    </p:tnLst>
-  </p:timing>
 </p:sld>
 </file>
 
-<file path=ppt/slides/slide45.xml><?xml version="1.0" encoding="utf-8"?>
+<file path=ppt/slides/slide48.xml><?xml version="1.0" encoding="utf-8"?>
 <p:sld xmlns:a="http://schemas.openxmlformats.org/drawingml/2006/main" xmlns:r="http://schemas.openxmlformats.org/officeDocument/2006/relationships" xmlns:p="http://schemas.openxmlformats.org/presentationml/2006/main">
   <p:cSld>
     <p:spTree>
@@ -29333,17 +30277,10 @@
   <p:clrMapOvr>
     <a:masterClrMapping/>
   </p:clrMapOvr>
-  <p:timing>
-    <p:tnLst>
-      <p:par>
-        <p:cTn id="1" dur="indefinite" restart="never" nodeType="tmRoot"/>
-      </p:par>
-    </p:tnLst>
-  </p:timing>
 </p:sld>
 </file>
 
-<file path=ppt/slides/slide46.xml><?xml version="1.0" encoding="utf-8"?>
+<file path=ppt/slides/slide49.xml><?xml version="1.0" encoding="utf-8"?>
 <p:sld xmlns:a="http://schemas.openxmlformats.org/drawingml/2006/main" xmlns:r="http://schemas.openxmlformats.org/officeDocument/2006/relationships" xmlns:p="http://schemas.openxmlformats.org/presentationml/2006/main" show="0">
   <p:cSld>
     <p:spTree>
@@ -29521,718 +30458,10 @@
   <p:clrMapOvr>
     <a:masterClrMapping/>
   </p:clrMapOvr>
-  <mc:AlternateContent xmlns:mc="http://schemas.openxmlformats.org/markup-compatibility/2006" xmlns:p14="http://schemas.microsoft.com/office/powerpoint/2010/main">
-    <mc:Choice Requires="p14">
-      <p:transition spd="slow" p14:dur="2000"/>
-    </mc:Choice>
-    <mc:Fallback xmlns="">
-      <p:transition spd="slow"/>
-    </mc:Fallback>
-  </mc:AlternateContent>
 </p:sld>
 </file>
 
 <file path=ppt/slides/slide5.xml><?xml version="1.0" encoding="utf-8"?>
-<p:sld xmlns:a="http://schemas.openxmlformats.org/drawingml/2006/main" xmlns:r="http://schemas.openxmlformats.org/officeDocument/2006/relationships" xmlns:p="http://schemas.openxmlformats.org/presentationml/2006/main" show="0">
-  <p:cSld>
-    <p:spTree>
-      <p:nvGrpSpPr>
-        <p:cNvPr id="1" name=""/>
-        <p:cNvGrpSpPr/>
-        <p:nvPr/>
-      </p:nvGrpSpPr>
-      <p:grpSpPr>
-        <a:xfrm>
-          <a:off x="0" y="0"/>
-          <a:ext cx="0" cy="0"/>
-          <a:chOff x="0" y="0"/>
-          <a:chExt cx="0" cy="0"/>
-        </a:xfrm>
-      </p:grpSpPr>
-      <p:sp>
-        <p:nvSpPr>
-          <p:cNvPr id="3" name="Объект 2"/>
-          <p:cNvSpPr>
-            <a:spLocks noGrp="1"/>
-          </p:cNvSpPr>
-          <p:nvPr>
-            <p:ph sz="quarter" idx="13"/>
-          </p:nvPr>
-        </p:nvSpPr>
-        <p:spPr/>
-        <p:txBody>
-          <a:bodyPr/>
-          <a:lstStyle/>
-          <a:p>
-            <a:r>
-              <a:rPr lang="ru-RU" dirty="0"/>
-              <a:t>Аккуратное форматирование</a:t>
-            </a:r>
-          </a:p>
-          <a:p>
-            <a:r>
-              <a:rPr lang="ru-RU" dirty="0"/>
-              <a:t>Соответствие принятому (в команде или </a:t>
-            </a:r>
-            <a:br>
-              <a:rPr lang="ru-RU" dirty="0"/>
-            </a:br>
-            <a:r>
-              <a:rPr lang="ru-RU" dirty="0"/>
-              <a:t>в </a:t>
-            </a:r>
-            <a:r>
-              <a:rPr lang="ru-RU" dirty="0" err="1"/>
-              <a:t>комьюнити</a:t>
-            </a:r>
-            <a:r>
-              <a:rPr lang="ru-RU" dirty="0"/>
-              <a:t>) стилю оформления кода</a:t>
-            </a:r>
-          </a:p>
-          <a:p>
-            <a:r>
-              <a:rPr lang="ru-RU" dirty="0"/>
-              <a:t>Понятные имена методов и переменных</a:t>
-            </a:r>
-          </a:p>
-          <a:p>
-            <a:endParaRPr lang="ru-RU" dirty="0"/>
-          </a:p>
-        </p:txBody>
-      </p:sp>
-      <p:sp>
-        <p:nvSpPr>
-          <p:cNvPr id="2" name="Заголовок 1"/>
-          <p:cNvSpPr>
-            <a:spLocks noGrp="1"/>
-          </p:cNvSpPr>
-          <p:nvPr>
-            <p:ph type="title"/>
-          </p:nvPr>
-        </p:nvSpPr>
-        <p:spPr/>
-        <p:txBody>
-          <a:bodyPr/>
-          <a:lstStyle/>
-          <a:p>
-            <a:r>
-              <a:rPr lang="ru-RU" dirty="0"/>
-              <a:t>Гигиенический минимум</a:t>
-            </a:r>
-          </a:p>
-        </p:txBody>
-      </p:sp>
-    </p:spTree>
-    <p:extLst>
-      <p:ext uri="{BB962C8B-B14F-4D97-AF65-F5344CB8AC3E}">
-        <p14:creationId xmlns:p14="http://schemas.microsoft.com/office/powerpoint/2010/main" val="487705809"/>
-      </p:ext>
-    </p:extLst>
-  </p:cSld>
-  <p:clrMapOvr>
-    <a:masterClrMapping/>
-  </p:clrMapOvr>
-  <mc:AlternateContent xmlns:mc="http://schemas.openxmlformats.org/markup-compatibility/2006" xmlns:p14="http://schemas.microsoft.com/office/powerpoint/2010/main">
-    <mc:Choice Requires="p14">
-      <p:transition spd="slow" p14:dur="2000"/>
-    </mc:Choice>
-    <mc:Fallback xmlns="">
-      <p:transition spd="slow"/>
-    </mc:Fallback>
-  </mc:AlternateContent>
-  <p:timing>
-    <p:tnLst>
-      <p:par>
-        <p:cTn id="1" dur="indefinite" restart="never" nodeType="tmRoot"/>
-      </p:par>
-    </p:tnLst>
-  </p:timing>
-</p:sld>
-</file>
-
-<file path=ppt/slides/slide6.xml><?xml version="1.0" encoding="utf-8"?>
-<p:sld xmlns:a="http://schemas.openxmlformats.org/drawingml/2006/main" xmlns:r="http://schemas.openxmlformats.org/officeDocument/2006/relationships" xmlns:p="http://schemas.openxmlformats.org/presentationml/2006/main" show="0">
-  <p:cSld>
-    <p:spTree>
-      <p:nvGrpSpPr>
-        <p:cNvPr id="1" name=""/>
-        <p:cNvGrpSpPr/>
-        <p:nvPr/>
-      </p:nvGrpSpPr>
-      <p:grpSpPr>
-        <a:xfrm>
-          <a:off x="0" y="0"/>
-          <a:ext cx="0" cy="0"/>
-          <a:chOff x="0" y="0"/>
-          <a:chExt cx="0" cy="0"/>
-        </a:xfrm>
-      </p:grpSpPr>
-      <p:sp>
-        <p:nvSpPr>
-          <p:cNvPr id="2" name="Заголовок 1"/>
-          <p:cNvSpPr>
-            <a:spLocks noGrp="1"/>
-          </p:cNvSpPr>
-          <p:nvPr>
-            <p:ph type="title"/>
-          </p:nvPr>
-        </p:nvSpPr>
-        <p:spPr/>
-        <p:txBody>
-          <a:bodyPr/>
-          <a:lstStyle/>
-          <a:p>
-            <a:r>
-              <a:rPr lang="en-US" dirty="0"/>
-              <a:t>Samples / </a:t>
-            </a:r>
-            <a:r>
-              <a:rPr lang="en-US" dirty="0" err="1"/>
-              <a:t>datasaver.cs</a:t>
-            </a:r>
-            <a:endParaRPr lang="en-US" dirty="0"/>
-          </a:p>
-        </p:txBody>
-      </p:sp>
-      <p:pic>
-        <p:nvPicPr>
-          <p:cNvPr id="5" name="Picture 22" descr="C:\Users\sapogoff\Documents\sapogoff_work\SKB Kontur\01_presentation_templates\03_final\wmf_icons\документ.wmf"/>
-          <p:cNvPicPr>
-            <a:picLocks noChangeAspect="1" noChangeArrowheads="1"/>
-          </p:cNvPicPr>
-          <p:nvPr/>
-        </p:nvPicPr>
-        <p:blipFill>
-          <a:blip r:embed="rId2" cstate="print">
-            <a:duotone>
-              <a:schemeClr val="accent1">
-                <a:shade val="45000"/>
-                <a:satMod val="135000"/>
-              </a:schemeClr>
-              <a:prstClr val="white"/>
-            </a:duotone>
-            <a:extLst>
-              <a:ext uri="{28A0092B-C50C-407E-A947-70E740481C1C}">
-                <a14:useLocalDpi xmlns:a14="http://schemas.microsoft.com/office/drawing/2010/main" val="0"/>
-              </a:ext>
-            </a:extLst>
-          </a:blip>
-          <a:srcRect/>
-          <a:stretch>
-            <a:fillRect/>
-          </a:stretch>
-        </p:blipFill>
-        <p:spPr bwMode="auto">
-          <a:xfrm>
-            <a:off x="5448066" y="549275"/>
-            <a:ext cx="1296000" cy="1583684"/>
-          </a:xfrm>
-          <a:prstGeom prst="rect">
-            <a:avLst/>
-          </a:prstGeom>
-          <a:noFill/>
-          <a:extLst>
-            <a:ext uri="{909E8E84-426E-40DD-AFC4-6F175D3DCCD1}">
-              <a14:hiddenFill xmlns:a14="http://schemas.microsoft.com/office/drawing/2010/main">
-                <a:solidFill>
-                  <a:srgbClr val="FFFFFF"/>
-                </a:solidFill>
-              </a14:hiddenFill>
-            </a:ext>
-          </a:extLst>
-        </p:spPr>
-      </p:pic>
-    </p:spTree>
-    <p:extLst>
-      <p:ext uri="{BB962C8B-B14F-4D97-AF65-F5344CB8AC3E}">
-        <p14:creationId xmlns:p14="http://schemas.microsoft.com/office/powerpoint/2010/main" val="313869335"/>
-      </p:ext>
-    </p:extLst>
-  </p:cSld>
-  <p:clrMapOvr>
-    <a:masterClrMapping/>
-  </p:clrMapOvr>
-  <mc:AlternateContent xmlns:mc="http://schemas.openxmlformats.org/markup-compatibility/2006" xmlns:p14="http://schemas.microsoft.com/office/powerpoint/2010/main">
-    <mc:Choice Requires="p14">
-      <p:transition spd="slow" p14:dur="2000"/>
-    </mc:Choice>
-    <mc:Fallback xmlns="">
-      <p:transition spd="slow"/>
-    </mc:Fallback>
-  </mc:AlternateContent>
-</p:sld>
-</file>
-
-<file path=ppt/slides/slide7.xml><?xml version="1.0" encoding="utf-8"?>
-<p:sld xmlns:a="http://schemas.openxmlformats.org/drawingml/2006/main" xmlns:r="http://schemas.openxmlformats.org/officeDocument/2006/relationships" xmlns:p="http://schemas.openxmlformats.org/presentationml/2006/main" show="0">
-  <p:cSld>
-    <p:spTree>
-      <p:nvGrpSpPr>
-        <p:cNvPr id="1" name=""/>
-        <p:cNvGrpSpPr/>
-        <p:nvPr/>
-      </p:nvGrpSpPr>
-      <p:grpSpPr>
-        <a:xfrm>
-          <a:off x="0" y="0"/>
-          <a:ext cx="0" cy="0"/>
-          <a:chOff x="0" y="0"/>
-          <a:chExt cx="0" cy="0"/>
-        </a:xfrm>
-      </p:grpSpPr>
-      <p:sp>
-        <p:nvSpPr>
-          <p:cNvPr id="2" name="Объект 1"/>
-          <p:cNvSpPr>
-            <a:spLocks noGrp="1"/>
-          </p:cNvSpPr>
-          <p:nvPr>
-            <p:ph sz="quarter" idx="13"/>
-          </p:nvPr>
-        </p:nvSpPr>
-        <p:spPr/>
-        <p:txBody>
-          <a:bodyPr anchor="ctr">
-            <a:normAutofit/>
-          </a:bodyPr>
-          <a:lstStyle/>
-          <a:p>
-            <a:pPr marL="0" indent="0" algn="ctr">
-              <a:buNone/>
-            </a:pPr>
-            <a:r>
-              <a:rPr lang="ru-RU" sz="4000" dirty="0"/>
-              <a:t>Повтор кода – это признак отсутствующей абстракции</a:t>
-            </a:r>
-            <a:endParaRPr lang="en-US" sz="4000" dirty="0"/>
-          </a:p>
-        </p:txBody>
-      </p:sp>
-      <p:sp>
-        <p:nvSpPr>
-          <p:cNvPr id="3" name="Заголовок 2"/>
-          <p:cNvSpPr>
-            <a:spLocks noGrp="1"/>
-          </p:cNvSpPr>
-          <p:nvPr>
-            <p:ph type="title"/>
-          </p:nvPr>
-        </p:nvSpPr>
-        <p:spPr/>
-        <p:txBody>
-          <a:bodyPr/>
-          <a:lstStyle/>
-          <a:p>
-            <a:r>
-              <a:rPr lang="ru-RU" dirty="0">
-                <a:solidFill>
-                  <a:schemeClr val="tx1"/>
-                </a:solidFill>
-              </a:rPr>
-              <a:t>Маркер</a:t>
-            </a:r>
-            <a:r>
-              <a:rPr lang="ru-RU" dirty="0"/>
-              <a:t> </a:t>
-            </a:r>
-            <a:r>
-              <a:rPr lang="en-US" dirty="0">
-                <a:solidFill>
-                  <a:schemeClr val="accent1"/>
-                </a:solidFill>
-              </a:rPr>
-              <a:t>dry</a:t>
-            </a:r>
-          </a:p>
-        </p:txBody>
-      </p:sp>
-    </p:spTree>
-    <p:extLst>
-      <p:ext uri="{BB962C8B-B14F-4D97-AF65-F5344CB8AC3E}">
-        <p14:creationId xmlns:p14="http://schemas.microsoft.com/office/powerpoint/2010/main" val="3464056545"/>
-      </p:ext>
-    </p:extLst>
-  </p:cSld>
-  <p:clrMapOvr>
-    <a:masterClrMapping/>
-  </p:clrMapOvr>
-  <mc:AlternateContent xmlns:mc="http://schemas.openxmlformats.org/markup-compatibility/2006" xmlns:p14="http://schemas.microsoft.com/office/powerpoint/2010/main">
-    <mc:Choice Requires="p14">
-      <p:transition spd="slow" p14:dur="2000"/>
-    </mc:Choice>
-    <mc:Fallback xmlns="">
-      <p:transition spd="slow"/>
-    </mc:Fallback>
-  </mc:AlternateContent>
-</p:sld>
-</file>
-
-<file path=ppt/slides/slide8.xml><?xml version="1.0" encoding="utf-8"?>
-<p:sld xmlns:a="http://schemas.openxmlformats.org/drawingml/2006/main" xmlns:r="http://schemas.openxmlformats.org/officeDocument/2006/relationships" xmlns:p="http://schemas.openxmlformats.org/presentationml/2006/main" show="0">
-  <p:cSld>
-    <p:spTree>
-      <p:nvGrpSpPr>
-        <p:cNvPr id="1" name=""/>
-        <p:cNvGrpSpPr/>
-        <p:nvPr/>
-      </p:nvGrpSpPr>
-      <p:grpSpPr>
-        <a:xfrm>
-          <a:off x="0" y="0"/>
-          <a:ext cx="0" cy="0"/>
-          <a:chOff x="0" y="0"/>
-          <a:chExt cx="0" cy="0"/>
-        </a:xfrm>
-      </p:grpSpPr>
-      <p:sp>
-        <p:nvSpPr>
-          <p:cNvPr id="2" name="Заголовок 1"/>
-          <p:cNvSpPr>
-            <a:spLocks noGrp="1"/>
-          </p:cNvSpPr>
-          <p:nvPr>
-            <p:ph type="title"/>
-          </p:nvPr>
-        </p:nvSpPr>
-        <p:spPr>
-          <a:xfrm>
-            <a:off x="3179676" y="2636912"/>
-            <a:ext cx="5832648" cy="792163"/>
-          </a:xfrm>
-        </p:spPr>
-        <p:txBody>
-          <a:bodyPr/>
-          <a:lstStyle/>
-          <a:p>
-            <a:pPr algn="ctr"/>
-            <a:r>
-              <a:rPr lang="ru-RU" sz="3600" dirty="0"/>
-              <a:t>Дизайн плох если…</a:t>
-            </a:r>
-            <a:endParaRPr lang="en-US" sz="3600" dirty="0"/>
-          </a:p>
-        </p:txBody>
-      </p:sp>
-      <p:sp>
-        <p:nvSpPr>
-          <p:cNvPr id="4" name="TextBox 3"/>
-          <p:cNvSpPr txBox="1"/>
-          <p:nvPr/>
-        </p:nvSpPr>
-        <p:spPr>
-          <a:xfrm>
-            <a:off x="3827718" y="3429075"/>
-            <a:ext cx="4536563" cy="461665"/>
-          </a:xfrm>
-          <a:prstGeom prst="rect">
-            <a:avLst/>
-          </a:prstGeom>
-          <a:noFill/>
-        </p:spPr>
-        <p:txBody>
-          <a:bodyPr wrap="none" rtlCol="0">
-            <a:spAutoFit/>
-          </a:bodyPr>
-          <a:lstStyle/>
-          <a:p>
-            <a:r>
-              <a:rPr lang="ru-RU" sz="2400" dirty="0"/>
-              <a:t>когда приходит новая задача…</a:t>
-            </a:r>
-            <a:endParaRPr lang="en-US" sz="2400" dirty="0"/>
-          </a:p>
-        </p:txBody>
-      </p:sp>
-      <p:sp>
-        <p:nvSpPr>
-          <p:cNvPr id="5" name="TextBox 4"/>
-          <p:cNvSpPr txBox="1"/>
-          <p:nvPr/>
-        </p:nvSpPr>
-        <p:spPr>
-          <a:xfrm>
-            <a:off x="2495550" y="548680"/>
-            <a:ext cx="3600450" cy="1261884"/>
-          </a:xfrm>
-          <a:prstGeom prst="rect">
-            <a:avLst/>
-          </a:prstGeom>
-          <a:noFill/>
-        </p:spPr>
-        <p:txBody>
-          <a:bodyPr wrap="square" rtlCol="0">
-            <a:spAutoFit/>
-          </a:bodyPr>
-          <a:lstStyle/>
-          <a:p>
-            <a:r>
-              <a:rPr lang="en-US" sz="2000" dirty="0">
-                <a:solidFill>
-                  <a:schemeClr val="tx1">
-                    <a:lumMod val="50000"/>
-                    <a:lumOff val="50000"/>
-                  </a:schemeClr>
-                </a:solidFill>
-              </a:rPr>
-              <a:t>viscosity</a:t>
-            </a:r>
-          </a:p>
-          <a:p>
-            <a:r>
-              <a:rPr lang="ru-RU" sz="3600" dirty="0">
-                <a:solidFill>
-                  <a:schemeClr val="accent1"/>
-                </a:solidFill>
-              </a:rPr>
-              <a:t>вязкость</a:t>
-            </a:r>
-            <a:endParaRPr lang="ru-RU" dirty="0">
-              <a:solidFill>
-                <a:schemeClr val="accent1"/>
-              </a:solidFill>
-            </a:endParaRPr>
-          </a:p>
-          <a:p>
-            <a:r>
-              <a:rPr lang="ru-RU" sz="2000" dirty="0"/>
-              <a:t>…проще сделать «в обход»</a:t>
-            </a:r>
-            <a:endParaRPr lang="en-US" dirty="0"/>
-          </a:p>
-        </p:txBody>
-      </p:sp>
-      <p:sp>
-        <p:nvSpPr>
-          <p:cNvPr id="6" name="TextBox 5"/>
-          <p:cNvSpPr txBox="1"/>
-          <p:nvPr/>
-        </p:nvSpPr>
-        <p:spPr>
-          <a:xfrm>
-            <a:off x="6096000" y="548680"/>
-            <a:ext cx="3594251" cy="1261884"/>
-          </a:xfrm>
-          <a:prstGeom prst="rect">
-            <a:avLst/>
-          </a:prstGeom>
-          <a:noFill/>
-        </p:spPr>
-        <p:txBody>
-          <a:bodyPr wrap="square" rtlCol="0">
-            <a:spAutoFit/>
-          </a:bodyPr>
-          <a:lstStyle/>
-          <a:p>
-            <a:pPr algn="r"/>
-            <a:r>
-              <a:rPr lang="en-US" sz="2000" dirty="0">
-                <a:solidFill>
-                  <a:schemeClr val="tx1">
-                    <a:lumMod val="50000"/>
-                    <a:lumOff val="50000"/>
-                  </a:schemeClr>
-                </a:solidFill>
-              </a:rPr>
-              <a:t>rigidity</a:t>
-            </a:r>
-          </a:p>
-          <a:p>
-            <a:pPr algn="r"/>
-            <a:r>
-              <a:rPr lang="ru-RU" sz="3600" dirty="0">
-                <a:solidFill>
-                  <a:schemeClr val="accent1"/>
-                </a:solidFill>
-              </a:rPr>
-              <a:t>жесткость</a:t>
-            </a:r>
-            <a:endParaRPr lang="ru-RU" dirty="0">
-              <a:solidFill>
-                <a:schemeClr val="accent1"/>
-              </a:solidFill>
-            </a:endParaRPr>
-          </a:p>
-          <a:p>
-            <a:pPr algn="r"/>
-            <a:r>
-              <a:rPr lang="ru-RU" sz="2000" dirty="0"/>
-              <a:t>…надо много переделывать</a:t>
-            </a:r>
-            <a:endParaRPr lang="en-US" dirty="0"/>
-          </a:p>
-        </p:txBody>
-      </p:sp>
-      <p:sp>
-        <p:nvSpPr>
-          <p:cNvPr id="7" name="TextBox 6"/>
-          <p:cNvSpPr txBox="1"/>
-          <p:nvPr/>
-        </p:nvSpPr>
-        <p:spPr>
-          <a:xfrm>
-            <a:off x="2499710" y="4862175"/>
-            <a:ext cx="3600450" cy="1446550"/>
-          </a:xfrm>
-          <a:prstGeom prst="rect">
-            <a:avLst/>
-          </a:prstGeom>
-          <a:noFill/>
-        </p:spPr>
-        <p:txBody>
-          <a:bodyPr wrap="square" rtlCol="0" anchor="b" anchorCtr="1">
-            <a:spAutoFit/>
-          </a:bodyPr>
-          <a:lstStyle/>
-          <a:p>
-            <a:r>
-              <a:rPr lang="ru-RU" sz="1600" dirty="0"/>
-              <a:t>…не получается использовать</a:t>
-            </a:r>
-            <a:r>
-              <a:rPr lang="en-US" sz="1600" dirty="0"/>
-              <a:t> </a:t>
-            </a:r>
-            <a:r>
-              <a:rPr lang="ru-RU" sz="1600" dirty="0"/>
-              <a:t>готовое решение в новом контексте</a:t>
-            </a:r>
-            <a:endParaRPr lang="en-US" dirty="0">
-              <a:solidFill>
-                <a:schemeClr val="tx1">
-                  <a:lumMod val="50000"/>
-                  <a:lumOff val="50000"/>
-                </a:schemeClr>
-              </a:solidFill>
-            </a:endParaRPr>
-          </a:p>
-          <a:p>
-            <a:r>
-              <a:rPr lang="ru-RU" sz="3600" dirty="0">
-                <a:solidFill>
-                  <a:schemeClr val="accent1"/>
-                </a:solidFill>
-              </a:rPr>
-              <a:t>неподвижность</a:t>
-            </a:r>
-            <a:endParaRPr lang="ru-RU" dirty="0">
-              <a:solidFill>
-                <a:schemeClr val="accent1"/>
-              </a:solidFill>
-            </a:endParaRPr>
-          </a:p>
-          <a:p>
-            <a:r>
-              <a:rPr lang="en-US" sz="2000" dirty="0">
-                <a:solidFill>
-                  <a:schemeClr val="tx1">
-                    <a:lumMod val="50000"/>
-                    <a:lumOff val="50000"/>
-                  </a:schemeClr>
-                </a:solidFill>
-              </a:rPr>
-              <a:t>immobility</a:t>
-            </a:r>
-          </a:p>
-        </p:txBody>
-      </p:sp>
-      <p:sp>
-        <p:nvSpPr>
-          <p:cNvPr id="8" name="TextBox 7"/>
-          <p:cNvSpPr txBox="1"/>
-          <p:nvPr/>
-        </p:nvSpPr>
-        <p:spPr>
-          <a:xfrm>
-            <a:off x="6096000" y="5046841"/>
-            <a:ext cx="3594251" cy="1261884"/>
-          </a:xfrm>
-          <a:prstGeom prst="rect">
-            <a:avLst/>
-          </a:prstGeom>
-          <a:noFill/>
-        </p:spPr>
-        <p:txBody>
-          <a:bodyPr wrap="square" rtlCol="0" anchor="b" anchorCtr="0">
-            <a:spAutoFit/>
-          </a:bodyPr>
-          <a:lstStyle/>
-          <a:p>
-            <a:pPr algn="r"/>
-            <a:r>
-              <a:rPr lang="ru-RU" sz="2000" dirty="0"/>
-              <a:t>…трогать код опасно</a:t>
-            </a:r>
-            <a:endParaRPr lang="en-US" sz="2000" dirty="0">
-              <a:solidFill>
-                <a:schemeClr val="tx1">
-                  <a:lumMod val="50000"/>
-                  <a:lumOff val="50000"/>
-                </a:schemeClr>
-              </a:solidFill>
-            </a:endParaRPr>
-          </a:p>
-          <a:p>
-            <a:pPr algn="r"/>
-            <a:r>
-              <a:rPr lang="ru-RU" sz="3600" dirty="0">
-                <a:solidFill>
-                  <a:schemeClr val="accent1"/>
-                </a:solidFill>
-              </a:rPr>
-              <a:t>хрупкость</a:t>
-            </a:r>
-            <a:endParaRPr lang="ru-RU" dirty="0">
-              <a:solidFill>
-                <a:schemeClr val="accent1"/>
-              </a:solidFill>
-            </a:endParaRPr>
-          </a:p>
-          <a:p>
-            <a:pPr algn="r"/>
-            <a:r>
-              <a:rPr lang="en-US" sz="2000" dirty="0">
-                <a:solidFill>
-                  <a:schemeClr val="tx1">
-                    <a:lumMod val="50000"/>
-                    <a:lumOff val="50000"/>
-                  </a:schemeClr>
-                </a:solidFill>
-              </a:rPr>
-              <a:t>fragility</a:t>
-            </a:r>
-          </a:p>
-        </p:txBody>
-      </p:sp>
-    </p:spTree>
-    <p:extLst>
-      <p:ext uri="{BB962C8B-B14F-4D97-AF65-F5344CB8AC3E}">
-        <p14:creationId xmlns:p14="http://schemas.microsoft.com/office/powerpoint/2010/main" val="1115243989"/>
-      </p:ext>
-    </p:extLst>
-  </p:cSld>
-  <p:clrMapOvr>
-    <a:masterClrMapping/>
-  </p:clrMapOvr>
-  <mc:AlternateContent xmlns:mc="http://schemas.openxmlformats.org/markup-compatibility/2006" xmlns:p14="http://schemas.microsoft.com/office/powerpoint/2010/main">
-    <mc:Choice Requires="p14">
-      <p:transition spd="slow" p14:dur="2000"/>
-    </mc:Choice>
-    <mc:Fallback xmlns="">
-      <p:transition spd="slow"/>
-    </mc:Fallback>
-  </mc:AlternateContent>
-  <p:timing>
-    <p:tnLst>
-      <p:par>
-        <p:cTn id="1" dur="indefinite" restart="never" nodeType="tmRoot"/>
-      </p:par>
-    </p:tnLst>
-  </p:timing>
-</p:sld>
-</file>
-
-<file path=ppt/slides/slide9.xml><?xml version="1.0" encoding="utf-8"?>
 <p:sld xmlns:a="http://schemas.openxmlformats.org/drawingml/2006/main" xmlns:r="http://schemas.openxmlformats.org/officeDocument/2006/relationships" xmlns:p="http://schemas.openxmlformats.org/presentationml/2006/main">
   <p:cSld>
     <p:spTree>
@@ -30410,7 +30639,7 @@
             </a:r>
             <a:r>
               <a:rPr lang="en-US" dirty="0"/>
-              <a:t>Principles</a:t>
+              <a:t>Principles?</a:t>
             </a:r>
             <a:endParaRPr lang="ru-RU" dirty="0"/>
           </a:p>
@@ -30704,6 +30933,912 @@
       <p:bldP spid="3" grpId="0" build="p"/>
     </p:bldLst>
   </p:timing>
+</p:sld>
+</file>
+
+<file path=ppt/slides/slide6.xml><?xml version="1.0" encoding="utf-8"?>
+<p:sld xmlns:a="http://schemas.openxmlformats.org/drawingml/2006/main" xmlns:r="http://schemas.openxmlformats.org/officeDocument/2006/relationships" xmlns:p="http://schemas.openxmlformats.org/presentationml/2006/main">
+  <p:cSld>
+    <p:spTree>
+      <p:nvGrpSpPr>
+        <p:cNvPr id="1" name=""/>
+        <p:cNvGrpSpPr/>
+        <p:nvPr/>
+      </p:nvGrpSpPr>
+      <p:grpSpPr>
+        <a:xfrm>
+          <a:off x="0" y="0"/>
+          <a:ext cx="0" cy="0"/>
+          <a:chOff x="0" y="0"/>
+          <a:chExt cx="0" cy="0"/>
+        </a:xfrm>
+      </p:grpSpPr>
+      <p:sp>
+        <p:nvSpPr>
+          <p:cNvPr id="2" name="Заголовок 1"/>
+          <p:cNvSpPr>
+            <a:spLocks noGrp="1"/>
+          </p:cNvSpPr>
+          <p:nvPr>
+            <p:ph type="title"/>
+          </p:nvPr>
+        </p:nvSpPr>
+        <p:spPr>
+          <a:xfrm>
+            <a:off x="2495549" y="2636912"/>
+            <a:ext cx="7194701" cy="792163"/>
+          </a:xfrm>
+        </p:spPr>
+        <p:txBody>
+          <a:bodyPr/>
+          <a:lstStyle/>
+          <a:p>
+            <a:pPr algn="ctr"/>
+            <a:r>
+              <a:rPr lang="ru-RU" sz="3600" dirty="0"/>
+              <a:t>Помогает ли модульность?</a:t>
+            </a:r>
+            <a:endParaRPr lang="en-US" sz="3600" dirty="0"/>
+          </a:p>
+        </p:txBody>
+      </p:sp>
+      <p:sp>
+        <p:nvSpPr>
+          <p:cNvPr id="4" name="TextBox 3"/>
+          <p:cNvSpPr txBox="1"/>
+          <p:nvPr/>
+        </p:nvSpPr>
+        <p:spPr>
+          <a:xfrm>
+            <a:off x="2495550" y="3429075"/>
+            <a:ext cx="7200900" cy="461665"/>
+          </a:xfrm>
+          <a:prstGeom prst="rect">
+            <a:avLst/>
+          </a:prstGeom>
+          <a:noFill/>
+        </p:spPr>
+        <p:txBody>
+          <a:bodyPr wrap="square" rtlCol="0">
+            <a:spAutoFit/>
+          </a:bodyPr>
+          <a:lstStyle/>
+          <a:p>
+            <a:pPr algn="ctr"/>
+            <a:r>
+              <a:rPr lang="ru-RU" sz="2400" dirty="0"/>
+              <a:t>когда приходит новая задача или</a:t>
+            </a:r>
+            <a:endParaRPr lang="en-US" sz="2400" dirty="0"/>
+          </a:p>
+        </p:txBody>
+      </p:sp>
+      <p:sp>
+        <p:nvSpPr>
+          <p:cNvPr id="5" name="TextBox 4"/>
+          <p:cNvSpPr txBox="1"/>
+          <p:nvPr/>
+        </p:nvSpPr>
+        <p:spPr>
+          <a:xfrm>
+            <a:off x="2495550" y="548680"/>
+            <a:ext cx="3600450" cy="1261884"/>
+          </a:xfrm>
+          <a:prstGeom prst="rect">
+            <a:avLst/>
+          </a:prstGeom>
+          <a:noFill/>
+        </p:spPr>
+        <p:txBody>
+          <a:bodyPr wrap="square" rtlCol="0">
+            <a:spAutoFit/>
+          </a:bodyPr>
+          <a:lstStyle/>
+          <a:p>
+            <a:r>
+              <a:rPr lang="en-US" sz="2000" dirty="0">
+                <a:solidFill>
+                  <a:schemeClr val="tx1">
+                    <a:lumMod val="50000"/>
+                    <a:lumOff val="50000"/>
+                  </a:schemeClr>
+                </a:solidFill>
+              </a:rPr>
+              <a:t>viscosity</a:t>
+            </a:r>
+          </a:p>
+          <a:p>
+            <a:r>
+              <a:rPr lang="ru-RU" sz="3600" dirty="0">
+                <a:solidFill>
+                  <a:schemeClr val="accent1"/>
+                </a:solidFill>
+              </a:rPr>
+              <a:t>вязкость</a:t>
+            </a:r>
+            <a:endParaRPr lang="ru-RU" dirty="0">
+              <a:solidFill>
+                <a:schemeClr val="accent1"/>
+              </a:solidFill>
+            </a:endParaRPr>
+          </a:p>
+          <a:p>
+            <a:r>
+              <a:rPr lang="ru-RU" sz="2000" dirty="0"/>
+              <a:t>…проще сделать «в обход»</a:t>
+            </a:r>
+            <a:endParaRPr lang="en-US" dirty="0"/>
+          </a:p>
+        </p:txBody>
+      </p:sp>
+      <p:sp>
+        <p:nvSpPr>
+          <p:cNvPr id="6" name="TextBox 5"/>
+          <p:cNvSpPr txBox="1"/>
+          <p:nvPr/>
+        </p:nvSpPr>
+        <p:spPr>
+          <a:xfrm>
+            <a:off x="6096000" y="548680"/>
+            <a:ext cx="3594251" cy="1261884"/>
+          </a:xfrm>
+          <a:prstGeom prst="rect">
+            <a:avLst/>
+          </a:prstGeom>
+          <a:noFill/>
+        </p:spPr>
+        <p:txBody>
+          <a:bodyPr wrap="square" rtlCol="0">
+            <a:spAutoFit/>
+          </a:bodyPr>
+          <a:lstStyle/>
+          <a:p>
+            <a:pPr algn="r"/>
+            <a:r>
+              <a:rPr lang="en-US" sz="2000" dirty="0">
+                <a:solidFill>
+                  <a:schemeClr val="tx1">
+                    <a:lumMod val="50000"/>
+                    <a:lumOff val="50000"/>
+                  </a:schemeClr>
+                </a:solidFill>
+              </a:rPr>
+              <a:t>rigidity</a:t>
+            </a:r>
+          </a:p>
+          <a:p>
+            <a:pPr algn="r"/>
+            <a:r>
+              <a:rPr lang="ru-RU" sz="3600" dirty="0">
+                <a:solidFill>
+                  <a:schemeClr val="accent1"/>
+                </a:solidFill>
+              </a:rPr>
+              <a:t>жесткость</a:t>
+            </a:r>
+            <a:endParaRPr lang="ru-RU" dirty="0">
+              <a:solidFill>
+                <a:schemeClr val="accent1"/>
+              </a:solidFill>
+            </a:endParaRPr>
+          </a:p>
+          <a:p>
+            <a:pPr algn="r"/>
+            <a:r>
+              <a:rPr lang="ru-RU" sz="2000" dirty="0"/>
+              <a:t>…надо много переделывать</a:t>
+            </a:r>
+            <a:endParaRPr lang="en-US" dirty="0"/>
+          </a:p>
+        </p:txBody>
+      </p:sp>
+      <p:sp>
+        <p:nvSpPr>
+          <p:cNvPr id="7" name="TextBox 6"/>
+          <p:cNvSpPr txBox="1"/>
+          <p:nvPr/>
+        </p:nvSpPr>
+        <p:spPr>
+          <a:xfrm>
+            <a:off x="2499710" y="4862175"/>
+            <a:ext cx="3600450" cy="1446550"/>
+          </a:xfrm>
+          <a:prstGeom prst="rect">
+            <a:avLst/>
+          </a:prstGeom>
+          <a:noFill/>
+        </p:spPr>
+        <p:txBody>
+          <a:bodyPr wrap="square" rtlCol="0" anchor="b" anchorCtr="1">
+            <a:spAutoFit/>
+          </a:bodyPr>
+          <a:lstStyle/>
+          <a:p>
+            <a:r>
+              <a:rPr lang="ru-RU" sz="1600" dirty="0"/>
+              <a:t>…не получается использовать</a:t>
+            </a:r>
+            <a:r>
+              <a:rPr lang="en-US" sz="1600" dirty="0"/>
+              <a:t> </a:t>
+            </a:r>
+            <a:r>
+              <a:rPr lang="ru-RU" sz="1600" dirty="0"/>
+              <a:t>готовое решение в новом контексте</a:t>
+            </a:r>
+            <a:endParaRPr lang="en-US" dirty="0">
+              <a:solidFill>
+                <a:schemeClr val="tx1">
+                  <a:lumMod val="50000"/>
+                  <a:lumOff val="50000"/>
+                </a:schemeClr>
+              </a:solidFill>
+            </a:endParaRPr>
+          </a:p>
+          <a:p>
+            <a:r>
+              <a:rPr lang="ru-RU" sz="3600" dirty="0">
+                <a:solidFill>
+                  <a:schemeClr val="accent1"/>
+                </a:solidFill>
+              </a:rPr>
+              <a:t>неподвижность</a:t>
+            </a:r>
+            <a:endParaRPr lang="ru-RU" dirty="0">
+              <a:solidFill>
+                <a:schemeClr val="accent1"/>
+              </a:solidFill>
+            </a:endParaRPr>
+          </a:p>
+          <a:p>
+            <a:r>
+              <a:rPr lang="en-US" sz="2000" dirty="0">
+                <a:solidFill>
+                  <a:schemeClr val="tx1">
+                    <a:lumMod val="50000"/>
+                    <a:lumOff val="50000"/>
+                  </a:schemeClr>
+                </a:solidFill>
+              </a:rPr>
+              <a:t>immobility</a:t>
+            </a:r>
+          </a:p>
+        </p:txBody>
+      </p:sp>
+      <p:sp>
+        <p:nvSpPr>
+          <p:cNvPr id="8" name="TextBox 7"/>
+          <p:cNvSpPr txBox="1"/>
+          <p:nvPr/>
+        </p:nvSpPr>
+        <p:spPr>
+          <a:xfrm>
+            <a:off x="6096000" y="5046841"/>
+            <a:ext cx="3594251" cy="1261884"/>
+          </a:xfrm>
+          <a:prstGeom prst="rect">
+            <a:avLst/>
+          </a:prstGeom>
+          <a:noFill/>
+        </p:spPr>
+        <p:txBody>
+          <a:bodyPr wrap="square" rtlCol="0" anchor="b" anchorCtr="0">
+            <a:spAutoFit/>
+          </a:bodyPr>
+          <a:lstStyle/>
+          <a:p>
+            <a:pPr algn="r"/>
+            <a:r>
+              <a:rPr lang="ru-RU" sz="2000" dirty="0"/>
+              <a:t>…трогать код опасно</a:t>
+            </a:r>
+            <a:endParaRPr lang="en-US" sz="2000" dirty="0">
+              <a:solidFill>
+                <a:schemeClr val="tx1">
+                  <a:lumMod val="50000"/>
+                  <a:lumOff val="50000"/>
+                </a:schemeClr>
+              </a:solidFill>
+            </a:endParaRPr>
+          </a:p>
+          <a:p>
+            <a:pPr algn="r"/>
+            <a:r>
+              <a:rPr lang="ru-RU" sz="3600" dirty="0">
+                <a:solidFill>
+                  <a:schemeClr val="accent1"/>
+                </a:solidFill>
+              </a:rPr>
+              <a:t>хрупкость</a:t>
+            </a:r>
+            <a:endParaRPr lang="ru-RU" dirty="0">
+              <a:solidFill>
+                <a:schemeClr val="accent1"/>
+              </a:solidFill>
+            </a:endParaRPr>
+          </a:p>
+          <a:p>
+            <a:pPr algn="r"/>
+            <a:r>
+              <a:rPr lang="en-US" sz="2000" dirty="0">
+                <a:solidFill>
+                  <a:schemeClr val="tx1">
+                    <a:lumMod val="50000"/>
+                    <a:lumOff val="50000"/>
+                  </a:schemeClr>
+                </a:solidFill>
+              </a:rPr>
+              <a:t>fragility</a:t>
+            </a:r>
+          </a:p>
+        </p:txBody>
+      </p:sp>
+    </p:spTree>
+    <p:extLst>
+      <p:ext uri="{BB962C8B-B14F-4D97-AF65-F5344CB8AC3E}">
+        <p14:creationId xmlns:p14="http://schemas.microsoft.com/office/powerpoint/2010/main" val="1782409183"/>
+      </p:ext>
+    </p:extLst>
+  </p:cSld>
+  <p:clrMapOvr>
+    <a:masterClrMapping/>
+  </p:clrMapOvr>
+</p:sld>
+</file>
+
+<file path=ppt/slides/slide7.xml><?xml version="1.0" encoding="utf-8"?>
+<p:sld xmlns:a="http://schemas.openxmlformats.org/drawingml/2006/main" xmlns:r="http://schemas.openxmlformats.org/officeDocument/2006/relationships" xmlns:p="http://schemas.openxmlformats.org/presentationml/2006/main" show="0">
+  <p:cSld>
+    <p:spTree>
+      <p:nvGrpSpPr>
+        <p:cNvPr id="1" name=""/>
+        <p:cNvGrpSpPr/>
+        <p:nvPr/>
+      </p:nvGrpSpPr>
+      <p:grpSpPr>
+        <a:xfrm>
+          <a:off x="0" y="0"/>
+          <a:ext cx="0" cy="0"/>
+          <a:chOff x="0" y="0"/>
+          <a:chExt cx="0" cy="0"/>
+        </a:xfrm>
+      </p:grpSpPr>
+      <p:sp>
+        <p:nvSpPr>
+          <p:cNvPr id="3" name="Объект 2"/>
+          <p:cNvSpPr>
+            <a:spLocks noGrp="1"/>
+          </p:cNvSpPr>
+          <p:nvPr>
+            <p:ph sz="quarter" idx="13"/>
+          </p:nvPr>
+        </p:nvSpPr>
+        <p:spPr/>
+        <p:txBody>
+          <a:bodyPr>
+            <a:normAutofit fontScale="85000" lnSpcReduction="10000"/>
+          </a:bodyPr>
+          <a:lstStyle/>
+          <a:p>
+            <a:r>
+              <a:rPr lang="ru-RU" b="1" dirty="0"/>
+              <a:t>Простота и понятность.</a:t>
+            </a:r>
+            <a:r>
+              <a:rPr lang="ru-RU" dirty="0"/>
+              <a:t> Что в будущем инженер смог быстро разобраться и доработать компонент под изменившиеся требования.</a:t>
+            </a:r>
+          </a:p>
+          <a:p>
+            <a:r>
+              <a:rPr lang="x-none" b="1" dirty="0"/>
+              <a:t>Корректность.</a:t>
+            </a:r>
+            <a:r>
+              <a:rPr lang="x-none" dirty="0"/>
+              <a:t> Чтобы в будущем инженер своими правками случайно не сломал работоспособность системы.</a:t>
+            </a:r>
+          </a:p>
+          <a:p>
+            <a:r>
+              <a:rPr lang="x-none" b="1" dirty="0"/>
+              <a:t>Расширяемость.</a:t>
+            </a:r>
+            <a:r>
+              <a:rPr lang="x-none" dirty="0"/>
+              <a:t> Чтобы в будущем инженеру проще было вносить доработки под новые требования.</a:t>
+            </a:r>
+          </a:p>
+          <a:p>
+            <a:r>
+              <a:rPr lang="x-none" b="1" dirty="0"/>
+              <a:t>Универсальность.</a:t>
+            </a:r>
+            <a:r>
+              <a:rPr lang="x-none" dirty="0"/>
+              <a:t> Чтобы в будущем инженеру было проще использовать этот код в контексте другой задачи или проекта.</a:t>
+            </a:r>
+          </a:p>
+          <a:p>
+            <a:pPr marL="0" indent="0">
+              <a:buNone/>
+            </a:pPr>
+            <a:endParaRPr lang="ru-RU" dirty="0"/>
+          </a:p>
+        </p:txBody>
+      </p:sp>
+      <p:sp>
+        <p:nvSpPr>
+          <p:cNvPr id="2" name="Заголовок 1"/>
+          <p:cNvSpPr>
+            <a:spLocks noGrp="1"/>
+          </p:cNvSpPr>
+          <p:nvPr>
+            <p:ph type="title"/>
+          </p:nvPr>
+        </p:nvSpPr>
+        <p:spPr/>
+        <p:txBody>
+          <a:bodyPr>
+            <a:noAutofit/>
+          </a:bodyPr>
+          <a:lstStyle/>
+          <a:p>
+            <a:r>
+              <a:rPr lang="ru-RU" dirty="0"/>
+              <a:t>Зачем нужен чистый код?</a:t>
+            </a:r>
+          </a:p>
+        </p:txBody>
+      </p:sp>
+    </p:spTree>
+    <p:extLst>
+      <p:ext uri="{BB962C8B-B14F-4D97-AF65-F5344CB8AC3E}">
+        <p14:creationId xmlns:p14="http://schemas.microsoft.com/office/powerpoint/2010/main" val="3769395280"/>
+      </p:ext>
+    </p:extLst>
+  </p:cSld>
+  <p:clrMapOvr>
+    <a:masterClrMapping/>
+  </p:clrMapOvr>
+  <p:timing>
+    <p:tnLst>
+      <p:par>
+        <p:cTn id="1" dur="indefinite" restart="never" nodeType="tmRoot">
+          <p:childTnLst>
+            <p:seq concurrent="1" nextAc="seek">
+              <p:cTn id="2" dur="indefinite" nodeType="mainSeq">
+                <p:childTnLst>
+                  <p:par>
+                    <p:cTn id="3" fill="hold">
+                      <p:stCondLst>
+                        <p:cond delay="indefinite"/>
+                      </p:stCondLst>
+                      <p:childTnLst>
+                        <p:par>
+                          <p:cTn id="4" fill="hold">
+                            <p:stCondLst>
+                              <p:cond delay="0"/>
+                            </p:stCondLst>
+                            <p:childTnLst>
+                              <p:par>
+                                <p:cTn id="5" presetID="1" presetClass="entr" presetSubtype="0" fill="hold" grpId="0" nodeType="clickEffect">
+                                  <p:stCondLst>
+                                    <p:cond delay="0"/>
+                                  </p:stCondLst>
+                                  <p:childTnLst>
+                                    <p:set>
+                                      <p:cBhvr>
+                                        <p:cTn id="6" dur="1" fill="hold">
+                                          <p:stCondLst>
+                                            <p:cond delay="0"/>
+                                          </p:stCondLst>
+                                        </p:cTn>
+                                        <p:tgtEl>
+                                          <p:spTgt spid="3">
+                                            <p:txEl>
+                                              <p:pRg st="0" end="0"/>
+                                            </p:txEl>
+                                          </p:spTgt>
+                                        </p:tgtEl>
+                                        <p:attrNameLst>
+                                          <p:attrName>style.visibility</p:attrName>
+                                        </p:attrNameLst>
+                                      </p:cBhvr>
+                                      <p:to>
+                                        <p:strVal val="visible"/>
+                                      </p:to>
+                                    </p:set>
+                                  </p:childTnLst>
+                                </p:cTn>
+                              </p:par>
+                            </p:childTnLst>
+                          </p:cTn>
+                        </p:par>
+                      </p:childTnLst>
+                    </p:cTn>
+                  </p:par>
+                  <p:par>
+                    <p:cTn id="7" fill="hold">
+                      <p:stCondLst>
+                        <p:cond delay="indefinite"/>
+                      </p:stCondLst>
+                      <p:childTnLst>
+                        <p:par>
+                          <p:cTn id="8" fill="hold">
+                            <p:stCondLst>
+                              <p:cond delay="0"/>
+                            </p:stCondLst>
+                            <p:childTnLst>
+                              <p:par>
+                                <p:cTn id="9" presetID="1" presetClass="entr" presetSubtype="0" fill="hold" grpId="0" nodeType="clickEffect">
+                                  <p:stCondLst>
+                                    <p:cond delay="0"/>
+                                  </p:stCondLst>
+                                  <p:childTnLst>
+                                    <p:set>
+                                      <p:cBhvr>
+                                        <p:cTn id="10" dur="1" fill="hold">
+                                          <p:stCondLst>
+                                            <p:cond delay="0"/>
+                                          </p:stCondLst>
+                                        </p:cTn>
+                                        <p:tgtEl>
+                                          <p:spTgt spid="3">
+                                            <p:txEl>
+                                              <p:pRg st="1" end="1"/>
+                                            </p:txEl>
+                                          </p:spTgt>
+                                        </p:tgtEl>
+                                        <p:attrNameLst>
+                                          <p:attrName>style.visibility</p:attrName>
+                                        </p:attrNameLst>
+                                      </p:cBhvr>
+                                      <p:to>
+                                        <p:strVal val="visible"/>
+                                      </p:to>
+                                    </p:set>
+                                  </p:childTnLst>
+                                </p:cTn>
+                              </p:par>
+                            </p:childTnLst>
+                          </p:cTn>
+                        </p:par>
+                      </p:childTnLst>
+                    </p:cTn>
+                  </p:par>
+                  <p:par>
+                    <p:cTn id="11" fill="hold">
+                      <p:stCondLst>
+                        <p:cond delay="indefinite"/>
+                      </p:stCondLst>
+                      <p:childTnLst>
+                        <p:par>
+                          <p:cTn id="12" fill="hold">
+                            <p:stCondLst>
+                              <p:cond delay="0"/>
+                            </p:stCondLst>
+                            <p:childTnLst>
+                              <p:par>
+                                <p:cTn id="13" presetID="1" presetClass="entr" presetSubtype="0" fill="hold" grpId="0" nodeType="clickEffect">
+                                  <p:stCondLst>
+                                    <p:cond delay="0"/>
+                                  </p:stCondLst>
+                                  <p:childTnLst>
+                                    <p:set>
+                                      <p:cBhvr>
+                                        <p:cTn id="14" dur="1" fill="hold">
+                                          <p:stCondLst>
+                                            <p:cond delay="0"/>
+                                          </p:stCondLst>
+                                        </p:cTn>
+                                        <p:tgtEl>
+                                          <p:spTgt spid="3">
+                                            <p:txEl>
+                                              <p:pRg st="2" end="2"/>
+                                            </p:txEl>
+                                          </p:spTgt>
+                                        </p:tgtEl>
+                                        <p:attrNameLst>
+                                          <p:attrName>style.visibility</p:attrName>
+                                        </p:attrNameLst>
+                                      </p:cBhvr>
+                                      <p:to>
+                                        <p:strVal val="visible"/>
+                                      </p:to>
+                                    </p:set>
+                                  </p:childTnLst>
+                                </p:cTn>
+                              </p:par>
+                            </p:childTnLst>
+                          </p:cTn>
+                        </p:par>
+                      </p:childTnLst>
+                    </p:cTn>
+                  </p:par>
+                  <p:par>
+                    <p:cTn id="15" fill="hold">
+                      <p:stCondLst>
+                        <p:cond delay="indefinite"/>
+                      </p:stCondLst>
+                      <p:childTnLst>
+                        <p:par>
+                          <p:cTn id="16" fill="hold">
+                            <p:stCondLst>
+                              <p:cond delay="0"/>
+                            </p:stCondLst>
+                            <p:childTnLst>
+                              <p:par>
+                                <p:cTn id="17" presetID="1" presetClass="entr" presetSubtype="0" fill="hold" grpId="0" nodeType="clickEffect">
+                                  <p:stCondLst>
+                                    <p:cond delay="0"/>
+                                  </p:stCondLst>
+                                  <p:childTnLst>
+                                    <p:set>
+                                      <p:cBhvr>
+                                        <p:cTn id="18" dur="1" fill="hold">
+                                          <p:stCondLst>
+                                            <p:cond delay="0"/>
+                                          </p:stCondLst>
+                                        </p:cTn>
+                                        <p:tgtEl>
+                                          <p:spTgt spid="3">
+                                            <p:txEl>
+                                              <p:pRg st="3" end="3"/>
+                                            </p:txEl>
+                                          </p:spTgt>
+                                        </p:tgtEl>
+                                        <p:attrNameLst>
+                                          <p:attrName>style.visibility</p:attrName>
+                                        </p:attrNameLst>
+                                      </p:cBhvr>
+                                      <p:to>
+                                        <p:strVal val="visible"/>
+                                      </p:to>
+                                    </p:set>
+                                  </p:childTnLst>
+                                </p:cTn>
+                              </p:par>
+                            </p:childTnLst>
+                          </p:cTn>
+                        </p:par>
+                      </p:childTnLst>
+                    </p:cTn>
+                  </p:par>
+                </p:childTnLst>
+              </p:cTn>
+              <p:prevCondLst>
+                <p:cond evt="onPrev" delay="0">
+                  <p:tgtEl>
+                    <p:sldTgt/>
+                  </p:tgtEl>
+                </p:cond>
+              </p:prevCondLst>
+              <p:nextCondLst>
+                <p:cond evt="onNext" delay="0">
+                  <p:tgtEl>
+                    <p:sldTgt/>
+                  </p:tgtEl>
+                </p:cond>
+              </p:nextCondLst>
+            </p:seq>
+          </p:childTnLst>
+        </p:cTn>
+      </p:par>
+    </p:tnLst>
+    <p:bldLst>
+      <p:bldP spid="3" grpId="0" build="p"/>
+    </p:bldLst>
+  </p:timing>
+</p:sld>
+</file>
+
+<file path=ppt/slides/slide8.xml><?xml version="1.0" encoding="utf-8"?>
+<p:sld xmlns:a="http://schemas.openxmlformats.org/drawingml/2006/main" xmlns:r="http://schemas.openxmlformats.org/officeDocument/2006/relationships" xmlns:p="http://schemas.openxmlformats.org/presentationml/2006/main" show="0">
+  <p:cSld>
+    <p:spTree>
+      <p:nvGrpSpPr>
+        <p:cNvPr id="1" name=""/>
+        <p:cNvGrpSpPr/>
+        <p:nvPr/>
+      </p:nvGrpSpPr>
+      <p:grpSpPr>
+        <a:xfrm>
+          <a:off x="0" y="0"/>
+          <a:ext cx="0" cy="0"/>
+          <a:chOff x="0" y="0"/>
+          <a:chExt cx="0" cy="0"/>
+        </a:xfrm>
+      </p:grpSpPr>
+      <p:sp>
+        <p:nvSpPr>
+          <p:cNvPr id="3" name="Объект 2"/>
+          <p:cNvSpPr>
+            <a:spLocks noGrp="1"/>
+          </p:cNvSpPr>
+          <p:nvPr>
+            <p:ph sz="quarter" idx="13"/>
+          </p:nvPr>
+        </p:nvSpPr>
+        <p:spPr/>
+        <p:txBody>
+          <a:bodyPr/>
+          <a:lstStyle/>
+          <a:p>
+            <a:r>
+              <a:rPr lang="ru-RU" dirty="0"/>
+              <a:t>Аккуратное форматирование</a:t>
+            </a:r>
+          </a:p>
+          <a:p>
+            <a:r>
+              <a:rPr lang="ru-RU" dirty="0"/>
+              <a:t>Соответствие принятому (в команде или </a:t>
+            </a:r>
+            <a:br>
+              <a:rPr lang="ru-RU" dirty="0"/>
+            </a:br>
+            <a:r>
+              <a:rPr lang="ru-RU" dirty="0"/>
+              <a:t>в </a:t>
+            </a:r>
+            <a:r>
+              <a:rPr lang="ru-RU" dirty="0" err="1"/>
+              <a:t>комьюнити</a:t>
+            </a:r>
+            <a:r>
+              <a:rPr lang="ru-RU" dirty="0"/>
+              <a:t>) стилю оформления кода</a:t>
+            </a:r>
+          </a:p>
+          <a:p>
+            <a:r>
+              <a:rPr lang="ru-RU" dirty="0"/>
+              <a:t>Понятные имена методов и переменных</a:t>
+            </a:r>
+          </a:p>
+          <a:p>
+            <a:endParaRPr lang="ru-RU" dirty="0"/>
+          </a:p>
+        </p:txBody>
+      </p:sp>
+      <p:sp>
+        <p:nvSpPr>
+          <p:cNvPr id="2" name="Заголовок 1"/>
+          <p:cNvSpPr>
+            <a:spLocks noGrp="1"/>
+          </p:cNvSpPr>
+          <p:nvPr>
+            <p:ph type="title"/>
+          </p:nvPr>
+        </p:nvSpPr>
+        <p:spPr/>
+        <p:txBody>
+          <a:bodyPr/>
+          <a:lstStyle/>
+          <a:p>
+            <a:r>
+              <a:rPr lang="ru-RU" dirty="0"/>
+              <a:t>Гигиенический минимум</a:t>
+            </a:r>
+          </a:p>
+        </p:txBody>
+      </p:sp>
+    </p:spTree>
+    <p:extLst>
+      <p:ext uri="{BB962C8B-B14F-4D97-AF65-F5344CB8AC3E}">
+        <p14:creationId xmlns:p14="http://schemas.microsoft.com/office/powerpoint/2010/main" val="487705809"/>
+      </p:ext>
+    </p:extLst>
+  </p:cSld>
+  <p:clrMapOvr>
+    <a:masterClrMapping/>
+  </p:clrMapOvr>
+</p:sld>
+</file>
+
+<file path=ppt/slides/slide9.xml><?xml version="1.0" encoding="utf-8"?>
+<p:sld xmlns:a="http://schemas.openxmlformats.org/drawingml/2006/main" xmlns:r="http://schemas.openxmlformats.org/officeDocument/2006/relationships" xmlns:p="http://schemas.openxmlformats.org/presentationml/2006/main" show="0">
+  <p:cSld>
+    <p:spTree>
+      <p:nvGrpSpPr>
+        <p:cNvPr id="1" name=""/>
+        <p:cNvGrpSpPr/>
+        <p:nvPr/>
+      </p:nvGrpSpPr>
+      <p:grpSpPr>
+        <a:xfrm>
+          <a:off x="0" y="0"/>
+          <a:ext cx="0" cy="0"/>
+          <a:chOff x="0" y="0"/>
+          <a:chExt cx="0" cy="0"/>
+        </a:xfrm>
+      </p:grpSpPr>
+      <p:sp>
+        <p:nvSpPr>
+          <p:cNvPr id="2" name="Заголовок 1"/>
+          <p:cNvSpPr>
+            <a:spLocks noGrp="1"/>
+          </p:cNvSpPr>
+          <p:nvPr>
+            <p:ph type="title"/>
+          </p:nvPr>
+        </p:nvSpPr>
+        <p:spPr/>
+        <p:txBody>
+          <a:bodyPr/>
+          <a:lstStyle/>
+          <a:p>
+            <a:r>
+              <a:rPr lang="en-US" dirty="0"/>
+              <a:t>Samples / </a:t>
+            </a:r>
+            <a:r>
+              <a:rPr lang="en-US" dirty="0" err="1"/>
+              <a:t>datasaver.cs</a:t>
+            </a:r>
+            <a:endParaRPr lang="en-US" dirty="0"/>
+          </a:p>
+        </p:txBody>
+      </p:sp>
+      <p:pic>
+        <p:nvPicPr>
+          <p:cNvPr id="5" name="Picture 22" descr="C:\Users\sapogoff\Documents\sapogoff_work\SKB Kontur\01_presentation_templates\03_final\wmf_icons\документ.wmf"/>
+          <p:cNvPicPr>
+            <a:picLocks noChangeAspect="1" noChangeArrowheads="1"/>
+          </p:cNvPicPr>
+          <p:nvPr/>
+        </p:nvPicPr>
+        <p:blipFill>
+          <a:blip r:embed="rId2" cstate="print">
+            <a:duotone>
+              <a:schemeClr val="accent1">
+                <a:shade val="45000"/>
+                <a:satMod val="135000"/>
+              </a:schemeClr>
+              <a:prstClr val="white"/>
+            </a:duotone>
+            <a:extLst>
+              <a:ext uri="{28A0092B-C50C-407E-A947-70E740481C1C}">
+                <a14:useLocalDpi xmlns:a14="http://schemas.microsoft.com/office/drawing/2010/main" val="0"/>
+              </a:ext>
+            </a:extLst>
+          </a:blip>
+          <a:srcRect/>
+          <a:stretch>
+            <a:fillRect/>
+          </a:stretch>
+        </p:blipFill>
+        <p:spPr bwMode="auto">
+          <a:xfrm>
+            <a:off x="5448066" y="549275"/>
+            <a:ext cx="1296000" cy="1583684"/>
+          </a:xfrm>
+          <a:prstGeom prst="rect">
+            <a:avLst/>
+          </a:prstGeom>
+          <a:noFill/>
+          <a:extLst>
+            <a:ext uri="{909E8E84-426E-40DD-AFC4-6F175D3DCCD1}">
+              <a14:hiddenFill xmlns:a14="http://schemas.microsoft.com/office/drawing/2010/main">
+                <a:solidFill>
+                  <a:srgbClr val="FFFFFF"/>
+                </a:solidFill>
+              </a14:hiddenFill>
+            </a:ext>
+          </a:extLst>
+        </p:spPr>
+      </p:pic>
+    </p:spTree>
+    <p:extLst>
+      <p:ext uri="{BB962C8B-B14F-4D97-AF65-F5344CB8AC3E}">
+        <p14:creationId xmlns:p14="http://schemas.microsoft.com/office/powerpoint/2010/main" val="313869335"/>
+      </p:ext>
+    </p:extLst>
+  </p:cSld>
+  <p:clrMapOvr>
+    <a:masterClrMapping/>
+  </p:clrMapOvr>
 </p:sld>
 </file>
 

--- a/clean-code.pptx
+++ b/clean-code.pptx
@@ -6,10 +6,10 @@
     <p:sldMasterId id="2147483690" r:id="rId6"/>
   </p:sldMasterIdLst>
   <p:notesMasterIdLst>
-    <p:notesMasterId r:id="rId67"/>
+    <p:notesMasterId r:id="rId68"/>
   </p:notesMasterIdLst>
   <p:handoutMasterIdLst>
-    <p:handoutMasterId r:id="rId68"/>
+    <p:handoutMasterId r:id="rId69"/>
   </p:handoutMasterIdLst>
   <p:sldIdLst>
     <p:sldId id="256" r:id="rId7"/>
@@ -72,6 +72,7 @@
     <p:sldId id="299" r:id="rId64"/>
     <p:sldId id="300" r:id="rId65"/>
     <p:sldId id="301" r:id="rId66"/>
+    <p:sldId id="327" r:id="rId67"/>
   </p:sldIdLst>
   <p:sldSz cx="12192000" cy="6858000"/>
   <p:notesSz cx="6858000" cy="9144000"/>
@@ -267,6 +268,7 @@
         <p14:section name="Заключение" id="{80D730FA-FED6-43DB-B3D4-A62E0F70FE8A}">
           <p14:sldIdLst>
             <p14:sldId id="301"/>
+            <p14:sldId id="327"/>
           </p14:sldIdLst>
         </p14:section>
       </p14:sectionLst>
@@ -7239,7 +7241,7 @@
           <a:p>
             <a:fld id="{CE3BC3F9-9C5B-4717-9F59-36DC790402FE}" type="datetimeFigureOut">
               <a:rPr lang="ru-RU" smtClean="0"/>
-              <a:t>09.02.2018</a:t>
+              <a:t>16.04.2018</a:t>
             </a:fld>
             <a:endParaRPr lang="ru-RU"/>
           </a:p>
@@ -7404,7 +7406,7 @@
           <a:p>
             <a:fld id="{BBBAA9EB-8042-420D-843C-EBFC35DD9FFD}" type="datetimeFigureOut">
               <a:rPr lang="ru-RU" smtClean="0"/>
-              <a:t>09.02.2018</a:t>
+              <a:t>16.04.2018</a:t>
             </a:fld>
             <a:endParaRPr lang="ru-RU"/>
           </a:p>
@@ -16187,7 +16189,19 @@
               <a:rPr lang="en-US" dirty="0">
                 <a:hlinkClick r:id="rId2"/>
               </a:rPr>
-              <a:t>https://github.com/kontur-csharper/</a:t>
+              <a:t>https://github.com/</a:t>
+            </a:r>
+            <a:r>
+              <a:rPr lang="en-US" dirty="0">
+                <a:hlinkClick r:id="rId3"/>
+              </a:rPr>
+              <a:t>kontur-courses</a:t>
+            </a:r>
+            <a:r>
+              <a:rPr lang="en-US" dirty="0">
+                <a:hlinkClick r:id="rId2"/>
+              </a:rPr>
+              <a:t>/</a:t>
             </a:r>
             <a:r>
               <a:rPr lang="en-US" b="1" dirty="0">
@@ -16197,30 +16211,6 @@
             </a:r>
             <a:endParaRPr lang="en-US" b="1" dirty="0"/>
           </a:p>
-          <a:p>
-            <a:endParaRPr lang="en-US" dirty="0"/>
-          </a:p>
-        </p:txBody>
-      </p:sp>
-      <p:sp>
-        <p:nvSpPr>
-          <p:cNvPr id="3" name="Текст 2"/>
-          <p:cNvSpPr>
-            <a:spLocks noGrp="1"/>
-          </p:cNvSpPr>
-          <p:nvPr>
-            <p:ph type="body" sz="quarter" idx="11"/>
-          </p:nvPr>
-        </p:nvSpPr>
-        <p:spPr>
-          <a:xfrm>
-            <a:off x="4367213" y="5229225"/>
-            <a:ext cx="6529387" cy="439738"/>
-          </a:xfrm>
-        </p:spPr>
-        <p:txBody>
-          <a:bodyPr/>
-          <a:lstStyle/>
           <a:p>
             <a:endParaRPr lang="en-US" dirty="0"/>
           </a:p>
@@ -16235,7 +16225,7 @@
           <p:nvPr/>
         </p:nvPicPr>
         <p:blipFill>
-          <a:blip r:embed="rId3" cstate="print">
+          <a:blip r:embed="rId4" cstate="print">
             <a:extLst>
               <a:ext uri="{28A0092B-C50C-407E-A947-70E740481C1C}">
                 <a14:useLocalDpi xmlns:a14="http://schemas.microsoft.com/office/drawing/2010/main" val="0"/>
@@ -43975,6 +43965,201 @@
     <p:extLst>
       <p:ext uri="{BB962C8B-B14F-4D97-AF65-F5344CB8AC3E}">
         <p14:creationId xmlns:p14="http://schemas.microsoft.com/office/powerpoint/2010/main" val="4216210955"/>
+      </p:ext>
+    </p:extLst>
+  </p:cSld>
+  <p:clrMapOvr>
+    <a:masterClrMapping/>
+  </p:clrMapOvr>
+</p:sld>
+</file>
+
+<file path=ppt/slides/slide61.xml><?xml version="1.0" encoding="utf-8"?>
+<p:sld xmlns:a="http://schemas.openxmlformats.org/drawingml/2006/main" xmlns:r="http://schemas.openxmlformats.org/officeDocument/2006/relationships" xmlns:p="http://schemas.openxmlformats.org/presentationml/2006/main">
+  <p:cSld>
+    <p:spTree>
+      <p:nvGrpSpPr>
+        <p:cNvPr id="1" name=""/>
+        <p:cNvGrpSpPr/>
+        <p:nvPr/>
+      </p:nvGrpSpPr>
+      <p:grpSpPr>
+        <a:xfrm>
+          <a:off x="0" y="0"/>
+          <a:ext cx="0" cy="0"/>
+          <a:chOff x="0" y="0"/>
+          <a:chExt cx="0" cy="0"/>
+        </a:xfrm>
+      </p:grpSpPr>
+      <p:sp>
+        <p:nvSpPr>
+          <p:cNvPr id="2" name="Объект 1">
+            <a:extLst>
+              <a:ext uri="{FF2B5EF4-FFF2-40B4-BE49-F238E27FC236}">
+                <a16:creationId xmlns:a16="http://schemas.microsoft.com/office/drawing/2014/main" id="{4E05C4A9-0667-45B8-AC59-85FD9C81BD21}"/>
+              </a:ext>
+            </a:extLst>
+          </p:cNvPr>
+          <p:cNvSpPr>
+            <a:spLocks noGrp="1"/>
+          </p:cNvSpPr>
+          <p:nvPr>
+            <p:ph sz="quarter" idx="13"/>
+          </p:nvPr>
+        </p:nvSpPr>
+        <p:spPr/>
+        <p:txBody>
+          <a:bodyPr anchor="t">
+            <a:normAutofit/>
+          </a:bodyPr>
+          <a:lstStyle/>
+          <a:p>
+            <a:pPr marL="0" indent="0">
+              <a:buNone/>
+            </a:pPr>
+            <a:endParaRPr lang="en-US" dirty="0"/>
+          </a:p>
+          <a:p>
+            <a:pPr marL="0" indent="0">
+              <a:buNone/>
+            </a:pPr>
+            <a:endParaRPr lang="en-US" dirty="0"/>
+          </a:p>
+          <a:p>
+            <a:pPr marL="0" indent="0">
+              <a:buNone/>
+            </a:pPr>
+            <a:endParaRPr lang="en-US" dirty="0"/>
+          </a:p>
+          <a:p>
+            <a:pPr marL="0" indent="0" algn="ctr">
+              <a:buNone/>
+            </a:pPr>
+            <a:r>
+              <a:rPr lang="ru-RU" sz="2800" dirty="0"/>
+              <a:t>Заполни форму обратной связи по ссылке</a:t>
+            </a:r>
+          </a:p>
+          <a:p>
+            <a:pPr marL="0" indent="0" algn="ctr">
+              <a:buNone/>
+            </a:pPr>
+            <a:r>
+              <a:rPr lang="en-US" sz="2800" dirty="0">
+                <a:hlinkClick r:id="rId2"/>
+              </a:rPr>
+              <a:t>http://bit.ly/kontur-courses-feedback</a:t>
+            </a:r>
+            <a:endParaRPr lang="ru-RU" sz="2800" dirty="0"/>
+          </a:p>
+          <a:p>
+            <a:pPr marL="0" indent="0" algn="ctr">
+              <a:buNone/>
+            </a:pPr>
+            <a:r>
+              <a:rPr lang="ru-RU" sz="2800" dirty="0"/>
+              <a:t>или</a:t>
+            </a:r>
+            <a:endParaRPr lang="en-US" sz="2800" dirty="0"/>
+          </a:p>
+          <a:p>
+            <a:pPr marL="0" indent="0" algn="ctr">
+              <a:buNone/>
+            </a:pPr>
+            <a:r>
+              <a:rPr lang="ru-RU" sz="2800" dirty="0"/>
+              <a:t>по ярлыку </a:t>
+            </a:r>
+            <a:r>
+              <a:rPr lang="en-US" sz="2800" i="1" dirty="0">
+                <a:solidFill>
+                  <a:schemeClr val="accent1"/>
+                </a:solidFill>
+              </a:rPr>
+              <a:t>feedback</a:t>
+            </a:r>
+            <a:r>
+              <a:rPr lang="en-US" sz="2800" dirty="0"/>
+              <a:t> </a:t>
+            </a:r>
+            <a:r>
+              <a:rPr lang="ru-RU" sz="2800" dirty="0"/>
+              <a:t>в корне репозитория</a:t>
+            </a:r>
+          </a:p>
+        </p:txBody>
+      </p:sp>
+      <p:sp>
+        <p:nvSpPr>
+          <p:cNvPr id="3" name="Заголовок 2">
+            <a:extLst>
+              <a:ext uri="{FF2B5EF4-FFF2-40B4-BE49-F238E27FC236}">
+                <a16:creationId xmlns:a16="http://schemas.microsoft.com/office/drawing/2014/main" id="{1B72F5E6-5086-4A59-ADDF-28C342BF771A}"/>
+              </a:ext>
+            </a:extLst>
+          </p:cNvPr>
+          <p:cNvSpPr>
+            <a:spLocks noGrp="1"/>
+          </p:cNvSpPr>
+          <p:nvPr>
+            <p:ph type="title"/>
+          </p:nvPr>
+        </p:nvSpPr>
+        <p:spPr/>
+        <p:txBody>
+          <a:bodyPr/>
+          <a:lstStyle/>
+          <a:p>
+            <a:r>
+              <a:rPr lang="ru-RU" dirty="0"/>
+              <a:t>Обратная связь</a:t>
+            </a:r>
+          </a:p>
+        </p:txBody>
+      </p:sp>
+      <p:pic>
+        <p:nvPicPr>
+          <p:cNvPr id="5" name="Рисунок 4" descr="Речь">
+            <a:extLst>
+              <a:ext uri="{FF2B5EF4-FFF2-40B4-BE49-F238E27FC236}">
+                <a16:creationId xmlns:a16="http://schemas.microsoft.com/office/drawing/2014/main" id="{4CD964C9-55F6-450A-94E0-4A3D7D08BCAA}"/>
+              </a:ext>
+            </a:extLst>
+          </p:cNvPr>
+          <p:cNvPicPr>
+            <a:picLocks noChangeAspect="1"/>
+          </p:cNvPicPr>
+          <p:nvPr/>
+        </p:nvPicPr>
+        <p:blipFill>
+          <a:blip r:embed="rId3">
+            <a:extLst>
+              <a:ext uri="{28A0092B-C50C-407E-A947-70E740481C1C}">
+                <a14:useLocalDpi xmlns:a14="http://schemas.microsoft.com/office/drawing/2010/main" val="0"/>
+              </a:ext>
+              <a:ext uri="{96DAC541-7B7A-43D3-8B79-37D633B846F1}">
+                <asvg:svgBlip xmlns:asvg="http://schemas.microsoft.com/office/drawing/2016/SVG/main" r:embed="rId4"/>
+              </a:ext>
+            </a:extLst>
+          </a:blip>
+          <a:stretch>
+            <a:fillRect/>
+          </a:stretch>
+        </p:blipFill>
+        <p:spPr>
+          <a:xfrm>
+            <a:off x="5183290" y="1622285"/>
+            <a:ext cx="1825352" cy="1825352"/>
+          </a:xfrm>
+          <a:prstGeom prst="rect">
+            <a:avLst/>
+          </a:prstGeom>
+        </p:spPr>
+      </p:pic>
+    </p:spTree>
+    <p:extLst>
+      <p:ext uri="{BB962C8B-B14F-4D97-AF65-F5344CB8AC3E}">
+        <p14:creationId xmlns:p14="http://schemas.microsoft.com/office/powerpoint/2010/main" val="1635517412"/>
       </p:ext>
     </p:extLst>
   </p:cSld>
@@ -45946,15 +46131,6 @@
 </file>
 
 <file path=customXml/item1.xml><?xml version="1.0" encoding="utf-8"?>
-<?mso-contentType ?>
-<FormTemplates xmlns="http://schemas.microsoft.com/sharepoint/v3/contenttype/forms">
-  <Display>DocumentLibraryForm</Display>
-  <Edit>DocumentLibraryForm</Edit>
-  <New>DocumentLibraryForm</New>
-</FormTemplates>
-</file>
-
-<file path=customXml/item2.xml><?xml version="1.0" encoding="utf-8"?>
 <p:properties xmlns:p="http://schemas.microsoft.com/office/2006/metadata/properties" xmlns:xsi="http://www.w3.org/2001/XMLSchema-instance" xmlns:pc="http://schemas.microsoft.com/office/infopath/2007/PartnerControls">
   <documentManagement>
     <_dlc_DocId xmlns="0c9149cd-f996-4d9e-91c9-ce8e5945528f">KQK76PRV35WE-1143-163</_dlc_DocId>
@@ -45966,53 +46142,16 @@
 </p:properties>
 </file>
 
-<file path=customXml/item3.xml><?xml version="1.0" encoding="utf-8"?>
+<file path=customXml/item2.xml><?xml version="1.0" encoding="utf-8"?>
 <?mso-contentType ?>
-<spe:Receivers xmlns:spe="http://schemas.microsoft.com/sharepoint/events">
-  <Receiver>
-    <Name>Document ID Generator</Name>
-    <Synchronization>Synchronous</Synchronization>
-    <Type>10001</Type>
-    <SequenceNumber>1000</SequenceNumber>
-    <Assembly>Microsoft.Office.DocumentManagement, Version=14.0.0.0, Culture=neutral, PublicKeyToken=71e9bce111e9429c</Assembly>
-    <Class>Microsoft.Office.DocumentManagement.Internal.DocIdHandler</Class>
-    <Data/>
-    <Filter/>
-  </Receiver>
-  <Receiver>
-    <Name>Document ID Generator</Name>
-    <Synchronization>Synchronous</Synchronization>
-    <Type>10002</Type>
-    <SequenceNumber>1001</SequenceNumber>
-    <Assembly>Microsoft.Office.DocumentManagement, Version=14.0.0.0, Culture=neutral, PublicKeyToken=71e9bce111e9429c</Assembly>
-    <Class>Microsoft.Office.DocumentManagement.Internal.DocIdHandler</Class>
-    <Data/>
-    <Filter/>
-  </Receiver>
-  <Receiver>
-    <Name>Document ID Generator</Name>
-    <Synchronization>Synchronous</Synchronization>
-    <Type>10004</Type>
-    <SequenceNumber>1002</SequenceNumber>
-    <Assembly>Microsoft.Office.DocumentManagement, Version=14.0.0.0, Culture=neutral, PublicKeyToken=71e9bce111e9429c</Assembly>
-    <Class>Microsoft.Office.DocumentManagement.Internal.DocIdHandler</Class>
-    <Data/>
-    <Filter/>
-  </Receiver>
-  <Receiver>
-    <Name>Document ID Generator</Name>
-    <Synchronization>Synchronous</Synchronization>
-    <Type>10006</Type>
-    <SequenceNumber>1003</SequenceNumber>
-    <Assembly>Microsoft.Office.DocumentManagement, Version=14.0.0.0, Culture=neutral, PublicKeyToken=71e9bce111e9429c</Assembly>
-    <Class>Microsoft.Office.DocumentManagement.Internal.DocIdHandler</Class>
-    <Data/>
-    <Filter/>
-  </Receiver>
-</spe:Receivers>
+<FormTemplates xmlns="http://schemas.microsoft.com/sharepoint/v3/contenttype/forms">
+  <Display>DocumentLibraryForm</Display>
+  <Edit>DocumentLibraryForm</Edit>
+  <New>DocumentLibraryForm</New>
+</FormTemplates>
 </file>
 
-<file path=customXml/item4.xml><?xml version="1.0" encoding="utf-8"?>
+<file path=customXml/item3.xml><?xml version="1.0" encoding="utf-8"?>
 <ct:contentTypeSchema xmlns:ct="http://schemas.microsoft.com/office/2006/metadata/contentType" xmlns:ma="http://schemas.microsoft.com/office/2006/metadata/properties/metaAttributes" ct:_="" ma:_="" ma:contentTypeName="Документ" ma:contentTypeID="0x010100E346D4429ECB76409F7994AE89987FCA" ma:contentTypeVersion="0" ma:contentTypeDescription="Создание документа." ma:contentTypeScope="" ma:versionID="3cbcf180bdc4db4d624f0fe699415cfd">
   <xsd:schema xmlns:xsd="http://www.w3.org/2001/XMLSchema" xmlns:xs="http://www.w3.org/2001/XMLSchema" xmlns:p="http://schemas.microsoft.com/office/2006/metadata/properties" xmlns:ns2="0c9149cd-f996-4d9e-91c9-ce8e5945528f" targetNamespace="http://schemas.microsoft.com/office/2006/metadata/properties" ma:root="true" ma:fieldsID="8c6f0fecba2eaac0d733b3b653b3f5ff" ns2:_="">
     <xsd:import namespace="0c9149cd-f996-4d9e-91c9-ce8e5945528f"/>
@@ -46157,15 +46296,53 @@
 </ct:contentTypeSchema>
 </file>
 
-<file path=customXml/itemProps1.xml><?xml version="1.0" encoding="utf-8"?>
-<ds:datastoreItem xmlns:ds="http://schemas.openxmlformats.org/officeDocument/2006/customXml" ds:itemID="{3C9FC0A9-D1C6-450E-992B-D3422A85EAB3}">
-  <ds:schemaRefs>
-    <ds:schemaRef ds:uri="http://schemas.microsoft.com/sharepoint/v3/contenttype/forms"/>
-  </ds:schemaRefs>
-</ds:datastoreItem>
+<file path=customXml/item4.xml><?xml version="1.0" encoding="utf-8"?>
+<?mso-contentType ?>
+<spe:Receivers xmlns:spe="http://schemas.microsoft.com/sharepoint/events">
+  <Receiver>
+    <Name>Document ID Generator</Name>
+    <Synchronization>Synchronous</Synchronization>
+    <Type>10001</Type>
+    <SequenceNumber>1000</SequenceNumber>
+    <Assembly>Microsoft.Office.DocumentManagement, Version=14.0.0.0, Culture=neutral, PublicKeyToken=71e9bce111e9429c</Assembly>
+    <Class>Microsoft.Office.DocumentManagement.Internal.DocIdHandler</Class>
+    <Data/>
+    <Filter/>
+  </Receiver>
+  <Receiver>
+    <Name>Document ID Generator</Name>
+    <Synchronization>Synchronous</Synchronization>
+    <Type>10002</Type>
+    <SequenceNumber>1001</SequenceNumber>
+    <Assembly>Microsoft.Office.DocumentManagement, Version=14.0.0.0, Culture=neutral, PublicKeyToken=71e9bce111e9429c</Assembly>
+    <Class>Microsoft.Office.DocumentManagement.Internal.DocIdHandler</Class>
+    <Data/>
+    <Filter/>
+  </Receiver>
+  <Receiver>
+    <Name>Document ID Generator</Name>
+    <Synchronization>Synchronous</Synchronization>
+    <Type>10004</Type>
+    <SequenceNumber>1002</SequenceNumber>
+    <Assembly>Microsoft.Office.DocumentManagement, Version=14.0.0.0, Culture=neutral, PublicKeyToken=71e9bce111e9429c</Assembly>
+    <Class>Microsoft.Office.DocumentManagement.Internal.DocIdHandler</Class>
+    <Data/>
+    <Filter/>
+  </Receiver>
+  <Receiver>
+    <Name>Document ID Generator</Name>
+    <Synchronization>Synchronous</Synchronization>
+    <Type>10006</Type>
+    <SequenceNumber>1003</SequenceNumber>
+    <Assembly>Microsoft.Office.DocumentManagement, Version=14.0.0.0, Culture=neutral, PublicKeyToken=71e9bce111e9429c</Assembly>
+    <Class>Microsoft.Office.DocumentManagement.Internal.DocIdHandler</Class>
+    <Data/>
+    <Filter/>
+  </Receiver>
+</spe:Receivers>
 </file>
 
-<file path=customXml/itemProps2.xml><?xml version="1.0" encoding="utf-8"?>
+<file path=customXml/itemProps1.xml><?xml version="1.0" encoding="utf-8"?>
 <ds:datastoreItem xmlns:ds="http://schemas.openxmlformats.org/officeDocument/2006/customXml" ds:itemID="{45CE6859-96AE-4F55-91FD-B1143C1F920F}">
   <ds:schemaRefs>
     <ds:schemaRef ds:uri="http://schemas.microsoft.com/office/2006/documentManagement/types"/>
@@ -46181,15 +46358,15 @@
 </ds:datastoreItem>
 </file>
 
-<file path=customXml/itemProps3.xml><?xml version="1.0" encoding="utf-8"?>
-<ds:datastoreItem xmlns:ds="http://schemas.openxmlformats.org/officeDocument/2006/customXml" ds:itemID="{4D57F3B4-626C-48E6-A3BF-29668BFEB3E8}">
+<file path=customXml/itemProps2.xml><?xml version="1.0" encoding="utf-8"?>
+<ds:datastoreItem xmlns:ds="http://schemas.openxmlformats.org/officeDocument/2006/customXml" ds:itemID="{3C9FC0A9-D1C6-450E-992B-D3422A85EAB3}">
   <ds:schemaRefs>
-    <ds:schemaRef ds:uri="http://schemas.microsoft.com/sharepoint/events"/>
+    <ds:schemaRef ds:uri="http://schemas.microsoft.com/sharepoint/v3/contenttype/forms"/>
   </ds:schemaRefs>
 </ds:datastoreItem>
 </file>
 
-<file path=customXml/itemProps4.xml><?xml version="1.0" encoding="utf-8"?>
+<file path=customXml/itemProps3.xml><?xml version="1.0" encoding="utf-8"?>
 <ds:datastoreItem xmlns:ds="http://schemas.openxmlformats.org/officeDocument/2006/customXml" ds:itemID="{392A0E88-C45E-4035-ACB1-85AF74E6A851}">
   <ds:schemaRefs>
     <ds:schemaRef ds:uri="http://schemas.microsoft.com/office/2006/metadata/contentType"/>
@@ -46205,4 +46382,12 @@
     <ds:schemaRef ds:uri="http://schemas.microsoft.com/internal/obd"/>
   </ds:schemaRefs>
 </ds:datastoreItem>
+</file>
+
+<file path=customXml/itemProps4.xml><?xml version="1.0" encoding="utf-8"?>
+<ds:datastoreItem xmlns:ds="http://schemas.openxmlformats.org/officeDocument/2006/customXml" ds:itemID="{4D57F3B4-626C-48E6-A3BF-29668BFEB3E8}">
+  <ds:schemaRefs>
+    <ds:schemaRef ds:uri="http://schemas.microsoft.com/sharepoint/events"/>
+  </ds:schemaRefs>
+</ds:datastoreItem>
 </file>
--- a/clean-code.pptx
+++ b/clean-code.pptx
@@ -16858,7 +16858,11 @@
             </a:r>
             <a:r>
               <a:rPr lang="ru-RU" dirty="0" smtClean="0"/>
-              <a:t> контрольное число</a:t>
+              <a:t> </a:t>
+            </a:r>
+            <a:r>
+              <a:rPr lang="en-US" dirty="0" err="1"/>
+              <a:t>controldigit</a:t>
             </a:r>
             <a:endParaRPr lang="en-US" dirty="0"/>
           </a:p>
@@ -17046,7 +17050,11 @@
             </a:r>
             <a:r>
               <a:rPr lang="ru-RU" dirty="0" smtClean="0"/>
-              <a:t> контрольное число</a:t>
+              <a:t> </a:t>
+            </a:r>
+            <a:r>
+              <a:rPr lang="en-US" dirty="0" err="1"/>
+              <a:t>controldigit</a:t>
             </a:r>
             <a:endParaRPr lang="en-US" dirty="0"/>
           </a:p>
@@ -26518,7 +26526,11 @@
             </a:r>
             <a:r>
               <a:rPr lang="ru-RU" dirty="0" smtClean="0"/>
-              <a:t> контрольное число</a:t>
+              <a:t> </a:t>
+            </a:r>
+            <a:r>
+              <a:rPr lang="en-US" dirty="0" err="1"/>
+              <a:t>controldigit</a:t>
             </a:r>
             <a:endParaRPr lang="en-US" dirty="0"/>
           </a:p>
@@ -26705,7 +26717,11 @@
             </a:r>
             <a:r>
               <a:rPr lang="ru-RU" dirty="0" smtClean="0"/>
-              <a:t> контрольное число</a:t>
+              <a:t> </a:t>
+            </a:r>
+            <a:r>
+              <a:rPr lang="en-US" dirty="0" err="1"/>
+              <a:t>controldigit</a:t>
             </a:r>
             <a:endParaRPr lang="en-US" dirty="0"/>
           </a:p>
@@ -27503,7 +27519,11 @@
             </a:r>
             <a:r>
               <a:rPr lang="ru-RU" dirty="0" smtClean="0"/>
-              <a:t> контрольное число</a:t>
+              <a:t> </a:t>
+            </a:r>
+            <a:r>
+              <a:rPr lang="en-US" dirty="0" err="1"/>
+              <a:t>controldigit</a:t>
             </a:r>
             <a:endParaRPr lang="en-US" dirty="0"/>
           </a:p>
@@ -46892,7 +46912,11 @@
             </a:r>
             <a:r>
               <a:rPr lang="ru-RU" dirty="0" smtClean="0"/>
-              <a:t> контрольное число</a:t>
+              <a:t> </a:t>
+            </a:r>
+            <a:r>
+              <a:rPr lang="en-US" dirty="0" err="1"/>
+              <a:t>controldigit</a:t>
             </a:r>
             <a:endParaRPr lang="en-US" dirty="0"/>
           </a:p>
@@ -47592,7 +47616,11 @@
             </a:r>
             <a:r>
               <a:rPr lang="ru-RU" dirty="0" smtClean="0"/>
-              <a:t> контрольное число</a:t>
+              <a:t> </a:t>
+            </a:r>
+            <a:r>
+              <a:rPr lang="en-US" dirty="0" err="1"/>
+              <a:t>controldigit</a:t>
             </a:r>
             <a:endParaRPr lang="en-US" dirty="0"/>
           </a:p>
@@ -48213,7 +48241,11 @@
             </a:r>
             <a:r>
               <a:rPr lang="ru-RU" dirty="0" smtClean="0"/>
-              <a:t> контрольное число</a:t>
+              <a:t> </a:t>
+            </a:r>
+            <a:r>
+              <a:rPr lang="en-US" dirty="0" err="1"/>
+              <a:t>controldigit</a:t>
             </a:r>
             <a:endParaRPr lang="en-US" dirty="0"/>
           </a:p>

--- a/clean-code.pptx
+++ b/clean-code.pptx
@@ -7312,7 +7312,7 @@
           <a:p>
             <a:fld id="{CE3BC3F9-9C5B-4717-9F59-36DC790402FE}" type="datetimeFigureOut">
               <a:rPr lang="ru-RU" smtClean="0"/>
-              <a:t>15.09.2022</a:t>
+              <a:t>24.05.2023</a:t>
             </a:fld>
             <a:endParaRPr lang="ru-RU"/>
           </a:p>
@@ -7477,7 +7477,7 @@
           <a:p>
             <a:fld id="{BBBAA9EB-8042-420D-843C-EBFC35DD9FFD}" type="datetimeFigureOut">
               <a:rPr lang="ru-RU" smtClean="0"/>
-              <a:t>15.09.2022</a:t>
+              <a:t>24.05.2023</a:t>
             </a:fld>
             <a:endParaRPr lang="ru-RU"/>
           </a:p>
@@ -25094,7 +25094,7 @@
               <a:t> </a:t>
             </a:r>
             <a:r>
-              <a:rPr lang="en-US" sz="2000">
+              <a:rPr lang="en-US" sz="2000" smtClean="0">
                 <a:solidFill>
                   <a:schemeClr val="accent3">
                     <a:lumMod val="60000"/>
@@ -25106,10 +25106,16 @@
               <a:t>read_field</a:t>
             </a:r>
             <a:r>
+              <a:rPr lang="en-US" sz="2000" smtClean="0">
+                <a:latin typeface="Consolas" panose="020B0609020204030204" pitchFamily="49" charset="0"/>
+              </a:rPr>
+              <a:t>(field</a:t>
+            </a:r>
+            <a:r>
               <a:rPr lang="en-US" sz="2000">
                 <a:latin typeface="Consolas" panose="020B0609020204030204" pitchFamily="49" charset="0"/>
               </a:rPr>
-              <a:t>(field): ...</a:t>
+              <a:t>): ...</a:t>
             </a:r>
             <a:r>
               <a:rPr lang="ru-RU" sz="2000">
@@ -25284,16 +25290,7 @@
                 </a:solidFill>
                 <a:latin typeface="Consolas" panose="020B0609020204030204" pitchFamily="49" charset="0"/>
               </a:rPr>
-              <a:t>примитивные типы лучше </a:t>
-            </a:r>
-            <a:r>
-              <a:rPr lang="ru-RU" sz="2000">
-                <a:solidFill>
-                  <a:srgbClr val="00B050"/>
-                </a:solidFill>
-                <a:latin typeface="Consolas" panose="020B0609020204030204" pitchFamily="49" charset="0"/>
-              </a:rPr>
-              <a:t>не </a:t>
+              <a:t>примитивные типы лучше не </a:t>
             </a:r>
             <a:r>
               <a:rPr lang="ru-RU" sz="2000" smtClean="0">
@@ -36071,9 +36068,6 @@
               </a:rPr>
               <a:t> 1</a:t>
             </a:r>
-            <a:endParaRPr lang="en-US" sz="2800">
-              <a:latin typeface="Consolas" panose="020B0609020204030204" pitchFamily="49" charset="0"/>
-            </a:endParaRPr>
           </a:p>
         </p:txBody>
       </p:sp>
@@ -38660,19 +38654,25 @@
               <a:t> </a:t>
             </a:r>
             <a:r>
+              <a:rPr lang="en-US" sz="2400" smtClean="0">
+                <a:solidFill>
+                  <a:srgbClr val="5B9BD5"/>
+                </a:solidFill>
+                <a:latin typeface="Consolas" panose="020B0609020204030204" pitchFamily="49" charset="0"/>
+              </a:rPr>
+              <a:t>clear_full_lines</a:t>
+            </a:r>
+            <a:r>
+              <a:rPr lang="en-US" sz="2400" smtClean="0">
+                <a:latin typeface="Consolas" panose="020B0609020204030204" pitchFamily="49" charset="0"/>
+              </a:rPr>
+              <a:t>(self):</a:t>
+            </a:r>
+            <a:r>
               <a:rPr lang="en-US" sz="2400">
-                <a:solidFill>
-                  <a:srgbClr val="5B9BD5"/>
-                </a:solidFill>
-                <a:latin typeface="Consolas" panose="020B0609020204030204" pitchFamily="49" charset="0"/>
-              </a:rPr>
-              <a:t>clear_full_lines</a:t>
-            </a:r>
-            <a:r>
-              <a:rPr lang="en-US" sz="2400">
-                <a:latin typeface="Consolas" panose="020B0609020204030204" pitchFamily="49" charset="0"/>
-              </a:rPr>
-              <a:t>():</a:t>
+                <a:latin typeface="Consolas" panose="020B0609020204030204" pitchFamily="49" charset="0"/>
+              </a:rPr>
+              <a:t/>
             </a:r>
             <a:br>
               <a:rPr lang="en-US" sz="2400">
@@ -45327,542 +45327,32 @@
               <a:t> </a:t>
             </a:r>
             <a:r>
+              <a:rPr lang="en-US" sz="1400" smtClean="0">
+                <a:solidFill>
+                  <a:srgbClr val="5B9BD5"/>
+                </a:solidFill>
+                <a:latin typeface="Consolas" panose="020B0609020204030204" pitchFamily="49" charset="0"/>
+              </a:rPr>
+              <a:t>compare_stacks</a:t>
+            </a:r>
+            <a:r>
+              <a:rPr lang="en-US" sz="1400" smtClean="0">
+                <a:latin typeface="Consolas" panose="020B0609020204030204" pitchFamily="49" charset="0"/>
+              </a:rPr>
+              <a:t>(self, first</a:t>
+            </a:r>
+            <a:r>
               <a:rPr lang="en-US" sz="1400">
-                <a:solidFill>
-                  <a:srgbClr val="5B9BD5"/>
-                </a:solidFill>
-                <a:latin typeface="Consolas" panose="020B0609020204030204" pitchFamily="49" charset="0"/>
-              </a:rPr>
-              <a:t>compare_stacks</a:t>
-            </a:r>
-            <a:r>
-              <a:rPr lang="en-US" sz="1400">
-                <a:latin typeface="Consolas" panose="020B0609020204030204" pitchFamily="49" charset="0"/>
-              </a:rPr>
-              <a:t>(first, second) {</a:t>
-            </a:r>
-          </a:p>
-          <a:p>
-            <a:r>
-              <a:rPr lang="en-US" sz="1400">
-                <a:latin typeface="Consolas" panose="020B0609020204030204" pitchFamily="49" charset="0"/>
-              </a:rPr>
-              <a:t>    merged </a:t>
-            </a:r>
-            <a:r>
-              <a:rPr lang="en-US" sz="1400">
-                <a:solidFill>
-                  <a:srgbClr val="0000FF"/>
-                </a:solidFill>
-                <a:latin typeface="Consolas" panose="020B0609020204030204" pitchFamily="49" charset="0"/>
-              </a:rPr>
-              <a:t>=</a:t>
-            </a:r>
-            <a:r>
-              <a:rPr lang="en-US" sz="1400">
-                <a:latin typeface="Consolas" panose="020B0609020204030204" pitchFamily="49" charset="0"/>
-              </a:rPr>
-              <a:t> </a:t>
-            </a:r>
-            <a:r>
-              <a:rPr lang="en-US" sz="1400">
-                <a:solidFill>
-                  <a:srgbClr val="7030A0"/>
-                </a:solidFill>
-                <a:latin typeface="Consolas" panose="020B0609020204030204" pitchFamily="49" charset="0"/>
-              </a:rPr>
-              <a:t>None</a:t>
-            </a:r>
-          </a:p>
-          <a:p>
-            <a:r>
-              <a:rPr lang="en-US" sz="1400">
-                <a:latin typeface="Consolas" panose="020B0609020204030204" pitchFamily="49" charset="0"/>
-              </a:rPr>
-              <a:t>    </a:t>
-            </a:r>
-            <a:r>
-              <a:rPr lang="en-US" sz="1400">
-                <a:solidFill>
-                  <a:srgbClr val="0000FF"/>
-                </a:solidFill>
-                <a:latin typeface="Consolas" panose="020B0609020204030204" pitchFamily="49" charset="0"/>
-              </a:rPr>
-              <a:t>for</a:t>
-            </a:r>
-            <a:r>
-              <a:rPr lang="en-US" sz="1400">
-                <a:latin typeface="Consolas" panose="020B0609020204030204" pitchFamily="49" charset="0"/>
-              </a:rPr>
-              <a:t> i </a:t>
-            </a:r>
-            <a:r>
-              <a:rPr lang="en-US" sz="1400">
-                <a:solidFill>
-                  <a:srgbClr val="0000FF"/>
-                </a:solidFill>
-                <a:latin typeface="Consolas" panose="020B0609020204030204" pitchFamily="49" charset="0"/>
-              </a:rPr>
-              <a:t>in</a:t>
-            </a:r>
-            <a:r>
-              <a:rPr lang="en-US" sz="1400">
-                <a:latin typeface="Consolas" panose="020B0609020204030204" pitchFamily="49" charset="0"/>
-              </a:rPr>
-              <a:t> </a:t>
-            </a:r>
-            <a:r>
-              <a:rPr lang="en-US" sz="1400">
-                <a:solidFill>
-                  <a:srgbClr val="7030A0"/>
-                </a:solidFill>
-                <a:latin typeface="Consolas" panose="020B0609020204030204" pitchFamily="49" charset="0"/>
-              </a:rPr>
-              <a:t>range</a:t>
-            </a:r>
-            <a:r>
-              <a:rPr lang="en-US" sz="1400">
-                <a:latin typeface="Consolas" panose="020B0609020204030204" pitchFamily="49" charset="0"/>
-              </a:rPr>
-              <a:t>(</a:t>
-            </a:r>
-            <a:r>
-              <a:rPr lang="en-US" sz="1400">
-                <a:solidFill>
-                  <a:srgbClr val="7030A0"/>
-                </a:solidFill>
-                <a:latin typeface="Consolas" panose="020B0609020204030204" pitchFamily="49" charset="0"/>
-              </a:rPr>
-              <a:t>len</a:t>
-            </a:r>
-            <a:r>
-              <a:rPr lang="en-US" sz="1400">
-                <a:latin typeface="Consolas" panose="020B0609020204030204" pitchFamily="49" charset="0"/>
-              </a:rPr>
-              <a:t>(first)):</a:t>
-            </a:r>
-          </a:p>
-          <a:p>
-            <a:r>
-              <a:rPr lang="en-US" sz="1400">
-                <a:latin typeface="Consolas" panose="020B0609020204030204" pitchFamily="49" charset="0"/>
-              </a:rPr>
-              <a:t>        first_CLI_type </a:t>
-            </a:r>
-            <a:r>
-              <a:rPr lang="en-US" sz="1400">
-                <a:solidFill>
-                  <a:srgbClr val="0000FF"/>
-                </a:solidFill>
-                <a:latin typeface="Consolas" panose="020B0609020204030204" pitchFamily="49" charset="0"/>
-              </a:rPr>
-              <a:t>=</a:t>
-            </a:r>
-            <a:r>
-              <a:rPr lang="en-US" sz="1400">
-                <a:latin typeface="Consolas" panose="020B0609020204030204" pitchFamily="49" charset="0"/>
-              </a:rPr>
-              <a:t> self.to_CLI_type(first[i])</a:t>
-            </a:r>
-          </a:p>
-          <a:p>
-            <a:r>
-              <a:rPr lang="en-US" sz="1400">
-                <a:latin typeface="Consolas" panose="020B0609020204030204" pitchFamily="49" charset="0"/>
-              </a:rPr>
-              <a:t>        second_CLI_type </a:t>
-            </a:r>
-            <a:r>
-              <a:rPr lang="en-US" sz="1400">
-                <a:solidFill>
-                  <a:srgbClr val="0000FF"/>
-                </a:solidFill>
-                <a:latin typeface="Consolas" panose="020B0609020204030204" pitchFamily="49" charset="0"/>
-              </a:rPr>
-              <a:t>=</a:t>
-            </a:r>
-            <a:r>
-              <a:rPr lang="en-US" sz="1400">
-                <a:latin typeface="Consolas" panose="020B0609020204030204" pitchFamily="49" charset="0"/>
-              </a:rPr>
-              <a:t> self.to_CLI_type(second[i])</a:t>
-            </a:r>
-          </a:p>
-          <a:p>
-            <a:r>
-              <a:rPr lang="en-US" sz="1400">
-                <a:latin typeface="Consolas" panose="020B0609020204030204" pitchFamily="49" charset="0"/>
-              </a:rPr>
-              <a:t>        </a:t>
-            </a:r>
-            <a:r>
-              <a:rPr lang="en-US" sz="1400">
-                <a:solidFill>
-                  <a:srgbClr val="0000FF"/>
-                </a:solidFill>
-                <a:latin typeface="Consolas" panose="020B0609020204030204" pitchFamily="49" charset="0"/>
-              </a:rPr>
-              <a:t>if</a:t>
-            </a:r>
-            <a:r>
-              <a:rPr lang="en-US" sz="1400">
-                <a:latin typeface="Consolas" panose="020B0609020204030204" pitchFamily="49" charset="0"/>
-              </a:rPr>
-              <a:t> first_CLI_type </a:t>
-            </a:r>
-            <a:r>
-              <a:rPr lang="en-US" sz="1400">
-                <a:solidFill>
-                  <a:srgbClr val="0000FF"/>
-                </a:solidFill>
-                <a:latin typeface="Consolas" panose="020B0609020204030204" pitchFamily="49" charset="0"/>
-              </a:rPr>
-              <a:t>!=</a:t>
-            </a:r>
-            <a:r>
-              <a:rPr lang="en-US" sz="1400">
-                <a:latin typeface="Consolas" panose="020B0609020204030204" pitchFamily="49" charset="0"/>
-              </a:rPr>
-              <a:t> second_CLI_type:</a:t>
-            </a:r>
-          </a:p>
-          <a:p>
-            <a:r>
-              <a:rPr lang="en-US" sz="1400">
-                <a:latin typeface="Consolas" panose="020B0609020204030204" pitchFamily="49" charset="0"/>
-              </a:rPr>
-              <a:t>            </a:t>
-            </a:r>
-            <a:r>
-              <a:rPr lang="en-US" sz="1400">
-                <a:solidFill>
-                  <a:srgbClr val="0000FF"/>
-                </a:solidFill>
-                <a:latin typeface="Consolas" panose="020B0609020204030204" pitchFamily="49" charset="0"/>
-              </a:rPr>
-              <a:t>return</a:t>
-            </a:r>
-            <a:r>
-              <a:rPr lang="en-US" sz="1400">
-                <a:latin typeface="Consolas" panose="020B0609020204030204" pitchFamily="49" charset="0"/>
-              </a:rPr>
-              <a:t> {</a:t>
-            </a:r>
-            <a:r>
-              <a:rPr lang="en-US" sz="1400">
-                <a:solidFill>
-                  <a:srgbClr val="C00000"/>
-                </a:solidFill>
-                <a:latin typeface="Consolas" panose="020B0609020204030204" pitchFamily="49" charset="0"/>
-              </a:rPr>
-              <a:t>"result"</a:t>
-            </a:r>
-            <a:r>
-              <a:rPr lang="en-US" sz="1400">
-                <a:latin typeface="Consolas" panose="020B0609020204030204" pitchFamily="49" charset="0"/>
-              </a:rPr>
-              <a:t>: ComparisonResult.Inconsistent}</a:t>
-            </a:r>
-          </a:p>
-          <a:p>
-            <a:r>
-              <a:rPr lang="en-US" sz="1400">
-                <a:latin typeface="Consolas" panose="020B0609020204030204" pitchFamily="49" charset="0"/>
-              </a:rPr>
-              <a:t>        </a:t>
-            </a:r>
-            <a:r>
-              <a:rPr lang="en-US" sz="1400">
-                <a:solidFill>
-                  <a:srgbClr val="0000FF"/>
-                </a:solidFill>
-                <a:latin typeface="Consolas" panose="020B0609020204030204" pitchFamily="49" charset="0"/>
-              </a:rPr>
-              <a:t>if not </a:t>
-            </a:r>
-            <a:r>
-              <a:rPr lang="en-US" sz="1400">
-                <a:latin typeface="Consolas" panose="020B0609020204030204" pitchFamily="49" charset="0"/>
-              </a:rPr>
-              <a:t>self.equal_ES_types(first[i], second[i]):</a:t>
-            </a:r>
-          </a:p>
-          <a:p>
-            <a:r>
-              <a:rPr lang="en-US" sz="1400">
-                <a:latin typeface="Consolas" panose="020B0609020204030204" pitchFamily="49" charset="0"/>
-              </a:rPr>
-              <a:t>            common = self.find_common_type(first_CLI_type, first[i], second[i])</a:t>
-            </a:r>
-          </a:p>
-          <a:p>
-            <a:r>
-              <a:rPr lang="en-US" sz="1400">
-                <a:latin typeface="Consolas" panose="020B0609020204030204" pitchFamily="49" charset="0"/>
-              </a:rPr>
-              <a:t>            </a:t>
-            </a:r>
-            <a:r>
-              <a:rPr lang="en-US" sz="1400">
-                <a:solidFill>
-                  <a:srgbClr val="0000FF"/>
-                </a:solidFill>
-                <a:latin typeface="Consolas" panose="020B0609020204030204" pitchFamily="49" charset="0"/>
-              </a:rPr>
-              <a:t>if not </a:t>
-            </a:r>
-            <a:r>
-              <a:rPr lang="en-US" sz="1400">
-                <a:latin typeface="Consolas" panose="020B0609020204030204" pitchFamily="49" charset="0"/>
-              </a:rPr>
-              <a:t>common:</a:t>
-            </a:r>
-          </a:p>
-          <a:p>
-            <a:r>
-              <a:rPr lang="en-US" sz="1400">
-                <a:latin typeface="Consolas" panose="020B0609020204030204" pitchFamily="49" charset="0"/>
-              </a:rPr>
-              <a:t>                </a:t>
-            </a:r>
-            <a:r>
-              <a:rPr lang="en-US" sz="1400">
-                <a:solidFill>
-                  <a:srgbClr val="0000FF"/>
-                </a:solidFill>
-                <a:latin typeface="Consolas" panose="020B0609020204030204" pitchFamily="49" charset="0"/>
-              </a:rPr>
-              <a:t>return</a:t>
-            </a:r>
-            <a:r>
-              <a:rPr lang="en-US" sz="1400">
-                <a:latin typeface="Consolas" panose="020B0609020204030204" pitchFamily="49" charset="0"/>
-              </a:rPr>
-              <a:t> {</a:t>
-            </a:r>
-            <a:r>
-              <a:rPr lang="en-US" sz="1400">
-                <a:solidFill>
-                  <a:srgbClr val="C00000"/>
-                </a:solidFill>
-                <a:latin typeface="Consolas" panose="020B0609020204030204" pitchFamily="49" charset="0"/>
-              </a:rPr>
-              <a:t>"result"</a:t>
-            </a:r>
-            <a:r>
-              <a:rPr lang="en-US" sz="1400">
-                <a:latin typeface="Consolas" panose="020B0609020204030204" pitchFamily="49" charset="0"/>
-              </a:rPr>
-              <a:t>: ComparisonResult.Inconsistent}</a:t>
-            </a:r>
-          </a:p>
-          <a:p>
-            <a:r>
-              <a:rPr lang="en-US" sz="1400">
-                <a:latin typeface="Consolas" panose="020B0609020204030204" pitchFamily="49" charset="0"/>
-              </a:rPr>
-              <a:t>            </a:t>
-            </a:r>
-            <a:r>
-              <a:rPr lang="en-US" sz="1400">
-                <a:solidFill>
-                  <a:srgbClr val="0000FF"/>
-                </a:solidFill>
-                <a:latin typeface="Consolas" panose="020B0609020204030204" pitchFamily="49" charset="0"/>
-              </a:rPr>
-              <a:t>if not </a:t>
-            </a:r>
-            <a:r>
-              <a:rPr lang="en-US" sz="1400">
-                <a:latin typeface="Consolas" panose="020B0609020204030204" pitchFamily="49" charset="0"/>
-              </a:rPr>
-              <a:t>merged:</a:t>
-            </a:r>
-          </a:p>
-          <a:p>
-            <a:r>
-              <a:rPr lang="en-US" sz="1400">
-                <a:latin typeface="Consolas" panose="020B0609020204030204" pitchFamily="49" charset="0"/>
-              </a:rPr>
-              <a:t>                merged </a:t>
-            </a:r>
-            <a:r>
-              <a:rPr lang="en-US" sz="1400">
-                <a:solidFill>
-                  <a:srgbClr val="0000FF"/>
-                </a:solidFill>
-                <a:latin typeface="Consolas" panose="020B0609020204030204" pitchFamily="49" charset="0"/>
-              </a:rPr>
-              <a:t>=</a:t>
-            </a:r>
-            <a:r>
-              <a:rPr lang="en-US" sz="1400">
-                <a:latin typeface="Consolas" panose="020B0609020204030204" pitchFamily="49" charset="0"/>
-              </a:rPr>
-              <a:t> ESType(</a:t>
-            </a:r>
-            <a:r>
-              <a:rPr lang="en-US" sz="1400">
-                <a:solidFill>
-                  <a:srgbClr val="7030A0"/>
-                </a:solidFill>
-                <a:latin typeface="Consolas" panose="020B0609020204030204" pitchFamily="49" charset="0"/>
-              </a:rPr>
-              <a:t>len</a:t>
-            </a:r>
-            <a:r>
-              <a:rPr lang="en-US" sz="1400">
-                <a:latin typeface="Consolas" panose="020B0609020204030204" pitchFamily="49" charset="0"/>
-              </a:rPr>
-              <a:t>(first))</a:t>
-            </a:r>
-          </a:p>
-          <a:p>
-            <a:r>
-              <a:rPr lang="en-US" sz="1400">
-                <a:latin typeface="Consolas" panose="020B0609020204030204" pitchFamily="49" charset="0"/>
-              </a:rPr>
-              <a:t>                </a:t>
-            </a:r>
-            <a:r>
-              <a:rPr lang="en-US" sz="1400">
-                <a:solidFill>
-                  <a:srgbClr val="0000FF"/>
-                </a:solidFill>
-                <a:latin typeface="Consolas" panose="020B0609020204030204" pitchFamily="49" charset="0"/>
-              </a:rPr>
-              <a:t>for</a:t>
-            </a:r>
-            <a:r>
-              <a:rPr lang="en-US" sz="1400">
-                <a:latin typeface="Consolas" panose="020B0609020204030204" pitchFamily="49" charset="0"/>
-              </a:rPr>
-              <a:t> j </a:t>
-            </a:r>
-            <a:r>
-              <a:rPr lang="en-US" sz="1400">
-                <a:solidFill>
-                  <a:srgbClr val="0000FF"/>
-                </a:solidFill>
-                <a:latin typeface="Consolas" panose="020B0609020204030204" pitchFamily="49" charset="0"/>
-              </a:rPr>
-              <a:t>in</a:t>
-            </a:r>
-            <a:r>
-              <a:rPr lang="en-US" sz="1400">
-                <a:latin typeface="Consolas" panose="020B0609020204030204" pitchFamily="49" charset="0"/>
-              </a:rPr>
-              <a:t> </a:t>
-            </a:r>
-            <a:r>
-              <a:rPr lang="en-US" sz="1400">
-                <a:solidFill>
-                  <a:srgbClr val="7030A0"/>
-                </a:solidFill>
-                <a:latin typeface="Consolas" panose="020B0609020204030204" pitchFamily="49" charset="0"/>
-              </a:rPr>
-              <a:t>range</a:t>
-            </a:r>
-            <a:r>
-              <a:rPr lang="en-US" sz="1400">
-                <a:latin typeface="Consolas" panose="020B0609020204030204" pitchFamily="49" charset="0"/>
-              </a:rPr>
-              <a:t>(i):</a:t>
-            </a:r>
-          </a:p>
-          <a:p>
-            <a:r>
-              <a:rPr lang="en-US" sz="1400">
-                <a:latin typeface="Consolas" panose="020B0609020204030204" pitchFamily="49" charset="0"/>
-              </a:rPr>
-              <a:t>                    merged[j] </a:t>
-            </a:r>
-            <a:r>
-              <a:rPr lang="en-US" sz="1400">
-                <a:solidFill>
-                  <a:srgbClr val="0000FF"/>
-                </a:solidFill>
-                <a:latin typeface="Consolas" panose="020B0609020204030204" pitchFamily="49" charset="0"/>
-              </a:rPr>
-              <a:t>=</a:t>
-            </a:r>
-            <a:r>
-              <a:rPr lang="en-US" sz="1400">
-                <a:latin typeface="Consolas" panose="020B0609020204030204" pitchFamily="49" charset="0"/>
-              </a:rPr>
-              <a:t> first[j]</a:t>
-            </a:r>
-          </a:p>
-          <a:p>
-            <a:r>
-              <a:rPr lang="en-US" sz="1400">
-                <a:latin typeface="Consolas" panose="020B0609020204030204" pitchFamily="49" charset="0"/>
-              </a:rPr>
-              <a:t>            merged[i] </a:t>
-            </a:r>
-            <a:r>
-              <a:rPr lang="en-US" sz="1400">
-                <a:solidFill>
-                  <a:srgbClr val="0000FF"/>
-                </a:solidFill>
-                <a:latin typeface="Consolas" panose="020B0609020204030204" pitchFamily="49" charset="0"/>
-              </a:rPr>
-              <a:t>=</a:t>
-            </a:r>
-            <a:r>
-              <a:rPr lang="en-US" sz="1400">
-                <a:latin typeface="Consolas" panose="020B0609020204030204" pitchFamily="49" charset="0"/>
-              </a:rPr>
-              <a:t> common</a:t>
-            </a:r>
-          </a:p>
-          <a:p>
-            <a:r>
-              <a:rPr lang="en-US" sz="1400">
-                <a:latin typeface="Consolas" panose="020B0609020204030204" pitchFamily="49" charset="0"/>
-              </a:rPr>
-              <a:t>        </a:t>
-            </a:r>
-            <a:r>
-              <a:rPr lang="en-US" sz="1400">
-                <a:solidFill>
-                  <a:srgbClr val="0000FF"/>
-                </a:solidFill>
-                <a:latin typeface="Consolas" panose="020B0609020204030204" pitchFamily="49" charset="0"/>
-              </a:rPr>
-              <a:t>else if </a:t>
-            </a:r>
-            <a:r>
-              <a:rPr lang="en-US" sz="1400">
-                <a:latin typeface="Consolas" panose="020B0609020204030204" pitchFamily="49" charset="0"/>
-              </a:rPr>
-              <a:t>merged:</a:t>
-            </a:r>
-          </a:p>
-          <a:p>
-            <a:r>
-              <a:rPr lang="en-US" sz="1400">
-                <a:latin typeface="Consolas" panose="020B0609020204030204" pitchFamily="49" charset="0"/>
-              </a:rPr>
-              <a:t>            merged[i] </a:t>
-            </a:r>
-            <a:r>
-              <a:rPr lang="en-US" sz="1400">
-                <a:solidFill>
-                  <a:srgbClr val="0000FF"/>
-                </a:solidFill>
-                <a:latin typeface="Consolas" panose="020B0609020204030204" pitchFamily="49" charset="0"/>
-              </a:rPr>
-              <a:t>=</a:t>
-            </a:r>
-            <a:r>
-              <a:rPr lang="en-US" sz="1400">
-                <a:latin typeface="Consolas" panose="020B0609020204030204" pitchFamily="49" charset="0"/>
-              </a:rPr>
-              <a:t> first[i]</a:t>
-            </a:r>
-          </a:p>
-          <a:p>
+                <a:latin typeface="Consolas" panose="020B0609020204030204" pitchFamily="49" charset="0"/>
+              </a:rPr>
+              <a:t>, second</a:t>
+            </a:r>
+            <a:r>
+              <a:rPr lang="en-US" sz="1400" smtClean="0">
+                <a:latin typeface="Consolas" panose="020B0609020204030204" pitchFamily="49" charset="0"/>
+              </a:rPr>
+              <a:t>)</a:t>
+            </a:r>
             <a:endParaRPr lang="en-US" sz="1400">
               <a:latin typeface="Consolas" panose="020B0609020204030204" pitchFamily="49" charset="0"/>
             </a:endParaRPr>
@@ -45872,6 +45362,38 @@
               <a:rPr lang="en-US" sz="1400">
                 <a:latin typeface="Consolas" panose="020B0609020204030204" pitchFamily="49" charset="0"/>
               </a:rPr>
+              <a:t>    merged </a:t>
+            </a:r>
+            <a:r>
+              <a:rPr lang="en-US" sz="1400">
+                <a:solidFill>
+                  <a:srgbClr val="0000FF"/>
+                </a:solidFill>
+                <a:latin typeface="Consolas" panose="020B0609020204030204" pitchFamily="49" charset="0"/>
+              </a:rPr>
+              <a:t>=</a:t>
+            </a:r>
+            <a:r>
+              <a:rPr lang="en-US" sz="1400">
+                <a:latin typeface="Consolas" panose="020B0609020204030204" pitchFamily="49" charset="0"/>
+              </a:rPr>
+              <a:t> </a:t>
+            </a:r>
+            <a:r>
+              <a:rPr lang="en-US" sz="1400">
+                <a:solidFill>
+                  <a:srgbClr val="7030A0"/>
+                </a:solidFill>
+                <a:latin typeface="Consolas" panose="020B0609020204030204" pitchFamily="49" charset="0"/>
+              </a:rPr>
+              <a:t>None</a:t>
+            </a:r>
+          </a:p>
+          <a:p>
+            <a:r>
+              <a:rPr lang="en-US" sz="1400">
+                <a:latin typeface="Consolas" panose="020B0609020204030204" pitchFamily="49" charset="0"/>
+              </a:rPr>
               <a:t>    </a:t>
             </a:r>
             <a:r>
@@ -45881,12 +45403,294 @@
                 </a:solidFill>
                 <a:latin typeface="Consolas" panose="020B0609020204030204" pitchFamily="49" charset="0"/>
               </a:rPr>
+              <a:t>for</a:t>
+            </a:r>
+            <a:r>
+              <a:rPr lang="en-US" sz="1400">
+                <a:latin typeface="Consolas" panose="020B0609020204030204" pitchFamily="49" charset="0"/>
+              </a:rPr>
+              <a:t> i </a:t>
+            </a:r>
+            <a:r>
+              <a:rPr lang="en-US" sz="1400">
+                <a:solidFill>
+                  <a:srgbClr val="0000FF"/>
+                </a:solidFill>
+                <a:latin typeface="Consolas" panose="020B0609020204030204" pitchFamily="49" charset="0"/>
+              </a:rPr>
+              <a:t>in</a:t>
+            </a:r>
+            <a:r>
+              <a:rPr lang="en-US" sz="1400">
+                <a:latin typeface="Consolas" panose="020B0609020204030204" pitchFamily="49" charset="0"/>
+              </a:rPr>
+              <a:t> </a:t>
+            </a:r>
+            <a:r>
+              <a:rPr lang="en-US" sz="1400">
+                <a:solidFill>
+                  <a:srgbClr val="7030A0"/>
+                </a:solidFill>
+                <a:latin typeface="Consolas" panose="020B0609020204030204" pitchFamily="49" charset="0"/>
+              </a:rPr>
+              <a:t>range</a:t>
+            </a:r>
+            <a:r>
+              <a:rPr lang="en-US" sz="1400">
+                <a:latin typeface="Consolas" panose="020B0609020204030204" pitchFamily="49" charset="0"/>
+              </a:rPr>
+              <a:t>(</a:t>
+            </a:r>
+            <a:r>
+              <a:rPr lang="en-US" sz="1400">
+                <a:solidFill>
+                  <a:srgbClr val="7030A0"/>
+                </a:solidFill>
+                <a:latin typeface="Consolas" panose="020B0609020204030204" pitchFamily="49" charset="0"/>
+              </a:rPr>
+              <a:t>len</a:t>
+            </a:r>
+            <a:r>
+              <a:rPr lang="en-US" sz="1400">
+                <a:latin typeface="Consolas" panose="020B0609020204030204" pitchFamily="49" charset="0"/>
+              </a:rPr>
+              <a:t>(first)):</a:t>
+            </a:r>
+          </a:p>
+          <a:p>
+            <a:r>
+              <a:rPr lang="en-US" sz="1400">
+                <a:latin typeface="Consolas" panose="020B0609020204030204" pitchFamily="49" charset="0"/>
+              </a:rPr>
+              <a:t>        first_CLI_type </a:t>
+            </a:r>
+            <a:r>
+              <a:rPr lang="en-US" sz="1400">
+                <a:solidFill>
+                  <a:srgbClr val="0000FF"/>
+                </a:solidFill>
+                <a:latin typeface="Consolas" panose="020B0609020204030204" pitchFamily="49" charset="0"/>
+              </a:rPr>
+              <a:t>=</a:t>
+            </a:r>
+            <a:r>
+              <a:rPr lang="en-US" sz="1400">
+                <a:latin typeface="Consolas" panose="020B0609020204030204" pitchFamily="49" charset="0"/>
+              </a:rPr>
+              <a:t> self.to_CLI_type(first[i])</a:t>
+            </a:r>
+          </a:p>
+          <a:p>
+            <a:r>
+              <a:rPr lang="en-US" sz="1400">
+                <a:latin typeface="Consolas" panose="020B0609020204030204" pitchFamily="49" charset="0"/>
+              </a:rPr>
+              <a:t>        second_CLI_type </a:t>
+            </a:r>
+            <a:r>
+              <a:rPr lang="en-US" sz="1400">
+                <a:solidFill>
+                  <a:srgbClr val="0000FF"/>
+                </a:solidFill>
+                <a:latin typeface="Consolas" panose="020B0609020204030204" pitchFamily="49" charset="0"/>
+              </a:rPr>
+              <a:t>=</a:t>
+            </a:r>
+            <a:r>
+              <a:rPr lang="en-US" sz="1400">
+                <a:latin typeface="Consolas" panose="020B0609020204030204" pitchFamily="49" charset="0"/>
+              </a:rPr>
+              <a:t> self.to_CLI_type(second[i])</a:t>
+            </a:r>
+          </a:p>
+          <a:p>
+            <a:r>
+              <a:rPr lang="en-US" sz="1400">
+                <a:latin typeface="Consolas" panose="020B0609020204030204" pitchFamily="49" charset="0"/>
+              </a:rPr>
+              <a:t>        </a:t>
+            </a:r>
+            <a:r>
+              <a:rPr lang="en-US" sz="1400">
+                <a:solidFill>
+                  <a:srgbClr val="0000FF"/>
+                </a:solidFill>
+                <a:latin typeface="Consolas" panose="020B0609020204030204" pitchFamily="49" charset="0"/>
+              </a:rPr>
+              <a:t>if</a:t>
+            </a:r>
+            <a:r>
+              <a:rPr lang="en-US" sz="1400">
+                <a:latin typeface="Consolas" panose="020B0609020204030204" pitchFamily="49" charset="0"/>
+              </a:rPr>
+              <a:t> first_CLI_type </a:t>
+            </a:r>
+            <a:r>
+              <a:rPr lang="en-US" sz="1400">
+                <a:solidFill>
+                  <a:srgbClr val="0000FF"/>
+                </a:solidFill>
+                <a:latin typeface="Consolas" panose="020B0609020204030204" pitchFamily="49" charset="0"/>
+              </a:rPr>
+              <a:t>!=</a:t>
+            </a:r>
+            <a:r>
+              <a:rPr lang="en-US" sz="1400">
+                <a:latin typeface="Consolas" panose="020B0609020204030204" pitchFamily="49" charset="0"/>
+              </a:rPr>
+              <a:t> second_CLI_type:</a:t>
+            </a:r>
+          </a:p>
+          <a:p>
+            <a:r>
+              <a:rPr lang="en-US" sz="1400">
+                <a:latin typeface="Consolas" panose="020B0609020204030204" pitchFamily="49" charset="0"/>
+              </a:rPr>
+              <a:t>            </a:t>
+            </a:r>
+            <a:r>
+              <a:rPr lang="en-US" sz="1400">
+                <a:solidFill>
+                  <a:srgbClr val="0000FF"/>
+                </a:solidFill>
+                <a:latin typeface="Consolas" panose="020B0609020204030204" pitchFamily="49" charset="0"/>
+              </a:rPr>
+              <a:t>return</a:t>
+            </a:r>
+            <a:r>
+              <a:rPr lang="en-US" sz="1400">
+                <a:latin typeface="Consolas" panose="020B0609020204030204" pitchFamily="49" charset="0"/>
+              </a:rPr>
+              <a:t> {</a:t>
+            </a:r>
+            <a:r>
+              <a:rPr lang="en-US" sz="1400">
+                <a:solidFill>
+                  <a:srgbClr val="C00000"/>
+                </a:solidFill>
+                <a:latin typeface="Consolas" panose="020B0609020204030204" pitchFamily="49" charset="0"/>
+              </a:rPr>
+              <a:t>"result"</a:t>
+            </a:r>
+            <a:r>
+              <a:rPr lang="en-US" sz="1400">
+                <a:latin typeface="Consolas" panose="020B0609020204030204" pitchFamily="49" charset="0"/>
+              </a:rPr>
+              <a:t>: ComparisonResult.Inconsistent}</a:t>
+            </a:r>
+          </a:p>
+          <a:p>
+            <a:r>
+              <a:rPr lang="en-US" sz="1400">
+                <a:latin typeface="Consolas" panose="020B0609020204030204" pitchFamily="49" charset="0"/>
+              </a:rPr>
+              <a:t>        </a:t>
+            </a:r>
+            <a:r>
+              <a:rPr lang="en-US" sz="1400">
+                <a:solidFill>
+                  <a:srgbClr val="0000FF"/>
+                </a:solidFill>
+                <a:latin typeface="Consolas" panose="020B0609020204030204" pitchFamily="49" charset="0"/>
+              </a:rPr>
               <a:t>if not </a:t>
             </a:r>
             <a:r>
               <a:rPr lang="en-US" sz="1400">
                 <a:latin typeface="Consolas" panose="020B0609020204030204" pitchFamily="49" charset="0"/>
               </a:rPr>
+              <a:t>self.equal_ES_types(first[i], second[i]):</a:t>
+            </a:r>
+          </a:p>
+          <a:p>
+            <a:r>
+              <a:rPr lang="en-US" sz="1400">
+                <a:latin typeface="Consolas" panose="020B0609020204030204" pitchFamily="49" charset="0"/>
+              </a:rPr>
+              <a:t>            common = self.find_common_type(first_CLI_type, first[i], second[i])</a:t>
+            </a:r>
+          </a:p>
+          <a:p>
+            <a:r>
+              <a:rPr lang="en-US" sz="1400">
+                <a:latin typeface="Consolas" panose="020B0609020204030204" pitchFamily="49" charset="0"/>
+              </a:rPr>
+              <a:t>            </a:t>
+            </a:r>
+            <a:r>
+              <a:rPr lang="en-US" sz="1400">
+                <a:solidFill>
+                  <a:srgbClr val="0000FF"/>
+                </a:solidFill>
+                <a:latin typeface="Consolas" panose="020B0609020204030204" pitchFamily="49" charset="0"/>
+              </a:rPr>
+              <a:t>if not </a:t>
+            </a:r>
+            <a:r>
+              <a:rPr lang="en-US" sz="1400">
+                <a:latin typeface="Consolas" panose="020B0609020204030204" pitchFamily="49" charset="0"/>
+              </a:rPr>
+              <a:t>common:</a:t>
+            </a:r>
+          </a:p>
+          <a:p>
+            <a:r>
+              <a:rPr lang="en-US" sz="1400">
+                <a:latin typeface="Consolas" panose="020B0609020204030204" pitchFamily="49" charset="0"/>
+              </a:rPr>
+              <a:t>                </a:t>
+            </a:r>
+            <a:r>
+              <a:rPr lang="en-US" sz="1400">
+                <a:solidFill>
+                  <a:srgbClr val="0000FF"/>
+                </a:solidFill>
+                <a:latin typeface="Consolas" panose="020B0609020204030204" pitchFamily="49" charset="0"/>
+              </a:rPr>
+              <a:t>return</a:t>
+            </a:r>
+            <a:r>
+              <a:rPr lang="en-US" sz="1400">
+                <a:latin typeface="Consolas" panose="020B0609020204030204" pitchFamily="49" charset="0"/>
+              </a:rPr>
+              <a:t> {</a:t>
+            </a:r>
+            <a:r>
+              <a:rPr lang="en-US" sz="1400">
+                <a:solidFill>
+                  <a:srgbClr val="C00000"/>
+                </a:solidFill>
+                <a:latin typeface="Consolas" panose="020B0609020204030204" pitchFamily="49" charset="0"/>
+              </a:rPr>
+              <a:t>"result"</a:t>
+            </a:r>
+            <a:r>
+              <a:rPr lang="en-US" sz="1400">
+                <a:latin typeface="Consolas" panose="020B0609020204030204" pitchFamily="49" charset="0"/>
+              </a:rPr>
+              <a:t>: ComparisonResult.Inconsistent}</a:t>
+            </a:r>
+          </a:p>
+          <a:p>
+            <a:r>
+              <a:rPr lang="en-US" sz="1400">
+                <a:latin typeface="Consolas" panose="020B0609020204030204" pitchFamily="49" charset="0"/>
+              </a:rPr>
+              <a:t>            </a:t>
+            </a:r>
+            <a:r>
+              <a:rPr lang="en-US" sz="1400">
+                <a:solidFill>
+                  <a:srgbClr val="0000FF"/>
+                </a:solidFill>
+                <a:latin typeface="Consolas" panose="020B0609020204030204" pitchFamily="49" charset="0"/>
+              </a:rPr>
+              <a:t>if not </a:t>
+            </a:r>
+            <a:r>
+              <a:rPr lang="en-US" sz="1400">
+                <a:latin typeface="Consolas" panose="020B0609020204030204" pitchFamily="49" charset="0"/>
+              </a:rPr>
               <a:t>merged:</a:t>
             </a:r>
           </a:p>
@@ -45895,6 +45699,143 @@
               <a:rPr lang="en-US" sz="1400">
                 <a:latin typeface="Consolas" panose="020B0609020204030204" pitchFamily="49" charset="0"/>
               </a:rPr>
+              <a:t>                merged </a:t>
+            </a:r>
+            <a:r>
+              <a:rPr lang="en-US" sz="1400">
+                <a:solidFill>
+                  <a:srgbClr val="0000FF"/>
+                </a:solidFill>
+                <a:latin typeface="Consolas" panose="020B0609020204030204" pitchFamily="49" charset="0"/>
+              </a:rPr>
+              <a:t>=</a:t>
+            </a:r>
+            <a:r>
+              <a:rPr lang="en-US" sz="1400">
+                <a:latin typeface="Consolas" panose="020B0609020204030204" pitchFamily="49" charset="0"/>
+              </a:rPr>
+              <a:t> ESType(</a:t>
+            </a:r>
+            <a:r>
+              <a:rPr lang="en-US" sz="1400">
+                <a:solidFill>
+                  <a:srgbClr val="7030A0"/>
+                </a:solidFill>
+                <a:latin typeface="Consolas" panose="020B0609020204030204" pitchFamily="49" charset="0"/>
+              </a:rPr>
+              <a:t>len</a:t>
+            </a:r>
+            <a:r>
+              <a:rPr lang="en-US" sz="1400">
+                <a:latin typeface="Consolas" panose="020B0609020204030204" pitchFamily="49" charset="0"/>
+              </a:rPr>
+              <a:t>(first))</a:t>
+            </a:r>
+          </a:p>
+          <a:p>
+            <a:r>
+              <a:rPr lang="en-US" sz="1400">
+                <a:latin typeface="Consolas" panose="020B0609020204030204" pitchFamily="49" charset="0"/>
+              </a:rPr>
+              <a:t>                </a:t>
+            </a:r>
+            <a:r>
+              <a:rPr lang="en-US" sz="1400">
+                <a:solidFill>
+                  <a:srgbClr val="0000FF"/>
+                </a:solidFill>
+                <a:latin typeface="Consolas" panose="020B0609020204030204" pitchFamily="49" charset="0"/>
+              </a:rPr>
+              <a:t>for</a:t>
+            </a:r>
+            <a:r>
+              <a:rPr lang="en-US" sz="1400">
+                <a:latin typeface="Consolas" panose="020B0609020204030204" pitchFamily="49" charset="0"/>
+              </a:rPr>
+              <a:t> j </a:t>
+            </a:r>
+            <a:r>
+              <a:rPr lang="en-US" sz="1400">
+                <a:solidFill>
+                  <a:srgbClr val="0000FF"/>
+                </a:solidFill>
+                <a:latin typeface="Consolas" panose="020B0609020204030204" pitchFamily="49" charset="0"/>
+              </a:rPr>
+              <a:t>in</a:t>
+            </a:r>
+            <a:r>
+              <a:rPr lang="en-US" sz="1400">
+                <a:latin typeface="Consolas" panose="020B0609020204030204" pitchFamily="49" charset="0"/>
+              </a:rPr>
+              <a:t> </a:t>
+            </a:r>
+            <a:r>
+              <a:rPr lang="en-US" sz="1400">
+                <a:solidFill>
+                  <a:srgbClr val="7030A0"/>
+                </a:solidFill>
+                <a:latin typeface="Consolas" panose="020B0609020204030204" pitchFamily="49" charset="0"/>
+              </a:rPr>
+              <a:t>range</a:t>
+            </a:r>
+            <a:r>
+              <a:rPr lang="en-US" sz="1400">
+                <a:latin typeface="Consolas" panose="020B0609020204030204" pitchFamily="49" charset="0"/>
+              </a:rPr>
+              <a:t>(i):</a:t>
+            </a:r>
+          </a:p>
+          <a:p>
+            <a:r>
+              <a:rPr lang="en-US" sz="1400">
+                <a:latin typeface="Consolas" panose="020B0609020204030204" pitchFamily="49" charset="0"/>
+              </a:rPr>
+              <a:t>                    merged[j] </a:t>
+            </a:r>
+            <a:r>
+              <a:rPr lang="en-US" sz="1400">
+                <a:solidFill>
+                  <a:srgbClr val="0000FF"/>
+                </a:solidFill>
+                <a:latin typeface="Consolas" panose="020B0609020204030204" pitchFamily="49" charset="0"/>
+              </a:rPr>
+              <a:t>=</a:t>
+            </a:r>
+            <a:r>
+              <a:rPr lang="en-US" sz="1400">
+                <a:latin typeface="Consolas" panose="020B0609020204030204" pitchFamily="49" charset="0"/>
+              </a:rPr>
+              <a:t> first[j]</a:t>
+            </a:r>
+          </a:p>
+          <a:p>
+            <a:r>
+              <a:rPr lang="en-US" sz="1400">
+                <a:latin typeface="Consolas" panose="020B0609020204030204" pitchFamily="49" charset="0"/>
+              </a:rPr>
+              <a:t>            merged[i] </a:t>
+            </a:r>
+            <a:r>
+              <a:rPr lang="en-US" sz="1400">
+                <a:solidFill>
+                  <a:srgbClr val="0000FF"/>
+                </a:solidFill>
+                <a:latin typeface="Consolas" panose="020B0609020204030204" pitchFamily="49" charset="0"/>
+              </a:rPr>
+              <a:t>=</a:t>
+            </a:r>
+            <a:r>
+              <a:rPr lang="en-US" sz="1400">
+                <a:latin typeface="Consolas" panose="020B0609020204030204" pitchFamily="49" charset="0"/>
+              </a:rPr>
+              <a:t> common</a:t>
+            </a:r>
+          </a:p>
+          <a:p>
+            <a:r>
+              <a:rPr lang="en-US" sz="1400">
+                <a:latin typeface="Consolas" panose="020B0609020204030204" pitchFamily="49" charset="0"/>
+              </a:rPr>
               <a:t>        </a:t>
             </a:r>
             <a:r>
@@ -45904,85 +45845,156 @@
                 </a:solidFill>
                 <a:latin typeface="Consolas" panose="020B0609020204030204" pitchFamily="49" charset="0"/>
               </a:rPr>
-              <a:t>return</a:t>
+              <a:t>else if </a:t>
             </a:r>
             <a:r>
               <a:rPr lang="en-US" sz="1400">
                 <a:latin typeface="Consolas" panose="020B0609020204030204" pitchFamily="49" charset="0"/>
               </a:rPr>
-              <a:t> {</a:t>
-            </a:r>
+              <a:t>merged:</a:t>
+            </a:r>
+          </a:p>
+          <a:p>
             <a:r>
               <a:rPr lang="en-US" sz="1400">
-                <a:solidFill>
-                  <a:srgbClr val="C00000"/>
-                </a:solidFill>
-                <a:latin typeface="Consolas" panose="020B0609020204030204" pitchFamily="49" charset="0"/>
-              </a:rPr>
-              <a:t>"result"</a:t>
+                <a:latin typeface="Consolas" panose="020B0609020204030204" pitchFamily="49" charset="0"/>
+              </a:rPr>
+              <a:t>            merged[i] </a:t>
             </a:r>
             <a:r>
               <a:rPr lang="en-US" sz="1400">
-                <a:latin typeface="Consolas" panose="020B0609020204030204" pitchFamily="49" charset="0"/>
-              </a:rPr>
-              <a:t>: ComparisonResult.Equal}</a:t>
-            </a:r>
-          </a:p>
-          <a:p>
+                <a:solidFill>
+                  <a:srgbClr val="0000FF"/>
+                </a:solidFill>
+                <a:latin typeface="Consolas" panose="020B0609020204030204" pitchFamily="49" charset="0"/>
+              </a:rPr>
+              <a:t>=</a:t>
+            </a:r>
             <a:r>
               <a:rPr lang="en-US" sz="1400">
                 <a:latin typeface="Consolas" panose="020B0609020204030204" pitchFamily="49" charset="0"/>
               </a:rPr>
-              <a:t>    </a:t>
-            </a:r>
-            <a:r>
-              <a:rPr lang="en-US" sz="1400">
-                <a:solidFill>
-                  <a:srgbClr val="0000FF"/>
-                </a:solidFill>
-                <a:latin typeface="Consolas" panose="020B0609020204030204" pitchFamily="49" charset="0"/>
-              </a:rPr>
-              <a:t>return</a:t>
-            </a:r>
-            <a:r>
-              <a:rPr lang="en-US" sz="1400">
-                <a:latin typeface="Consolas" panose="020B0609020204030204" pitchFamily="49" charset="0"/>
-              </a:rPr>
-              <a:t> {</a:t>
-            </a:r>
-            <a:r>
-              <a:rPr lang="en-US" sz="1400">
-                <a:solidFill>
-                  <a:srgbClr val="C00000"/>
-                </a:solidFill>
-                <a:latin typeface="Consolas" panose="020B0609020204030204" pitchFamily="49" charset="0"/>
-              </a:rPr>
-              <a:t>"result"</a:t>
-            </a:r>
-            <a:r>
-              <a:rPr lang="en-US" sz="1400">
-                <a:latin typeface="Consolas" panose="020B0609020204030204" pitchFamily="49" charset="0"/>
-              </a:rPr>
-              <a:t>: ComparisonResult.Equivalent, </a:t>
-            </a:r>
-            <a:r>
-              <a:rPr lang="en-US" sz="1400">
-                <a:solidFill>
-                  <a:srgbClr val="C00000"/>
-                </a:solidFill>
-                <a:latin typeface="Consolas" panose="020B0609020204030204" pitchFamily="49" charset="0"/>
-              </a:rPr>
-              <a:t>"merged"</a:t>
-            </a:r>
-            <a:r>
-              <a:rPr lang="en-US" sz="1400">
-                <a:latin typeface="Consolas" panose="020B0609020204030204" pitchFamily="49" charset="0"/>
-              </a:rPr>
-              <a:t>: merged}</a:t>
-            </a:r>
+              <a:t> first[i]</a:t>
+            </a:r>
+          </a:p>
+          <a:p>
             <a:endParaRPr lang="en-US" sz="1400">
               <a:latin typeface="Consolas" panose="020B0609020204030204" pitchFamily="49" charset="0"/>
             </a:endParaRPr>
+          </a:p>
+          <a:p>
+            <a:r>
+              <a:rPr lang="en-US" sz="1400">
+                <a:latin typeface="Consolas" panose="020B0609020204030204" pitchFamily="49" charset="0"/>
+              </a:rPr>
+              <a:t>    </a:t>
+            </a:r>
+            <a:r>
+              <a:rPr lang="en-US" sz="1400">
+                <a:solidFill>
+                  <a:srgbClr val="0000FF"/>
+                </a:solidFill>
+                <a:latin typeface="Consolas" panose="020B0609020204030204" pitchFamily="49" charset="0"/>
+              </a:rPr>
+              <a:t>if not </a:t>
+            </a:r>
+            <a:r>
+              <a:rPr lang="en-US" sz="1400">
+                <a:latin typeface="Consolas" panose="020B0609020204030204" pitchFamily="49" charset="0"/>
+              </a:rPr>
+              <a:t>merged:</a:t>
+            </a:r>
+          </a:p>
+          <a:p>
+            <a:r>
+              <a:rPr lang="en-US" sz="1400">
+                <a:latin typeface="Consolas" panose="020B0609020204030204" pitchFamily="49" charset="0"/>
+              </a:rPr>
+              <a:t>        </a:t>
+            </a:r>
+            <a:r>
+              <a:rPr lang="en-US" sz="1400">
+                <a:solidFill>
+                  <a:srgbClr val="0000FF"/>
+                </a:solidFill>
+                <a:latin typeface="Consolas" panose="020B0609020204030204" pitchFamily="49" charset="0"/>
+              </a:rPr>
+              <a:t>return</a:t>
+            </a:r>
+            <a:r>
+              <a:rPr lang="en-US" sz="1400">
+                <a:latin typeface="Consolas" panose="020B0609020204030204" pitchFamily="49" charset="0"/>
+              </a:rPr>
+              <a:t> {</a:t>
+            </a:r>
+            <a:r>
+              <a:rPr lang="en-US" sz="1400">
+                <a:solidFill>
+                  <a:srgbClr val="C00000"/>
+                </a:solidFill>
+                <a:latin typeface="Consolas" panose="020B0609020204030204" pitchFamily="49" charset="0"/>
+              </a:rPr>
+              <a:t>"result"</a:t>
+            </a:r>
+            <a:r>
+              <a:rPr lang="en-US" sz="1400">
+                <a:latin typeface="Consolas" panose="020B0609020204030204" pitchFamily="49" charset="0"/>
+              </a:rPr>
+              <a:t>: ComparisonResult.Equal}</a:t>
+            </a:r>
+          </a:p>
+          <a:p>
+            <a:r>
+              <a:rPr lang="en-US" sz="1400">
+                <a:latin typeface="Consolas" panose="020B0609020204030204" pitchFamily="49" charset="0"/>
+              </a:rPr>
+              <a:t>    </a:t>
+            </a:r>
+            <a:r>
+              <a:rPr lang="en-US" sz="1400">
+                <a:solidFill>
+                  <a:srgbClr val="0000FF"/>
+                </a:solidFill>
+                <a:latin typeface="Consolas" panose="020B0609020204030204" pitchFamily="49" charset="0"/>
+              </a:rPr>
+              <a:t>return</a:t>
+            </a:r>
+            <a:r>
+              <a:rPr lang="en-US" sz="1400">
+                <a:latin typeface="Consolas" panose="020B0609020204030204" pitchFamily="49" charset="0"/>
+              </a:rPr>
+              <a:t> {</a:t>
+            </a:r>
+            <a:r>
+              <a:rPr lang="en-US" sz="1400">
+                <a:solidFill>
+                  <a:srgbClr val="C00000"/>
+                </a:solidFill>
+                <a:latin typeface="Consolas" panose="020B0609020204030204" pitchFamily="49" charset="0"/>
+              </a:rPr>
+              <a:t>"result"</a:t>
+            </a:r>
+            <a:r>
+              <a:rPr lang="en-US" sz="1400">
+                <a:latin typeface="Consolas" panose="020B0609020204030204" pitchFamily="49" charset="0"/>
+              </a:rPr>
+              <a:t>: ComparisonResult.Equivalent, </a:t>
+            </a:r>
+            <a:r>
+              <a:rPr lang="en-US" sz="1400">
+                <a:solidFill>
+                  <a:srgbClr val="C00000"/>
+                </a:solidFill>
+                <a:latin typeface="Consolas" panose="020B0609020204030204" pitchFamily="49" charset="0"/>
+              </a:rPr>
+              <a:t>"merged"</a:t>
+            </a:r>
+            <a:r>
+              <a:rPr lang="en-US" sz="1400">
+                <a:latin typeface="Consolas" panose="020B0609020204030204" pitchFamily="49" charset="0"/>
+              </a:rPr>
+              <a:t>: merged}</a:t>
+            </a:r>
           </a:p>
         </p:txBody>
       </p:sp>
@@ -50065,7 +50077,7 @@
               <a:rPr lang="en-US" smtClean="0">
                 <a:latin typeface="Consolas" panose="020B0609020204030204" pitchFamily="49" charset="0"/>
               </a:rPr>
-              <a:t>(first</a:t>
+              <a:t>(self, first</a:t>
             </a:r>
             <a:r>
               <a:rPr lang="en-US">
@@ -50229,52 +50241,166 @@
                 </a:solidFill>
                 <a:latin typeface="Consolas" panose="020B0609020204030204" pitchFamily="49" charset="0"/>
               </a:rPr>
-              <a:t>if </a:t>
+              <a:t>if not </a:t>
+            </a:r>
+            <a:r>
+              <a:rPr lang="en-US" smtClean="0">
+                <a:solidFill>
+                  <a:srgbClr val="7030A0"/>
+                </a:solidFill>
+                <a:latin typeface="Consolas" panose="020B0609020204030204" pitchFamily="49" charset="0"/>
+              </a:rPr>
+              <a:t>all</a:t>
+            </a:r>
+            <a:r>
+              <a:rPr lang="en-US" smtClean="0">
+                <a:latin typeface="Consolas" panose="020B0609020204030204" pitchFamily="49" charset="0"/>
+              </a:rPr>
+              <a:t>(</a:t>
+            </a:r>
+            <a:r>
+              <a:rPr lang="en-US" smtClean="0">
+                <a:solidFill>
+                  <a:srgbClr val="7030A0"/>
+                </a:solidFill>
+                <a:latin typeface="Consolas" panose="020B0609020204030204" pitchFamily="49" charset="0"/>
+              </a:rPr>
+              <a:t>map</a:t>
+            </a:r>
+            <a:r>
+              <a:rPr lang="en-US" smtClean="0">
+                <a:latin typeface="Consolas" panose="020B0609020204030204" pitchFamily="49" charset="0"/>
+              </a:rPr>
+              <a:t>(self.compatible_CLI_type</a:t>
             </a:r>
             <a:r>
               <a:rPr lang="en-US">
+                <a:latin typeface="Consolas" panose="020B0609020204030204" pitchFamily="49" charset="0"/>
+              </a:rPr>
+              <a:t>, first, second)): </a:t>
+            </a:r>
+          </a:p>
+          <a:p>
+            <a:r>
+              <a:rPr lang="en-US">
+                <a:latin typeface="Consolas" panose="020B0609020204030204" pitchFamily="49" charset="0"/>
+              </a:rPr>
+              <a:t>      </a:t>
+            </a:r>
+            <a:r>
+              <a:rPr lang="en-US">
                 <a:solidFill>
                   <a:srgbClr val="0000FF"/>
                 </a:solidFill>
                 <a:latin typeface="Consolas" panose="020B0609020204030204" pitchFamily="49" charset="0"/>
               </a:rPr>
-              <a:t>not </a:t>
-            </a:r>
-            <a:r>
-              <a:rPr lang="en-US" smtClean="0">
+              <a:t>return</a:t>
+            </a:r>
+            <a:r>
+              <a:rPr lang="en-US">
+                <a:latin typeface="Consolas" panose="020B0609020204030204" pitchFamily="49" charset="0"/>
+              </a:rPr>
+              <a:t> {</a:t>
+            </a:r>
+            <a:r>
+              <a:rPr lang="en-US">
+                <a:solidFill>
+                  <a:srgbClr val="C00000"/>
+                </a:solidFill>
+                <a:latin typeface="Consolas" panose="020B0609020204030204" pitchFamily="49" charset="0"/>
+              </a:rPr>
+              <a:t>"result"</a:t>
+            </a:r>
+            <a:r>
+              <a:rPr lang="en-US">
+                <a:latin typeface="Consolas" panose="020B0609020204030204" pitchFamily="49" charset="0"/>
+              </a:rPr>
+              <a:t>: ComparisonResult.Inconsistent}</a:t>
+            </a:r>
+          </a:p>
+          <a:p>
+            <a:r>
+              <a:rPr lang="en-US">
+                <a:latin typeface="Consolas" panose="020B0609020204030204" pitchFamily="49" charset="0"/>
+              </a:rPr>
+              <a:t>   common_types </a:t>
+            </a:r>
+            <a:r>
+              <a:rPr lang="en-US">
+                <a:solidFill>
+                  <a:srgbClr val="0000FF"/>
+                </a:solidFill>
+                <a:latin typeface="Consolas" panose="020B0609020204030204" pitchFamily="49" charset="0"/>
+              </a:rPr>
+              <a:t>=</a:t>
+            </a:r>
+            <a:r>
+              <a:rPr lang="en-US">
+                <a:latin typeface="Consolas" panose="020B0609020204030204" pitchFamily="49" charset="0"/>
+              </a:rPr>
+              <a:t> </a:t>
+            </a:r>
+            <a:r>
+              <a:rPr lang="en-US">
                 <a:solidFill>
                   <a:srgbClr val="7030A0"/>
                 </a:solidFill>
                 <a:latin typeface="Consolas" panose="020B0609020204030204" pitchFamily="49" charset="0"/>
               </a:rPr>
+              <a:t>list</a:t>
+            </a:r>
+            <a:r>
+              <a:rPr lang="en-US">
+                <a:latin typeface="Consolas" panose="020B0609020204030204" pitchFamily="49" charset="0"/>
+              </a:rPr>
+              <a:t>(</a:t>
+            </a:r>
+            <a:r>
+              <a:rPr lang="en-US">
+                <a:solidFill>
+                  <a:srgbClr val="7030A0"/>
+                </a:solidFill>
+                <a:latin typeface="Consolas" panose="020B0609020204030204" pitchFamily="49" charset="0"/>
+              </a:rPr>
+              <a:t>map</a:t>
+            </a:r>
+            <a:r>
+              <a:rPr lang="en-US">
+                <a:latin typeface="Consolas" panose="020B0609020204030204" pitchFamily="49" charset="0"/>
+              </a:rPr>
+              <a:t>(self.get_common_type, first, second))</a:t>
+            </a:r>
+          </a:p>
+          <a:p>
+            <a:r>
+              <a:rPr lang="en-US">
+                <a:latin typeface="Consolas" panose="020B0609020204030204" pitchFamily="49" charset="0"/>
+              </a:rPr>
+              <a:t>   </a:t>
+            </a:r>
+            <a:r>
+              <a:rPr lang="en-US">
+                <a:solidFill>
+                  <a:srgbClr val="0000FF"/>
+                </a:solidFill>
+                <a:latin typeface="Consolas" panose="020B0609020204030204" pitchFamily="49" charset="0"/>
+              </a:rPr>
+              <a:t>if not </a:t>
+            </a:r>
+            <a:r>
+              <a:rPr lang="en-US">
+                <a:solidFill>
+                  <a:srgbClr val="7030A0"/>
+                </a:solidFill>
+                <a:latin typeface="Consolas" panose="020B0609020204030204" pitchFamily="49" charset="0"/>
+              </a:rPr>
               <a:t>all</a:t>
             </a:r>
             <a:r>
-              <a:rPr lang="en-US" smtClean="0">
-                <a:latin typeface="Consolas" panose="020B0609020204030204" pitchFamily="49" charset="0"/>
-              </a:rPr>
-              <a:t>(</a:t>
-            </a:r>
-            <a:r>
-              <a:rPr lang="en-US" smtClean="0">
-                <a:solidFill>
-                  <a:srgbClr val="7030A0"/>
-                </a:solidFill>
-                <a:latin typeface="Consolas" panose="020B0609020204030204" pitchFamily="49" charset="0"/>
-              </a:rPr>
-              <a:t>map</a:t>
-            </a:r>
-            <a:r>
-              <a:rPr lang="en-US" smtClean="0">
-                <a:latin typeface="Consolas" panose="020B0609020204030204" pitchFamily="49" charset="0"/>
-              </a:rPr>
-              <a:t>(self.compatible_CLI_type</a:t>
-            </a:r>
-            <a:r>
               <a:rPr lang="en-US">
                 <a:latin typeface="Consolas" panose="020B0609020204030204" pitchFamily="49" charset="0"/>
               </a:rPr>
-              <a:t>, first, second)): </a:t>
+              <a:t>(common_types): </a:t>
             </a:r>
           </a:p>
           <a:p>
@@ -50320,7 +50446,7 @@
               <a:rPr lang="en-US">
                 <a:latin typeface="Consolas" panose="020B0609020204030204" pitchFamily="49" charset="0"/>
               </a:rPr>
-              <a:t>   common_types </a:t>
+              <a:t>   </a:t>
             </a:r>
             <a:r>
               <a:rPr lang="en-US">
@@ -50329,170 +50455,44 @@
                 </a:solidFill>
                 <a:latin typeface="Consolas" panose="020B0609020204030204" pitchFamily="49" charset="0"/>
               </a:rPr>
-              <a:t>=</a:t>
+              <a:t>return</a:t>
             </a:r>
             <a:r>
               <a:rPr lang="en-US">
                 <a:latin typeface="Consolas" panose="020B0609020204030204" pitchFamily="49" charset="0"/>
               </a:rPr>
-              <a:t> </a:t>
+              <a:t> {</a:t>
             </a:r>
             <a:r>
               <a:rPr lang="en-US">
                 <a:solidFill>
-                  <a:srgbClr val="7030A0"/>
-                </a:solidFill>
-                <a:latin typeface="Consolas" panose="020B0609020204030204" pitchFamily="49" charset="0"/>
-              </a:rPr>
-              <a:t>list</a:t>
+                  <a:srgbClr val="C00000"/>
+                </a:solidFill>
+                <a:latin typeface="Consolas" panose="020B0609020204030204" pitchFamily="49" charset="0"/>
+              </a:rPr>
+              <a:t>"result"</a:t>
             </a:r>
             <a:r>
               <a:rPr lang="en-US">
                 <a:latin typeface="Consolas" panose="020B0609020204030204" pitchFamily="49" charset="0"/>
               </a:rPr>
-              <a:t>(</a:t>
+              <a:t>: ComparisonResult.Equivalent, </a:t>
             </a:r>
             <a:r>
               <a:rPr lang="en-US">
                 <a:solidFill>
-                  <a:srgbClr val="7030A0"/>
-                </a:solidFill>
-                <a:latin typeface="Consolas" panose="020B0609020204030204" pitchFamily="49" charset="0"/>
-              </a:rPr>
-              <a:t>map</a:t>
+                  <a:srgbClr val="C00000"/>
+                </a:solidFill>
+                <a:latin typeface="Consolas" panose="020B0609020204030204" pitchFamily="49" charset="0"/>
+              </a:rPr>
+              <a:t>"merged"</a:t>
             </a:r>
             <a:r>
               <a:rPr lang="en-US">
                 <a:latin typeface="Consolas" panose="020B0609020204030204" pitchFamily="49" charset="0"/>
               </a:rPr>
-              <a:t>(self.get_common_type, first, second))</a:t>
-            </a:r>
-          </a:p>
-          <a:p>
-            <a:r>
-              <a:rPr lang="en-US">
-                <a:latin typeface="Consolas" panose="020B0609020204030204" pitchFamily="49" charset="0"/>
-              </a:rPr>
-              <a:t>   </a:t>
-            </a:r>
-            <a:r>
-              <a:rPr lang="en-US">
-                <a:solidFill>
-                  <a:srgbClr val="0000FF"/>
-                </a:solidFill>
-                <a:latin typeface="Consolas" panose="020B0609020204030204" pitchFamily="49" charset="0"/>
-              </a:rPr>
-              <a:t>if not </a:t>
-            </a:r>
-            <a:r>
-              <a:rPr lang="en-US">
-                <a:solidFill>
-                  <a:srgbClr val="7030A0"/>
-                </a:solidFill>
-                <a:latin typeface="Consolas" panose="020B0609020204030204" pitchFamily="49" charset="0"/>
-              </a:rPr>
-              <a:t>all</a:t>
-            </a:r>
-            <a:r>
-              <a:rPr lang="en-US">
-                <a:latin typeface="Consolas" panose="020B0609020204030204" pitchFamily="49" charset="0"/>
-              </a:rPr>
-              <a:t>(common_types): </a:t>
-            </a:r>
-          </a:p>
-          <a:p>
-            <a:r>
-              <a:rPr lang="en-US">
-                <a:latin typeface="Consolas" panose="020B0609020204030204" pitchFamily="49" charset="0"/>
-              </a:rPr>
-              <a:t>      </a:t>
-            </a:r>
-            <a:r>
-              <a:rPr lang="en-US">
-                <a:solidFill>
-                  <a:srgbClr val="0000FF"/>
-                </a:solidFill>
-                <a:latin typeface="Consolas" panose="020B0609020204030204" pitchFamily="49" charset="0"/>
-              </a:rPr>
-              <a:t>return</a:t>
-            </a:r>
-            <a:r>
-              <a:rPr lang="en-US">
-                <a:latin typeface="Consolas" panose="020B0609020204030204" pitchFamily="49" charset="0"/>
-              </a:rPr>
-              <a:t> {</a:t>
-            </a:r>
-            <a:r>
-              <a:rPr lang="en-US">
-                <a:solidFill>
-                  <a:srgbClr val="C00000"/>
-                </a:solidFill>
-                <a:latin typeface="Consolas" panose="020B0609020204030204" pitchFamily="49" charset="0"/>
-              </a:rPr>
-              <a:t>"result"</a:t>
-            </a:r>
-            <a:r>
-              <a:rPr lang="en-US">
-                <a:latin typeface="Consolas" panose="020B0609020204030204" pitchFamily="49" charset="0"/>
-              </a:rPr>
-              <a:t>: ComparisonResult.Inconsistent}</a:t>
-            </a:r>
-          </a:p>
-          <a:p>
-            <a:r>
-              <a:rPr lang="en-US">
-                <a:latin typeface="Consolas" panose="020B0609020204030204" pitchFamily="49" charset="0"/>
-              </a:rPr>
-              <a:t>   </a:t>
-            </a:r>
-            <a:r>
-              <a:rPr lang="en-US">
-                <a:solidFill>
-                  <a:srgbClr val="0000FF"/>
-                </a:solidFill>
-                <a:latin typeface="Consolas" panose="020B0609020204030204" pitchFamily="49" charset="0"/>
-              </a:rPr>
-              <a:t>return</a:t>
-            </a:r>
-            <a:r>
-              <a:rPr lang="en-US">
-                <a:latin typeface="Consolas" panose="020B0609020204030204" pitchFamily="49" charset="0"/>
-              </a:rPr>
-              <a:t> {</a:t>
-            </a:r>
-            <a:r>
-              <a:rPr lang="en-US">
-                <a:solidFill>
-                  <a:srgbClr val="C00000"/>
-                </a:solidFill>
-                <a:latin typeface="Consolas" panose="020B0609020204030204" pitchFamily="49" charset="0"/>
-              </a:rPr>
-              <a:t>"result"</a:t>
-            </a:r>
-            <a:r>
-              <a:rPr lang="en-US">
-                <a:latin typeface="Consolas" panose="020B0609020204030204" pitchFamily="49" charset="0"/>
-              </a:rPr>
-              <a:t>: ComparisonResult.Equivalent, </a:t>
-            </a:r>
-            <a:r>
-              <a:rPr lang="en-US">
-                <a:solidFill>
-                  <a:srgbClr val="C00000"/>
-                </a:solidFill>
-                <a:latin typeface="Consolas" panose="020B0609020204030204" pitchFamily="49" charset="0"/>
-              </a:rPr>
-              <a:t>"merged"</a:t>
-            </a:r>
-            <a:r>
-              <a:rPr lang="en-US">
-                <a:latin typeface="Consolas" panose="020B0609020204030204" pitchFamily="49" charset="0"/>
-              </a:rPr>
               <a:t>: common_types} </a:t>
             </a:r>
-            <a:endParaRPr lang="en-US">
-              <a:latin typeface="Consolas" panose="020B0609020204030204" pitchFamily="49" charset="0"/>
-            </a:endParaRPr>
           </a:p>
         </p:txBody>
       </p:sp>
@@ -52615,7 +52615,7 @@
                 <a14:useLocalDpi xmlns:a14="http://schemas.microsoft.com/office/drawing/2010/main" val="0"/>
               </a:ext>
               <a:ext uri="{96DAC541-7B7A-43D3-8B79-37D633B846F1}">
-                <asvg:svgBlip xmlns:asvg="http://schemas.microsoft.com/office/drawing/2016/SVG/main" xmlns="" r:embed="rId4"/>
+                <asvg:svgBlip xmlns="" xmlns:asvg="http://schemas.microsoft.com/office/drawing/2016/SVG/main" r:embed="rId4"/>
               </a:ext>
             </a:extLst>
           </a:blip>
@@ -54474,6 +54474,15 @@
 </file>
 
 <file path=customXml/item1.xml><?xml version="1.0" encoding="utf-8"?>
+<?mso-contentType ?>
+<FormTemplates xmlns="http://schemas.microsoft.com/sharepoint/v3/contenttype/forms">
+  <Display>DocumentLibraryForm</Display>
+  <Edit>DocumentLibraryForm</Edit>
+  <New>DocumentLibraryForm</New>
+</FormTemplates>
+</file>
+
+<file path=customXml/item2.xml><?xml version="1.0" encoding="utf-8"?>
 <ct:contentTypeSchema xmlns:ct="http://schemas.microsoft.com/office/2006/metadata/contentType" xmlns:ma="http://schemas.microsoft.com/office/2006/metadata/properties/metaAttributes" ct:_="" ma:_="" ma:contentTypeName="Документ" ma:contentTypeID="0x010100E346D4429ECB76409F7994AE89987FCA" ma:contentTypeVersion="0" ma:contentTypeDescription="Создание документа." ma:contentTypeScope="" ma:versionID="3cbcf180bdc4db4d624f0fe699415cfd">
   <xsd:schema xmlns:xsd="http://www.w3.org/2001/XMLSchema" xmlns:xs="http://www.w3.org/2001/XMLSchema" xmlns:p="http://schemas.microsoft.com/office/2006/metadata/properties" xmlns:ns2="0c9149cd-f996-4d9e-91c9-ce8e5945528f" targetNamespace="http://schemas.microsoft.com/office/2006/metadata/properties" ma:root="true" ma:fieldsID="8c6f0fecba2eaac0d733b3b653b3f5ff" ns2:_="">
     <xsd:import namespace="0c9149cd-f996-4d9e-91c9-ce8e5945528f"/>
@@ -54618,7 +54627,19 @@
 </ct:contentTypeSchema>
 </file>
 
-<file path=customXml/item2.xml><?xml version="1.0" encoding="utf-8"?>
+<file path=customXml/item3.xml><?xml version="1.0" encoding="utf-8"?>
+<p:properties xmlns:p="http://schemas.microsoft.com/office/2006/metadata/properties" xmlns:xsi="http://www.w3.org/2001/XMLSchema-instance" xmlns:pc="http://schemas.microsoft.com/office/infopath/2007/PartnerControls">
+  <documentManagement>
+    <_dlc_DocId xmlns="0c9149cd-f996-4d9e-91c9-ce8e5945528f">KQK76PRV35WE-1143-163</_dlc_DocId>
+    <_dlc_DocIdUrl xmlns="0c9149cd-f996-4d9e-91c9-ce8e5945528f">
+      <Url>https://sps.skbkontur.ru/Services/officespace/_layouts/DocIdRedir.aspx?ID=KQK76PRV35WE-1143-163</Url>
+      <Description>KQK76PRV35WE-1143-163</Description>
+    </_dlc_DocIdUrl>
+  </documentManagement>
+</p:properties>
+</file>
+
+<file path=customXml/item4.xml><?xml version="1.0" encoding="utf-8"?>
 <?mso-contentType ?>
 <spe:Receivers xmlns:spe="http://schemas.microsoft.com/sharepoint/events">
   <Receiver>
@@ -54664,28 +54685,15 @@
 </spe:Receivers>
 </file>
 
-<file path=customXml/item3.xml><?xml version="1.0" encoding="utf-8"?>
-<?mso-contentType ?>
-<FormTemplates xmlns="http://schemas.microsoft.com/sharepoint/v3/contenttype/forms">
-  <Display>DocumentLibraryForm</Display>
-  <Edit>DocumentLibraryForm</Edit>
-  <New>DocumentLibraryForm</New>
-</FormTemplates>
+<file path=customXml/itemProps1.xml><?xml version="1.0" encoding="utf-8"?>
+<ds:datastoreItem xmlns:ds="http://schemas.openxmlformats.org/officeDocument/2006/customXml" ds:itemID="{3C9FC0A9-D1C6-450E-992B-D3422A85EAB3}">
+  <ds:schemaRefs>
+    <ds:schemaRef ds:uri="http://schemas.microsoft.com/sharepoint/v3/contenttype/forms"/>
+  </ds:schemaRefs>
+</ds:datastoreItem>
 </file>
 
-<file path=customXml/item4.xml><?xml version="1.0" encoding="utf-8"?>
-<p:properties xmlns:p="http://schemas.microsoft.com/office/2006/metadata/properties" xmlns:xsi="http://www.w3.org/2001/XMLSchema-instance" xmlns:pc="http://schemas.microsoft.com/office/infopath/2007/PartnerControls">
-  <documentManagement>
-    <_dlc_DocId xmlns="0c9149cd-f996-4d9e-91c9-ce8e5945528f">KQK76PRV35WE-1143-163</_dlc_DocId>
-    <_dlc_DocIdUrl xmlns="0c9149cd-f996-4d9e-91c9-ce8e5945528f">
-      <Url>https://sps.skbkontur.ru/Services/officespace/_layouts/DocIdRedir.aspx?ID=KQK76PRV35WE-1143-163</Url>
-      <Description>KQK76PRV35WE-1143-163</Description>
-    </_dlc_DocIdUrl>
-  </documentManagement>
-</p:properties>
-</file>
-
-<file path=customXml/itemProps1.xml><?xml version="1.0" encoding="utf-8"?>
+<file path=customXml/itemProps2.xml><?xml version="1.0" encoding="utf-8"?>
 <ds:datastoreItem xmlns:ds="http://schemas.openxmlformats.org/officeDocument/2006/customXml" ds:itemID="{392A0E88-C45E-4035-ACB1-85AF74E6A851}">
   <ds:schemaRefs>
     <ds:schemaRef ds:uri="http://schemas.microsoft.com/office/2006/metadata/contentType"/>
@@ -54703,23 +54711,7 @@
 </ds:datastoreItem>
 </file>
 
-<file path=customXml/itemProps2.xml><?xml version="1.0" encoding="utf-8"?>
-<ds:datastoreItem xmlns:ds="http://schemas.openxmlformats.org/officeDocument/2006/customXml" ds:itemID="{4D57F3B4-626C-48E6-A3BF-29668BFEB3E8}">
-  <ds:schemaRefs>
-    <ds:schemaRef ds:uri="http://schemas.microsoft.com/sharepoint/events"/>
-  </ds:schemaRefs>
-</ds:datastoreItem>
-</file>
-
 <file path=customXml/itemProps3.xml><?xml version="1.0" encoding="utf-8"?>
-<ds:datastoreItem xmlns:ds="http://schemas.openxmlformats.org/officeDocument/2006/customXml" ds:itemID="{3C9FC0A9-D1C6-450E-992B-D3422A85EAB3}">
-  <ds:schemaRefs>
-    <ds:schemaRef ds:uri="http://schemas.microsoft.com/sharepoint/v3/contenttype/forms"/>
-  </ds:schemaRefs>
-</ds:datastoreItem>
-</file>
-
-<file path=customXml/itemProps4.xml><?xml version="1.0" encoding="utf-8"?>
 <ds:datastoreItem xmlns:ds="http://schemas.openxmlformats.org/officeDocument/2006/customXml" ds:itemID="{45CE6859-96AE-4F55-91FD-B1143C1F920F}">
   <ds:schemaRefs>
     <ds:schemaRef ds:uri="http://schemas.microsoft.com/office/2006/documentManagement/types"/>
@@ -54733,4 +54725,12 @@
     <ds:schemaRef ds:uri="http://purl.org/dc/dcmitype/"/>
   </ds:schemaRefs>
 </ds:datastoreItem>
+</file>
+
+<file path=customXml/itemProps4.xml><?xml version="1.0" encoding="utf-8"?>
+<ds:datastoreItem xmlns:ds="http://schemas.openxmlformats.org/officeDocument/2006/customXml" ds:itemID="{4D57F3B4-626C-48E6-A3BF-29668BFEB3E8}">
+  <ds:schemaRefs>
+    <ds:schemaRef ds:uri="http://schemas.microsoft.com/sharepoint/events"/>
+  </ds:schemaRefs>
+</ds:datastoreItem>
 </file>